--- a/MadMeteo/res/icons.pptx
+++ b/MadMeteo/res/icons.pptx
@@ -242,7 +242,7 @@
           <a:p>
             <a:fld id="{551FD8FC-7C72-4BD7-8D55-3B6D9C41F69A}" type="datetimeFigureOut">
               <a:rPr lang="it-IT" smtClean="0"/>
-              <a:t>21/12/2017</a:t>
+              <a:t>04/01/2018</a:t>
             </a:fld>
             <a:endParaRPr lang="it-IT"/>
           </a:p>
@@ -410,7 +410,7 @@
           <a:p>
             <a:fld id="{551FD8FC-7C72-4BD7-8D55-3B6D9C41F69A}" type="datetimeFigureOut">
               <a:rPr lang="it-IT" smtClean="0"/>
-              <a:t>21/12/2017</a:t>
+              <a:t>04/01/2018</a:t>
             </a:fld>
             <a:endParaRPr lang="it-IT"/>
           </a:p>
@@ -588,7 +588,7 @@
           <a:p>
             <a:fld id="{551FD8FC-7C72-4BD7-8D55-3B6D9C41F69A}" type="datetimeFigureOut">
               <a:rPr lang="it-IT" smtClean="0"/>
-              <a:t>21/12/2017</a:t>
+              <a:t>04/01/2018</a:t>
             </a:fld>
             <a:endParaRPr lang="it-IT"/>
           </a:p>
@@ -756,7 +756,7 @@
           <a:p>
             <a:fld id="{551FD8FC-7C72-4BD7-8D55-3B6D9C41F69A}" type="datetimeFigureOut">
               <a:rPr lang="it-IT" smtClean="0"/>
-              <a:t>21/12/2017</a:t>
+              <a:t>04/01/2018</a:t>
             </a:fld>
             <a:endParaRPr lang="it-IT"/>
           </a:p>
@@ -1001,7 +1001,7 @@
           <a:p>
             <a:fld id="{551FD8FC-7C72-4BD7-8D55-3B6D9C41F69A}" type="datetimeFigureOut">
               <a:rPr lang="it-IT" smtClean="0"/>
-              <a:t>21/12/2017</a:t>
+              <a:t>04/01/2018</a:t>
             </a:fld>
             <a:endParaRPr lang="it-IT"/>
           </a:p>
@@ -1230,7 +1230,7 @@
           <a:p>
             <a:fld id="{551FD8FC-7C72-4BD7-8D55-3B6D9C41F69A}" type="datetimeFigureOut">
               <a:rPr lang="it-IT" smtClean="0"/>
-              <a:t>21/12/2017</a:t>
+              <a:t>04/01/2018</a:t>
             </a:fld>
             <a:endParaRPr lang="it-IT"/>
           </a:p>
@@ -1594,7 +1594,7 @@
           <a:p>
             <a:fld id="{551FD8FC-7C72-4BD7-8D55-3B6D9C41F69A}" type="datetimeFigureOut">
               <a:rPr lang="it-IT" smtClean="0"/>
-              <a:t>21/12/2017</a:t>
+              <a:t>04/01/2018</a:t>
             </a:fld>
             <a:endParaRPr lang="it-IT"/>
           </a:p>
@@ -1711,7 +1711,7 @@
           <a:p>
             <a:fld id="{551FD8FC-7C72-4BD7-8D55-3B6D9C41F69A}" type="datetimeFigureOut">
               <a:rPr lang="it-IT" smtClean="0"/>
-              <a:t>21/12/2017</a:t>
+              <a:t>04/01/2018</a:t>
             </a:fld>
             <a:endParaRPr lang="it-IT"/>
           </a:p>
@@ -1806,7 +1806,7 @@
           <a:p>
             <a:fld id="{551FD8FC-7C72-4BD7-8D55-3B6D9C41F69A}" type="datetimeFigureOut">
               <a:rPr lang="it-IT" smtClean="0"/>
-              <a:t>21/12/2017</a:t>
+              <a:t>04/01/2018</a:t>
             </a:fld>
             <a:endParaRPr lang="it-IT"/>
           </a:p>
@@ -2081,7 +2081,7 @@
           <a:p>
             <a:fld id="{551FD8FC-7C72-4BD7-8D55-3B6D9C41F69A}" type="datetimeFigureOut">
               <a:rPr lang="it-IT" smtClean="0"/>
-              <a:t>21/12/2017</a:t>
+              <a:t>04/01/2018</a:t>
             </a:fld>
             <a:endParaRPr lang="it-IT"/>
           </a:p>
@@ -2333,7 +2333,7 @@
           <a:p>
             <a:fld id="{551FD8FC-7C72-4BD7-8D55-3B6D9C41F69A}" type="datetimeFigureOut">
               <a:rPr lang="it-IT" smtClean="0"/>
-              <a:t>21/12/2017</a:t>
+              <a:t>04/01/2018</a:t>
             </a:fld>
             <a:endParaRPr lang="it-IT"/>
           </a:p>
@@ -2544,7 +2544,7 @@
           <a:p>
             <a:fld id="{551FD8FC-7C72-4BD7-8D55-3B6D9C41F69A}" type="datetimeFigureOut">
               <a:rPr lang="it-IT" smtClean="0"/>
-              <a:t>21/12/2017</a:t>
+              <a:t>04/01/2018</a:t>
             </a:fld>
             <a:endParaRPr lang="it-IT"/>
           </a:p>
@@ -5473,6 +5473,685 @@
           </p:txBody>
         </p:sp>
       </p:grpSp>
+      <p:sp>
+        <p:nvSpPr>
+          <p:cNvPr id="99" name="CasellaDiTesto 98"/>
+          <p:cNvSpPr txBox="1"/>
+          <p:nvPr/>
+        </p:nvSpPr>
+        <p:spPr>
+          <a:xfrm>
+            <a:off x="3158996" y="5726180"/>
+            <a:ext cx="1065805" cy="369332"/>
+          </a:xfrm>
+          <a:prstGeom prst="rect">
+            <a:avLst/>
+          </a:prstGeom>
+          <a:noFill/>
+        </p:spPr>
+        <p:txBody>
+          <a:bodyPr wrap="none" rtlCol="0">
+            <a:spAutoFit/>
+          </a:bodyPr>
+          <a:lstStyle/>
+          <a:p>
+            <a:r>
+              <a:rPr lang="it-IT" dirty="0"/>
+              <a:t>Nuvoloso</a:t>
+            </a:r>
+          </a:p>
+        </p:txBody>
+      </p:sp>
+      <p:grpSp>
+        <p:nvGrpSpPr>
+          <p:cNvPr id="101" name="Gruppo 100"/>
+          <p:cNvGrpSpPr/>
+          <p:nvPr/>
+        </p:nvGrpSpPr>
+        <p:grpSpPr>
+          <a:xfrm>
+            <a:off x="2861579" y="3653040"/>
+            <a:ext cx="1800000" cy="1800000"/>
+            <a:chOff x="5534781" y="383952"/>
+            <a:chExt cx="1800000" cy="1800000"/>
+          </a:xfrm>
+        </p:grpSpPr>
+        <p:grpSp>
+          <p:nvGrpSpPr>
+            <p:cNvPr id="103" name="Gruppo 102"/>
+            <p:cNvGrpSpPr/>
+            <p:nvPr/>
+          </p:nvGrpSpPr>
+          <p:grpSpPr>
+            <a:xfrm>
+              <a:off x="5651308" y="500740"/>
+              <a:ext cx="1567835" cy="1551518"/>
+              <a:chOff x="1159910" y="914043"/>
+              <a:chExt cx="1567835" cy="1551518"/>
+            </a:xfrm>
+          </p:grpSpPr>
+          <p:sp>
+            <p:nvSpPr>
+              <p:cNvPr id="106" name="Ovale 105"/>
+              <p:cNvSpPr/>
+              <p:nvPr/>
+            </p:nvSpPr>
+            <p:spPr>
+              <a:xfrm>
+                <a:off x="1584100" y="1339403"/>
+                <a:ext cx="720000" cy="720000"/>
+              </a:xfrm>
+              <a:prstGeom prst="ellipse">
+                <a:avLst/>
+              </a:prstGeom>
+              <a:noFill/>
+              <a:ln w="57150">
+                <a:solidFill>
+                  <a:schemeClr val="tx1"/>
+                </a:solidFill>
+              </a:ln>
+            </p:spPr>
+            <p:style>
+              <a:lnRef idx="2">
+                <a:schemeClr val="accent1">
+                  <a:shade val="50000"/>
+                </a:schemeClr>
+              </a:lnRef>
+              <a:fillRef idx="1">
+                <a:schemeClr val="accent1"/>
+              </a:fillRef>
+              <a:effectRef idx="0">
+                <a:schemeClr val="accent1"/>
+              </a:effectRef>
+              <a:fontRef idx="minor">
+                <a:schemeClr val="lt1"/>
+              </a:fontRef>
+            </p:style>
+            <p:txBody>
+              <a:bodyPr rtlCol="0" anchor="ctr"/>
+              <a:lstStyle/>
+              <a:p>
+                <a:pPr algn="ctr"/>
+                <a:endParaRPr lang="it-IT"/>
+              </a:p>
+            </p:txBody>
+          </p:sp>
+          <p:cxnSp>
+            <p:nvCxnSpPr>
+              <p:cNvPr id="107" name="Connettore diritto 106"/>
+              <p:cNvCxnSpPr/>
+              <p:nvPr/>
+            </p:nvCxnSpPr>
+            <p:spPr>
+              <a:xfrm>
+                <a:off x="1944531" y="914043"/>
+                <a:ext cx="0" cy="360000"/>
+              </a:xfrm>
+              <a:prstGeom prst="line">
+                <a:avLst/>
+              </a:prstGeom>
+              <a:ln w="38100">
+                <a:solidFill>
+                  <a:schemeClr val="tx1"/>
+                </a:solidFill>
+              </a:ln>
+            </p:spPr>
+            <p:style>
+              <a:lnRef idx="1">
+                <a:schemeClr val="accent1"/>
+              </a:lnRef>
+              <a:fillRef idx="0">
+                <a:schemeClr val="accent1"/>
+              </a:fillRef>
+              <a:effectRef idx="0">
+                <a:schemeClr val="accent1"/>
+              </a:effectRef>
+              <a:fontRef idx="minor">
+                <a:schemeClr val="tx1"/>
+              </a:fontRef>
+            </p:style>
+          </p:cxnSp>
+          <p:cxnSp>
+            <p:nvCxnSpPr>
+              <p:cNvPr id="108" name="Connettore diritto 107"/>
+              <p:cNvCxnSpPr/>
+              <p:nvPr/>
+            </p:nvCxnSpPr>
+            <p:spPr>
+              <a:xfrm>
+                <a:off x="1943383" y="2123380"/>
+                <a:ext cx="0" cy="327273"/>
+              </a:xfrm>
+              <a:prstGeom prst="line">
+                <a:avLst/>
+              </a:prstGeom>
+              <a:ln w="38100">
+                <a:solidFill>
+                  <a:schemeClr val="tx1"/>
+                </a:solidFill>
+              </a:ln>
+            </p:spPr>
+            <p:style>
+              <a:lnRef idx="1">
+                <a:schemeClr val="accent1"/>
+              </a:lnRef>
+              <a:fillRef idx="0">
+                <a:schemeClr val="accent1"/>
+              </a:fillRef>
+              <a:effectRef idx="0">
+                <a:schemeClr val="accent1"/>
+              </a:effectRef>
+              <a:fontRef idx="minor">
+                <a:schemeClr val="tx1"/>
+              </a:fontRef>
+            </p:style>
+          </p:cxnSp>
+          <p:cxnSp>
+            <p:nvCxnSpPr>
+              <p:cNvPr id="109" name="Connettore diritto 108"/>
+              <p:cNvCxnSpPr/>
+              <p:nvPr/>
+            </p:nvCxnSpPr>
+            <p:spPr>
+              <a:xfrm flipH="1">
+                <a:off x="2367745" y="1699403"/>
+                <a:ext cx="360000" cy="1"/>
+              </a:xfrm>
+              <a:prstGeom prst="line">
+                <a:avLst/>
+              </a:prstGeom>
+              <a:ln w="38100">
+                <a:solidFill>
+                  <a:schemeClr val="tx1"/>
+                </a:solidFill>
+              </a:ln>
+            </p:spPr>
+            <p:style>
+              <a:lnRef idx="1">
+                <a:schemeClr val="accent1"/>
+              </a:lnRef>
+              <a:fillRef idx="0">
+                <a:schemeClr val="accent1"/>
+              </a:fillRef>
+              <a:effectRef idx="0">
+                <a:schemeClr val="accent1"/>
+              </a:effectRef>
+              <a:fontRef idx="minor">
+                <a:schemeClr val="tx1"/>
+              </a:fontRef>
+            </p:style>
+          </p:cxnSp>
+          <p:cxnSp>
+            <p:nvCxnSpPr>
+              <p:cNvPr id="110" name="Connettore diritto 109"/>
+              <p:cNvCxnSpPr/>
+              <p:nvPr/>
+            </p:nvCxnSpPr>
+            <p:spPr>
+              <a:xfrm flipH="1">
+                <a:off x="1160800" y="1697255"/>
+                <a:ext cx="360000" cy="1"/>
+              </a:xfrm>
+              <a:prstGeom prst="line">
+                <a:avLst/>
+              </a:prstGeom>
+              <a:ln w="38100">
+                <a:solidFill>
+                  <a:schemeClr val="tx1"/>
+                </a:solidFill>
+              </a:ln>
+            </p:spPr>
+            <p:style>
+              <a:lnRef idx="1">
+                <a:schemeClr val="accent1"/>
+              </a:lnRef>
+              <a:fillRef idx="0">
+                <a:schemeClr val="accent1"/>
+              </a:fillRef>
+              <a:effectRef idx="0">
+                <a:schemeClr val="accent1"/>
+              </a:effectRef>
+              <a:fontRef idx="minor">
+                <a:schemeClr val="tx1"/>
+              </a:fontRef>
+            </p:style>
+          </p:cxnSp>
+          <p:grpSp>
+            <p:nvGrpSpPr>
+              <p:cNvPr id="111" name="Gruppo 110"/>
+              <p:cNvGrpSpPr/>
+              <p:nvPr/>
+            </p:nvGrpSpPr>
+            <p:grpSpPr>
+              <a:xfrm rot="2605835">
+                <a:off x="1159910" y="928951"/>
+                <a:ext cx="1566945" cy="1536610"/>
+                <a:chOff x="4240550" y="1859435"/>
+                <a:chExt cx="1566945" cy="1536610"/>
+              </a:xfrm>
+            </p:grpSpPr>
+            <p:cxnSp>
+              <p:nvCxnSpPr>
+                <p:cNvPr id="112" name="Connettore diritto 111"/>
+                <p:cNvCxnSpPr/>
+                <p:nvPr/>
+              </p:nvCxnSpPr>
+              <p:spPr>
+                <a:xfrm>
+                  <a:off x="5024281" y="1859435"/>
+                  <a:ext cx="0" cy="360000"/>
+                </a:xfrm>
+                <a:prstGeom prst="line">
+                  <a:avLst/>
+                </a:prstGeom>
+                <a:ln w="38100">
+                  <a:solidFill>
+                    <a:schemeClr val="tx1"/>
+                  </a:solidFill>
+                </a:ln>
+              </p:spPr>
+              <p:style>
+                <a:lnRef idx="1">
+                  <a:schemeClr val="accent1"/>
+                </a:lnRef>
+                <a:fillRef idx="0">
+                  <a:schemeClr val="accent1"/>
+                </a:fillRef>
+                <a:effectRef idx="0">
+                  <a:schemeClr val="accent1"/>
+                </a:effectRef>
+                <a:fontRef idx="minor">
+                  <a:schemeClr val="tx1"/>
+                </a:fontRef>
+              </p:style>
+            </p:cxnSp>
+            <p:cxnSp>
+              <p:nvCxnSpPr>
+                <p:cNvPr id="113" name="Connettore diritto 112"/>
+                <p:cNvCxnSpPr/>
+                <p:nvPr/>
+              </p:nvCxnSpPr>
+              <p:spPr>
+                <a:xfrm>
+                  <a:off x="5023133" y="3068772"/>
+                  <a:ext cx="0" cy="327273"/>
+                </a:xfrm>
+                <a:prstGeom prst="line">
+                  <a:avLst/>
+                </a:prstGeom>
+                <a:ln w="38100">
+                  <a:solidFill>
+                    <a:schemeClr val="tx1"/>
+                  </a:solidFill>
+                </a:ln>
+              </p:spPr>
+              <p:style>
+                <a:lnRef idx="1">
+                  <a:schemeClr val="accent1"/>
+                </a:lnRef>
+                <a:fillRef idx="0">
+                  <a:schemeClr val="accent1"/>
+                </a:fillRef>
+                <a:effectRef idx="0">
+                  <a:schemeClr val="accent1"/>
+                </a:effectRef>
+                <a:fontRef idx="minor">
+                  <a:schemeClr val="tx1"/>
+                </a:fontRef>
+              </p:style>
+            </p:cxnSp>
+            <p:cxnSp>
+              <p:nvCxnSpPr>
+                <p:cNvPr id="114" name="Connettore diritto 113"/>
+                <p:cNvCxnSpPr/>
+                <p:nvPr/>
+              </p:nvCxnSpPr>
+              <p:spPr>
+                <a:xfrm flipH="1">
+                  <a:off x="5447495" y="2644795"/>
+                  <a:ext cx="360000" cy="1"/>
+                </a:xfrm>
+                <a:prstGeom prst="line">
+                  <a:avLst/>
+                </a:prstGeom>
+                <a:ln w="38100">
+                  <a:solidFill>
+                    <a:schemeClr val="tx1"/>
+                  </a:solidFill>
+                </a:ln>
+              </p:spPr>
+              <p:style>
+                <a:lnRef idx="1">
+                  <a:schemeClr val="accent1"/>
+                </a:lnRef>
+                <a:fillRef idx="0">
+                  <a:schemeClr val="accent1"/>
+                </a:fillRef>
+                <a:effectRef idx="0">
+                  <a:schemeClr val="accent1"/>
+                </a:effectRef>
+                <a:fontRef idx="minor">
+                  <a:schemeClr val="tx1"/>
+                </a:fontRef>
+              </p:style>
+            </p:cxnSp>
+            <p:cxnSp>
+              <p:nvCxnSpPr>
+                <p:cNvPr id="115" name="Connettore diritto 114"/>
+                <p:cNvCxnSpPr/>
+                <p:nvPr/>
+              </p:nvCxnSpPr>
+              <p:spPr>
+                <a:xfrm flipH="1">
+                  <a:off x="4240550" y="2642647"/>
+                  <a:ext cx="360000" cy="1"/>
+                </a:xfrm>
+                <a:prstGeom prst="line">
+                  <a:avLst/>
+                </a:prstGeom>
+                <a:ln w="38100">
+                  <a:solidFill>
+                    <a:schemeClr val="tx1"/>
+                  </a:solidFill>
+                </a:ln>
+              </p:spPr>
+              <p:style>
+                <a:lnRef idx="1">
+                  <a:schemeClr val="accent1"/>
+                </a:lnRef>
+                <a:fillRef idx="0">
+                  <a:schemeClr val="accent1"/>
+                </a:fillRef>
+                <a:effectRef idx="0">
+                  <a:schemeClr val="accent1"/>
+                </a:effectRef>
+                <a:fontRef idx="minor">
+                  <a:schemeClr val="tx1"/>
+                </a:fontRef>
+              </p:style>
+            </p:cxnSp>
+          </p:grpSp>
+        </p:grpSp>
+        <p:sp>
+          <p:nvSpPr>
+            <p:cNvPr id="104" name="Rettangolo 103"/>
+            <p:cNvSpPr/>
+            <p:nvPr/>
+          </p:nvSpPr>
+          <p:spPr>
+            <a:xfrm>
+              <a:off x="5534781" y="383952"/>
+              <a:ext cx="1800000" cy="1800000"/>
+            </a:xfrm>
+            <a:prstGeom prst="rect">
+              <a:avLst/>
+            </a:prstGeom>
+            <a:noFill/>
+            <a:ln>
+              <a:noFill/>
+            </a:ln>
+          </p:spPr>
+          <p:style>
+            <a:lnRef idx="2">
+              <a:schemeClr val="accent1">
+                <a:shade val="50000"/>
+              </a:schemeClr>
+            </a:lnRef>
+            <a:fillRef idx="1">
+              <a:schemeClr val="accent1"/>
+            </a:fillRef>
+            <a:effectRef idx="0">
+              <a:schemeClr val="accent1"/>
+            </a:effectRef>
+            <a:fontRef idx="minor">
+              <a:schemeClr val="lt1"/>
+            </a:fontRef>
+          </p:style>
+          <p:txBody>
+            <a:bodyPr rtlCol="0" anchor="ctr"/>
+            <a:lstStyle/>
+            <a:p>
+              <a:pPr algn="ctr"/>
+              <a:endParaRPr lang="it-IT"/>
+            </a:p>
+          </p:txBody>
+        </p:sp>
+        <p:sp>
+          <p:nvSpPr>
+            <p:cNvPr id="105" name="Nuvola 104"/>
+            <p:cNvSpPr/>
+            <p:nvPr/>
+          </p:nvSpPr>
+          <p:spPr>
+            <a:xfrm>
+              <a:off x="5534781" y="1010208"/>
+              <a:ext cx="1247622" cy="785360"/>
+            </a:xfrm>
+            <a:prstGeom prst="cloud">
+              <a:avLst/>
+            </a:prstGeom>
+            <a:solidFill>
+              <a:schemeClr val="tx1">
+                <a:lumMod val="50000"/>
+                <a:lumOff val="50000"/>
+              </a:schemeClr>
+            </a:solidFill>
+            <a:ln>
+              <a:solidFill>
+                <a:schemeClr val="tx1"/>
+              </a:solidFill>
+            </a:ln>
+          </p:spPr>
+          <p:style>
+            <a:lnRef idx="2">
+              <a:schemeClr val="accent1">
+                <a:shade val="50000"/>
+              </a:schemeClr>
+            </a:lnRef>
+            <a:fillRef idx="1">
+              <a:schemeClr val="accent1"/>
+            </a:fillRef>
+            <a:effectRef idx="0">
+              <a:schemeClr val="accent1"/>
+            </a:effectRef>
+            <a:fontRef idx="minor">
+              <a:schemeClr val="lt1"/>
+            </a:fontRef>
+          </p:style>
+          <p:txBody>
+            <a:bodyPr rtlCol="0" anchor="ctr"/>
+            <a:lstStyle/>
+            <a:p>
+              <a:pPr algn="ctr"/>
+              <a:endParaRPr lang="it-IT"/>
+            </a:p>
+          </p:txBody>
+        </p:sp>
+      </p:grpSp>
+      <p:sp>
+        <p:nvSpPr>
+          <p:cNvPr id="2" name="Arco 1"/>
+          <p:cNvSpPr/>
+          <p:nvPr/>
+        </p:nvSpPr>
+        <p:spPr>
+          <a:xfrm rot="15257565">
+            <a:off x="5555261" y="3919947"/>
+            <a:ext cx="771326" cy="1066789"/>
+          </a:xfrm>
+          <a:prstGeom prst="arc">
+            <a:avLst>
+              <a:gd name="adj1" fmla="val 12462840"/>
+              <a:gd name="adj2" fmla="val 19530734"/>
+            </a:avLst>
+          </a:prstGeom>
+          <a:ln w="76200">
+            <a:solidFill>
+              <a:schemeClr val="tx1"/>
+            </a:solidFill>
+          </a:ln>
+        </p:spPr>
+        <p:style>
+          <a:lnRef idx="1">
+            <a:schemeClr val="accent1"/>
+          </a:lnRef>
+          <a:fillRef idx="0">
+            <a:schemeClr val="accent1"/>
+          </a:fillRef>
+          <a:effectRef idx="0">
+            <a:schemeClr val="accent1"/>
+          </a:effectRef>
+          <a:fontRef idx="minor">
+            <a:schemeClr val="tx1"/>
+          </a:fontRef>
+        </p:style>
+        <p:txBody>
+          <a:bodyPr rtlCol="0" anchor="ctr"/>
+          <a:lstStyle/>
+          <a:p>
+            <a:pPr algn="ctr"/>
+            <a:endParaRPr lang="it-IT"/>
+          </a:p>
+        </p:txBody>
+      </p:sp>
+      <p:sp>
+        <p:nvSpPr>
+          <p:cNvPr id="116" name="Arco 115"/>
+          <p:cNvSpPr/>
+          <p:nvPr/>
+        </p:nvSpPr>
+        <p:spPr>
+          <a:xfrm rot="20668190">
+            <a:off x="5609578" y="3914044"/>
+            <a:ext cx="528395" cy="554252"/>
+          </a:xfrm>
+          <a:prstGeom prst="arc">
+            <a:avLst>
+              <a:gd name="adj1" fmla="val 11333933"/>
+              <a:gd name="adj2" fmla="val 20990327"/>
+            </a:avLst>
+          </a:prstGeom>
+          <a:ln w="76200">
+            <a:solidFill>
+              <a:schemeClr val="tx1"/>
+            </a:solidFill>
+          </a:ln>
+        </p:spPr>
+        <p:style>
+          <a:lnRef idx="1">
+            <a:schemeClr val="accent1"/>
+          </a:lnRef>
+          <a:fillRef idx="0">
+            <a:schemeClr val="accent1"/>
+          </a:fillRef>
+          <a:effectRef idx="0">
+            <a:schemeClr val="accent1"/>
+          </a:effectRef>
+          <a:fontRef idx="minor">
+            <a:schemeClr val="tx1"/>
+          </a:fontRef>
+        </p:style>
+        <p:txBody>
+          <a:bodyPr rtlCol="0" anchor="ctr"/>
+          <a:lstStyle/>
+          <a:p>
+            <a:pPr algn="ctr"/>
+            <a:endParaRPr lang="it-IT"/>
+          </a:p>
+        </p:txBody>
+      </p:sp>
+      <p:sp>
+        <p:nvSpPr>
+          <p:cNvPr id="117" name="Arco 116"/>
+          <p:cNvSpPr/>
+          <p:nvPr/>
+        </p:nvSpPr>
+        <p:spPr>
+          <a:xfrm rot="1227068">
+            <a:off x="6047734" y="3716544"/>
+            <a:ext cx="1085262" cy="1142595"/>
+          </a:xfrm>
+          <a:prstGeom prst="arc">
+            <a:avLst>
+              <a:gd name="adj1" fmla="val 11089154"/>
+              <a:gd name="adj2" fmla="val 20731690"/>
+            </a:avLst>
+          </a:prstGeom>
+          <a:ln w="76200">
+            <a:solidFill>
+              <a:schemeClr val="tx1"/>
+            </a:solidFill>
+          </a:ln>
+        </p:spPr>
+        <p:style>
+          <a:lnRef idx="1">
+            <a:schemeClr val="accent1"/>
+          </a:lnRef>
+          <a:fillRef idx="0">
+            <a:schemeClr val="accent1"/>
+          </a:fillRef>
+          <a:effectRef idx="0">
+            <a:schemeClr val="accent1"/>
+          </a:effectRef>
+          <a:fontRef idx="minor">
+            <a:schemeClr val="tx1"/>
+          </a:fontRef>
+        </p:style>
+        <p:txBody>
+          <a:bodyPr rtlCol="0" anchor="ctr"/>
+          <a:lstStyle/>
+          <a:p>
+            <a:pPr algn="ctr"/>
+            <a:endParaRPr lang="it-IT"/>
+          </a:p>
+        </p:txBody>
+      </p:sp>
+      <p:sp>
+        <p:nvSpPr>
+          <p:cNvPr id="118" name="Arco 117"/>
+          <p:cNvSpPr/>
+          <p:nvPr/>
+        </p:nvSpPr>
+        <p:spPr>
+          <a:xfrm rot="6726270">
+            <a:off x="6711679" y="4280343"/>
+            <a:ext cx="582769" cy="579742"/>
+          </a:xfrm>
+          <a:prstGeom prst="arc">
+            <a:avLst>
+              <a:gd name="adj1" fmla="val 10733869"/>
+              <a:gd name="adj2" fmla="val 20339489"/>
+            </a:avLst>
+          </a:prstGeom>
+          <a:ln w="76200">
+            <a:solidFill>
+              <a:schemeClr val="tx1"/>
+            </a:solidFill>
+          </a:ln>
+        </p:spPr>
+        <p:style>
+          <a:lnRef idx="1">
+            <a:schemeClr val="accent1"/>
+          </a:lnRef>
+          <a:fillRef idx="0">
+            <a:schemeClr val="accent1"/>
+          </a:fillRef>
+          <a:effectRef idx="0">
+            <a:schemeClr val="accent1"/>
+          </a:effectRef>
+          <a:fontRef idx="minor">
+            <a:schemeClr val="tx1"/>
+          </a:fontRef>
+        </p:style>
+        <p:txBody>
+          <a:bodyPr rtlCol="0" anchor="ctr"/>
+          <a:lstStyle/>
+          <a:p>
+            <a:pPr algn="ctr"/>
+            <a:endParaRPr lang="it-IT"/>
+          </a:p>
+        </p:txBody>
+      </p:sp>
     </p:spTree>
     <p:extLst>
       <p:ext uri="{BB962C8B-B14F-4D97-AF65-F5344CB8AC3E}">

--- a/MadMeteo/res/icons.pptx
+++ b/MadMeteo/res/icons.pptx
@@ -242,7 +242,7 @@
           <a:p>
             <a:fld id="{551FD8FC-7C72-4BD7-8D55-3B6D9C41F69A}" type="datetimeFigureOut">
               <a:rPr lang="it-IT" smtClean="0"/>
-              <a:t>04/01/2018</a:t>
+              <a:t>19/01/2018</a:t>
             </a:fld>
             <a:endParaRPr lang="it-IT"/>
           </a:p>
@@ -410,7 +410,7 @@
           <a:p>
             <a:fld id="{551FD8FC-7C72-4BD7-8D55-3B6D9C41F69A}" type="datetimeFigureOut">
               <a:rPr lang="it-IT" smtClean="0"/>
-              <a:t>04/01/2018</a:t>
+              <a:t>19/01/2018</a:t>
             </a:fld>
             <a:endParaRPr lang="it-IT"/>
           </a:p>
@@ -588,7 +588,7 @@
           <a:p>
             <a:fld id="{551FD8FC-7C72-4BD7-8D55-3B6D9C41F69A}" type="datetimeFigureOut">
               <a:rPr lang="it-IT" smtClean="0"/>
-              <a:t>04/01/2018</a:t>
+              <a:t>19/01/2018</a:t>
             </a:fld>
             <a:endParaRPr lang="it-IT"/>
           </a:p>
@@ -756,7 +756,7 @@
           <a:p>
             <a:fld id="{551FD8FC-7C72-4BD7-8D55-3B6D9C41F69A}" type="datetimeFigureOut">
               <a:rPr lang="it-IT" smtClean="0"/>
-              <a:t>04/01/2018</a:t>
+              <a:t>19/01/2018</a:t>
             </a:fld>
             <a:endParaRPr lang="it-IT"/>
           </a:p>
@@ -1001,7 +1001,7 @@
           <a:p>
             <a:fld id="{551FD8FC-7C72-4BD7-8D55-3B6D9C41F69A}" type="datetimeFigureOut">
               <a:rPr lang="it-IT" smtClean="0"/>
-              <a:t>04/01/2018</a:t>
+              <a:t>19/01/2018</a:t>
             </a:fld>
             <a:endParaRPr lang="it-IT"/>
           </a:p>
@@ -1230,7 +1230,7 @@
           <a:p>
             <a:fld id="{551FD8FC-7C72-4BD7-8D55-3B6D9C41F69A}" type="datetimeFigureOut">
               <a:rPr lang="it-IT" smtClean="0"/>
-              <a:t>04/01/2018</a:t>
+              <a:t>19/01/2018</a:t>
             </a:fld>
             <a:endParaRPr lang="it-IT"/>
           </a:p>
@@ -1594,7 +1594,7 @@
           <a:p>
             <a:fld id="{551FD8FC-7C72-4BD7-8D55-3B6D9C41F69A}" type="datetimeFigureOut">
               <a:rPr lang="it-IT" smtClean="0"/>
-              <a:t>04/01/2018</a:t>
+              <a:t>19/01/2018</a:t>
             </a:fld>
             <a:endParaRPr lang="it-IT"/>
           </a:p>
@@ -1711,7 +1711,7 @@
           <a:p>
             <a:fld id="{551FD8FC-7C72-4BD7-8D55-3B6D9C41F69A}" type="datetimeFigureOut">
               <a:rPr lang="it-IT" smtClean="0"/>
-              <a:t>04/01/2018</a:t>
+              <a:t>19/01/2018</a:t>
             </a:fld>
             <a:endParaRPr lang="it-IT"/>
           </a:p>
@@ -1806,7 +1806,7 @@
           <a:p>
             <a:fld id="{551FD8FC-7C72-4BD7-8D55-3B6D9C41F69A}" type="datetimeFigureOut">
               <a:rPr lang="it-IT" smtClean="0"/>
-              <a:t>04/01/2018</a:t>
+              <a:t>19/01/2018</a:t>
             </a:fld>
             <a:endParaRPr lang="it-IT"/>
           </a:p>
@@ -2081,7 +2081,7 @@
           <a:p>
             <a:fld id="{551FD8FC-7C72-4BD7-8D55-3B6D9C41F69A}" type="datetimeFigureOut">
               <a:rPr lang="it-IT" smtClean="0"/>
-              <a:t>04/01/2018</a:t>
+              <a:t>19/01/2018</a:t>
             </a:fld>
             <a:endParaRPr lang="it-IT"/>
           </a:p>
@@ -2333,7 +2333,7 @@
           <a:p>
             <a:fld id="{551FD8FC-7C72-4BD7-8D55-3B6D9C41F69A}" type="datetimeFigureOut">
               <a:rPr lang="it-IT" smtClean="0"/>
-              <a:t>04/01/2018</a:t>
+              <a:t>19/01/2018</a:t>
             </a:fld>
             <a:endParaRPr lang="it-IT"/>
           </a:p>
@@ -2544,7 +2544,7 @@
           <a:p>
             <a:fld id="{551FD8FC-7C72-4BD7-8D55-3B6D9C41F69A}" type="datetimeFigureOut">
               <a:rPr lang="it-IT" smtClean="0"/>
-              <a:t>04/01/2018</a:t>
+              <a:t>19/01/2018</a:t>
             </a:fld>
             <a:endParaRPr lang="it-IT"/>
           </a:p>
@@ -6152,6 +6152,196 @@
           </a:p>
         </p:txBody>
       </p:sp>
+      <p:sp>
+        <p:nvSpPr>
+          <p:cNvPr id="100" name="CasellaDiTesto 99"/>
+          <p:cNvSpPr txBox="1"/>
+          <p:nvPr/>
+        </p:nvSpPr>
+        <p:spPr>
+          <a:xfrm>
+            <a:off x="8840783" y="5617132"/>
+            <a:ext cx="1065805" cy="369332"/>
+          </a:xfrm>
+          <a:prstGeom prst="rect">
+            <a:avLst/>
+          </a:prstGeom>
+          <a:noFill/>
+        </p:spPr>
+        <p:txBody>
+          <a:bodyPr wrap="none" rtlCol="0">
+            <a:spAutoFit/>
+          </a:bodyPr>
+          <a:lstStyle/>
+          <a:p>
+            <a:r>
+              <a:rPr lang="it-IT" dirty="0"/>
+              <a:t>Nuvoloso</a:t>
+            </a:r>
+          </a:p>
+        </p:txBody>
+      </p:sp>
+      <p:grpSp>
+        <p:nvGrpSpPr>
+          <p:cNvPr id="3" name="Gruppo 2"/>
+          <p:cNvGrpSpPr/>
+          <p:nvPr/>
+        </p:nvGrpSpPr>
+        <p:grpSpPr>
+          <a:xfrm>
+            <a:off x="8543366" y="3543992"/>
+            <a:ext cx="1800000" cy="1800000"/>
+            <a:chOff x="8543366" y="3543992"/>
+            <a:chExt cx="1800000" cy="1800000"/>
+          </a:xfrm>
+        </p:grpSpPr>
+        <p:sp>
+          <p:nvSpPr>
+            <p:cNvPr id="120" name="Rettangolo 119"/>
+            <p:cNvSpPr/>
+            <p:nvPr/>
+          </p:nvSpPr>
+          <p:spPr>
+            <a:xfrm>
+              <a:off x="8543366" y="3543992"/>
+              <a:ext cx="1800000" cy="1800000"/>
+            </a:xfrm>
+            <a:prstGeom prst="rect">
+              <a:avLst/>
+            </a:prstGeom>
+            <a:noFill/>
+            <a:ln>
+              <a:noFill/>
+            </a:ln>
+          </p:spPr>
+          <p:style>
+            <a:lnRef idx="2">
+              <a:schemeClr val="accent1">
+                <a:shade val="50000"/>
+              </a:schemeClr>
+            </a:lnRef>
+            <a:fillRef idx="1">
+              <a:schemeClr val="accent1"/>
+            </a:fillRef>
+            <a:effectRef idx="0">
+              <a:schemeClr val="accent1"/>
+            </a:effectRef>
+            <a:fontRef idx="minor">
+              <a:schemeClr val="lt1"/>
+            </a:fontRef>
+          </p:style>
+          <p:txBody>
+            <a:bodyPr rtlCol="0" anchor="ctr"/>
+            <a:lstStyle/>
+            <a:p>
+              <a:pPr algn="ctr"/>
+              <a:endParaRPr lang="it-IT" dirty="0"/>
+            </a:p>
+          </p:txBody>
+        </p:sp>
+        <p:sp>
+          <p:nvSpPr>
+            <p:cNvPr id="121" name="Nuvola 120"/>
+            <p:cNvSpPr/>
+            <p:nvPr/>
+          </p:nvSpPr>
+          <p:spPr>
+            <a:xfrm>
+              <a:off x="8657666" y="4233748"/>
+              <a:ext cx="1247622" cy="785360"/>
+            </a:xfrm>
+            <a:prstGeom prst="cloud">
+              <a:avLst/>
+            </a:prstGeom>
+            <a:solidFill>
+              <a:schemeClr val="tx1">
+                <a:lumMod val="50000"/>
+                <a:lumOff val="50000"/>
+              </a:schemeClr>
+            </a:solidFill>
+            <a:ln>
+              <a:solidFill>
+                <a:schemeClr val="tx1"/>
+              </a:solidFill>
+            </a:ln>
+          </p:spPr>
+          <p:style>
+            <a:lnRef idx="2">
+              <a:schemeClr val="accent1">
+                <a:shade val="50000"/>
+              </a:schemeClr>
+            </a:lnRef>
+            <a:fillRef idx="1">
+              <a:schemeClr val="accent1"/>
+            </a:fillRef>
+            <a:effectRef idx="0">
+              <a:schemeClr val="accent1"/>
+            </a:effectRef>
+            <a:fontRef idx="minor">
+              <a:schemeClr val="lt1"/>
+            </a:fontRef>
+          </p:style>
+          <p:txBody>
+            <a:bodyPr rtlCol="0" anchor="ctr"/>
+            <a:lstStyle/>
+            <a:p>
+              <a:pPr algn="ctr"/>
+              <a:endParaRPr lang="it-IT" dirty="0"/>
+            </a:p>
+          </p:txBody>
+        </p:sp>
+        <p:sp>
+          <p:nvSpPr>
+            <p:cNvPr id="133" name="Nuvola 132"/>
+            <p:cNvSpPr/>
+            <p:nvPr/>
+          </p:nvSpPr>
+          <p:spPr>
+            <a:xfrm>
+              <a:off x="9364632" y="3960609"/>
+              <a:ext cx="833982" cy="610412"/>
+            </a:xfrm>
+            <a:prstGeom prst="cloud">
+              <a:avLst/>
+            </a:prstGeom>
+            <a:solidFill>
+              <a:schemeClr val="tx1">
+                <a:lumMod val="50000"/>
+                <a:lumOff val="50000"/>
+              </a:schemeClr>
+            </a:solidFill>
+            <a:ln>
+              <a:solidFill>
+                <a:schemeClr val="tx1"/>
+              </a:solidFill>
+            </a:ln>
+          </p:spPr>
+          <p:style>
+            <a:lnRef idx="2">
+              <a:schemeClr val="accent1">
+                <a:shade val="50000"/>
+              </a:schemeClr>
+            </a:lnRef>
+            <a:fillRef idx="1">
+              <a:schemeClr val="accent1"/>
+            </a:fillRef>
+            <a:effectRef idx="0">
+              <a:schemeClr val="accent1"/>
+            </a:effectRef>
+            <a:fontRef idx="minor">
+              <a:schemeClr val="lt1"/>
+            </a:fontRef>
+          </p:style>
+          <p:txBody>
+            <a:bodyPr rtlCol="0" anchor="ctr"/>
+            <a:lstStyle/>
+            <a:p>
+              <a:pPr algn="ctr"/>
+              <a:endParaRPr lang="it-IT" dirty="0"/>
+            </a:p>
+          </p:txBody>
+        </p:sp>
+      </p:grpSp>
     </p:spTree>
     <p:extLst>
       <p:ext uri="{BB962C8B-B14F-4D97-AF65-F5344CB8AC3E}">

--- a/MadMeteo/res/icons.pptx
+++ b/MadMeteo/res/icons.pptx
@@ -6,7 +6,8 @@
   </p:sldMasterIdLst>
   <p:sldIdLst>
     <p:sldId id="256" r:id="rId2"/>
-    <p:sldId id="257" r:id="rId3"/>
+    <p:sldId id="258" r:id="rId3"/>
+    <p:sldId id="257" r:id="rId4"/>
   </p:sldIdLst>
   <p:sldSz cx="12192000" cy="6858000"/>
   <p:notesSz cx="6858000" cy="9144000"/>
@@ -242,7 +243,7 @@
           <a:p>
             <a:fld id="{551FD8FC-7C72-4BD7-8D55-3B6D9C41F69A}" type="datetimeFigureOut">
               <a:rPr lang="it-IT" smtClean="0"/>
-              <a:t>19/01/2018</a:t>
+              <a:t>22/01/2018</a:t>
             </a:fld>
             <a:endParaRPr lang="it-IT"/>
           </a:p>
@@ -410,7 +411,7 @@
           <a:p>
             <a:fld id="{551FD8FC-7C72-4BD7-8D55-3B6D9C41F69A}" type="datetimeFigureOut">
               <a:rPr lang="it-IT" smtClean="0"/>
-              <a:t>19/01/2018</a:t>
+              <a:t>22/01/2018</a:t>
             </a:fld>
             <a:endParaRPr lang="it-IT"/>
           </a:p>
@@ -588,7 +589,7 @@
           <a:p>
             <a:fld id="{551FD8FC-7C72-4BD7-8D55-3B6D9C41F69A}" type="datetimeFigureOut">
               <a:rPr lang="it-IT" smtClean="0"/>
-              <a:t>19/01/2018</a:t>
+              <a:t>22/01/2018</a:t>
             </a:fld>
             <a:endParaRPr lang="it-IT"/>
           </a:p>
@@ -756,7 +757,7 @@
           <a:p>
             <a:fld id="{551FD8FC-7C72-4BD7-8D55-3B6D9C41F69A}" type="datetimeFigureOut">
               <a:rPr lang="it-IT" smtClean="0"/>
-              <a:t>19/01/2018</a:t>
+              <a:t>22/01/2018</a:t>
             </a:fld>
             <a:endParaRPr lang="it-IT"/>
           </a:p>
@@ -1001,7 +1002,7 @@
           <a:p>
             <a:fld id="{551FD8FC-7C72-4BD7-8D55-3B6D9C41F69A}" type="datetimeFigureOut">
               <a:rPr lang="it-IT" smtClean="0"/>
-              <a:t>19/01/2018</a:t>
+              <a:t>22/01/2018</a:t>
             </a:fld>
             <a:endParaRPr lang="it-IT"/>
           </a:p>
@@ -1230,7 +1231,7 @@
           <a:p>
             <a:fld id="{551FD8FC-7C72-4BD7-8D55-3B6D9C41F69A}" type="datetimeFigureOut">
               <a:rPr lang="it-IT" smtClean="0"/>
-              <a:t>19/01/2018</a:t>
+              <a:t>22/01/2018</a:t>
             </a:fld>
             <a:endParaRPr lang="it-IT"/>
           </a:p>
@@ -1594,7 +1595,7 @@
           <a:p>
             <a:fld id="{551FD8FC-7C72-4BD7-8D55-3B6D9C41F69A}" type="datetimeFigureOut">
               <a:rPr lang="it-IT" smtClean="0"/>
-              <a:t>19/01/2018</a:t>
+              <a:t>22/01/2018</a:t>
             </a:fld>
             <a:endParaRPr lang="it-IT"/>
           </a:p>
@@ -1711,7 +1712,7 @@
           <a:p>
             <a:fld id="{551FD8FC-7C72-4BD7-8D55-3B6D9C41F69A}" type="datetimeFigureOut">
               <a:rPr lang="it-IT" smtClean="0"/>
-              <a:t>19/01/2018</a:t>
+              <a:t>22/01/2018</a:t>
             </a:fld>
             <a:endParaRPr lang="it-IT"/>
           </a:p>
@@ -1806,7 +1807,7 @@
           <a:p>
             <a:fld id="{551FD8FC-7C72-4BD7-8D55-3B6D9C41F69A}" type="datetimeFigureOut">
               <a:rPr lang="it-IT" smtClean="0"/>
-              <a:t>19/01/2018</a:t>
+              <a:t>22/01/2018</a:t>
             </a:fld>
             <a:endParaRPr lang="it-IT"/>
           </a:p>
@@ -2081,7 +2082,7 @@
           <a:p>
             <a:fld id="{551FD8FC-7C72-4BD7-8D55-3B6D9C41F69A}" type="datetimeFigureOut">
               <a:rPr lang="it-IT" smtClean="0"/>
-              <a:t>19/01/2018</a:t>
+              <a:t>22/01/2018</a:t>
             </a:fld>
             <a:endParaRPr lang="it-IT"/>
           </a:p>
@@ -2333,7 +2334,7 @@
           <a:p>
             <a:fld id="{551FD8FC-7C72-4BD7-8D55-3B6D9C41F69A}" type="datetimeFigureOut">
               <a:rPr lang="it-IT" smtClean="0"/>
-              <a:t>19/01/2018</a:t>
+              <a:t>22/01/2018</a:t>
             </a:fld>
             <a:endParaRPr lang="it-IT"/>
           </a:p>
@@ -2544,7 +2545,7 @@
           <a:p>
             <a:fld id="{551FD8FC-7C72-4BD7-8D55-3B6D9C41F69A}" type="datetimeFigureOut">
               <a:rPr lang="it-IT" smtClean="0"/>
-              <a:t>19/01/2018</a:t>
+              <a:t>22/01/2018</a:t>
             </a:fld>
             <a:endParaRPr lang="it-IT"/>
           </a:p>
@@ -5970,190 +5971,6 @@
       </p:grpSp>
       <p:sp>
         <p:nvSpPr>
-          <p:cNvPr id="2" name="Arco 1"/>
-          <p:cNvSpPr/>
-          <p:nvPr/>
-        </p:nvSpPr>
-        <p:spPr>
-          <a:xfrm rot="15257565">
-            <a:off x="5555261" y="3919947"/>
-            <a:ext cx="771326" cy="1066789"/>
-          </a:xfrm>
-          <a:prstGeom prst="arc">
-            <a:avLst>
-              <a:gd name="adj1" fmla="val 12462840"/>
-              <a:gd name="adj2" fmla="val 19530734"/>
-            </a:avLst>
-          </a:prstGeom>
-          <a:ln w="76200">
-            <a:solidFill>
-              <a:schemeClr val="tx1"/>
-            </a:solidFill>
-          </a:ln>
-        </p:spPr>
-        <p:style>
-          <a:lnRef idx="1">
-            <a:schemeClr val="accent1"/>
-          </a:lnRef>
-          <a:fillRef idx="0">
-            <a:schemeClr val="accent1"/>
-          </a:fillRef>
-          <a:effectRef idx="0">
-            <a:schemeClr val="accent1"/>
-          </a:effectRef>
-          <a:fontRef idx="minor">
-            <a:schemeClr val="tx1"/>
-          </a:fontRef>
-        </p:style>
-        <p:txBody>
-          <a:bodyPr rtlCol="0" anchor="ctr"/>
-          <a:lstStyle/>
-          <a:p>
-            <a:pPr algn="ctr"/>
-            <a:endParaRPr lang="it-IT"/>
-          </a:p>
-        </p:txBody>
-      </p:sp>
-      <p:sp>
-        <p:nvSpPr>
-          <p:cNvPr id="116" name="Arco 115"/>
-          <p:cNvSpPr/>
-          <p:nvPr/>
-        </p:nvSpPr>
-        <p:spPr>
-          <a:xfrm rot="20668190">
-            <a:off x="5609578" y="3914044"/>
-            <a:ext cx="528395" cy="554252"/>
-          </a:xfrm>
-          <a:prstGeom prst="arc">
-            <a:avLst>
-              <a:gd name="adj1" fmla="val 11333933"/>
-              <a:gd name="adj2" fmla="val 20990327"/>
-            </a:avLst>
-          </a:prstGeom>
-          <a:ln w="76200">
-            <a:solidFill>
-              <a:schemeClr val="tx1"/>
-            </a:solidFill>
-          </a:ln>
-        </p:spPr>
-        <p:style>
-          <a:lnRef idx="1">
-            <a:schemeClr val="accent1"/>
-          </a:lnRef>
-          <a:fillRef idx="0">
-            <a:schemeClr val="accent1"/>
-          </a:fillRef>
-          <a:effectRef idx="0">
-            <a:schemeClr val="accent1"/>
-          </a:effectRef>
-          <a:fontRef idx="minor">
-            <a:schemeClr val="tx1"/>
-          </a:fontRef>
-        </p:style>
-        <p:txBody>
-          <a:bodyPr rtlCol="0" anchor="ctr"/>
-          <a:lstStyle/>
-          <a:p>
-            <a:pPr algn="ctr"/>
-            <a:endParaRPr lang="it-IT"/>
-          </a:p>
-        </p:txBody>
-      </p:sp>
-      <p:sp>
-        <p:nvSpPr>
-          <p:cNvPr id="117" name="Arco 116"/>
-          <p:cNvSpPr/>
-          <p:nvPr/>
-        </p:nvSpPr>
-        <p:spPr>
-          <a:xfrm rot="1227068">
-            <a:off x="6047734" y="3716544"/>
-            <a:ext cx="1085262" cy="1142595"/>
-          </a:xfrm>
-          <a:prstGeom prst="arc">
-            <a:avLst>
-              <a:gd name="adj1" fmla="val 11089154"/>
-              <a:gd name="adj2" fmla="val 20731690"/>
-            </a:avLst>
-          </a:prstGeom>
-          <a:ln w="76200">
-            <a:solidFill>
-              <a:schemeClr val="tx1"/>
-            </a:solidFill>
-          </a:ln>
-        </p:spPr>
-        <p:style>
-          <a:lnRef idx="1">
-            <a:schemeClr val="accent1"/>
-          </a:lnRef>
-          <a:fillRef idx="0">
-            <a:schemeClr val="accent1"/>
-          </a:fillRef>
-          <a:effectRef idx="0">
-            <a:schemeClr val="accent1"/>
-          </a:effectRef>
-          <a:fontRef idx="minor">
-            <a:schemeClr val="tx1"/>
-          </a:fontRef>
-        </p:style>
-        <p:txBody>
-          <a:bodyPr rtlCol="0" anchor="ctr"/>
-          <a:lstStyle/>
-          <a:p>
-            <a:pPr algn="ctr"/>
-            <a:endParaRPr lang="it-IT"/>
-          </a:p>
-        </p:txBody>
-      </p:sp>
-      <p:sp>
-        <p:nvSpPr>
-          <p:cNvPr id="118" name="Arco 117"/>
-          <p:cNvSpPr/>
-          <p:nvPr/>
-        </p:nvSpPr>
-        <p:spPr>
-          <a:xfrm rot="6726270">
-            <a:off x="6711679" y="4280343"/>
-            <a:ext cx="582769" cy="579742"/>
-          </a:xfrm>
-          <a:prstGeom prst="arc">
-            <a:avLst>
-              <a:gd name="adj1" fmla="val 10733869"/>
-              <a:gd name="adj2" fmla="val 20339489"/>
-            </a:avLst>
-          </a:prstGeom>
-          <a:ln w="76200">
-            <a:solidFill>
-              <a:schemeClr val="tx1"/>
-            </a:solidFill>
-          </a:ln>
-        </p:spPr>
-        <p:style>
-          <a:lnRef idx="1">
-            <a:schemeClr val="accent1"/>
-          </a:lnRef>
-          <a:fillRef idx="0">
-            <a:schemeClr val="accent1"/>
-          </a:fillRef>
-          <a:effectRef idx="0">
-            <a:schemeClr val="accent1"/>
-          </a:effectRef>
-          <a:fontRef idx="minor">
-            <a:schemeClr val="tx1"/>
-          </a:fontRef>
-        </p:style>
-        <p:txBody>
-          <a:bodyPr rtlCol="0" anchor="ctr"/>
-          <a:lstStyle/>
-          <a:p>
-            <a:pPr algn="ctr"/>
-            <a:endParaRPr lang="it-IT"/>
-          </a:p>
-        </p:txBody>
-      </p:sp>
-      <p:sp>
-        <p:nvSpPr>
           <p:cNvPr id="100" name="CasellaDiTesto 99"/>
           <p:cNvSpPr txBox="1"/>
           <p:nvPr/>
@@ -6356,6 +6173,281 @@
 </file>
 
 <file path=ppt/slides/slide2.xml><?xml version="1.0" encoding="utf-8"?>
+<p:sld xmlns:a="http://schemas.openxmlformats.org/drawingml/2006/main" xmlns:r="http://schemas.openxmlformats.org/officeDocument/2006/relationships" xmlns:p="http://schemas.openxmlformats.org/presentationml/2006/main">
+  <p:cSld>
+    <p:spTree>
+      <p:nvGrpSpPr>
+        <p:cNvPr id="1" name=""/>
+        <p:cNvGrpSpPr/>
+        <p:nvPr/>
+      </p:nvGrpSpPr>
+      <p:grpSpPr>
+        <a:xfrm>
+          <a:off x="0" y="0"/>
+          <a:ext cx="0" cy="0"/>
+          <a:chOff x="0" y="0"/>
+          <a:chExt cx="0" cy="0"/>
+        </a:xfrm>
+      </p:grpSpPr>
+      <p:grpSp>
+        <p:nvGrpSpPr>
+          <p:cNvPr id="8" name="Gruppo 7"/>
+          <p:cNvGrpSpPr/>
+          <p:nvPr/>
+        </p:nvGrpSpPr>
+        <p:grpSpPr>
+          <a:xfrm>
+            <a:off x="4938592" y="3899773"/>
+            <a:ext cx="1471156" cy="989590"/>
+            <a:chOff x="4367092" y="2788523"/>
+            <a:chExt cx="1471156" cy="989590"/>
+          </a:xfrm>
+        </p:grpSpPr>
+        <p:sp>
+          <p:nvSpPr>
+            <p:cNvPr id="3" name="Arco 2"/>
+            <p:cNvSpPr/>
+            <p:nvPr/>
+          </p:nvSpPr>
+          <p:spPr>
+            <a:xfrm rot="15257565">
+              <a:off x="4569438" y="2893111"/>
+              <a:ext cx="662098" cy="1066789"/>
+            </a:xfrm>
+            <a:prstGeom prst="arc">
+              <a:avLst>
+                <a:gd name="adj1" fmla="val 11806900"/>
+                <a:gd name="adj2" fmla="val 20024545"/>
+              </a:avLst>
+            </a:prstGeom>
+            <a:ln w="76200">
+              <a:solidFill>
+                <a:schemeClr val="tx1"/>
+              </a:solidFill>
+            </a:ln>
+          </p:spPr>
+          <p:style>
+            <a:lnRef idx="1">
+              <a:schemeClr val="accent1"/>
+            </a:lnRef>
+            <a:fillRef idx="0">
+              <a:schemeClr val="accent1"/>
+            </a:fillRef>
+            <a:effectRef idx="0">
+              <a:schemeClr val="accent1"/>
+            </a:effectRef>
+            <a:fontRef idx="minor">
+              <a:schemeClr val="tx1"/>
+            </a:fontRef>
+          </p:style>
+          <p:txBody>
+            <a:bodyPr rtlCol="0" anchor="ctr"/>
+            <a:lstStyle/>
+            <a:p>
+              <a:pPr algn="ctr"/>
+              <a:endParaRPr lang="it-IT"/>
+            </a:p>
+          </p:txBody>
+        </p:sp>
+        <p:sp>
+          <p:nvSpPr>
+            <p:cNvPr id="4" name="Arco 3"/>
+            <p:cNvSpPr/>
+            <p:nvPr/>
+          </p:nvSpPr>
+          <p:spPr>
+            <a:xfrm rot="2180380">
+              <a:off x="5167426" y="2891076"/>
+              <a:ext cx="457013" cy="408071"/>
+            </a:xfrm>
+            <a:prstGeom prst="arc">
+              <a:avLst>
+                <a:gd name="adj1" fmla="val 11333933"/>
+                <a:gd name="adj2" fmla="val 20990327"/>
+              </a:avLst>
+            </a:prstGeom>
+            <a:ln w="76200">
+              <a:solidFill>
+                <a:schemeClr val="tx1"/>
+              </a:solidFill>
+            </a:ln>
+          </p:spPr>
+          <p:style>
+            <a:lnRef idx="1">
+              <a:schemeClr val="accent1"/>
+            </a:lnRef>
+            <a:fillRef idx="0">
+              <a:schemeClr val="accent1"/>
+            </a:fillRef>
+            <a:effectRef idx="0">
+              <a:schemeClr val="accent1"/>
+            </a:effectRef>
+            <a:fontRef idx="minor">
+              <a:schemeClr val="tx1"/>
+            </a:fontRef>
+          </p:style>
+          <p:txBody>
+            <a:bodyPr rtlCol="0" anchor="ctr"/>
+            <a:lstStyle/>
+            <a:p>
+              <a:pPr algn="ctr"/>
+              <a:endParaRPr lang="it-IT"/>
+            </a:p>
+          </p:txBody>
+        </p:sp>
+        <p:sp>
+          <p:nvSpPr>
+            <p:cNvPr id="5" name="Arco 4"/>
+            <p:cNvSpPr/>
+            <p:nvPr/>
+          </p:nvSpPr>
+          <p:spPr>
+            <a:xfrm rot="21127153">
+              <a:off x="4652961" y="2788523"/>
+              <a:ext cx="688850" cy="739947"/>
+            </a:xfrm>
+            <a:prstGeom prst="arc">
+              <a:avLst>
+                <a:gd name="adj1" fmla="val 10804855"/>
+                <a:gd name="adj2" fmla="val 19830505"/>
+              </a:avLst>
+            </a:prstGeom>
+            <a:ln w="76200">
+              <a:solidFill>
+                <a:schemeClr val="tx1"/>
+              </a:solidFill>
+            </a:ln>
+          </p:spPr>
+          <p:style>
+            <a:lnRef idx="1">
+              <a:schemeClr val="accent1"/>
+            </a:lnRef>
+            <a:fillRef idx="0">
+              <a:schemeClr val="accent1"/>
+            </a:fillRef>
+            <a:effectRef idx="0">
+              <a:schemeClr val="accent1"/>
+            </a:effectRef>
+            <a:fontRef idx="minor">
+              <a:schemeClr val="tx1"/>
+            </a:fontRef>
+          </p:style>
+          <p:txBody>
+            <a:bodyPr rtlCol="0" anchor="ctr"/>
+            <a:lstStyle/>
+            <a:p>
+              <a:pPr algn="ctr"/>
+              <a:endParaRPr lang="it-IT"/>
+            </a:p>
+          </p:txBody>
+        </p:sp>
+        <p:sp>
+          <p:nvSpPr>
+            <p:cNvPr id="6" name="Arco 5"/>
+            <p:cNvSpPr/>
+            <p:nvPr/>
+          </p:nvSpPr>
+          <p:spPr>
+            <a:xfrm rot="6726270">
+              <a:off x="5132726" y="3068045"/>
+              <a:ext cx="647880" cy="763165"/>
+            </a:xfrm>
+            <a:prstGeom prst="arc">
+              <a:avLst>
+                <a:gd name="adj1" fmla="val 10733869"/>
+                <a:gd name="adj2" fmla="val 281018"/>
+              </a:avLst>
+            </a:prstGeom>
+            <a:ln w="76200">
+              <a:solidFill>
+                <a:schemeClr val="tx1"/>
+              </a:solidFill>
+            </a:ln>
+          </p:spPr>
+          <p:style>
+            <a:lnRef idx="1">
+              <a:schemeClr val="accent1"/>
+            </a:lnRef>
+            <a:fillRef idx="0">
+              <a:schemeClr val="accent1"/>
+            </a:fillRef>
+            <a:effectRef idx="0">
+              <a:schemeClr val="accent1"/>
+            </a:effectRef>
+            <a:fontRef idx="minor">
+              <a:schemeClr val="tx1"/>
+            </a:fontRef>
+          </p:style>
+          <p:txBody>
+            <a:bodyPr rtlCol="0" anchor="ctr"/>
+            <a:lstStyle/>
+            <a:p>
+              <a:pPr algn="ctr"/>
+              <a:endParaRPr lang="it-IT"/>
+            </a:p>
+          </p:txBody>
+        </p:sp>
+        <p:sp>
+          <p:nvSpPr>
+            <p:cNvPr id="7" name="Arco 6"/>
+            <p:cNvSpPr/>
+            <p:nvPr/>
+          </p:nvSpPr>
+          <p:spPr>
+            <a:xfrm rot="10017498">
+              <a:off x="4809771" y="3370042"/>
+              <a:ext cx="887599" cy="408071"/>
+            </a:xfrm>
+            <a:prstGeom prst="arc">
+              <a:avLst>
+                <a:gd name="adj1" fmla="val 15190785"/>
+                <a:gd name="adj2" fmla="val 20990327"/>
+              </a:avLst>
+            </a:prstGeom>
+            <a:ln w="76200">
+              <a:solidFill>
+                <a:schemeClr val="tx1"/>
+              </a:solidFill>
+            </a:ln>
+          </p:spPr>
+          <p:style>
+            <a:lnRef idx="1">
+              <a:schemeClr val="accent1"/>
+            </a:lnRef>
+            <a:fillRef idx="0">
+              <a:schemeClr val="accent1"/>
+            </a:fillRef>
+            <a:effectRef idx="0">
+              <a:schemeClr val="accent1"/>
+            </a:effectRef>
+            <a:fontRef idx="minor">
+              <a:schemeClr val="tx1"/>
+            </a:fontRef>
+          </p:style>
+          <p:txBody>
+            <a:bodyPr rtlCol="0" anchor="ctr"/>
+            <a:lstStyle/>
+            <a:p>
+              <a:pPr algn="ctr"/>
+              <a:endParaRPr lang="it-IT"/>
+            </a:p>
+          </p:txBody>
+        </p:sp>
+      </p:grpSp>
+    </p:spTree>
+    <p:extLst>
+      <p:ext uri="{BB962C8B-B14F-4D97-AF65-F5344CB8AC3E}">
+        <p14:creationId xmlns:p14="http://schemas.microsoft.com/office/powerpoint/2010/main" val="1457210272"/>
+      </p:ext>
+    </p:extLst>
+  </p:cSld>
+  <p:clrMapOvr>
+    <a:masterClrMapping/>
+  </p:clrMapOvr>
+</p:sld>
+</file>
+
+<file path=ppt/slides/slide3.xml><?xml version="1.0" encoding="utf-8"?>
 <p:sld xmlns:a="http://schemas.openxmlformats.org/drawingml/2006/main" xmlns:r="http://schemas.openxmlformats.org/officeDocument/2006/relationships" xmlns:p="http://schemas.openxmlformats.org/presentationml/2006/main">
   <p:cSld>
     <p:spTree>
@@ -6418,810 +6510,6 @@
           </a:p>
         </p:txBody>
       </p:sp>
-      <p:sp>
-        <p:nvSpPr>
-          <p:cNvPr id="28" name="Rettangolo 27"/>
-          <p:cNvSpPr/>
-          <p:nvPr/>
-        </p:nvSpPr>
-        <p:spPr>
-          <a:xfrm>
-            <a:off x="4030389" y="2619189"/>
-            <a:ext cx="704850" cy="476250"/>
-          </a:xfrm>
-          <a:prstGeom prst="rect">
-            <a:avLst/>
-          </a:prstGeom>
-          <a:ln>
-            <a:noFill/>
-          </a:ln>
-        </p:spPr>
-        <p:style>
-          <a:lnRef idx="2">
-            <a:schemeClr val="accent1">
-              <a:shade val="50000"/>
-            </a:schemeClr>
-          </a:lnRef>
-          <a:fillRef idx="1">
-            <a:schemeClr val="accent1"/>
-          </a:fillRef>
-          <a:effectRef idx="0">
-            <a:schemeClr val="accent1"/>
-          </a:effectRef>
-          <a:fontRef idx="minor">
-            <a:schemeClr val="lt1"/>
-          </a:fontRef>
-        </p:style>
-        <p:txBody>
-          <a:bodyPr rtlCol="0" anchor="ctr"/>
-          <a:lstStyle/>
-          <a:p>
-            <a:pPr algn="ctr"/>
-            <a:endParaRPr lang="it-IT"/>
-          </a:p>
-        </p:txBody>
-      </p:sp>
-      <p:cxnSp>
-        <p:nvCxnSpPr>
-          <p:cNvPr id="42" name="Connettore diritto 41"/>
-          <p:cNvCxnSpPr>
-            <a:endCxn id="45" idx="2"/>
-          </p:cNvCxnSpPr>
-          <p:nvPr/>
-        </p:nvCxnSpPr>
-        <p:spPr>
-          <a:xfrm flipV="1">
-            <a:off x="4117389" y="2866436"/>
-            <a:ext cx="468000" cy="2616"/>
-          </a:xfrm>
-          <a:prstGeom prst="line">
-            <a:avLst/>
-          </a:prstGeom>
-          <a:ln w="38100">
-            <a:solidFill>
-              <a:schemeClr val="bg1"/>
-            </a:solidFill>
-          </a:ln>
-        </p:spPr>
-        <p:style>
-          <a:lnRef idx="1">
-            <a:schemeClr val="accent1"/>
-          </a:lnRef>
-          <a:fillRef idx="0">
-            <a:schemeClr val="accent1"/>
-          </a:fillRef>
-          <a:effectRef idx="0">
-            <a:schemeClr val="accent1"/>
-          </a:effectRef>
-          <a:fontRef idx="minor">
-            <a:schemeClr val="tx1"/>
-          </a:fontRef>
-        </p:style>
-      </p:cxnSp>
-      <p:sp>
-        <p:nvSpPr>
-          <p:cNvPr id="43" name="Arco 42"/>
-          <p:cNvSpPr/>
-          <p:nvPr/>
-        </p:nvSpPr>
-        <p:spPr>
-          <a:xfrm rot="10586696">
-            <a:off x="4067058" y="2741801"/>
-            <a:ext cx="147279" cy="128835"/>
-          </a:xfrm>
-          <a:prstGeom prst="arc">
-            <a:avLst>
-              <a:gd name="adj1" fmla="val 17223013"/>
-              <a:gd name="adj2" fmla="val 9591909"/>
-            </a:avLst>
-          </a:prstGeom>
-          <a:ln w="38100">
-            <a:solidFill>
-              <a:schemeClr val="bg1"/>
-            </a:solidFill>
-          </a:ln>
-        </p:spPr>
-        <p:style>
-          <a:lnRef idx="1">
-            <a:schemeClr val="accent1"/>
-          </a:lnRef>
-          <a:fillRef idx="0">
-            <a:schemeClr val="accent1"/>
-          </a:fillRef>
-          <a:effectRef idx="0">
-            <a:schemeClr val="accent1"/>
-          </a:effectRef>
-          <a:fontRef idx="minor">
-            <a:schemeClr val="tx1"/>
-          </a:fontRef>
-        </p:style>
-        <p:txBody>
-          <a:bodyPr rtlCol="0" anchor="ctr"/>
-          <a:lstStyle/>
-          <a:p>
-            <a:pPr algn="ctr"/>
-            <a:endParaRPr lang="it-IT"/>
-          </a:p>
-        </p:txBody>
-      </p:sp>
-      <p:sp>
-        <p:nvSpPr>
-          <p:cNvPr id="44" name="Arco 43"/>
-          <p:cNvSpPr/>
-          <p:nvPr/>
-        </p:nvSpPr>
-        <p:spPr>
-          <a:xfrm rot="14060443">
-            <a:off x="4190694" y="2672841"/>
-            <a:ext cx="126225" cy="145605"/>
-          </a:xfrm>
-          <a:prstGeom prst="arc">
-            <a:avLst>
-              <a:gd name="adj1" fmla="val 17223013"/>
-              <a:gd name="adj2" fmla="val 7433507"/>
-            </a:avLst>
-          </a:prstGeom>
-          <a:ln w="38100">
-            <a:solidFill>
-              <a:schemeClr val="bg1"/>
-            </a:solidFill>
-          </a:ln>
-        </p:spPr>
-        <p:style>
-          <a:lnRef idx="1">
-            <a:schemeClr val="accent1"/>
-          </a:lnRef>
-          <a:fillRef idx="0">
-            <a:schemeClr val="accent1"/>
-          </a:fillRef>
-          <a:effectRef idx="0">
-            <a:schemeClr val="accent1"/>
-          </a:effectRef>
-          <a:fontRef idx="minor">
-            <a:schemeClr val="tx1"/>
-          </a:fontRef>
-        </p:style>
-        <p:txBody>
-          <a:bodyPr rtlCol="0" anchor="ctr"/>
-          <a:lstStyle/>
-          <a:p>
-            <a:pPr algn="ctr"/>
-            <a:endParaRPr lang="it-IT"/>
-          </a:p>
-        </p:txBody>
-      </p:sp>
-      <p:sp>
-        <p:nvSpPr>
-          <p:cNvPr id="45" name="Arco 44"/>
-          <p:cNvSpPr/>
-          <p:nvPr/>
-        </p:nvSpPr>
-        <p:spPr>
-          <a:xfrm rot="18677107">
-            <a:off x="4507002" y="2725491"/>
-            <a:ext cx="128835" cy="147279"/>
-          </a:xfrm>
-          <a:prstGeom prst="arc">
-            <a:avLst>
-              <a:gd name="adj1" fmla="val 18840227"/>
-              <a:gd name="adj2" fmla="val 8540461"/>
-            </a:avLst>
-          </a:prstGeom>
-          <a:ln w="38100">
-            <a:solidFill>
-              <a:schemeClr val="bg1"/>
-            </a:solidFill>
-          </a:ln>
-        </p:spPr>
-        <p:style>
-          <a:lnRef idx="1">
-            <a:schemeClr val="accent1"/>
-          </a:lnRef>
-          <a:fillRef idx="0">
-            <a:schemeClr val="accent1"/>
-          </a:fillRef>
-          <a:effectRef idx="0">
-            <a:schemeClr val="accent1"/>
-          </a:effectRef>
-          <a:fontRef idx="minor">
-            <a:schemeClr val="tx1"/>
-          </a:fontRef>
-        </p:style>
-        <p:txBody>
-          <a:bodyPr rtlCol="0" anchor="ctr"/>
-          <a:lstStyle/>
-          <a:p>
-            <a:pPr algn="ctr"/>
-            <a:endParaRPr lang="it-IT"/>
-          </a:p>
-        </p:txBody>
-      </p:sp>
-      <p:sp>
-        <p:nvSpPr>
-          <p:cNvPr id="50" name="Unità di visualizzazione grafica 49"/>
-          <p:cNvSpPr/>
-          <p:nvPr/>
-        </p:nvSpPr>
-        <p:spPr>
-          <a:xfrm rot="3847648">
-            <a:off x="4117807" y="2972921"/>
-            <a:ext cx="177035" cy="45719"/>
-          </a:xfrm>
-          <a:prstGeom prst="flowChartDisplay">
-            <a:avLst/>
-          </a:prstGeom>
-          <a:solidFill>
-            <a:schemeClr val="bg1"/>
-          </a:solidFill>
-          <a:ln>
-            <a:noFill/>
-          </a:ln>
-        </p:spPr>
-        <p:style>
-          <a:lnRef idx="2">
-            <a:schemeClr val="accent1">
-              <a:shade val="50000"/>
-            </a:schemeClr>
-          </a:lnRef>
-          <a:fillRef idx="1">
-            <a:schemeClr val="accent1"/>
-          </a:fillRef>
-          <a:effectRef idx="0">
-            <a:schemeClr val="accent1"/>
-          </a:effectRef>
-          <a:fontRef idx="minor">
-            <a:schemeClr val="lt1"/>
-          </a:fontRef>
-        </p:style>
-        <p:txBody>
-          <a:bodyPr rtlCol="0" anchor="ctr"/>
-          <a:lstStyle/>
-          <a:p>
-            <a:pPr algn="ctr"/>
-            <a:endParaRPr lang="it-IT"/>
-          </a:p>
-        </p:txBody>
-      </p:sp>
-      <p:sp>
-        <p:nvSpPr>
-          <p:cNvPr id="53" name="Unità di visualizzazione grafica 52"/>
-          <p:cNvSpPr/>
-          <p:nvPr/>
-        </p:nvSpPr>
-        <p:spPr>
-          <a:xfrm rot="3847648">
-            <a:off x="4246981" y="2972920"/>
-            <a:ext cx="177035" cy="45719"/>
-          </a:xfrm>
-          <a:prstGeom prst="flowChartDisplay">
-            <a:avLst/>
-          </a:prstGeom>
-          <a:solidFill>
-            <a:schemeClr val="bg1"/>
-          </a:solidFill>
-          <a:ln>
-            <a:noFill/>
-          </a:ln>
-        </p:spPr>
-        <p:style>
-          <a:lnRef idx="2">
-            <a:schemeClr val="accent1">
-              <a:shade val="50000"/>
-            </a:schemeClr>
-          </a:lnRef>
-          <a:fillRef idx="1">
-            <a:schemeClr val="accent1"/>
-          </a:fillRef>
-          <a:effectRef idx="0">
-            <a:schemeClr val="accent1"/>
-          </a:effectRef>
-          <a:fontRef idx="minor">
-            <a:schemeClr val="lt1"/>
-          </a:fontRef>
-        </p:style>
-        <p:txBody>
-          <a:bodyPr rtlCol="0" anchor="ctr"/>
-          <a:lstStyle/>
-          <a:p>
-            <a:pPr algn="ctr"/>
-            <a:endParaRPr lang="it-IT"/>
-          </a:p>
-        </p:txBody>
-      </p:sp>
-      <p:sp>
-        <p:nvSpPr>
-          <p:cNvPr id="54" name="Unità di visualizzazione grafica 53"/>
-          <p:cNvSpPr/>
-          <p:nvPr/>
-        </p:nvSpPr>
-        <p:spPr>
-          <a:xfrm rot="3847648">
-            <a:off x="4368732" y="2971770"/>
-            <a:ext cx="177035" cy="45719"/>
-          </a:xfrm>
-          <a:prstGeom prst="flowChartDisplay">
-            <a:avLst/>
-          </a:prstGeom>
-          <a:solidFill>
-            <a:schemeClr val="bg1"/>
-          </a:solidFill>
-          <a:ln>
-            <a:noFill/>
-          </a:ln>
-        </p:spPr>
-        <p:style>
-          <a:lnRef idx="2">
-            <a:schemeClr val="accent1">
-              <a:shade val="50000"/>
-            </a:schemeClr>
-          </a:lnRef>
-          <a:fillRef idx="1">
-            <a:schemeClr val="accent1"/>
-          </a:fillRef>
-          <a:effectRef idx="0">
-            <a:schemeClr val="accent1"/>
-          </a:effectRef>
-          <a:fontRef idx="minor">
-            <a:schemeClr val="lt1"/>
-          </a:fontRef>
-        </p:style>
-        <p:txBody>
-          <a:bodyPr rtlCol="0" anchor="ctr"/>
-          <a:lstStyle/>
-          <a:p>
-            <a:pPr algn="ctr"/>
-            <a:endParaRPr lang="it-IT"/>
-          </a:p>
-        </p:txBody>
-      </p:sp>
-      <p:sp>
-        <p:nvSpPr>
-          <p:cNvPr id="56" name="Arco 55"/>
-          <p:cNvSpPr/>
-          <p:nvPr/>
-        </p:nvSpPr>
-        <p:spPr>
-          <a:xfrm rot="16200000">
-            <a:off x="4308286" y="2658890"/>
-            <a:ext cx="126225" cy="145605"/>
-          </a:xfrm>
-          <a:prstGeom prst="arc">
-            <a:avLst>
-              <a:gd name="adj1" fmla="val 17223013"/>
-              <a:gd name="adj2" fmla="val 6561607"/>
-            </a:avLst>
-          </a:prstGeom>
-          <a:ln w="38100">
-            <a:solidFill>
-              <a:schemeClr val="bg1"/>
-            </a:solidFill>
-          </a:ln>
-        </p:spPr>
-        <p:style>
-          <a:lnRef idx="1">
-            <a:schemeClr val="accent1"/>
-          </a:lnRef>
-          <a:fillRef idx="0">
-            <a:schemeClr val="accent1"/>
-          </a:fillRef>
-          <a:effectRef idx="0">
-            <a:schemeClr val="accent1"/>
-          </a:effectRef>
-          <a:fontRef idx="minor">
-            <a:schemeClr val="tx1"/>
-          </a:fontRef>
-        </p:style>
-        <p:txBody>
-          <a:bodyPr rtlCol="0" anchor="ctr"/>
-          <a:lstStyle/>
-          <a:p>
-            <a:pPr algn="ctr"/>
-            <a:endParaRPr lang="it-IT"/>
-          </a:p>
-        </p:txBody>
-      </p:sp>
-      <p:sp>
-        <p:nvSpPr>
-          <p:cNvPr id="57" name="Arco 56"/>
-          <p:cNvSpPr/>
-          <p:nvPr/>
-        </p:nvSpPr>
-        <p:spPr>
-          <a:xfrm rot="16200000">
-            <a:off x="4444982" y="2683561"/>
-            <a:ext cx="126225" cy="145605"/>
-          </a:xfrm>
-          <a:prstGeom prst="arc">
-            <a:avLst>
-              <a:gd name="adj1" fmla="val 17223013"/>
-              <a:gd name="adj2" fmla="val 6053463"/>
-            </a:avLst>
-          </a:prstGeom>
-          <a:ln w="38100">
-            <a:solidFill>
-              <a:schemeClr val="bg1"/>
-            </a:solidFill>
-          </a:ln>
-        </p:spPr>
-        <p:style>
-          <a:lnRef idx="1">
-            <a:schemeClr val="accent1"/>
-          </a:lnRef>
-          <a:fillRef idx="0">
-            <a:schemeClr val="accent1"/>
-          </a:fillRef>
-          <a:effectRef idx="0">
-            <a:schemeClr val="accent1"/>
-          </a:effectRef>
-          <a:fontRef idx="minor">
-            <a:schemeClr val="tx1"/>
-          </a:fontRef>
-        </p:style>
-        <p:txBody>
-          <a:bodyPr rtlCol="0" anchor="ctr"/>
-          <a:lstStyle/>
-          <a:p>
-            <a:pPr algn="ctr"/>
-            <a:endParaRPr lang="it-IT"/>
-          </a:p>
-        </p:txBody>
-      </p:sp>
-      <p:sp>
-        <p:nvSpPr>
-          <p:cNvPr id="62" name="Unità di visualizzazione grafica 61"/>
-          <p:cNvSpPr/>
-          <p:nvPr/>
-        </p:nvSpPr>
-        <p:spPr>
-          <a:xfrm rot="3847648">
-            <a:off x="4490484" y="2969185"/>
-            <a:ext cx="177035" cy="45719"/>
-          </a:xfrm>
-          <a:prstGeom prst="flowChartDisplay">
-            <a:avLst/>
-          </a:prstGeom>
-          <a:solidFill>
-            <a:schemeClr val="bg1"/>
-          </a:solidFill>
-          <a:ln>
-            <a:noFill/>
-          </a:ln>
-        </p:spPr>
-        <p:style>
-          <a:lnRef idx="2">
-            <a:schemeClr val="accent1">
-              <a:shade val="50000"/>
-            </a:schemeClr>
-          </a:lnRef>
-          <a:fillRef idx="1">
-            <a:schemeClr val="accent1"/>
-          </a:fillRef>
-          <a:effectRef idx="0">
-            <a:schemeClr val="accent1"/>
-          </a:effectRef>
-          <a:fontRef idx="minor">
-            <a:schemeClr val="lt1"/>
-          </a:fontRef>
-        </p:style>
-        <p:txBody>
-          <a:bodyPr rtlCol="0" anchor="ctr"/>
-          <a:lstStyle/>
-          <a:p>
-            <a:pPr algn="ctr"/>
-            <a:endParaRPr lang="it-IT"/>
-          </a:p>
-        </p:txBody>
-      </p:sp>
-      <p:sp>
-        <p:nvSpPr>
-          <p:cNvPr id="74" name="Rettangolo 73"/>
-          <p:cNvSpPr/>
-          <p:nvPr/>
-        </p:nvSpPr>
-        <p:spPr>
-          <a:xfrm>
-            <a:off x="4048849" y="3543114"/>
-            <a:ext cx="704850" cy="476250"/>
-          </a:xfrm>
-          <a:prstGeom prst="rect">
-            <a:avLst/>
-          </a:prstGeom>
-          <a:ln>
-            <a:noFill/>
-          </a:ln>
-        </p:spPr>
-        <p:style>
-          <a:lnRef idx="2">
-            <a:schemeClr val="accent1">
-              <a:shade val="50000"/>
-            </a:schemeClr>
-          </a:lnRef>
-          <a:fillRef idx="1">
-            <a:schemeClr val="accent1"/>
-          </a:fillRef>
-          <a:effectRef idx="0">
-            <a:schemeClr val="accent1"/>
-          </a:effectRef>
-          <a:fontRef idx="minor">
-            <a:schemeClr val="lt1"/>
-          </a:fontRef>
-        </p:style>
-        <p:txBody>
-          <a:bodyPr rtlCol="0" anchor="ctr"/>
-          <a:lstStyle/>
-          <a:p>
-            <a:pPr algn="ctr"/>
-            <a:endParaRPr lang="it-IT"/>
-          </a:p>
-        </p:txBody>
-      </p:sp>
-      <p:sp>
-        <p:nvSpPr>
-          <p:cNvPr id="75" name="Arco 74"/>
-          <p:cNvSpPr/>
-          <p:nvPr/>
-        </p:nvSpPr>
-        <p:spPr>
-          <a:xfrm rot="3944990">
-            <a:off x="4319687" y="3800737"/>
-            <a:ext cx="180000" cy="180000"/>
-          </a:xfrm>
-          <a:prstGeom prst="arc">
-            <a:avLst>
-              <a:gd name="adj1" fmla="val 13910424"/>
-              <a:gd name="adj2" fmla="val 10556461"/>
-            </a:avLst>
-          </a:prstGeom>
-          <a:ln w="38100">
-            <a:solidFill>
-              <a:schemeClr val="bg1"/>
-            </a:solidFill>
-          </a:ln>
-        </p:spPr>
-        <p:style>
-          <a:lnRef idx="1">
-            <a:schemeClr val="accent1"/>
-          </a:lnRef>
-          <a:fillRef idx="0">
-            <a:schemeClr val="accent1"/>
-          </a:fillRef>
-          <a:effectRef idx="0">
-            <a:schemeClr val="accent1"/>
-          </a:effectRef>
-          <a:fontRef idx="minor">
-            <a:schemeClr val="tx1"/>
-          </a:fontRef>
-        </p:style>
-        <p:txBody>
-          <a:bodyPr rtlCol="0" anchor="ctr"/>
-          <a:lstStyle/>
-          <a:p>
-            <a:pPr algn="ctr"/>
-            <a:endParaRPr lang="it-IT"/>
-          </a:p>
-        </p:txBody>
-      </p:sp>
-      <p:cxnSp>
-        <p:nvCxnSpPr>
-          <p:cNvPr id="78" name="Connettore diritto 77"/>
-          <p:cNvCxnSpPr/>
-          <p:nvPr/>
-        </p:nvCxnSpPr>
-        <p:spPr>
-          <a:xfrm>
-            <a:off x="4362890" y="3638550"/>
-            <a:ext cx="0" cy="187138"/>
-          </a:xfrm>
-          <a:prstGeom prst="line">
-            <a:avLst/>
-          </a:prstGeom>
-          <a:ln w="38100">
-            <a:solidFill>
-              <a:schemeClr val="bg1"/>
-            </a:solidFill>
-          </a:ln>
-        </p:spPr>
-        <p:style>
-          <a:lnRef idx="1">
-            <a:schemeClr val="accent1"/>
-          </a:lnRef>
-          <a:fillRef idx="0">
-            <a:schemeClr val="accent1"/>
-          </a:fillRef>
-          <a:effectRef idx="0">
-            <a:schemeClr val="accent1"/>
-          </a:effectRef>
-          <a:fontRef idx="minor">
-            <a:schemeClr val="tx1"/>
-          </a:fontRef>
-        </p:style>
-      </p:cxnSp>
-      <p:cxnSp>
-        <p:nvCxnSpPr>
-          <p:cNvPr id="82" name="Connettore diritto 81"/>
-          <p:cNvCxnSpPr/>
-          <p:nvPr/>
-        </p:nvCxnSpPr>
-        <p:spPr>
-          <a:xfrm>
-            <a:off x="4458264" y="3638550"/>
-            <a:ext cx="0" cy="187138"/>
-          </a:xfrm>
-          <a:prstGeom prst="line">
-            <a:avLst/>
-          </a:prstGeom>
-          <a:ln w="38100">
-            <a:solidFill>
-              <a:schemeClr val="bg1"/>
-            </a:solidFill>
-          </a:ln>
-        </p:spPr>
-        <p:style>
-          <a:lnRef idx="1">
-            <a:schemeClr val="accent1"/>
-          </a:lnRef>
-          <a:fillRef idx="0">
-            <a:schemeClr val="accent1"/>
-          </a:fillRef>
-          <a:effectRef idx="0">
-            <a:schemeClr val="accent1"/>
-          </a:effectRef>
-          <a:fontRef idx="minor">
-            <a:schemeClr val="tx1"/>
-          </a:fontRef>
-        </p:style>
-      </p:cxnSp>
-      <p:sp>
-        <p:nvSpPr>
-          <p:cNvPr id="83" name="Arco 82"/>
-          <p:cNvSpPr/>
-          <p:nvPr/>
-        </p:nvSpPr>
-        <p:spPr>
-          <a:xfrm rot="16200000">
-            <a:off x="4350941" y="3599029"/>
-            <a:ext cx="117492" cy="94714"/>
-          </a:xfrm>
-          <a:prstGeom prst="arc">
-            <a:avLst>
-              <a:gd name="adj1" fmla="val 16177640"/>
-              <a:gd name="adj2" fmla="val 5563629"/>
-            </a:avLst>
-          </a:prstGeom>
-          <a:ln w="38100">
-            <a:solidFill>
-              <a:schemeClr val="bg1"/>
-            </a:solidFill>
-          </a:ln>
-        </p:spPr>
-        <p:style>
-          <a:lnRef idx="1">
-            <a:schemeClr val="accent1"/>
-          </a:lnRef>
-          <a:fillRef idx="0">
-            <a:schemeClr val="accent1"/>
-          </a:fillRef>
-          <a:effectRef idx="0">
-            <a:schemeClr val="accent1"/>
-          </a:effectRef>
-          <a:fontRef idx="minor">
-            <a:schemeClr val="tx1"/>
-          </a:fontRef>
-        </p:style>
-        <p:txBody>
-          <a:bodyPr rtlCol="0" anchor="ctr"/>
-          <a:lstStyle/>
-          <a:p>
-            <a:pPr algn="ctr"/>
-            <a:endParaRPr lang="it-IT"/>
-          </a:p>
-        </p:txBody>
-      </p:sp>
-      <p:cxnSp>
-        <p:nvCxnSpPr>
-          <p:cNvPr id="88" name="Connettore diritto 87"/>
-          <p:cNvCxnSpPr/>
-          <p:nvPr/>
-        </p:nvCxnSpPr>
-        <p:spPr>
-          <a:xfrm flipV="1">
-            <a:off x="4362330" y="3670113"/>
-            <a:ext cx="60562" cy="3362"/>
-          </a:xfrm>
-          <a:prstGeom prst="line">
-            <a:avLst/>
-          </a:prstGeom>
-          <a:ln w="19050">
-            <a:solidFill>
-              <a:schemeClr val="bg1"/>
-            </a:solidFill>
-          </a:ln>
-        </p:spPr>
-        <p:style>
-          <a:lnRef idx="1">
-            <a:schemeClr val="accent1"/>
-          </a:lnRef>
-          <a:fillRef idx="0">
-            <a:schemeClr val="accent1"/>
-          </a:fillRef>
-          <a:effectRef idx="0">
-            <a:schemeClr val="accent1"/>
-          </a:effectRef>
-          <a:fontRef idx="minor">
-            <a:schemeClr val="tx1"/>
-          </a:fontRef>
-        </p:style>
-      </p:cxnSp>
-      <p:cxnSp>
-        <p:nvCxnSpPr>
-          <p:cNvPr id="90" name="Connettore diritto 89"/>
-          <p:cNvCxnSpPr/>
-          <p:nvPr/>
-        </p:nvCxnSpPr>
-        <p:spPr>
-          <a:xfrm flipV="1">
-            <a:off x="4365704" y="3709474"/>
-            <a:ext cx="60562" cy="3362"/>
-          </a:xfrm>
-          <a:prstGeom prst="line">
-            <a:avLst/>
-          </a:prstGeom>
-          <a:ln w="19050">
-            <a:solidFill>
-              <a:schemeClr val="bg1"/>
-            </a:solidFill>
-          </a:ln>
-        </p:spPr>
-        <p:style>
-          <a:lnRef idx="1">
-            <a:schemeClr val="accent1"/>
-          </a:lnRef>
-          <a:fillRef idx="0">
-            <a:schemeClr val="accent1"/>
-          </a:fillRef>
-          <a:effectRef idx="0">
-            <a:schemeClr val="accent1"/>
-          </a:effectRef>
-          <a:fontRef idx="minor">
-            <a:schemeClr val="tx1"/>
-          </a:fontRef>
-        </p:style>
-      </p:cxnSp>
-      <p:cxnSp>
-        <p:nvCxnSpPr>
-          <p:cNvPr id="91" name="Connettore diritto 90"/>
-          <p:cNvCxnSpPr/>
-          <p:nvPr/>
-        </p:nvCxnSpPr>
-        <p:spPr>
-          <a:xfrm flipV="1">
-            <a:off x="4368440" y="3749658"/>
-            <a:ext cx="60562" cy="3362"/>
-          </a:xfrm>
-          <a:prstGeom prst="line">
-            <a:avLst/>
-          </a:prstGeom>
-          <a:ln w="19050">
-            <a:solidFill>
-              <a:schemeClr val="bg1"/>
-            </a:solidFill>
-          </a:ln>
-        </p:spPr>
-        <p:style>
-          <a:lnRef idx="1">
-            <a:schemeClr val="accent1"/>
-          </a:lnRef>
-          <a:fillRef idx="0">
-            <a:schemeClr val="accent1"/>
-          </a:fillRef>
-          <a:effectRef idx="0">
-            <a:schemeClr val="accent1"/>
-          </a:effectRef>
-          <a:fontRef idx="minor">
-            <a:schemeClr val="tx1"/>
-          </a:fontRef>
-        </p:style>
-      </p:cxnSp>
       <p:grpSp>
         <p:nvGrpSpPr>
           <p:cNvPr id="9" name="Gruppo 8"/>
@@ -7278,7 +6566,7 @@
             <a:lstStyle/>
             <a:p>
               <a:pPr algn="ctr"/>
-              <a:endParaRPr lang="it-IT"/>
+              <a:endParaRPr lang="it-IT" dirty="0"/>
             </a:p>
           </p:txBody>
         </p:sp>
@@ -7482,6 +6770,2602 @@
             </p:txBody>
           </p:sp>
         </p:grpSp>
+      </p:grpSp>
+      <p:grpSp>
+        <p:nvGrpSpPr>
+          <p:cNvPr id="4" name="Gruppo 3"/>
+          <p:cNvGrpSpPr/>
+          <p:nvPr/>
+        </p:nvGrpSpPr>
+        <p:grpSpPr>
+          <a:xfrm>
+            <a:off x="5512483" y="382240"/>
+            <a:ext cx="2160000" cy="1800000"/>
+            <a:chOff x="5012750" y="2095779"/>
+            <a:chExt cx="2160000" cy="1800000"/>
+          </a:xfrm>
+        </p:grpSpPr>
+        <p:sp>
+          <p:nvSpPr>
+            <p:cNvPr id="36" name="Rettangolo 35"/>
+            <p:cNvSpPr/>
+            <p:nvPr/>
+          </p:nvSpPr>
+          <p:spPr>
+            <a:xfrm>
+              <a:off x="5012750" y="2095779"/>
+              <a:ext cx="2160000" cy="1800000"/>
+            </a:xfrm>
+            <a:prstGeom prst="rect">
+              <a:avLst/>
+            </a:prstGeom>
+            <a:solidFill>
+              <a:srgbClr val="01579B"/>
+            </a:solidFill>
+            <a:ln>
+              <a:noFill/>
+            </a:ln>
+          </p:spPr>
+          <p:style>
+            <a:lnRef idx="2">
+              <a:schemeClr val="accent1">
+                <a:shade val="50000"/>
+              </a:schemeClr>
+            </a:lnRef>
+            <a:fillRef idx="1">
+              <a:schemeClr val="accent1"/>
+            </a:fillRef>
+            <a:effectRef idx="0">
+              <a:schemeClr val="accent1"/>
+            </a:effectRef>
+            <a:fontRef idx="minor">
+              <a:schemeClr val="lt1"/>
+            </a:fontRef>
+          </p:style>
+          <p:txBody>
+            <a:bodyPr rtlCol="0" anchor="ctr"/>
+            <a:lstStyle/>
+            <a:p>
+              <a:pPr algn="ctr"/>
+              <a:endParaRPr lang="it-IT"/>
+            </a:p>
+          </p:txBody>
+        </p:sp>
+        <p:grpSp>
+          <p:nvGrpSpPr>
+            <p:cNvPr id="29" name="Gruppo 28"/>
+            <p:cNvGrpSpPr/>
+            <p:nvPr/>
+          </p:nvGrpSpPr>
+          <p:grpSpPr>
+            <a:xfrm>
+              <a:off x="5355833" y="2324305"/>
+              <a:ext cx="1471156" cy="989590"/>
+              <a:chOff x="4367092" y="2610723"/>
+              <a:chExt cx="1471156" cy="989590"/>
+            </a:xfrm>
+          </p:grpSpPr>
+          <p:sp>
+            <p:nvSpPr>
+              <p:cNvPr id="30" name="Arco 29"/>
+              <p:cNvSpPr/>
+              <p:nvPr/>
+            </p:nvSpPr>
+            <p:spPr>
+              <a:xfrm rot="15257565">
+                <a:off x="4569438" y="2715311"/>
+                <a:ext cx="662098" cy="1066789"/>
+              </a:xfrm>
+              <a:prstGeom prst="arc">
+                <a:avLst>
+                  <a:gd name="adj1" fmla="val 11806900"/>
+                  <a:gd name="adj2" fmla="val 20024545"/>
+                </a:avLst>
+              </a:prstGeom>
+              <a:ln w="76200">
+                <a:solidFill>
+                  <a:schemeClr val="bg1"/>
+                </a:solidFill>
+              </a:ln>
+            </p:spPr>
+            <p:style>
+              <a:lnRef idx="1">
+                <a:schemeClr val="accent1"/>
+              </a:lnRef>
+              <a:fillRef idx="0">
+                <a:schemeClr val="accent1"/>
+              </a:fillRef>
+              <a:effectRef idx="0">
+                <a:schemeClr val="accent1"/>
+              </a:effectRef>
+              <a:fontRef idx="minor">
+                <a:schemeClr val="tx1"/>
+              </a:fontRef>
+            </p:style>
+            <p:txBody>
+              <a:bodyPr rtlCol="0" anchor="ctr"/>
+              <a:lstStyle/>
+              <a:p>
+                <a:pPr algn="ctr"/>
+                <a:endParaRPr lang="it-IT"/>
+              </a:p>
+            </p:txBody>
+          </p:sp>
+          <p:sp>
+            <p:nvSpPr>
+              <p:cNvPr id="31" name="Arco 30"/>
+              <p:cNvSpPr/>
+              <p:nvPr/>
+            </p:nvSpPr>
+            <p:spPr>
+              <a:xfrm rot="2180380">
+                <a:off x="5167426" y="2713276"/>
+                <a:ext cx="457013" cy="408071"/>
+              </a:xfrm>
+              <a:prstGeom prst="arc">
+                <a:avLst>
+                  <a:gd name="adj1" fmla="val 11333933"/>
+                  <a:gd name="adj2" fmla="val 20990327"/>
+                </a:avLst>
+              </a:prstGeom>
+              <a:ln w="76200">
+                <a:solidFill>
+                  <a:schemeClr val="bg1"/>
+                </a:solidFill>
+              </a:ln>
+            </p:spPr>
+            <p:style>
+              <a:lnRef idx="1">
+                <a:schemeClr val="accent1"/>
+              </a:lnRef>
+              <a:fillRef idx="0">
+                <a:schemeClr val="accent1"/>
+              </a:fillRef>
+              <a:effectRef idx="0">
+                <a:schemeClr val="accent1"/>
+              </a:effectRef>
+              <a:fontRef idx="minor">
+                <a:schemeClr val="tx1"/>
+              </a:fontRef>
+            </p:style>
+            <p:txBody>
+              <a:bodyPr rtlCol="0" anchor="ctr"/>
+              <a:lstStyle/>
+              <a:p>
+                <a:pPr algn="ctr"/>
+                <a:endParaRPr lang="it-IT"/>
+              </a:p>
+            </p:txBody>
+          </p:sp>
+          <p:sp>
+            <p:nvSpPr>
+              <p:cNvPr id="32" name="Arco 31"/>
+              <p:cNvSpPr/>
+              <p:nvPr/>
+            </p:nvSpPr>
+            <p:spPr>
+              <a:xfrm rot="21127153">
+                <a:off x="4652961" y="2610723"/>
+                <a:ext cx="688850" cy="739947"/>
+              </a:xfrm>
+              <a:prstGeom prst="arc">
+                <a:avLst>
+                  <a:gd name="adj1" fmla="val 10804855"/>
+                  <a:gd name="adj2" fmla="val 19830505"/>
+                </a:avLst>
+              </a:prstGeom>
+              <a:ln w="76200">
+                <a:solidFill>
+                  <a:schemeClr val="bg1"/>
+                </a:solidFill>
+              </a:ln>
+            </p:spPr>
+            <p:style>
+              <a:lnRef idx="1">
+                <a:schemeClr val="accent1"/>
+              </a:lnRef>
+              <a:fillRef idx="0">
+                <a:schemeClr val="accent1"/>
+              </a:fillRef>
+              <a:effectRef idx="0">
+                <a:schemeClr val="accent1"/>
+              </a:effectRef>
+              <a:fontRef idx="minor">
+                <a:schemeClr val="tx1"/>
+              </a:fontRef>
+            </p:style>
+            <p:txBody>
+              <a:bodyPr rtlCol="0" anchor="ctr"/>
+              <a:lstStyle/>
+              <a:p>
+                <a:pPr algn="ctr"/>
+                <a:endParaRPr lang="it-IT"/>
+              </a:p>
+            </p:txBody>
+          </p:sp>
+          <p:sp>
+            <p:nvSpPr>
+              <p:cNvPr id="33" name="Arco 32"/>
+              <p:cNvSpPr/>
+              <p:nvPr/>
+            </p:nvSpPr>
+            <p:spPr>
+              <a:xfrm rot="6726270">
+                <a:off x="5132726" y="2890245"/>
+                <a:ext cx="647880" cy="763165"/>
+              </a:xfrm>
+              <a:prstGeom prst="arc">
+                <a:avLst>
+                  <a:gd name="adj1" fmla="val 10733869"/>
+                  <a:gd name="adj2" fmla="val 281018"/>
+                </a:avLst>
+              </a:prstGeom>
+              <a:ln w="76200">
+                <a:solidFill>
+                  <a:schemeClr val="bg1"/>
+                </a:solidFill>
+              </a:ln>
+            </p:spPr>
+            <p:style>
+              <a:lnRef idx="1">
+                <a:schemeClr val="accent1"/>
+              </a:lnRef>
+              <a:fillRef idx="0">
+                <a:schemeClr val="accent1"/>
+              </a:fillRef>
+              <a:effectRef idx="0">
+                <a:schemeClr val="accent1"/>
+              </a:effectRef>
+              <a:fontRef idx="minor">
+                <a:schemeClr val="tx1"/>
+              </a:fontRef>
+            </p:style>
+            <p:txBody>
+              <a:bodyPr rtlCol="0" anchor="ctr"/>
+              <a:lstStyle/>
+              <a:p>
+                <a:pPr algn="ctr"/>
+                <a:endParaRPr lang="it-IT"/>
+              </a:p>
+            </p:txBody>
+          </p:sp>
+          <p:sp>
+            <p:nvSpPr>
+              <p:cNvPr id="34" name="Arco 33"/>
+              <p:cNvSpPr/>
+              <p:nvPr/>
+            </p:nvSpPr>
+            <p:spPr>
+              <a:xfrm rot="10017498">
+                <a:off x="4809771" y="3192242"/>
+                <a:ext cx="887599" cy="408071"/>
+              </a:xfrm>
+              <a:prstGeom prst="arc">
+                <a:avLst>
+                  <a:gd name="adj1" fmla="val 15190785"/>
+                  <a:gd name="adj2" fmla="val 20990327"/>
+                </a:avLst>
+              </a:prstGeom>
+              <a:ln w="76200">
+                <a:solidFill>
+                  <a:schemeClr val="bg1"/>
+                </a:solidFill>
+              </a:ln>
+            </p:spPr>
+            <p:style>
+              <a:lnRef idx="1">
+                <a:schemeClr val="accent1"/>
+              </a:lnRef>
+              <a:fillRef idx="0">
+                <a:schemeClr val="accent1"/>
+              </a:fillRef>
+              <a:effectRef idx="0">
+                <a:schemeClr val="accent1"/>
+              </a:effectRef>
+              <a:fontRef idx="minor">
+                <a:schemeClr val="tx1"/>
+              </a:fontRef>
+            </p:style>
+            <p:txBody>
+              <a:bodyPr rtlCol="0" anchor="ctr"/>
+              <a:lstStyle/>
+              <a:p>
+                <a:pPr algn="ctr"/>
+                <a:endParaRPr lang="it-IT"/>
+              </a:p>
+            </p:txBody>
+          </p:sp>
+        </p:grpSp>
+      </p:grpSp>
+      <p:sp>
+        <p:nvSpPr>
+          <p:cNvPr id="38" name="Unità di visualizzazione grafica 37"/>
+          <p:cNvSpPr/>
+          <p:nvPr/>
+        </p:nvSpPr>
+        <p:spPr>
+          <a:xfrm rot="3847648">
+            <a:off x="6025383" y="1839133"/>
+            <a:ext cx="288000" cy="72000"/>
+          </a:xfrm>
+          <a:prstGeom prst="flowChartDisplay">
+            <a:avLst/>
+          </a:prstGeom>
+          <a:solidFill>
+            <a:schemeClr val="bg1"/>
+          </a:solidFill>
+          <a:ln>
+            <a:noFill/>
+          </a:ln>
+        </p:spPr>
+        <p:style>
+          <a:lnRef idx="2">
+            <a:schemeClr val="accent1">
+              <a:shade val="50000"/>
+            </a:schemeClr>
+          </a:lnRef>
+          <a:fillRef idx="1">
+            <a:schemeClr val="accent1"/>
+          </a:fillRef>
+          <a:effectRef idx="0">
+            <a:schemeClr val="accent1"/>
+          </a:effectRef>
+          <a:fontRef idx="minor">
+            <a:schemeClr val="lt1"/>
+          </a:fontRef>
+        </p:style>
+        <p:txBody>
+          <a:bodyPr rtlCol="0" anchor="ctr"/>
+          <a:lstStyle/>
+          <a:p>
+            <a:pPr algn="ctr"/>
+            <a:endParaRPr lang="it-IT"/>
+          </a:p>
+        </p:txBody>
+      </p:sp>
+      <p:sp>
+        <p:nvSpPr>
+          <p:cNvPr id="39" name="Unità di visualizzazione grafica 38"/>
+          <p:cNvSpPr/>
+          <p:nvPr/>
+        </p:nvSpPr>
+        <p:spPr>
+          <a:xfrm rot="3847648">
+            <a:off x="6322958" y="1824865"/>
+            <a:ext cx="288000" cy="72000"/>
+          </a:xfrm>
+          <a:prstGeom prst="flowChartDisplay">
+            <a:avLst/>
+          </a:prstGeom>
+          <a:solidFill>
+            <a:schemeClr val="bg1"/>
+          </a:solidFill>
+          <a:ln>
+            <a:noFill/>
+          </a:ln>
+        </p:spPr>
+        <p:style>
+          <a:lnRef idx="2">
+            <a:schemeClr val="accent1">
+              <a:shade val="50000"/>
+            </a:schemeClr>
+          </a:lnRef>
+          <a:fillRef idx="1">
+            <a:schemeClr val="accent1"/>
+          </a:fillRef>
+          <a:effectRef idx="0">
+            <a:schemeClr val="accent1"/>
+          </a:effectRef>
+          <a:fontRef idx="minor">
+            <a:schemeClr val="lt1"/>
+          </a:fontRef>
+        </p:style>
+        <p:txBody>
+          <a:bodyPr rtlCol="0" anchor="ctr"/>
+          <a:lstStyle/>
+          <a:p>
+            <a:pPr algn="ctr"/>
+            <a:endParaRPr lang="it-IT"/>
+          </a:p>
+        </p:txBody>
+      </p:sp>
+      <p:sp>
+        <p:nvSpPr>
+          <p:cNvPr id="40" name="Unità di visualizzazione grafica 39"/>
+          <p:cNvSpPr/>
+          <p:nvPr/>
+        </p:nvSpPr>
+        <p:spPr>
+          <a:xfrm rot="3847648">
+            <a:off x="6620534" y="1831519"/>
+            <a:ext cx="288000" cy="72000"/>
+          </a:xfrm>
+          <a:prstGeom prst="flowChartDisplay">
+            <a:avLst/>
+          </a:prstGeom>
+          <a:solidFill>
+            <a:schemeClr val="bg1"/>
+          </a:solidFill>
+          <a:ln>
+            <a:noFill/>
+          </a:ln>
+        </p:spPr>
+        <p:style>
+          <a:lnRef idx="2">
+            <a:schemeClr val="accent1">
+              <a:shade val="50000"/>
+            </a:schemeClr>
+          </a:lnRef>
+          <a:fillRef idx="1">
+            <a:schemeClr val="accent1"/>
+          </a:fillRef>
+          <a:effectRef idx="0">
+            <a:schemeClr val="accent1"/>
+          </a:effectRef>
+          <a:fontRef idx="minor">
+            <a:schemeClr val="lt1"/>
+          </a:fontRef>
+        </p:style>
+        <p:txBody>
+          <a:bodyPr rtlCol="0" anchor="ctr"/>
+          <a:lstStyle/>
+          <a:p>
+            <a:pPr algn="ctr"/>
+            <a:endParaRPr lang="it-IT"/>
+          </a:p>
+        </p:txBody>
+      </p:sp>
+      <p:sp>
+        <p:nvSpPr>
+          <p:cNvPr id="41" name="Unità di visualizzazione grafica 40"/>
+          <p:cNvSpPr/>
+          <p:nvPr/>
+        </p:nvSpPr>
+        <p:spPr>
+          <a:xfrm rot="3847648">
+            <a:off x="6905236" y="1831520"/>
+            <a:ext cx="288000" cy="72000"/>
+          </a:xfrm>
+          <a:prstGeom prst="flowChartDisplay">
+            <a:avLst/>
+          </a:prstGeom>
+          <a:solidFill>
+            <a:schemeClr val="bg1"/>
+          </a:solidFill>
+          <a:ln>
+            <a:noFill/>
+          </a:ln>
+        </p:spPr>
+        <p:style>
+          <a:lnRef idx="2">
+            <a:schemeClr val="accent1">
+              <a:shade val="50000"/>
+            </a:schemeClr>
+          </a:lnRef>
+          <a:fillRef idx="1">
+            <a:schemeClr val="accent1"/>
+          </a:fillRef>
+          <a:effectRef idx="0">
+            <a:schemeClr val="accent1"/>
+          </a:effectRef>
+          <a:fontRef idx="minor">
+            <a:schemeClr val="lt1"/>
+          </a:fontRef>
+        </p:style>
+        <p:txBody>
+          <a:bodyPr rtlCol="0" anchor="ctr"/>
+          <a:lstStyle/>
+          <a:p>
+            <a:pPr algn="ctr"/>
+            <a:endParaRPr lang="it-IT"/>
+          </a:p>
+        </p:txBody>
+      </p:sp>
+      <p:sp>
+        <p:nvSpPr>
+          <p:cNvPr id="47" name="Rettangolo 46"/>
+          <p:cNvSpPr/>
+          <p:nvPr/>
+        </p:nvSpPr>
+        <p:spPr>
+          <a:xfrm>
+            <a:off x="7851306" y="393033"/>
+            <a:ext cx="2160000" cy="1800000"/>
+          </a:xfrm>
+          <a:prstGeom prst="rect">
+            <a:avLst/>
+          </a:prstGeom>
+          <a:solidFill>
+            <a:srgbClr val="01579B"/>
+          </a:solidFill>
+          <a:ln>
+            <a:noFill/>
+          </a:ln>
+        </p:spPr>
+        <p:style>
+          <a:lnRef idx="2">
+            <a:schemeClr val="accent1">
+              <a:shade val="50000"/>
+            </a:schemeClr>
+          </a:lnRef>
+          <a:fillRef idx="1">
+            <a:schemeClr val="accent1"/>
+          </a:fillRef>
+          <a:effectRef idx="0">
+            <a:schemeClr val="accent1"/>
+          </a:effectRef>
+          <a:fontRef idx="minor">
+            <a:schemeClr val="lt1"/>
+          </a:fontRef>
+        </p:style>
+        <p:txBody>
+          <a:bodyPr rtlCol="0" anchor="ctr"/>
+          <a:lstStyle/>
+          <a:p>
+            <a:pPr algn="ctr"/>
+            <a:endParaRPr lang="it-IT"/>
+          </a:p>
+        </p:txBody>
+      </p:sp>
+      <p:grpSp>
+        <p:nvGrpSpPr>
+          <p:cNvPr id="6" name="Gruppo 5"/>
+          <p:cNvGrpSpPr/>
+          <p:nvPr/>
+        </p:nvGrpSpPr>
+        <p:grpSpPr>
+          <a:xfrm>
+            <a:off x="8643306" y="635351"/>
+            <a:ext cx="576000" cy="1285992"/>
+            <a:chOff x="8643306" y="635351"/>
+            <a:chExt cx="576000" cy="1285992"/>
+          </a:xfrm>
+        </p:grpSpPr>
+        <p:sp>
+          <p:nvSpPr>
+            <p:cNvPr id="48" name="Arco 47"/>
+            <p:cNvSpPr/>
+            <p:nvPr/>
+          </p:nvSpPr>
+          <p:spPr>
+            <a:xfrm rot="3944990">
+              <a:off x="8643306" y="1345343"/>
+              <a:ext cx="576000" cy="576000"/>
+            </a:xfrm>
+            <a:prstGeom prst="arc">
+              <a:avLst>
+                <a:gd name="adj1" fmla="val 13910424"/>
+                <a:gd name="adj2" fmla="val 10556461"/>
+              </a:avLst>
+            </a:prstGeom>
+            <a:ln w="76200">
+              <a:solidFill>
+                <a:schemeClr val="bg1"/>
+              </a:solidFill>
+            </a:ln>
+          </p:spPr>
+          <p:style>
+            <a:lnRef idx="1">
+              <a:schemeClr val="accent1"/>
+            </a:lnRef>
+            <a:fillRef idx="0">
+              <a:schemeClr val="accent1"/>
+            </a:fillRef>
+            <a:effectRef idx="0">
+              <a:schemeClr val="accent1"/>
+            </a:effectRef>
+            <a:fontRef idx="minor">
+              <a:schemeClr val="tx1"/>
+            </a:fontRef>
+          </p:style>
+          <p:txBody>
+            <a:bodyPr rtlCol="0" anchor="ctr"/>
+            <a:lstStyle/>
+            <a:p>
+              <a:pPr algn="ctr"/>
+              <a:endParaRPr lang="it-IT"/>
+            </a:p>
+          </p:txBody>
+        </p:sp>
+        <p:cxnSp>
+          <p:nvCxnSpPr>
+            <p:cNvPr id="51" name="Connettore diritto 50"/>
+            <p:cNvCxnSpPr/>
+            <p:nvPr/>
+          </p:nvCxnSpPr>
+          <p:spPr>
+            <a:xfrm>
+              <a:off x="9077920" y="799741"/>
+              <a:ext cx="0" cy="612000"/>
+            </a:xfrm>
+            <a:prstGeom prst="line">
+              <a:avLst/>
+            </a:prstGeom>
+            <a:ln w="76200">
+              <a:solidFill>
+                <a:schemeClr val="bg1"/>
+              </a:solidFill>
+            </a:ln>
+          </p:spPr>
+          <p:style>
+            <a:lnRef idx="1">
+              <a:schemeClr val="accent1"/>
+            </a:lnRef>
+            <a:fillRef idx="0">
+              <a:schemeClr val="accent1"/>
+            </a:fillRef>
+            <a:effectRef idx="0">
+              <a:schemeClr val="accent1"/>
+            </a:effectRef>
+            <a:fontRef idx="minor">
+              <a:schemeClr val="tx1"/>
+            </a:fontRef>
+          </p:style>
+        </p:cxnSp>
+        <p:cxnSp>
+          <p:nvCxnSpPr>
+            <p:cNvPr id="52" name="Connettore diritto 51"/>
+            <p:cNvCxnSpPr/>
+            <p:nvPr/>
+          </p:nvCxnSpPr>
+          <p:spPr>
+            <a:xfrm>
+              <a:off x="8785820" y="799741"/>
+              <a:ext cx="0" cy="612000"/>
+            </a:xfrm>
+            <a:prstGeom prst="line">
+              <a:avLst/>
+            </a:prstGeom>
+            <a:ln w="76200">
+              <a:solidFill>
+                <a:schemeClr val="bg1"/>
+              </a:solidFill>
+            </a:ln>
+          </p:spPr>
+          <p:style>
+            <a:lnRef idx="1">
+              <a:schemeClr val="accent1"/>
+            </a:lnRef>
+            <a:fillRef idx="0">
+              <a:schemeClr val="accent1"/>
+            </a:fillRef>
+            <a:effectRef idx="0">
+              <a:schemeClr val="accent1"/>
+            </a:effectRef>
+            <a:fontRef idx="minor">
+              <a:schemeClr val="tx1"/>
+            </a:fontRef>
+          </p:style>
+        </p:cxnSp>
+        <p:sp>
+          <p:nvSpPr>
+            <p:cNvPr id="55" name="Arco 54"/>
+            <p:cNvSpPr/>
+            <p:nvPr/>
+          </p:nvSpPr>
+          <p:spPr>
+            <a:xfrm rot="16200000">
+              <a:off x="8753920" y="671351"/>
+              <a:ext cx="360000" cy="288000"/>
+            </a:xfrm>
+            <a:prstGeom prst="arc">
+              <a:avLst>
+                <a:gd name="adj1" fmla="val 16177640"/>
+                <a:gd name="adj2" fmla="val 5563629"/>
+              </a:avLst>
+            </a:prstGeom>
+            <a:ln w="76200">
+              <a:solidFill>
+                <a:schemeClr val="bg1"/>
+              </a:solidFill>
+            </a:ln>
+          </p:spPr>
+          <p:style>
+            <a:lnRef idx="1">
+              <a:schemeClr val="accent1"/>
+            </a:lnRef>
+            <a:fillRef idx="0">
+              <a:schemeClr val="accent1"/>
+            </a:fillRef>
+            <a:effectRef idx="0">
+              <a:schemeClr val="accent1"/>
+            </a:effectRef>
+            <a:fontRef idx="minor">
+              <a:schemeClr val="tx1"/>
+            </a:fontRef>
+          </p:style>
+          <p:txBody>
+            <a:bodyPr rtlCol="0" anchor="ctr"/>
+            <a:lstStyle/>
+            <a:p>
+              <a:pPr algn="ctr"/>
+              <a:endParaRPr lang="it-IT"/>
+            </a:p>
+          </p:txBody>
+        </p:sp>
+      </p:grpSp>
+      <p:cxnSp>
+        <p:nvCxnSpPr>
+          <p:cNvPr id="58" name="Connettore diritto 57"/>
+          <p:cNvCxnSpPr/>
+          <p:nvPr/>
+        </p:nvCxnSpPr>
+        <p:spPr>
+          <a:xfrm flipV="1">
+            <a:off x="8789919" y="888641"/>
+            <a:ext cx="180000" cy="7692"/>
+          </a:xfrm>
+          <a:prstGeom prst="line">
+            <a:avLst/>
+          </a:prstGeom>
+          <a:ln w="38100">
+            <a:solidFill>
+              <a:schemeClr val="bg1"/>
+            </a:solidFill>
+          </a:ln>
+        </p:spPr>
+        <p:style>
+          <a:lnRef idx="1">
+            <a:schemeClr val="accent1"/>
+          </a:lnRef>
+          <a:fillRef idx="0">
+            <a:schemeClr val="accent1"/>
+          </a:fillRef>
+          <a:effectRef idx="0">
+            <a:schemeClr val="accent1"/>
+          </a:effectRef>
+          <a:fontRef idx="minor">
+            <a:schemeClr val="tx1"/>
+          </a:fontRef>
+        </p:style>
+      </p:cxnSp>
+      <p:cxnSp>
+        <p:nvCxnSpPr>
+          <p:cNvPr id="59" name="Connettore diritto 58"/>
+          <p:cNvCxnSpPr/>
+          <p:nvPr/>
+        </p:nvCxnSpPr>
+        <p:spPr>
+          <a:xfrm flipV="1">
+            <a:off x="8789919" y="1034691"/>
+            <a:ext cx="180000" cy="7692"/>
+          </a:xfrm>
+          <a:prstGeom prst="line">
+            <a:avLst/>
+          </a:prstGeom>
+          <a:ln w="38100">
+            <a:solidFill>
+              <a:schemeClr val="bg1"/>
+            </a:solidFill>
+          </a:ln>
+        </p:spPr>
+        <p:style>
+          <a:lnRef idx="1">
+            <a:schemeClr val="accent1"/>
+          </a:lnRef>
+          <a:fillRef idx="0">
+            <a:schemeClr val="accent1"/>
+          </a:fillRef>
+          <a:effectRef idx="0">
+            <a:schemeClr val="accent1"/>
+          </a:effectRef>
+          <a:fontRef idx="minor">
+            <a:schemeClr val="tx1"/>
+          </a:fontRef>
+        </p:style>
+      </p:cxnSp>
+      <p:cxnSp>
+        <p:nvCxnSpPr>
+          <p:cNvPr id="60" name="Connettore diritto 59"/>
+          <p:cNvCxnSpPr/>
+          <p:nvPr/>
+        </p:nvCxnSpPr>
+        <p:spPr>
+          <a:xfrm flipV="1">
+            <a:off x="8789919" y="1161691"/>
+            <a:ext cx="180000" cy="7692"/>
+          </a:xfrm>
+          <a:prstGeom prst="line">
+            <a:avLst/>
+          </a:prstGeom>
+          <a:ln w="38100">
+            <a:solidFill>
+              <a:schemeClr val="bg1"/>
+            </a:solidFill>
+          </a:ln>
+        </p:spPr>
+        <p:style>
+          <a:lnRef idx="1">
+            <a:schemeClr val="accent1"/>
+          </a:lnRef>
+          <a:fillRef idx="0">
+            <a:schemeClr val="accent1"/>
+          </a:fillRef>
+          <a:effectRef idx="0">
+            <a:schemeClr val="accent1"/>
+          </a:effectRef>
+          <a:fontRef idx="minor">
+            <a:schemeClr val="tx1"/>
+          </a:fontRef>
+        </p:style>
+      </p:cxnSp>
+      <p:grpSp>
+        <p:nvGrpSpPr>
+          <p:cNvPr id="17" name="Gruppo 16"/>
+          <p:cNvGrpSpPr/>
+          <p:nvPr/>
+        </p:nvGrpSpPr>
+        <p:grpSpPr>
+          <a:xfrm>
+            <a:off x="3190588" y="2539131"/>
+            <a:ext cx="2160000" cy="1800000"/>
+            <a:chOff x="3190588" y="2539131"/>
+            <a:chExt cx="2160000" cy="1800000"/>
+          </a:xfrm>
+        </p:grpSpPr>
+        <p:sp>
+          <p:nvSpPr>
+            <p:cNvPr id="61" name="Rettangolo 60"/>
+            <p:cNvSpPr/>
+            <p:nvPr/>
+          </p:nvSpPr>
+          <p:spPr>
+            <a:xfrm>
+              <a:off x="3190588" y="2539131"/>
+              <a:ext cx="2160000" cy="1800000"/>
+            </a:xfrm>
+            <a:prstGeom prst="rect">
+              <a:avLst/>
+            </a:prstGeom>
+            <a:solidFill>
+              <a:srgbClr val="01579B"/>
+            </a:solidFill>
+            <a:ln>
+              <a:noFill/>
+            </a:ln>
+          </p:spPr>
+          <p:style>
+            <a:lnRef idx="2">
+              <a:schemeClr val="accent1">
+                <a:shade val="50000"/>
+              </a:schemeClr>
+            </a:lnRef>
+            <a:fillRef idx="1">
+              <a:schemeClr val="accent1"/>
+            </a:fillRef>
+            <a:effectRef idx="0">
+              <a:schemeClr val="accent1"/>
+            </a:effectRef>
+            <a:fontRef idx="minor">
+              <a:schemeClr val="lt1"/>
+            </a:fontRef>
+          </p:style>
+          <p:txBody>
+            <a:bodyPr rtlCol="0" anchor="ctr"/>
+            <a:lstStyle/>
+            <a:p>
+              <a:pPr algn="ctr"/>
+              <a:endParaRPr lang="it-IT" dirty="0"/>
+            </a:p>
+          </p:txBody>
+        </p:sp>
+        <p:grpSp>
+          <p:nvGrpSpPr>
+            <p:cNvPr id="16" name="Gruppo 15"/>
+            <p:cNvGrpSpPr/>
+            <p:nvPr/>
+          </p:nvGrpSpPr>
+          <p:grpSpPr>
+            <a:xfrm>
+              <a:off x="3617263" y="3107117"/>
+              <a:ext cx="1268550" cy="940618"/>
+              <a:chOff x="3657467" y="2999167"/>
+              <a:chExt cx="1268550" cy="940618"/>
+            </a:xfrm>
+          </p:grpSpPr>
+          <p:sp>
+            <p:nvSpPr>
+              <p:cNvPr id="64" name="Goccia 63"/>
+              <p:cNvSpPr/>
+              <p:nvPr/>
+            </p:nvSpPr>
+            <p:spPr>
+              <a:xfrm rot="18860224">
+                <a:off x="4134017" y="2999167"/>
+                <a:ext cx="792000" cy="792000"/>
+              </a:xfrm>
+              <a:prstGeom prst="teardrop">
+                <a:avLst>
+                  <a:gd name="adj" fmla="val 120335"/>
+                </a:avLst>
+              </a:prstGeom>
+              <a:noFill/>
+              <a:ln w="76200">
+                <a:solidFill>
+                  <a:schemeClr val="bg1"/>
+                </a:solidFill>
+              </a:ln>
+            </p:spPr>
+            <p:style>
+              <a:lnRef idx="2">
+                <a:schemeClr val="accent1">
+                  <a:shade val="50000"/>
+                </a:schemeClr>
+              </a:lnRef>
+              <a:fillRef idx="1">
+                <a:schemeClr val="accent1"/>
+              </a:fillRef>
+              <a:effectRef idx="0">
+                <a:schemeClr val="accent1"/>
+              </a:effectRef>
+              <a:fontRef idx="minor">
+                <a:schemeClr val="lt1"/>
+              </a:fontRef>
+            </p:style>
+            <p:txBody>
+              <a:bodyPr rtlCol="0" anchor="ctr"/>
+              <a:lstStyle/>
+              <a:p>
+                <a:pPr algn="ctr"/>
+                <a:endParaRPr lang="it-IT"/>
+              </a:p>
+            </p:txBody>
+          </p:sp>
+          <p:sp>
+            <p:nvSpPr>
+              <p:cNvPr id="63" name="Goccia 62"/>
+              <p:cNvSpPr/>
+              <p:nvPr/>
+            </p:nvSpPr>
+            <p:spPr>
+              <a:xfrm rot="18860224">
+                <a:off x="3895742" y="3075367"/>
+                <a:ext cx="792000" cy="792000"/>
+              </a:xfrm>
+              <a:prstGeom prst="teardrop">
+                <a:avLst>
+                  <a:gd name="adj" fmla="val 120335"/>
+                </a:avLst>
+              </a:prstGeom>
+              <a:solidFill>
+                <a:srgbClr val="01579B"/>
+              </a:solidFill>
+              <a:ln w="76200">
+                <a:solidFill>
+                  <a:schemeClr val="bg1"/>
+                </a:solidFill>
+              </a:ln>
+            </p:spPr>
+            <p:style>
+              <a:lnRef idx="2">
+                <a:schemeClr val="accent1">
+                  <a:shade val="50000"/>
+                </a:schemeClr>
+              </a:lnRef>
+              <a:fillRef idx="1">
+                <a:schemeClr val="accent1"/>
+              </a:fillRef>
+              <a:effectRef idx="0">
+                <a:schemeClr val="accent1"/>
+              </a:effectRef>
+              <a:fontRef idx="minor">
+                <a:schemeClr val="lt1"/>
+              </a:fontRef>
+            </p:style>
+            <p:txBody>
+              <a:bodyPr rtlCol="0" anchor="ctr"/>
+              <a:lstStyle/>
+              <a:p>
+                <a:pPr algn="ctr"/>
+                <a:endParaRPr lang="it-IT"/>
+              </a:p>
+            </p:txBody>
+          </p:sp>
+          <p:sp>
+            <p:nvSpPr>
+              <p:cNvPr id="15" name="Goccia 14"/>
+              <p:cNvSpPr/>
+              <p:nvPr/>
+            </p:nvSpPr>
+            <p:spPr>
+              <a:xfrm rot="18860224">
+                <a:off x="3657467" y="3147785"/>
+                <a:ext cx="792000" cy="792000"/>
+              </a:xfrm>
+              <a:prstGeom prst="teardrop">
+                <a:avLst>
+                  <a:gd name="adj" fmla="val 120335"/>
+                </a:avLst>
+              </a:prstGeom>
+              <a:solidFill>
+                <a:srgbClr val="01579B"/>
+              </a:solidFill>
+              <a:ln w="76200">
+                <a:solidFill>
+                  <a:schemeClr val="bg1"/>
+                </a:solidFill>
+              </a:ln>
+            </p:spPr>
+            <p:style>
+              <a:lnRef idx="2">
+                <a:schemeClr val="accent1">
+                  <a:shade val="50000"/>
+                </a:schemeClr>
+              </a:lnRef>
+              <a:fillRef idx="1">
+                <a:schemeClr val="accent1"/>
+              </a:fillRef>
+              <a:effectRef idx="0">
+                <a:schemeClr val="accent1"/>
+              </a:effectRef>
+              <a:fontRef idx="minor">
+                <a:schemeClr val="lt1"/>
+              </a:fontRef>
+            </p:style>
+            <p:txBody>
+              <a:bodyPr rtlCol="0" anchor="ctr"/>
+              <a:lstStyle/>
+              <a:p>
+                <a:pPr algn="ctr"/>
+                <a:endParaRPr lang="it-IT"/>
+              </a:p>
+            </p:txBody>
+          </p:sp>
+        </p:grpSp>
+      </p:grpSp>
+      <p:sp>
+        <p:nvSpPr>
+          <p:cNvPr id="65" name="Rettangolo 64"/>
+          <p:cNvSpPr/>
+          <p:nvPr/>
+        </p:nvSpPr>
+        <p:spPr>
+          <a:xfrm>
+            <a:off x="5512483" y="2539131"/>
+            <a:ext cx="2160000" cy="1800000"/>
+          </a:xfrm>
+          <a:prstGeom prst="rect">
+            <a:avLst/>
+          </a:prstGeom>
+          <a:solidFill>
+            <a:srgbClr val="01579B"/>
+          </a:solidFill>
+          <a:ln>
+            <a:noFill/>
+          </a:ln>
+        </p:spPr>
+        <p:style>
+          <a:lnRef idx="2">
+            <a:schemeClr val="accent1">
+              <a:shade val="50000"/>
+            </a:schemeClr>
+          </a:lnRef>
+          <a:fillRef idx="1">
+            <a:schemeClr val="accent1"/>
+          </a:fillRef>
+          <a:effectRef idx="0">
+            <a:schemeClr val="accent1"/>
+          </a:effectRef>
+          <a:fontRef idx="minor">
+            <a:schemeClr val="lt1"/>
+          </a:fontRef>
+        </p:style>
+        <p:txBody>
+          <a:bodyPr rtlCol="0" anchor="ctr"/>
+          <a:lstStyle/>
+          <a:p>
+            <a:pPr algn="ctr"/>
+            <a:endParaRPr lang="it-IT" dirty="0"/>
+          </a:p>
+        </p:txBody>
+      </p:sp>
+      <p:sp>
+        <p:nvSpPr>
+          <p:cNvPr id="66" name="Arco 65"/>
+          <p:cNvSpPr/>
+          <p:nvPr/>
+        </p:nvSpPr>
+        <p:spPr>
+          <a:xfrm rot="905421">
+            <a:off x="5326192" y="3750565"/>
+            <a:ext cx="1948943" cy="1404000"/>
+          </a:xfrm>
+          <a:prstGeom prst="arc">
+            <a:avLst>
+              <a:gd name="adj1" fmla="val 12291665"/>
+              <a:gd name="adj2" fmla="val 19926403"/>
+            </a:avLst>
+          </a:prstGeom>
+          <a:ln w="76200">
+            <a:solidFill>
+              <a:schemeClr val="bg1"/>
+            </a:solidFill>
+          </a:ln>
+        </p:spPr>
+        <p:style>
+          <a:lnRef idx="1">
+            <a:schemeClr val="accent1"/>
+          </a:lnRef>
+          <a:fillRef idx="0">
+            <a:schemeClr val="accent1"/>
+          </a:fillRef>
+          <a:effectRef idx="0">
+            <a:schemeClr val="accent1"/>
+          </a:effectRef>
+          <a:fontRef idx="minor">
+            <a:schemeClr val="tx1"/>
+          </a:fontRef>
+        </p:style>
+        <p:txBody>
+          <a:bodyPr rtlCol="0" anchor="ctr"/>
+          <a:lstStyle/>
+          <a:p>
+            <a:pPr algn="ctr"/>
+            <a:endParaRPr lang="it-IT"/>
+          </a:p>
+        </p:txBody>
+      </p:sp>
+      <p:sp>
+        <p:nvSpPr>
+          <p:cNvPr id="22" name="Ovale 21"/>
+          <p:cNvSpPr/>
+          <p:nvPr/>
+        </p:nvSpPr>
+        <p:spPr>
+          <a:xfrm>
+            <a:off x="6536676" y="2800250"/>
+            <a:ext cx="216000" cy="216000"/>
+          </a:xfrm>
+          <a:prstGeom prst="ellipse">
+            <a:avLst/>
+          </a:prstGeom>
+          <a:noFill/>
+          <a:ln w="76200">
+            <a:solidFill>
+              <a:schemeClr val="bg1"/>
+            </a:solidFill>
+          </a:ln>
+        </p:spPr>
+        <p:style>
+          <a:lnRef idx="2">
+            <a:schemeClr val="accent1">
+              <a:shade val="50000"/>
+            </a:schemeClr>
+          </a:lnRef>
+          <a:fillRef idx="1">
+            <a:schemeClr val="accent1"/>
+          </a:fillRef>
+          <a:effectRef idx="0">
+            <a:schemeClr val="accent1"/>
+          </a:effectRef>
+          <a:fontRef idx="minor">
+            <a:schemeClr val="lt1"/>
+          </a:fontRef>
+        </p:style>
+        <p:txBody>
+          <a:bodyPr rtlCol="0" anchor="ctr"/>
+          <a:lstStyle/>
+          <a:p>
+            <a:pPr algn="ctr"/>
+            <a:endParaRPr lang="it-IT"/>
+          </a:p>
+        </p:txBody>
+      </p:sp>
+      <p:sp>
+        <p:nvSpPr>
+          <p:cNvPr id="23" name="Operazione manuale 22"/>
+          <p:cNvSpPr/>
+          <p:nvPr/>
+        </p:nvSpPr>
+        <p:spPr>
+          <a:xfrm rot="10800000">
+            <a:off x="6318421" y="3043958"/>
+            <a:ext cx="652511" cy="524782"/>
+          </a:xfrm>
+          <a:prstGeom prst="flowChartManualOperation">
+            <a:avLst/>
+          </a:prstGeom>
+          <a:noFill/>
+          <a:ln w="76200">
+            <a:solidFill>
+              <a:schemeClr val="bg1"/>
+            </a:solidFill>
+          </a:ln>
+        </p:spPr>
+        <p:style>
+          <a:lnRef idx="2">
+            <a:schemeClr val="accent1">
+              <a:shade val="50000"/>
+            </a:schemeClr>
+          </a:lnRef>
+          <a:fillRef idx="1">
+            <a:schemeClr val="accent1"/>
+          </a:fillRef>
+          <a:effectRef idx="0">
+            <a:schemeClr val="accent1"/>
+          </a:effectRef>
+          <a:fontRef idx="minor">
+            <a:schemeClr val="lt1"/>
+          </a:fontRef>
+        </p:style>
+        <p:txBody>
+          <a:bodyPr rtlCol="0" anchor="ctr"/>
+          <a:lstStyle/>
+          <a:p>
+            <a:pPr algn="ctr"/>
+            <a:endParaRPr lang="it-IT"/>
+          </a:p>
+        </p:txBody>
+      </p:sp>
+      <p:sp>
+        <p:nvSpPr>
+          <p:cNvPr id="76" name="Rettangolo 75"/>
+          <p:cNvSpPr/>
+          <p:nvPr/>
+        </p:nvSpPr>
+        <p:spPr>
+          <a:xfrm>
+            <a:off x="7858594" y="2539131"/>
+            <a:ext cx="2160000" cy="1800000"/>
+          </a:xfrm>
+          <a:prstGeom prst="rect">
+            <a:avLst/>
+          </a:prstGeom>
+          <a:solidFill>
+            <a:srgbClr val="01579B"/>
+          </a:solidFill>
+          <a:ln>
+            <a:noFill/>
+          </a:ln>
+        </p:spPr>
+        <p:style>
+          <a:lnRef idx="2">
+            <a:schemeClr val="accent1">
+              <a:shade val="50000"/>
+            </a:schemeClr>
+          </a:lnRef>
+          <a:fillRef idx="1">
+            <a:schemeClr val="accent1"/>
+          </a:fillRef>
+          <a:effectRef idx="0">
+            <a:schemeClr val="accent1"/>
+          </a:effectRef>
+          <a:fontRef idx="minor">
+            <a:schemeClr val="lt1"/>
+          </a:fontRef>
+        </p:style>
+        <p:txBody>
+          <a:bodyPr rtlCol="0" anchor="ctr"/>
+          <a:lstStyle/>
+          <a:p>
+            <a:pPr algn="ctr"/>
+            <a:endParaRPr lang="it-IT" dirty="0"/>
+          </a:p>
+        </p:txBody>
+      </p:sp>
+      <p:sp>
+        <p:nvSpPr>
+          <p:cNvPr id="79" name="Arco 78"/>
+          <p:cNvSpPr/>
+          <p:nvPr/>
+        </p:nvSpPr>
+        <p:spPr>
+          <a:xfrm rot="5554153">
+            <a:off x="9264506" y="2920082"/>
+            <a:ext cx="540000" cy="540000"/>
+          </a:xfrm>
+          <a:prstGeom prst="arc">
+            <a:avLst>
+              <a:gd name="adj1" fmla="val 5417431"/>
+              <a:gd name="adj2" fmla="val 21395240"/>
+            </a:avLst>
+          </a:prstGeom>
+          <a:ln w="76200">
+            <a:solidFill>
+              <a:schemeClr val="bg1"/>
+            </a:solidFill>
+          </a:ln>
+        </p:spPr>
+        <p:style>
+          <a:lnRef idx="1">
+            <a:schemeClr val="accent1"/>
+          </a:lnRef>
+          <a:fillRef idx="0">
+            <a:schemeClr val="accent1"/>
+          </a:fillRef>
+          <a:effectRef idx="0">
+            <a:schemeClr val="accent1"/>
+          </a:effectRef>
+          <a:fontRef idx="minor">
+            <a:schemeClr val="tx1"/>
+          </a:fontRef>
+        </p:style>
+        <p:txBody>
+          <a:bodyPr rtlCol="0" anchor="ctr"/>
+          <a:lstStyle/>
+          <a:p>
+            <a:pPr algn="ctr"/>
+            <a:endParaRPr lang="it-IT"/>
+          </a:p>
+        </p:txBody>
+      </p:sp>
+      <p:sp>
+        <p:nvSpPr>
+          <p:cNvPr id="80" name="Arco 79"/>
+          <p:cNvSpPr/>
+          <p:nvPr/>
+        </p:nvSpPr>
+        <p:spPr>
+          <a:xfrm rot="10577261">
+            <a:off x="9183211" y="3658899"/>
+            <a:ext cx="216000" cy="216000"/>
+          </a:xfrm>
+          <a:prstGeom prst="arc">
+            <a:avLst>
+              <a:gd name="adj1" fmla="val 5720900"/>
+              <a:gd name="adj2" fmla="val 281018"/>
+            </a:avLst>
+          </a:prstGeom>
+          <a:ln w="76200">
+            <a:solidFill>
+              <a:schemeClr val="bg1"/>
+            </a:solidFill>
+          </a:ln>
+        </p:spPr>
+        <p:style>
+          <a:lnRef idx="1">
+            <a:schemeClr val="accent1"/>
+          </a:lnRef>
+          <a:fillRef idx="0">
+            <a:schemeClr val="accent1"/>
+          </a:fillRef>
+          <a:effectRef idx="0">
+            <a:schemeClr val="accent1"/>
+          </a:effectRef>
+          <a:fontRef idx="minor">
+            <a:schemeClr val="tx1"/>
+          </a:fontRef>
+        </p:style>
+        <p:txBody>
+          <a:bodyPr rtlCol="0" anchor="ctr"/>
+          <a:lstStyle/>
+          <a:p>
+            <a:pPr algn="ctr"/>
+            <a:endParaRPr lang="it-IT"/>
+          </a:p>
+        </p:txBody>
+      </p:sp>
+      <p:grpSp>
+        <p:nvGrpSpPr>
+          <p:cNvPr id="73" name="Gruppo 72"/>
+          <p:cNvGrpSpPr/>
+          <p:nvPr/>
+        </p:nvGrpSpPr>
+        <p:grpSpPr>
+          <a:xfrm>
+            <a:off x="8111132" y="2886882"/>
+            <a:ext cx="1011788" cy="397746"/>
+            <a:chOff x="8141919" y="2723855"/>
+            <a:chExt cx="1011788" cy="397746"/>
+          </a:xfrm>
+        </p:grpSpPr>
+        <p:sp>
+          <p:nvSpPr>
+            <p:cNvPr id="77" name="Arco 76"/>
+            <p:cNvSpPr/>
+            <p:nvPr/>
+          </p:nvSpPr>
+          <p:spPr>
+            <a:xfrm rot="5554153">
+              <a:off x="8793707" y="2723855"/>
+              <a:ext cx="360000" cy="360000"/>
+            </a:xfrm>
+            <a:prstGeom prst="arc">
+              <a:avLst>
+                <a:gd name="adj1" fmla="val 5417431"/>
+                <a:gd name="adj2" fmla="val 281018"/>
+              </a:avLst>
+            </a:prstGeom>
+            <a:ln w="76200">
+              <a:solidFill>
+                <a:schemeClr val="bg1"/>
+              </a:solidFill>
+            </a:ln>
+          </p:spPr>
+          <p:style>
+            <a:lnRef idx="1">
+              <a:schemeClr val="accent1"/>
+            </a:lnRef>
+            <a:fillRef idx="0">
+              <a:schemeClr val="accent1"/>
+            </a:fillRef>
+            <a:effectRef idx="0">
+              <a:schemeClr val="accent1"/>
+            </a:effectRef>
+            <a:fontRef idx="minor">
+              <a:schemeClr val="tx1"/>
+            </a:fontRef>
+          </p:style>
+          <p:txBody>
+            <a:bodyPr rtlCol="0" anchor="ctr"/>
+            <a:lstStyle/>
+            <a:p>
+              <a:pPr algn="ctr"/>
+              <a:endParaRPr lang="it-IT"/>
+            </a:p>
+          </p:txBody>
+        </p:sp>
+        <p:cxnSp>
+          <p:nvCxnSpPr>
+            <p:cNvPr id="26" name="Connettore diritto 25"/>
+            <p:cNvCxnSpPr/>
+            <p:nvPr/>
+          </p:nvCxnSpPr>
+          <p:spPr>
+            <a:xfrm>
+              <a:off x="8290682" y="3086980"/>
+              <a:ext cx="684000" cy="0"/>
+            </a:xfrm>
+            <a:prstGeom prst="line">
+              <a:avLst/>
+            </a:prstGeom>
+            <a:ln w="76200">
+              <a:solidFill>
+                <a:schemeClr val="bg1"/>
+              </a:solidFill>
+            </a:ln>
+          </p:spPr>
+          <p:style>
+            <a:lnRef idx="1">
+              <a:schemeClr val="accent1"/>
+            </a:lnRef>
+            <a:fillRef idx="0">
+              <a:schemeClr val="accent1"/>
+            </a:fillRef>
+            <a:effectRef idx="0">
+              <a:schemeClr val="accent1"/>
+            </a:effectRef>
+            <a:fontRef idx="minor">
+              <a:schemeClr val="tx1"/>
+            </a:fontRef>
+          </p:style>
+        </p:cxnSp>
+        <p:sp>
+          <p:nvSpPr>
+            <p:cNvPr id="84" name="Unità di visualizzazione grafica 83"/>
+            <p:cNvSpPr/>
+            <p:nvPr/>
+          </p:nvSpPr>
+          <p:spPr>
+            <a:xfrm rot="10800000">
+              <a:off x="8141919" y="3046001"/>
+              <a:ext cx="288000" cy="75600"/>
+            </a:xfrm>
+            <a:prstGeom prst="flowChartDisplay">
+              <a:avLst/>
+            </a:prstGeom>
+            <a:solidFill>
+              <a:schemeClr val="bg1"/>
+            </a:solidFill>
+            <a:ln>
+              <a:noFill/>
+            </a:ln>
+          </p:spPr>
+          <p:style>
+            <a:lnRef idx="2">
+              <a:schemeClr val="accent1">
+                <a:shade val="50000"/>
+              </a:schemeClr>
+            </a:lnRef>
+            <a:fillRef idx="1">
+              <a:schemeClr val="accent1"/>
+            </a:fillRef>
+            <a:effectRef idx="0">
+              <a:schemeClr val="accent1"/>
+            </a:effectRef>
+            <a:fontRef idx="minor">
+              <a:schemeClr val="lt1"/>
+            </a:fontRef>
+          </p:style>
+          <p:txBody>
+            <a:bodyPr rtlCol="0" anchor="ctr"/>
+            <a:lstStyle/>
+            <a:p>
+              <a:pPr algn="ctr"/>
+              <a:endParaRPr lang="it-IT"/>
+            </a:p>
+          </p:txBody>
+        </p:sp>
+      </p:grpSp>
+      <p:cxnSp>
+        <p:nvCxnSpPr>
+          <p:cNvPr id="85" name="Connettore diritto 84"/>
+          <p:cNvCxnSpPr/>
+          <p:nvPr/>
+        </p:nvCxnSpPr>
+        <p:spPr>
+          <a:xfrm flipV="1">
+            <a:off x="8101014" y="3462440"/>
+            <a:ext cx="1440000" cy="7118"/>
+          </a:xfrm>
+          <a:prstGeom prst="line">
+            <a:avLst/>
+          </a:prstGeom>
+          <a:ln w="76200">
+            <a:solidFill>
+              <a:schemeClr val="bg1"/>
+            </a:solidFill>
+          </a:ln>
+        </p:spPr>
+        <p:style>
+          <a:lnRef idx="1">
+            <a:schemeClr val="accent1"/>
+          </a:lnRef>
+          <a:fillRef idx="0">
+            <a:schemeClr val="accent1"/>
+          </a:fillRef>
+          <a:effectRef idx="0">
+            <a:schemeClr val="accent1"/>
+          </a:effectRef>
+          <a:fontRef idx="minor">
+            <a:schemeClr val="tx1"/>
+          </a:fontRef>
+        </p:style>
+      </p:cxnSp>
+      <p:sp>
+        <p:nvSpPr>
+          <p:cNvPr id="89" name="Unità di visualizzazione grafica 88"/>
+          <p:cNvSpPr/>
+          <p:nvPr/>
+        </p:nvSpPr>
+        <p:spPr>
+          <a:xfrm rot="10800000">
+            <a:off x="7923301" y="3427517"/>
+            <a:ext cx="288000" cy="75600"/>
+          </a:xfrm>
+          <a:prstGeom prst="flowChartDisplay">
+            <a:avLst/>
+          </a:prstGeom>
+          <a:solidFill>
+            <a:schemeClr val="bg1"/>
+          </a:solidFill>
+          <a:ln>
+            <a:noFill/>
+          </a:ln>
+        </p:spPr>
+        <p:style>
+          <a:lnRef idx="2">
+            <a:schemeClr val="accent1">
+              <a:shade val="50000"/>
+            </a:schemeClr>
+          </a:lnRef>
+          <a:fillRef idx="1">
+            <a:schemeClr val="accent1"/>
+          </a:fillRef>
+          <a:effectRef idx="0">
+            <a:schemeClr val="accent1"/>
+          </a:effectRef>
+          <a:fontRef idx="minor">
+            <a:schemeClr val="lt1"/>
+          </a:fontRef>
+        </p:style>
+        <p:txBody>
+          <a:bodyPr rtlCol="0" anchor="ctr"/>
+          <a:lstStyle/>
+          <a:p>
+            <a:pPr algn="ctr"/>
+            <a:endParaRPr lang="it-IT" dirty="0"/>
+          </a:p>
+        </p:txBody>
+      </p:sp>
+      <p:cxnSp>
+        <p:nvCxnSpPr>
+          <p:cNvPr id="93" name="Connettore diritto 92"/>
+          <p:cNvCxnSpPr/>
+          <p:nvPr/>
+        </p:nvCxnSpPr>
+        <p:spPr>
+          <a:xfrm>
+            <a:off x="8445776" y="3656498"/>
+            <a:ext cx="864000" cy="0"/>
+          </a:xfrm>
+          <a:prstGeom prst="line">
+            <a:avLst/>
+          </a:prstGeom>
+          <a:ln w="76200">
+            <a:solidFill>
+              <a:schemeClr val="bg1"/>
+            </a:solidFill>
+          </a:ln>
+        </p:spPr>
+        <p:style>
+          <a:lnRef idx="1">
+            <a:schemeClr val="accent1"/>
+          </a:lnRef>
+          <a:fillRef idx="0">
+            <a:schemeClr val="accent1"/>
+          </a:fillRef>
+          <a:effectRef idx="0">
+            <a:schemeClr val="accent1"/>
+          </a:effectRef>
+          <a:fontRef idx="minor">
+            <a:schemeClr val="tx1"/>
+          </a:fontRef>
+        </p:style>
+      </p:cxnSp>
+      <p:sp>
+        <p:nvSpPr>
+          <p:cNvPr id="94" name="Unità di visualizzazione grafica 93"/>
+          <p:cNvSpPr/>
+          <p:nvPr/>
+        </p:nvSpPr>
+        <p:spPr>
+          <a:xfrm rot="10800000">
+            <a:off x="8262431" y="3621440"/>
+            <a:ext cx="288000" cy="72000"/>
+          </a:xfrm>
+          <a:prstGeom prst="flowChartDisplay">
+            <a:avLst/>
+          </a:prstGeom>
+          <a:solidFill>
+            <a:schemeClr val="bg1"/>
+          </a:solidFill>
+          <a:ln>
+            <a:noFill/>
+          </a:ln>
+        </p:spPr>
+        <p:style>
+          <a:lnRef idx="2">
+            <a:schemeClr val="accent1">
+              <a:shade val="50000"/>
+            </a:schemeClr>
+          </a:lnRef>
+          <a:fillRef idx="1">
+            <a:schemeClr val="accent1"/>
+          </a:fillRef>
+          <a:effectRef idx="0">
+            <a:schemeClr val="accent1"/>
+          </a:effectRef>
+          <a:fontRef idx="minor">
+            <a:schemeClr val="lt1"/>
+          </a:fontRef>
+        </p:style>
+        <p:txBody>
+          <a:bodyPr rtlCol="0" anchor="ctr"/>
+          <a:lstStyle/>
+          <a:p>
+            <a:pPr algn="ctr"/>
+            <a:endParaRPr lang="it-IT"/>
+          </a:p>
+        </p:txBody>
+      </p:sp>
+      <p:sp>
+        <p:nvSpPr>
+          <p:cNvPr id="96" name="Rettangolo 95"/>
+          <p:cNvSpPr/>
+          <p:nvPr/>
+        </p:nvSpPr>
+        <p:spPr>
+          <a:xfrm>
+            <a:off x="3190588" y="4484054"/>
+            <a:ext cx="2160000" cy="1800000"/>
+          </a:xfrm>
+          <a:prstGeom prst="rect">
+            <a:avLst/>
+          </a:prstGeom>
+          <a:solidFill>
+            <a:srgbClr val="01579B"/>
+          </a:solidFill>
+          <a:ln>
+            <a:noFill/>
+          </a:ln>
+        </p:spPr>
+        <p:style>
+          <a:lnRef idx="2">
+            <a:schemeClr val="accent1">
+              <a:shade val="50000"/>
+            </a:schemeClr>
+          </a:lnRef>
+          <a:fillRef idx="1">
+            <a:schemeClr val="accent1"/>
+          </a:fillRef>
+          <a:effectRef idx="0">
+            <a:schemeClr val="accent1"/>
+          </a:effectRef>
+          <a:fontRef idx="minor">
+            <a:schemeClr val="lt1"/>
+          </a:fontRef>
+        </p:style>
+        <p:txBody>
+          <a:bodyPr rtlCol="0" anchor="ctr"/>
+          <a:lstStyle/>
+          <a:p>
+            <a:pPr algn="ctr"/>
+            <a:endParaRPr lang="it-IT" dirty="0"/>
+          </a:p>
+        </p:txBody>
+      </p:sp>
+      <p:sp>
+        <p:nvSpPr>
+          <p:cNvPr id="97" name="Esagono 96"/>
+          <p:cNvSpPr/>
+          <p:nvPr/>
+        </p:nvSpPr>
+        <p:spPr>
+          <a:xfrm>
+            <a:off x="4072588" y="5204054"/>
+            <a:ext cx="396000" cy="360000"/>
+          </a:xfrm>
+          <a:prstGeom prst="hexagon">
+            <a:avLst/>
+          </a:prstGeom>
+          <a:noFill/>
+          <a:ln w="57150">
+            <a:solidFill>
+              <a:schemeClr val="bg1"/>
+            </a:solidFill>
+          </a:ln>
+        </p:spPr>
+        <p:style>
+          <a:lnRef idx="2">
+            <a:schemeClr val="accent1">
+              <a:shade val="50000"/>
+            </a:schemeClr>
+          </a:lnRef>
+          <a:fillRef idx="1">
+            <a:schemeClr val="accent1"/>
+          </a:fillRef>
+          <a:effectRef idx="0">
+            <a:schemeClr val="accent1"/>
+          </a:effectRef>
+          <a:fontRef idx="minor">
+            <a:schemeClr val="lt1"/>
+          </a:fontRef>
+        </p:style>
+        <p:txBody>
+          <a:bodyPr rtlCol="0" anchor="ctr"/>
+          <a:lstStyle/>
+          <a:p>
+            <a:pPr algn="ctr"/>
+            <a:endParaRPr lang="it-IT"/>
+          </a:p>
+        </p:txBody>
+      </p:sp>
+      <p:sp>
+        <p:nvSpPr>
+          <p:cNvPr id="98" name="Stella a 6 punte 97"/>
+          <p:cNvSpPr/>
+          <p:nvPr/>
+        </p:nvSpPr>
+        <p:spPr>
+          <a:xfrm>
+            <a:off x="4202250" y="5317379"/>
+            <a:ext cx="144000" cy="144000"/>
+          </a:xfrm>
+          <a:prstGeom prst="star6">
+            <a:avLst/>
+          </a:prstGeom>
+          <a:noFill/>
+          <a:ln w="38100">
+            <a:solidFill>
+              <a:schemeClr val="bg1"/>
+            </a:solidFill>
+          </a:ln>
+        </p:spPr>
+        <p:style>
+          <a:lnRef idx="2">
+            <a:schemeClr val="accent1">
+              <a:shade val="50000"/>
+            </a:schemeClr>
+          </a:lnRef>
+          <a:fillRef idx="1">
+            <a:schemeClr val="accent1"/>
+          </a:fillRef>
+          <a:effectRef idx="0">
+            <a:schemeClr val="accent1"/>
+          </a:effectRef>
+          <a:fontRef idx="minor">
+            <a:schemeClr val="lt1"/>
+          </a:fontRef>
+        </p:style>
+        <p:txBody>
+          <a:bodyPr rtlCol="0" anchor="ctr"/>
+          <a:lstStyle/>
+          <a:p>
+            <a:pPr algn="ctr"/>
+            <a:endParaRPr lang="it-IT"/>
+          </a:p>
+        </p:txBody>
+      </p:sp>
+      <p:cxnSp>
+        <p:nvCxnSpPr>
+          <p:cNvPr id="100" name="Connettore diritto 99"/>
+          <p:cNvCxnSpPr/>
+          <p:nvPr/>
+        </p:nvCxnSpPr>
+        <p:spPr>
+          <a:xfrm flipV="1">
+            <a:off x="4394588" y="4772054"/>
+            <a:ext cx="324000" cy="432000"/>
+          </a:xfrm>
+          <a:prstGeom prst="line">
+            <a:avLst/>
+          </a:prstGeom>
+          <a:ln w="76200">
+            <a:solidFill>
+              <a:schemeClr val="bg1"/>
+            </a:solidFill>
+          </a:ln>
+        </p:spPr>
+        <p:style>
+          <a:lnRef idx="1">
+            <a:schemeClr val="accent1"/>
+          </a:lnRef>
+          <a:fillRef idx="0">
+            <a:schemeClr val="accent1"/>
+          </a:fillRef>
+          <a:effectRef idx="0">
+            <a:schemeClr val="accent1"/>
+          </a:effectRef>
+          <a:fontRef idx="minor">
+            <a:schemeClr val="tx1"/>
+          </a:fontRef>
+        </p:style>
+      </p:cxnSp>
+      <p:cxnSp>
+        <p:nvCxnSpPr>
+          <p:cNvPr id="104" name="Connettore diritto 103"/>
+          <p:cNvCxnSpPr/>
+          <p:nvPr/>
+        </p:nvCxnSpPr>
+        <p:spPr>
+          <a:xfrm flipV="1">
+            <a:off x="3845990" y="5564054"/>
+            <a:ext cx="324000" cy="432000"/>
+          </a:xfrm>
+          <a:prstGeom prst="line">
+            <a:avLst/>
+          </a:prstGeom>
+          <a:ln w="76200">
+            <a:solidFill>
+              <a:schemeClr val="bg1"/>
+            </a:solidFill>
+          </a:ln>
+        </p:spPr>
+        <p:style>
+          <a:lnRef idx="1">
+            <a:schemeClr val="accent1"/>
+          </a:lnRef>
+          <a:fillRef idx="0">
+            <a:schemeClr val="accent1"/>
+          </a:fillRef>
+          <a:effectRef idx="0">
+            <a:schemeClr val="accent1"/>
+          </a:effectRef>
+          <a:fontRef idx="minor">
+            <a:schemeClr val="tx1"/>
+          </a:fontRef>
+        </p:style>
+      </p:cxnSp>
+      <p:cxnSp>
+        <p:nvCxnSpPr>
+          <p:cNvPr id="105" name="Connettore diritto 104"/>
+          <p:cNvCxnSpPr/>
+          <p:nvPr/>
+        </p:nvCxnSpPr>
+        <p:spPr>
+          <a:xfrm flipH="1" flipV="1">
+            <a:off x="4378508" y="5542308"/>
+            <a:ext cx="324000" cy="432000"/>
+          </a:xfrm>
+          <a:prstGeom prst="line">
+            <a:avLst/>
+          </a:prstGeom>
+          <a:ln w="76200">
+            <a:solidFill>
+              <a:schemeClr val="bg1"/>
+            </a:solidFill>
+          </a:ln>
+        </p:spPr>
+        <p:style>
+          <a:lnRef idx="1">
+            <a:schemeClr val="accent1"/>
+          </a:lnRef>
+          <a:fillRef idx="0">
+            <a:schemeClr val="accent1"/>
+          </a:fillRef>
+          <a:effectRef idx="0">
+            <a:schemeClr val="accent1"/>
+          </a:effectRef>
+          <a:fontRef idx="minor">
+            <a:schemeClr val="tx1"/>
+          </a:fontRef>
+        </p:style>
+      </p:cxnSp>
+      <p:cxnSp>
+        <p:nvCxnSpPr>
+          <p:cNvPr id="107" name="Connettore diritto 106"/>
+          <p:cNvCxnSpPr/>
+          <p:nvPr/>
+        </p:nvCxnSpPr>
+        <p:spPr>
+          <a:xfrm flipH="1" flipV="1">
+            <a:off x="3836668" y="4782556"/>
+            <a:ext cx="324000" cy="432000"/>
+          </a:xfrm>
+          <a:prstGeom prst="line">
+            <a:avLst/>
+          </a:prstGeom>
+          <a:ln w="76200">
+            <a:solidFill>
+              <a:schemeClr val="bg1"/>
+            </a:solidFill>
+          </a:ln>
+        </p:spPr>
+        <p:style>
+          <a:lnRef idx="1">
+            <a:schemeClr val="accent1"/>
+          </a:lnRef>
+          <a:fillRef idx="0">
+            <a:schemeClr val="accent1"/>
+          </a:fillRef>
+          <a:effectRef idx="0">
+            <a:schemeClr val="accent1"/>
+          </a:effectRef>
+          <a:fontRef idx="minor">
+            <a:schemeClr val="tx1"/>
+          </a:fontRef>
+        </p:style>
+      </p:cxnSp>
+      <p:cxnSp>
+        <p:nvCxnSpPr>
+          <p:cNvPr id="108" name="Connettore diritto 107"/>
+          <p:cNvCxnSpPr/>
+          <p:nvPr/>
+        </p:nvCxnSpPr>
+        <p:spPr>
+          <a:xfrm>
+            <a:off x="4466474" y="5393958"/>
+            <a:ext cx="403976" cy="2796"/>
+          </a:xfrm>
+          <a:prstGeom prst="line">
+            <a:avLst/>
+          </a:prstGeom>
+          <a:ln w="76200">
+            <a:solidFill>
+              <a:schemeClr val="bg1"/>
+            </a:solidFill>
+          </a:ln>
+        </p:spPr>
+        <p:style>
+          <a:lnRef idx="1">
+            <a:schemeClr val="accent1"/>
+          </a:lnRef>
+          <a:fillRef idx="0">
+            <a:schemeClr val="accent1"/>
+          </a:fillRef>
+          <a:effectRef idx="0">
+            <a:schemeClr val="accent1"/>
+          </a:effectRef>
+          <a:fontRef idx="minor">
+            <a:schemeClr val="tx1"/>
+          </a:fontRef>
+        </p:style>
+      </p:cxnSp>
+      <p:cxnSp>
+        <p:nvCxnSpPr>
+          <p:cNvPr id="111" name="Connettore diritto 110"/>
+          <p:cNvCxnSpPr/>
+          <p:nvPr/>
+        </p:nvCxnSpPr>
+        <p:spPr>
+          <a:xfrm>
+            <a:off x="3670726" y="5381258"/>
+            <a:ext cx="403976" cy="2796"/>
+          </a:xfrm>
+          <a:prstGeom prst="line">
+            <a:avLst/>
+          </a:prstGeom>
+          <a:ln w="76200">
+            <a:solidFill>
+              <a:schemeClr val="bg1"/>
+            </a:solidFill>
+          </a:ln>
+        </p:spPr>
+        <p:style>
+          <a:lnRef idx="1">
+            <a:schemeClr val="accent1"/>
+          </a:lnRef>
+          <a:fillRef idx="0">
+            <a:schemeClr val="accent1"/>
+          </a:fillRef>
+          <a:effectRef idx="0">
+            <a:schemeClr val="accent1"/>
+          </a:effectRef>
+          <a:fontRef idx="minor">
+            <a:schemeClr val="tx1"/>
+          </a:fontRef>
+        </p:style>
+      </p:cxnSp>
+      <p:cxnSp>
+        <p:nvCxnSpPr>
+          <p:cNvPr id="112" name="Connettore diritto 111"/>
+          <p:cNvCxnSpPr/>
+          <p:nvPr/>
+        </p:nvCxnSpPr>
+        <p:spPr>
+          <a:xfrm flipV="1">
+            <a:off x="4675038" y="4765201"/>
+            <a:ext cx="208462" cy="59909"/>
+          </a:xfrm>
+          <a:prstGeom prst="line">
+            <a:avLst/>
+          </a:prstGeom>
+          <a:ln w="76200">
+            <a:solidFill>
+              <a:schemeClr val="bg1"/>
+            </a:solidFill>
+          </a:ln>
+        </p:spPr>
+        <p:style>
+          <a:lnRef idx="1">
+            <a:schemeClr val="accent1"/>
+          </a:lnRef>
+          <a:fillRef idx="0">
+            <a:schemeClr val="accent1"/>
+          </a:fillRef>
+          <a:effectRef idx="0">
+            <a:schemeClr val="accent1"/>
+          </a:effectRef>
+          <a:fontRef idx="minor">
+            <a:schemeClr val="tx1"/>
+          </a:fontRef>
+        </p:style>
+      </p:cxnSp>
+      <p:cxnSp>
+        <p:nvCxnSpPr>
+          <p:cNvPr id="115" name="Connettore diritto 114"/>
+          <p:cNvCxnSpPr/>
+          <p:nvPr/>
+        </p:nvCxnSpPr>
+        <p:spPr>
+          <a:xfrm flipV="1">
+            <a:off x="4689302" y="4626500"/>
+            <a:ext cx="13206" cy="192826"/>
+          </a:xfrm>
+          <a:prstGeom prst="line">
+            <a:avLst/>
+          </a:prstGeom>
+          <a:ln w="76200">
+            <a:solidFill>
+              <a:schemeClr val="bg1"/>
+            </a:solidFill>
+          </a:ln>
+        </p:spPr>
+        <p:style>
+          <a:lnRef idx="1">
+            <a:schemeClr val="accent1"/>
+          </a:lnRef>
+          <a:fillRef idx="0">
+            <a:schemeClr val="accent1"/>
+          </a:fillRef>
+          <a:effectRef idx="0">
+            <a:schemeClr val="accent1"/>
+          </a:effectRef>
+          <a:fontRef idx="minor">
+            <a:schemeClr val="tx1"/>
+          </a:fontRef>
+        </p:style>
+      </p:cxnSp>
+      <p:grpSp>
+        <p:nvGrpSpPr>
+          <p:cNvPr id="121" name="Gruppo 120"/>
+          <p:cNvGrpSpPr/>
+          <p:nvPr/>
+        </p:nvGrpSpPr>
+        <p:grpSpPr>
+          <a:xfrm rot="11015637">
+            <a:off x="3658231" y="5971105"/>
+            <a:ext cx="208462" cy="198610"/>
+            <a:chOff x="3453271" y="5797444"/>
+            <a:chExt cx="208462" cy="198610"/>
+          </a:xfrm>
+        </p:grpSpPr>
+        <p:cxnSp>
+          <p:nvCxnSpPr>
+            <p:cNvPr id="119" name="Connettore diritto 118"/>
+            <p:cNvCxnSpPr/>
+            <p:nvPr/>
+          </p:nvCxnSpPr>
+          <p:spPr>
+            <a:xfrm flipV="1">
+              <a:off x="3453271" y="5936145"/>
+              <a:ext cx="208462" cy="59909"/>
+            </a:xfrm>
+            <a:prstGeom prst="line">
+              <a:avLst/>
+            </a:prstGeom>
+            <a:ln w="76200">
+              <a:solidFill>
+                <a:schemeClr val="bg1"/>
+              </a:solidFill>
+            </a:ln>
+          </p:spPr>
+          <p:style>
+            <a:lnRef idx="1">
+              <a:schemeClr val="accent1"/>
+            </a:lnRef>
+            <a:fillRef idx="0">
+              <a:schemeClr val="accent1"/>
+            </a:fillRef>
+            <a:effectRef idx="0">
+              <a:schemeClr val="accent1"/>
+            </a:effectRef>
+            <a:fontRef idx="minor">
+              <a:schemeClr val="tx1"/>
+            </a:fontRef>
+          </p:style>
+        </p:cxnSp>
+        <p:cxnSp>
+          <p:nvCxnSpPr>
+            <p:cNvPr id="120" name="Connettore diritto 119"/>
+            <p:cNvCxnSpPr/>
+            <p:nvPr/>
+          </p:nvCxnSpPr>
+          <p:spPr>
+            <a:xfrm flipV="1">
+              <a:off x="3467535" y="5797444"/>
+              <a:ext cx="13206" cy="192826"/>
+            </a:xfrm>
+            <a:prstGeom prst="line">
+              <a:avLst/>
+            </a:prstGeom>
+            <a:ln w="76200">
+              <a:solidFill>
+                <a:schemeClr val="bg1"/>
+              </a:solidFill>
+            </a:ln>
+          </p:spPr>
+          <p:style>
+            <a:lnRef idx="1">
+              <a:schemeClr val="accent1"/>
+            </a:lnRef>
+            <a:fillRef idx="0">
+              <a:schemeClr val="accent1"/>
+            </a:fillRef>
+            <a:effectRef idx="0">
+              <a:schemeClr val="accent1"/>
+            </a:effectRef>
+            <a:fontRef idx="minor">
+              <a:schemeClr val="tx1"/>
+            </a:fontRef>
+          </p:style>
+        </p:cxnSp>
+      </p:grpSp>
+      <p:grpSp>
+        <p:nvGrpSpPr>
+          <p:cNvPr id="124" name="Gruppo 123"/>
+          <p:cNvGrpSpPr/>
+          <p:nvPr/>
+        </p:nvGrpSpPr>
+        <p:grpSpPr>
+          <a:xfrm rot="6311075">
+            <a:off x="4651466" y="5987269"/>
+            <a:ext cx="208462" cy="198610"/>
+            <a:chOff x="4827438" y="4778900"/>
+            <a:chExt cx="208462" cy="198610"/>
+          </a:xfrm>
+        </p:grpSpPr>
+        <p:cxnSp>
+          <p:nvCxnSpPr>
+            <p:cNvPr id="122" name="Connettore diritto 121"/>
+            <p:cNvCxnSpPr/>
+            <p:nvPr/>
+          </p:nvCxnSpPr>
+          <p:spPr>
+            <a:xfrm flipV="1">
+              <a:off x="4827438" y="4917601"/>
+              <a:ext cx="208462" cy="59909"/>
+            </a:xfrm>
+            <a:prstGeom prst="line">
+              <a:avLst/>
+            </a:prstGeom>
+            <a:ln w="76200">
+              <a:solidFill>
+                <a:schemeClr val="bg1"/>
+              </a:solidFill>
+            </a:ln>
+          </p:spPr>
+          <p:style>
+            <a:lnRef idx="1">
+              <a:schemeClr val="accent1"/>
+            </a:lnRef>
+            <a:fillRef idx="0">
+              <a:schemeClr val="accent1"/>
+            </a:fillRef>
+            <a:effectRef idx="0">
+              <a:schemeClr val="accent1"/>
+            </a:effectRef>
+            <a:fontRef idx="minor">
+              <a:schemeClr val="tx1"/>
+            </a:fontRef>
+          </p:style>
+        </p:cxnSp>
+        <p:cxnSp>
+          <p:nvCxnSpPr>
+            <p:cNvPr id="123" name="Connettore diritto 122"/>
+            <p:cNvCxnSpPr/>
+            <p:nvPr/>
+          </p:nvCxnSpPr>
+          <p:spPr>
+            <a:xfrm flipV="1">
+              <a:off x="4841702" y="4778900"/>
+              <a:ext cx="13206" cy="192826"/>
+            </a:xfrm>
+            <a:prstGeom prst="line">
+              <a:avLst/>
+            </a:prstGeom>
+            <a:ln w="76200">
+              <a:solidFill>
+                <a:schemeClr val="bg1"/>
+              </a:solidFill>
+            </a:ln>
+          </p:spPr>
+          <p:style>
+            <a:lnRef idx="1">
+              <a:schemeClr val="accent1"/>
+            </a:lnRef>
+            <a:fillRef idx="0">
+              <a:schemeClr val="accent1"/>
+            </a:fillRef>
+            <a:effectRef idx="0">
+              <a:schemeClr val="accent1"/>
+            </a:effectRef>
+            <a:fontRef idx="minor">
+              <a:schemeClr val="tx1"/>
+            </a:fontRef>
+          </p:style>
+        </p:cxnSp>
+      </p:grpSp>
+      <p:grpSp>
+        <p:nvGrpSpPr>
+          <p:cNvPr id="125" name="Gruppo 124"/>
+          <p:cNvGrpSpPr/>
+          <p:nvPr/>
+        </p:nvGrpSpPr>
+        <p:grpSpPr>
+          <a:xfrm rot="17172174">
+            <a:off x="3704721" y="4630998"/>
+            <a:ext cx="208462" cy="198610"/>
+            <a:chOff x="4827438" y="4778900"/>
+            <a:chExt cx="208462" cy="198610"/>
+          </a:xfrm>
+        </p:grpSpPr>
+        <p:cxnSp>
+          <p:nvCxnSpPr>
+            <p:cNvPr id="126" name="Connettore diritto 125"/>
+            <p:cNvCxnSpPr/>
+            <p:nvPr/>
+          </p:nvCxnSpPr>
+          <p:spPr>
+            <a:xfrm flipV="1">
+              <a:off x="4827438" y="4917601"/>
+              <a:ext cx="208462" cy="59909"/>
+            </a:xfrm>
+            <a:prstGeom prst="line">
+              <a:avLst/>
+            </a:prstGeom>
+            <a:ln w="76200">
+              <a:solidFill>
+                <a:schemeClr val="bg1"/>
+              </a:solidFill>
+            </a:ln>
+          </p:spPr>
+          <p:style>
+            <a:lnRef idx="1">
+              <a:schemeClr val="accent1"/>
+            </a:lnRef>
+            <a:fillRef idx="0">
+              <a:schemeClr val="accent1"/>
+            </a:fillRef>
+            <a:effectRef idx="0">
+              <a:schemeClr val="accent1"/>
+            </a:effectRef>
+            <a:fontRef idx="minor">
+              <a:schemeClr val="tx1"/>
+            </a:fontRef>
+          </p:style>
+        </p:cxnSp>
+        <p:cxnSp>
+          <p:nvCxnSpPr>
+            <p:cNvPr id="127" name="Connettore diritto 126"/>
+            <p:cNvCxnSpPr/>
+            <p:nvPr/>
+          </p:nvCxnSpPr>
+          <p:spPr>
+            <a:xfrm flipV="1">
+              <a:off x="4841702" y="4778900"/>
+              <a:ext cx="13206" cy="192826"/>
+            </a:xfrm>
+            <a:prstGeom prst="line">
+              <a:avLst/>
+            </a:prstGeom>
+            <a:ln w="76200">
+              <a:solidFill>
+                <a:schemeClr val="bg1"/>
+              </a:solidFill>
+            </a:ln>
+          </p:spPr>
+          <p:style>
+            <a:lnRef idx="1">
+              <a:schemeClr val="accent1"/>
+            </a:lnRef>
+            <a:fillRef idx="0">
+              <a:schemeClr val="accent1"/>
+            </a:fillRef>
+            <a:effectRef idx="0">
+              <a:schemeClr val="accent1"/>
+            </a:effectRef>
+            <a:fontRef idx="minor">
+              <a:schemeClr val="tx1"/>
+            </a:fontRef>
+          </p:style>
+        </p:cxnSp>
+      </p:grpSp>
+      <p:grpSp>
+        <p:nvGrpSpPr>
+          <p:cNvPr id="128" name="Gruppo 127"/>
+          <p:cNvGrpSpPr/>
+          <p:nvPr/>
+        </p:nvGrpSpPr>
+        <p:grpSpPr>
+          <a:xfrm rot="3475277">
+            <a:off x="4886442" y="5323694"/>
+            <a:ext cx="208462" cy="198610"/>
+            <a:chOff x="4827438" y="4778900"/>
+            <a:chExt cx="208462" cy="198610"/>
+          </a:xfrm>
+        </p:grpSpPr>
+        <p:cxnSp>
+          <p:nvCxnSpPr>
+            <p:cNvPr id="129" name="Connettore diritto 128"/>
+            <p:cNvCxnSpPr/>
+            <p:nvPr/>
+          </p:nvCxnSpPr>
+          <p:spPr>
+            <a:xfrm flipV="1">
+              <a:off x="4827438" y="4917601"/>
+              <a:ext cx="208462" cy="59909"/>
+            </a:xfrm>
+            <a:prstGeom prst="line">
+              <a:avLst/>
+            </a:prstGeom>
+            <a:ln w="76200">
+              <a:solidFill>
+                <a:schemeClr val="bg1"/>
+              </a:solidFill>
+            </a:ln>
+          </p:spPr>
+          <p:style>
+            <a:lnRef idx="1">
+              <a:schemeClr val="accent1"/>
+            </a:lnRef>
+            <a:fillRef idx="0">
+              <a:schemeClr val="accent1"/>
+            </a:fillRef>
+            <a:effectRef idx="0">
+              <a:schemeClr val="accent1"/>
+            </a:effectRef>
+            <a:fontRef idx="minor">
+              <a:schemeClr val="tx1"/>
+            </a:fontRef>
+          </p:style>
+        </p:cxnSp>
+        <p:cxnSp>
+          <p:nvCxnSpPr>
+            <p:cNvPr id="130" name="Connettore diritto 129"/>
+            <p:cNvCxnSpPr/>
+            <p:nvPr/>
+          </p:nvCxnSpPr>
+          <p:spPr>
+            <a:xfrm flipV="1">
+              <a:off x="4841702" y="4778900"/>
+              <a:ext cx="13206" cy="192826"/>
+            </a:xfrm>
+            <a:prstGeom prst="line">
+              <a:avLst/>
+            </a:prstGeom>
+            <a:ln w="76200">
+              <a:solidFill>
+                <a:schemeClr val="bg1"/>
+              </a:solidFill>
+            </a:ln>
+          </p:spPr>
+          <p:style>
+            <a:lnRef idx="1">
+              <a:schemeClr val="accent1"/>
+            </a:lnRef>
+            <a:fillRef idx="0">
+              <a:schemeClr val="accent1"/>
+            </a:fillRef>
+            <a:effectRef idx="0">
+              <a:schemeClr val="accent1"/>
+            </a:effectRef>
+            <a:fontRef idx="minor">
+              <a:schemeClr val="tx1"/>
+            </a:fontRef>
+          </p:style>
+        </p:cxnSp>
+      </p:grpSp>
+      <p:grpSp>
+        <p:nvGrpSpPr>
+          <p:cNvPr id="131" name="Gruppo 130"/>
+          <p:cNvGrpSpPr/>
+          <p:nvPr/>
+        </p:nvGrpSpPr>
+        <p:grpSpPr>
+          <a:xfrm rot="14027174">
+            <a:off x="3438946" y="5265341"/>
+            <a:ext cx="208462" cy="198610"/>
+            <a:chOff x="4827438" y="4778900"/>
+            <a:chExt cx="208462" cy="198610"/>
+          </a:xfrm>
+        </p:grpSpPr>
+        <p:cxnSp>
+          <p:nvCxnSpPr>
+            <p:cNvPr id="132" name="Connettore diritto 131"/>
+            <p:cNvCxnSpPr/>
+            <p:nvPr/>
+          </p:nvCxnSpPr>
+          <p:spPr>
+            <a:xfrm flipV="1">
+              <a:off x="4827438" y="4917601"/>
+              <a:ext cx="208462" cy="59909"/>
+            </a:xfrm>
+            <a:prstGeom prst="line">
+              <a:avLst/>
+            </a:prstGeom>
+            <a:ln w="76200">
+              <a:solidFill>
+                <a:schemeClr val="bg1"/>
+              </a:solidFill>
+            </a:ln>
+          </p:spPr>
+          <p:style>
+            <a:lnRef idx="1">
+              <a:schemeClr val="accent1"/>
+            </a:lnRef>
+            <a:fillRef idx="0">
+              <a:schemeClr val="accent1"/>
+            </a:fillRef>
+            <a:effectRef idx="0">
+              <a:schemeClr val="accent1"/>
+            </a:effectRef>
+            <a:fontRef idx="minor">
+              <a:schemeClr val="tx1"/>
+            </a:fontRef>
+          </p:style>
+        </p:cxnSp>
+        <p:cxnSp>
+          <p:nvCxnSpPr>
+            <p:cNvPr id="133" name="Connettore diritto 132"/>
+            <p:cNvCxnSpPr/>
+            <p:nvPr/>
+          </p:nvCxnSpPr>
+          <p:spPr>
+            <a:xfrm flipV="1">
+              <a:off x="4841702" y="4778900"/>
+              <a:ext cx="13206" cy="192826"/>
+            </a:xfrm>
+            <a:prstGeom prst="line">
+              <a:avLst/>
+            </a:prstGeom>
+            <a:ln w="76200">
+              <a:solidFill>
+                <a:schemeClr val="bg1"/>
+              </a:solidFill>
+            </a:ln>
+          </p:spPr>
+          <p:style>
+            <a:lnRef idx="1">
+              <a:schemeClr val="accent1"/>
+            </a:lnRef>
+            <a:fillRef idx="0">
+              <a:schemeClr val="accent1"/>
+            </a:fillRef>
+            <a:effectRef idx="0">
+              <a:schemeClr val="accent1"/>
+            </a:effectRef>
+            <a:fontRef idx="minor">
+              <a:schemeClr val="tx1"/>
+            </a:fontRef>
+          </p:style>
+        </p:cxnSp>
+      </p:grpSp>
+      <p:grpSp>
+        <p:nvGrpSpPr>
+          <p:cNvPr id="134" name="Gruppo 133"/>
+          <p:cNvGrpSpPr/>
+          <p:nvPr/>
+        </p:nvGrpSpPr>
+        <p:grpSpPr>
+          <a:xfrm rot="3475277">
+            <a:off x="4605827" y="5310936"/>
+            <a:ext cx="208462" cy="198610"/>
+            <a:chOff x="4827438" y="4778900"/>
+            <a:chExt cx="208462" cy="198610"/>
+          </a:xfrm>
+        </p:grpSpPr>
+        <p:cxnSp>
+          <p:nvCxnSpPr>
+            <p:cNvPr id="135" name="Connettore diritto 134"/>
+            <p:cNvCxnSpPr/>
+            <p:nvPr/>
+          </p:nvCxnSpPr>
+          <p:spPr>
+            <a:xfrm flipV="1">
+              <a:off x="4827438" y="4917601"/>
+              <a:ext cx="208462" cy="59909"/>
+            </a:xfrm>
+            <a:prstGeom prst="line">
+              <a:avLst/>
+            </a:prstGeom>
+            <a:ln w="76200">
+              <a:solidFill>
+                <a:schemeClr val="bg1"/>
+              </a:solidFill>
+            </a:ln>
+          </p:spPr>
+          <p:style>
+            <a:lnRef idx="1">
+              <a:schemeClr val="accent1"/>
+            </a:lnRef>
+            <a:fillRef idx="0">
+              <a:schemeClr val="accent1"/>
+            </a:fillRef>
+            <a:effectRef idx="0">
+              <a:schemeClr val="accent1"/>
+            </a:effectRef>
+            <a:fontRef idx="minor">
+              <a:schemeClr val="tx1"/>
+            </a:fontRef>
+          </p:style>
+        </p:cxnSp>
+        <p:cxnSp>
+          <p:nvCxnSpPr>
+            <p:cNvPr id="136" name="Connettore diritto 135"/>
+            <p:cNvCxnSpPr/>
+            <p:nvPr/>
+          </p:nvCxnSpPr>
+          <p:spPr>
+            <a:xfrm flipV="1">
+              <a:off x="4841702" y="4778900"/>
+              <a:ext cx="13206" cy="192826"/>
+            </a:xfrm>
+            <a:prstGeom prst="line">
+              <a:avLst/>
+            </a:prstGeom>
+            <a:ln w="76200">
+              <a:solidFill>
+                <a:schemeClr val="bg1"/>
+              </a:solidFill>
+            </a:ln>
+          </p:spPr>
+          <p:style>
+            <a:lnRef idx="1">
+              <a:schemeClr val="accent1"/>
+            </a:lnRef>
+            <a:fillRef idx="0">
+              <a:schemeClr val="accent1"/>
+            </a:fillRef>
+            <a:effectRef idx="0">
+              <a:schemeClr val="accent1"/>
+            </a:effectRef>
+            <a:fontRef idx="minor">
+              <a:schemeClr val="tx1"/>
+            </a:fontRef>
+          </p:style>
+        </p:cxnSp>
       </p:grpSp>
     </p:spTree>
     <p:extLst>

--- a/MadMeteo/res/icons.pptx
+++ b/MadMeteo/res/icons.pptx
@@ -243,7 +243,7 @@
           <a:p>
             <a:fld id="{551FD8FC-7C72-4BD7-8D55-3B6D9C41F69A}" type="datetimeFigureOut">
               <a:rPr lang="it-IT" smtClean="0"/>
-              <a:t>22/01/2018</a:t>
+              <a:t>23/01/2018</a:t>
             </a:fld>
             <a:endParaRPr lang="it-IT"/>
           </a:p>
@@ -411,7 +411,7 @@
           <a:p>
             <a:fld id="{551FD8FC-7C72-4BD7-8D55-3B6D9C41F69A}" type="datetimeFigureOut">
               <a:rPr lang="it-IT" smtClean="0"/>
-              <a:t>22/01/2018</a:t>
+              <a:t>23/01/2018</a:t>
             </a:fld>
             <a:endParaRPr lang="it-IT"/>
           </a:p>
@@ -589,7 +589,7 @@
           <a:p>
             <a:fld id="{551FD8FC-7C72-4BD7-8D55-3B6D9C41F69A}" type="datetimeFigureOut">
               <a:rPr lang="it-IT" smtClean="0"/>
-              <a:t>22/01/2018</a:t>
+              <a:t>23/01/2018</a:t>
             </a:fld>
             <a:endParaRPr lang="it-IT"/>
           </a:p>
@@ -757,7 +757,7 @@
           <a:p>
             <a:fld id="{551FD8FC-7C72-4BD7-8D55-3B6D9C41F69A}" type="datetimeFigureOut">
               <a:rPr lang="it-IT" smtClean="0"/>
-              <a:t>22/01/2018</a:t>
+              <a:t>23/01/2018</a:t>
             </a:fld>
             <a:endParaRPr lang="it-IT"/>
           </a:p>
@@ -1002,7 +1002,7 @@
           <a:p>
             <a:fld id="{551FD8FC-7C72-4BD7-8D55-3B6D9C41F69A}" type="datetimeFigureOut">
               <a:rPr lang="it-IT" smtClean="0"/>
-              <a:t>22/01/2018</a:t>
+              <a:t>23/01/2018</a:t>
             </a:fld>
             <a:endParaRPr lang="it-IT"/>
           </a:p>
@@ -1231,7 +1231,7 @@
           <a:p>
             <a:fld id="{551FD8FC-7C72-4BD7-8D55-3B6D9C41F69A}" type="datetimeFigureOut">
               <a:rPr lang="it-IT" smtClean="0"/>
-              <a:t>22/01/2018</a:t>
+              <a:t>23/01/2018</a:t>
             </a:fld>
             <a:endParaRPr lang="it-IT"/>
           </a:p>
@@ -1595,7 +1595,7 @@
           <a:p>
             <a:fld id="{551FD8FC-7C72-4BD7-8D55-3B6D9C41F69A}" type="datetimeFigureOut">
               <a:rPr lang="it-IT" smtClean="0"/>
-              <a:t>22/01/2018</a:t>
+              <a:t>23/01/2018</a:t>
             </a:fld>
             <a:endParaRPr lang="it-IT"/>
           </a:p>
@@ -1712,7 +1712,7 @@
           <a:p>
             <a:fld id="{551FD8FC-7C72-4BD7-8D55-3B6D9C41F69A}" type="datetimeFigureOut">
               <a:rPr lang="it-IT" smtClean="0"/>
-              <a:t>22/01/2018</a:t>
+              <a:t>23/01/2018</a:t>
             </a:fld>
             <a:endParaRPr lang="it-IT"/>
           </a:p>
@@ -1807,7 +1807,7 @@
           <a:p>
             <a:fld id="{551FD8FC-7C72-4BD7-8D55-3B6D9C41F69A}" type="datetimeFigureOut">
               <a:rPr lang="it-IT" smtClean="0"/>
-              <a:t>22/01/2018</a:t>
+              <a:t>23/01/2018</a:t>
             </a:fld>
             <a:endParaRPr lang="it-IT"/>
           </a:p>
@@ -2082,7 +2082,7 @@
           <a:p>
             <a:fld id="{551FD8FC-7C72-4BD7-8D55-3B6D9C41F69A}" type="datetimeFigureOut">
               <a:rPr lang="it-IT" smtClean="0"/>
-              <a:t>22/01/2018</a:t>
+              <a:t>23/01/2018</a:t>
             </a:fld>
             <a:endParaRPr lang="it-IT"/>
           </a:p>
@@ -2334,7 +2334,7 @@
           <a:p>
             <a:fld id="{551FD8FC-7C72-4BD7-8D55-3B6D9C41F69A}" type="datetimeFigureOut">
               <a:rPr lang="it-IT" smtClean="0"/>
-              <a:t>22/01/2018</a:t>
+              <a:t>23/01/2018</a:t>
             </a:fld>
             <a:endParaRPr lang="it-IT"/>
           </a:p>
@@ -2545,7 +2545,7 @@
           <a:p>
             <a:fld id="{551FD8FC-7C72-4BD7-8D55-3B6D9C41F69A}" type="datetimeFigureOut">
               <a:rPr lang="it-IT" smtClean="0"/>
-              <a:t>22/01/2018</a:t>
+              <a:t>23/01/2018</a:t>
             </a:fld>
             <a:endParaRPr lang="it-IT"/>
           </a:p>
@@ -6197,7 +6197,7 @@
         </p:nvGrpSpPr>
         <p:grpSpPr>
           <a:xfrm>
-            <a:off x="4938592" y="3899773"/>
+            <a:off x="9704267" y="988772"/>
             <a:ext cx="1471156" cy="989590"/>
             <a:chOff x="4367092" y="2788523"/>
             <a:chExt cx="1471156" cy="989590"/>
@@ -6434,6 +6434,704 @@
           </p:txBody>
         </p:sp>
       </p:grpSp>
+      <p:sp>
+        <p:nvSpPr>
+          <p:cNvPr id="2" name="Ritardo 1"/>
+          <p:cNvSpPr/>
+          <p:nvPr/>
+        </p:nvSpPr>
+        <p:spPr>
+          <a:xfrm rot="5400000">
+            <a:off x="7057118" y="4249515"/>
+            <a:ext cx="1416050" cy="1509486"/>
+          </a:xfrm>
+          <a:prstGeom prst="flowChartDelay">
+            <a:avLst/>
+          </a:prstGeom>
+          <a:solidFill>
+            <a:srgbClr val="2E6CA4"/>
+          </a:solidFill>
+          <a:ln>
+            <a:noFill/>
+          </a:ln>
+        </p:spPr>
+        <p:style>
+          <a:lnRef idx="2">
+            <a:schemeClr val="accent1">
+              <a:shade val="50000"/>
+            </a:schemeClr>
+          </a:lnRef>
+          <a:fillRef idx="1">
+            <a:schemeClr val="accent1"/>
+          </a:fillRef>
+          <a:effectRef idx="0">
+            <a:schemeClr val="accent1"/>
+          </a:effectRef>
+          <a:fontRef idx="minor">
+            <a:schemeClr val="lt1"/>
+          </a:fontRef>
+        </p:style>
+        <p:txBody>
+          <a:bodyPr rtlCol="0" anchor="ctr"/>
+          <a:lstStyle/>
+          <a:p>
+            <a:pPr algn="ctr"/>
+            <a:endParaRPr lang="it-IT"/>
+          </a:p>
+        </p:txBody>
+      </p:sp>
+      <p:sp>
+        <p:nvSpPr>
+          <p:cNvPr id="9" name="Rettangolo con angoli arrotondati 8"/>
+          <p:cNvSpPr/>
+          <p:nvPr/>
+        </p:nvSpPr>
+        <p:spPr>
+          <a:xfrm rot="21294814">
+            <a:off x="7063582" y="3932321"/>
+            <a:ext cx="326600" cy="764911"/>
+          </a:xfrm>
+          <a:prstGeom prst="roundRect">
+            <a:avLst>
+              <a:gd name="adj" fmla="val 39953"/>
+            </a:avLst>
+          </a:prstGeom>
+          <a:solidFill>
+            <a:srgbClr val="2E6CA4"/>
+          </a:solidFill>
+          <a:ln w="57150">
+            <a:solidFill>
+              <a:schemeClr val="bg1"/>
+            </a:solidFill>
+          </a:ln>
+        </p:spPr>
+        <p:style>
+          <a:lnRef idx="2">
+            <a:schemeClr val="accent1">
+              <a:shade val="50000"/>
+            </a:schemeClr>
+          </a:lnRef>
+          <a:fillRef idx="1">
+            <a:schemeClr val="accent1"/>
+          </a:fillRef>
+          <a:effectRef idx="0">
+            <a:schemeClr val="accent1"/>
+          </a:effectRef>
+          <a:fontRef idx="minor">
+            <a:schemeClr val="lt1"/>
+          </a:fontRef>
+        </p:style>
+        <p:txBody>
+          <a:bodyPr rtlCol="0" anchor="ctr"/>
+          <a:lstStyle/>
+          <a:p>
+            <a:pPr algn="ctr"/>
+            <a:endParaRPr lang="it-IT"/>
+          </a:p>
+        </p:txBody>
+      </p:sp>
+      <p:sp>
+        <p:nvSpPr>
+          <p:cNvPr id="10" name="Rettangolo con angoli arrotondati 9"/>
+          <p:cNvSpPr/>
+          <p:nvPr/>
+        </p:nvSpPr>
+        <p:spPr>
+          <a:xfrm rot="21294814">
+            <a:off x="7394962" y="3774264"/>
+            <a:ext cx="326600" cy="997612"/>
+          </a:xfrm>
+          <a:prstGeom prst="roundRect">
+            <a:avLst>
+              <a:gd name="adj" fmla="val 39953"/>
+            </a:avLst>
+          </a:prstGeom>
+          <a:solidFill>
+            <a:srgbClr val="2E6CA4"/>
+          </a:solidFill>
+          <a:ln w="57150">
+            <a:solidFill>
+              <a:schemeClr val="bg1"/>
+            </a:solidFill>
+          </a:ln>
+        </p:spPr>
+        <p:style>
+          <a:lnRef idx="2">
+            <a:schemeClr val="accent1">
+              <a:shade val="50000"/>
+            </a:schemeClr>
+          </a:lnRef>
+          <a:fillRef idx="1">
+            <a:schemeClr val="accent1"/>
+          </a:fillRef>
+          <a:effectRef idx="0">
+            <a:schemeClr val="accent1"/>
+          </a:effectRef>
+          <a:fontRef idx="minor">
+            <a:schemeClr val="lt1"/>
+          </a:fontRef>
+        </p:style>
+        <p:txBody>
+          <a:bodyPr rtlCol="0" anchor="ctr"/>
+          <a:lstStyle/>
+          <a:p>
+            <a:pPr algn="ctr"/>
+            <a:endParaRPr lang="it-IT"/>
+          </a:p>
+        </p:txBody>
+      </p:sp>
+      <p:sp>
+        <p:nvSpPr>
+          <p:cNvPr id="11" name="Rettangolo con angoli arrotondati 10"/>
+          <p:cNvSpPr/>
+          <p:nvPr/>
+        </p:nvSpPr>
+        <p:spPr>
+          <a:xfrm rot="515912">
+            <a:off x="7839591" y="2529069"/>
+            <a:ext cx="401765" cy="1839843"/>
+          </a:xfrm>
+          <a:prstGeom prst="roundRect">
+            <a:avLst>
+              <a:gd name="adj" fmla="val 46985"/>
+            </a:avLst>
+          </a:prstGeom>
+          <a:solidFill>
+            <a:srgbClr val="2E6CA4"/>
+          </a:solidFill>
+          <a:ln w="57150">
+            <a:solidFill>
+              <a:schemeClr val="bg1"/>
+            </a:solidFill>
+          </a:ln>
+        </p:spPr>
+        <p:style>
+          <a:lnRef idx="2">
+            <a:schemeClr val="accent1">
+              <a:shade val="50000"/>
+            </a:schemeClr>
+          </a:lnRef>
+          <a:fillRef idx="1">
+            <a:schemeClr val="accent1"/>
+          </a:fillRef>
+          <a:effectRef idx="0">
+            <a:schemeClr val="accent1"/>
+          </a:effectRef>
+          <a:fontRef idx="minor">
+            <a:schemeClr val="lt1"/>
+          </a:fontRef>
+        </p:style>
+        <p:txBody>
+          <a:bodyPr rtlCol="0" anchor="ctr"/>
+          <a:lstStyle/>
+          <a:p>
+            <a:pPr algn="ctr"/>
+            <a:endParaRPr lang="it-IT"/>
+          </a:p>
+        </p:txBody>
+      </p:sp>
+      <p:sp>
+        <p:nvSpPr>
+          <p:cNvPr id="12" name="Rettangolo con angoli arrotondati 11"/>
+          <p:cNvSpPr/>
+          <p:nvPr/>
+        </p:nvSpPr>
+        <p:spPr>
+          <a:xfrm rot="20553869">
+            <a:off x="7918502" y="2630833"/>
+            <a:ext cx="401765" cy="2011749"/>
+          </a:xfrm>
+          <a:prstGeom prst="roundRect">
+            <a:avLst>
+              <a:gd name="adj" fmla="val 50000"/>
+            </a:avLst>
+          </a:prstGeom>
+          <a:solidFill>
+            <a:srgbClr val="2E6CA4"/>
+          </a:solidFill>
+          <a:ln w="57150">
+            <a:solidFill>
+              <a:schemeClr val="bg1"/>
+            </a:solidFill>
+          </a:ln>
+        </p:spPr>
+        <p:style>
+          <a:lnRef idx="2">
+            <a:schemeClr val="accent1">
+              <a:shade val="50000"/>
+            </a:schemeClr>
+          </a:lnRef>
+          <a:fillRef idx="1">
+            <a:schemeClr val="accent1"/>
+          </a:fillRef>
+          <a:effectRef idx="0">
+            <a:schemeClr val="accent1"/>
+          </a:effectRef>
+          <a:fontRef idx="minor">
+            <a:schemeClr val="lt1"/>
+          </a:fontRef>
+        </p:style>
+        <p:txBody>
+          <a:bodyPr rtlCol="0" anchor="ctr"/>
+          <a:lstStyle/>
+          <a:p>
+            <a:pPr algn="ctr"/>
+            <a:endParaRPr lang="it-IT"/>
+          </a:p>
+        </p:txBody>
+      </p:sp>
+      <p:sp>
+        <p:nvSpPr>
+          <p:cNvPr id="13" name="Rettangolo con angoli arrotondati 12"/>
+          <p:cNvSpPr/>
+          <p:nvPr/>
+        </p:nvSpPr>
+        <p:spPr>
+          <a:xfrm rot="17982440">
+            <a:off x="7884840" y="3921174"/>
+            <a:ext cx="418271" cy="1160777"/>
+          </a:xfrm>
+          <a:prstGeom prst="roundRect">
+            <a:avLst>
+              <a:gd name="adj" fmla="val 39953"/>
+            </a:avLst>
+          </a:prstGeom>
+          <a:solidFill>
+            <a:srgbClr val="2E6CA4"/>
+          </a:solidFill>
+          <a:ln w="57150">
+            <a:solidFill>
+              <a:schemeClr val="bg1"/>
+            </a:solidFill>
+          </a:ln>
+        </p:spPr>
+        <p:style>
+          <a:lnRef idx="2">
+            <a:schemeClr val="accent1">
+              <a:shade val="50000"/>
+            </a:schemeClr>
+          </a:lnRef>
+          <a:fillRef idx="1">
+            <a:schemeClr val="accent1"/>
+          </a:fillRef>
+          <a:effectRef idx="0">
+            <a:schemeClr val="accent1"/>
+          </a:effectRef>
+          <a:fontRef idx="minor">
+            <a:schemeClr val="lt1"/>
+          </a:fontRef>
+        </p:style>
+        <p:txBody>
+          <a:bodyPr rtlCol="0" anchor="ctr"/>
+          <a:lstStyle/>
+          <a:p>
+            <a:pPr algn="ctr"/>
+            <a:endParaRPr lang="it-IT"/>
+          </a:p>
+        </p:txBody>
+      </p:sp>
+      <p:grpSp>
+        <p:nvGrpSpPr>
+          <p:cNvPr id="14" name="Gruppo 13"/>
+          <p:cNvGrpSpPr/>
+          <p:nvPr/>
+        </p:nvGrpSpPr>
+        <p:grpSpPr>
+          <a:xfrm>
+            <a:off x="5888013" y="2354175"/>
+            <a:ext cx="1567835" cy="1551518"/>
+            <a:chOff x="1159910" y="914043"/>
+            <a:chExt cx="1567835" cy="1551518"/>
+          </a:xfrm>
+        </p:grpSpPr>
+        <p:sp>
+          <p:nvSpPr>
+            <p:cNvPr id="15" name="Ovale 14"/>
+            <p:cNvSpPr/>
+            <p:nvPr/>
+          </p:nvSpPr>
+          <p:spPr>
+            <a:xfrm>
+              <a:off x="1584100" y="1339403"/>
+              <a:ext cx="720000" cy="720000"/>
+            </a:xfrm>
+            <a:prstGeom prst="ellipse">
+              <a:avLst/>
+            </a:prstGeom>
+            <a:noFill/>
+            <a:ln w="57150">
+              <a:solidFill>
+                <a:srgbClr val="2E6CA4"/>
+              </a:solidFill>
+            </a:ln>
+          </p:spPr>
+          <p:style>
+            <a:lnRef idx="2">
+              <a:schemeClr val="accent1">
+                <a:shade val="50000"/>
+              </a:schemeClr>
+            </a:lnRef>
+            <a:fillRef idx="1">
+              <a:schemeClr val="accent1"/>
+            </a:fillRef>
+            <a:effectRef idx="0">
+              <a:schemeClr val="accent1"/>
+            </a:effectRef>
+            <a:fontRef idx="minor">
+              <a:schemeClr val="lt1"/>
+            </a:fontRef>
+          </p:style>
+          <p:txBody>
+            <a:bodyPr rtlCol="0" anchor="ctr"/>
+            <a:lstStyle/>
+            <a:p>
+              <a:pPr algn="ctr"/>
+              <a:endParaRPr lang="it-IT"/>
+            </a:p>
+          </p:txBody>
+        </p:sp>
+        <p:cxnSp>
+          <p:nvCxnSpPr>
+            <p:cNvPr id="16" name="Connettore diritto 15"/>
+            <p:cNvCxnSpPr/>
+            <p:nvPr/>
+          </p:nvCxnSpPr>
+          <p:spPr>
+            <a:xfrm>
+              <a:off x="1944531" y="914043"/>
+              <a:ext cx="0" cy="360000"/>
+            </a:xfrm>
+            <a:prstGeom prst="line">
+              <a:avLst/>
+            </a:prstGeom>
+            <a:ln w="38100">
+              <a:solidFill>
+                <a:srgbClr val="2E6CA4"/>
+              </a:solidFill>
+            </a:ln>
+          </p:spPr>
+          <p:style>
+            <a:lnRef idx="1">
+              <a:schemeClr val="accent1"/>
+            </a:lnRef>
+            <a:fillRef idx="0">
+              <a:schemeClr val="accent1"/>
+            </a:fillRef>
+            <a:effectRef idx="0">
+              <a:schemeClr val="accent1"/>
+            </a:effectRef>
+            <a:fontRef idx="minor">
+              <a:schemeClr val="tx1"/>
+            </a:fontRef>
+          </p:style>
+        </p:cxnSp>
+        <p:cxnSp>
+          <p:nvCxnSpPr>
+            <p:cNvPr id="17" name="Connettore diritto 16"/>
+            <p:cNvCxnSpPr/>
+            <p:nvPr/>
+          </p:nvCxnSpPr>
+          <p:spPr>
+            <a:xfrm>
+              <a:off x="1943383" y="2123380"/>
+              <a:ext cx="0" cy="327273"/>
+            </a:xfrm>
+            <a:prstGeom prst="line">
+              <a:avLst/>
+            </a:prstGeom>
+            <a:ln w="38100">
+              <a:solidFill>
+                <a:srgbClr val="2E6CA4"/>
+              </a:solidFill>
+            </a:ln>
+          </p:spPr>
+          <p:style>
+            <a:lnRef idx="1">
+              <a:schemeClr val="accent1"/>
+            </a:lnRef>
+            <a:fillRef idx="0">
+              <a:schemeClr val="accent1"/>
+            </a:fillRef>
+            <a:effectRef idx="0">
+              <a:schemeClr val="accent1"/>
+            </a:effectRef>
+            <a:fontRef idx="minor">
+              <a:schemeClr val="tx1"/>
+            </a:fontRef>
+          </p:style>
+        </p:cxnSp>
+        <p:cxnSp>
+          <p:nvCxnSpPr>
+            <p:cNvPr id="18" name="Connettore diritto 17"/>
+            <p:cNvCxnSpPr/>
+            <p:nvPr/>
+          </p:nvCxnSpPr>
+          <p:spPr>
+            <a:xfrm flipH="1">
+              <a:off x="2367745" y="1699403"/>
+              <a:ext cx="360000" cy="1"/>
+            </a:xfrm>
+            <a:prstGeom prst="line">
+              <a:avLst/>
+            </a:prstGeom>
+            <a:ln w="38100">
+              <a:solidFill>
+                <a:srgbClr val="2E6CA4"/>
+              </a:solidFill>
+            </a:ln>
+          </p:spPr>
+          <p:style>
+            <a:lnRef idx="1">
+              <a:schemeClr val="accent1"/>
+            </a:lnRef>
+            <a:fillRef idx="0">
+              <a:schemeClr val="accent1"/>
+            </a:fillRef>
+            <a:effectRef idx="0">
+              <a:schemeClr val="accent1"/>
+            </a:effectRef>
+            <a:fontRef idx="minor">
+              <a:schemeClr val="tx1"/>
+            </a:fontRef>
+          </p:style>
+        </p:cxnSp>
+        <p:cxnSp>
+          <p:nvCxnSpPr>
+            <p:cNvPr id="19" name="Connettore diritto 18"/>
+            <p:cNvCxnSpPr/>
+            <p:nvPr/>
+          </p:nvCxnSpPr>
+          <p:spPr>
+            <a:xfrm flipH="1">
+              <a:off x="1160800" y="1697255"/>
+              <a:ext cx="360000" cy="1"/>
+            </a:xfrm>
+            <a:prstGeom prst="line">
+              <a:avLst/>
+            </a:prstGeom>
+            <a:ln w="38100">
+              <a:solidFill>
+                <a:srgbClr val="2E6CA4"/>
+              </a:solidFill>
+            </a:ln>
+          </p:spPr>
+          <p:style>
+            <a:lnRef idx="1">
+              <a:schemeClr val="accent1"/>
+            </a:lnRef>
+            <a:fillRef idx="0">
+              <a:schemeClr val="accent1"/>
+            </a:fillRef>
+            <a:effectRef idx="0">
+              <a:schemeClr val="accent1"/>
+            </a:effectRef>
+            <a:fontRef idx="minor">
+              <a:schemeClr val="tx1"/>
+            </a:fontRef>
+          </p:style>
+        </p:cxnSp>
+        <p:grpSp>
+          <p:nvGrpSpPr>
+            <p:cNvPr id="20" name="Gruppo 19"/>
+            <p:cNvGrpSpPr/>
+            <p:nvPr/>
+          </p:nvGrpSpPr>
+          <p:grpSpPr>
+            <a:xfrm rot="2605835">
+              <a:off x="1159910" y="928951"/>
+              <a:ext cx="1566945" cy="1536610"/>
+              <a:chOff x="4240550" y="1859435"/>
+              <a:chExt cx="1566945" cy="1536610"/>
+            </a:xfrm>
+          </p:grpSpPr>
+          <p:cxnSp>
+            <p:nvCxnSpPr>
+              <p:cNvPr id="21" name="Connettore diritto 20"/>
+              <p:cNvCxnSpPr/>
+              <p:nvPr/>
+            </p:nvCxnSpPr>
+            <p:spPr>
+              <a:xfrm>
+                <a:off x="5024281" y="1859435"/>
+                <a:ext cx="0" cy="360000"/>
+              </a:xfrm>
+              <a:prstGeom prst="line">
+                <a:avLst/>
+              </a:prstGeom>
+              <a:ln w="38100">
+                <a:solidFill>
+                  <a:srgbClr val="2E6CA4"/>
+                </a:solidFill>
+              </a:ln>
+            </p:spPr>
+            <p:style>
+              <a:lnRef idx="1">
+                <a:schemeClr val="accent1"/>
+              </a:lnRef>
+              <a:fillRef idx="0">
+                <a:schemeClr val="accent1"/>
+              </a:fillRef>
+              <a:effectRef idx="0">
+                <a:schemeClr val="accent1"/>
+              </a:effectRef>
+              <a:fontRef idx="minor">
+                <a:schemeClr val="tx1"/>
+              </a:fontRef>
+            </p:style>
+          </p:cxnSp>
+          <p:cxnSp>
+            <p:nvCxnSpPr>
+              <p:cNvPr id="22" name="Connettore diritto 21"/>
+              <p:cNvCxnSpPr/>
+              <p:nvPr/>
+            </p:nvCxnSpPr>
+            <p:spPr>
+              <a:xfrm>
+                <a:off x="5023133" y="3068772"/>
+                <a:ext cx="0" cy="327273"/>
+              </a:xfrm>
+              <a:prstGeom prst="line">
+                <a:avLst/>
+              </a:prstGeom>
+              <a:ln w="38100">
+                <a:solidFill>
+                  <a:srgbClr val="2E6CA4"/>
+                </a:solidFill>
+              </a:ln>
+            </p:spPr>
+            <p:style>
+              <a:lnRef idx="1">
+                <a:schemeClr val="accent1"/>
+              </a:lnRef>
+              <a:fillRef idx="0">
+                <a:schemeClr val="accent1"/>
+              </a:fillRef>
+              <a:effectRef idx="0">
+                <a:schemeClr val="accent1"/>
+              </a:effectRef>
+              <a:fontRef idx="minor">
+                <a:schemeClr val="tx1"/>
+              </a:fontRef>
+            </p:style>
+          </p:cxnSp>
+          <p:cxnSp>
+            <p:nvCxnSpPr>
+              <p:cNvPr id="23" name="Connettore diritto 22"/>
+              <p:cNvCxnSpPr/>
+              <p:nvPr/>
+            </p:nvCxnSpPr>
+            <p:spPr>
+              <a:xfrm flipH="1">
+                <a:off x="5447495" y="2644795"/>
+                <a:ext cx="360000" cy="1"/>
+              </a:xfrm>
+              <a:prstGeom prst="line">
+                <a:avLst/>
+              </a:prstGeom>
+              <a:ln w="38100">
+                <a:solidFill>
+                  <a:srgbClr val="2E6CA4"/>
+                </a:solidFill>
+              </a:ln>
+            </p:spPr>
+            <p:style>
+              <a:lnRef idx="1">
+                <a:schemeClr val="accent1"/>
+              </a:lnRef>
+              <a:fillRef idx="0">
+                <a:schemeClr val="accent1"/>
+              </a:fillRef>
+              <a:effectRef idx="0">
+                <a:schemeClr val="accent1"/>
+              </a:effectRef>
+              <a:fontRef idx="minor">
+                <a:schemeClr val="tx1"/>
+              </a:fontRef>
+            </p:style>
+          </p:cxnSp>
+          <p:cxnSp>
+            <p:nvCxnSpPr>
+              <p:cNvPr id="24" name="Connettore diritto 23"/>
+              <p:cNvCxnSpPr/>
+              <p:nvPr/>
+            </p:nvCxnSpPr>
+            <p:spPr>
+              <a:xfrm flipH="1">
+                <a:off x="4240550" y="2642647"/>
+                <a:ext cx="360000" cy="1"/>
+              </a:xfrm>
+              <a:prstGeom prst="line">
+                <a:avLst/>
+              </a:prstGeom>
+              <a:ln w="38100">
+                <a:solidFill>
+                  <a:srgbClr val="2E6CA4"/>
+                </a:solidFill>
+              </a:ln>
+            </p:spPr>
+            <p:style>
+              <a:lnRef idx="1">
+                <a:schemeClr val="accent1"/>
+              </a:lnRef>
+              <a:fillRef idx="0">
+                <a:schemeClr val="accent1"/>
+              </a:fillRef>
+              <a:effectRef idx="0">
+                <a:schemeClr val="accent1"/>
+              </a:effectRef>
+              <a:fontRef idx="minor">
+                <a:schemeClr val="tx1"/>
+              </a:fontRef>
+            </p:style>
+          </p:cxnSp>
+        </p:grpSp>
+      </p:grpSp>
+      <p:pic>
+        <p:nvPicPr>
+          <p:cNvPr id="26" name="Immagine 25"/>
+          <p:cNvPicPr>
+            <a:picLocks noChangeAspect="1"/>
+          </p:cNvPicPr>
+          <p:nvPr/>
+        </p:nvPicPr>
+        <p:blipFill>
+          <a:blip r:embed="rId2">
+            <a:clrChange>
+              <a:clrFrom>
+                <a:srgbClr val="FFFFFF"/>
+              </a:clrFrom>
+              <a:clrTo>
+                <a:srgbClr val="FFFFFF">
+                  <a:alpha val="0"/>
+                </a:srgbClr>
+              </a:clrTo>
+            </a:clrChange>
+            <a:duotone>
+              <a:schemeClr val="accent5">
+                <a:shade val="45000"/>
+                <a:satMod val="135000"/>
+              </a:schemeClr>
+              <a:prstClr val="white"/>
+            </a:duotone>
+          </a:blip>
+          <a:stretch>
+            <a:fillRect/>
+          </a:stretch>
+        </p:blipFill>
+        <p:spPr>
+          <a:xfrm>
+            <a:off x="1962642" y="4167554"/>
+            <a:ext cx="4924425" cy="1209675"/>
+          </a:xfrm>
+          <a:prstGeom prst="rect">
+            <a:avLst/>
+          </a:prstGeom>
+          <a:noFill/>
+          <a:ln>
+            <a:noFill/>
+          </a:ln>
+        </p:spPr>
+      </p:pic>
     </p:spTree>
     <p:extLst>
       <p:ext uri="{BB962C8B-B14F-4D97-AF65-F5344CB8AC3E}">
@@ -9284,16 +9982,16 @@
       </p:grpSp>
       <p:grpSp>
         <p:nvGrpSpPr>
-          <p:cNvPr id="134" name="Gruppo 133"/>
+          <p:cNvPr id="13" name="Gruppo 12"/>
           <p:cNvGrpSpPr/>
           <p:nvPr/>
         </p:nvGrpSpPr>
         <p:grpSpPr>
-          <a:xfrm rot="3475277">
-            <a:off x="4605827" y="5310936"/>
-            <a:ext cx="208462" cy="198610"/>
-            <a:chOff x="4827438" y="4778900"/>
-            <a:chExt cx="208462" cy="198610"/>
+          <a:xfrm>
+            <a:off x="4605676" y="5309448"/>
+            <a:ext cx="127140" cy="177204"/>
+            <a:chOff x="4605676" y="5309448"/>
+            <a:chExt cx="127140" cy="177204"/>
           </a:xfrm>
         </p:grpSpPr>
         <p:cxnSp>
@@ -9303,9 +10001,9 @@
             <p:nvPr/>
           </p:nvCxnSpPr>
           <p:spPr>
-            <a:xfrm flipV="1">
-              <a:off x="4827438" y="4917601"/>
-              <a:ext cx="208462" cy="59909"/>
+            <a:xfrm>
+              <a:off x="4605676" y="5388579"/>
+              <a:ext cx="116831" cy="98073"/>
             </a:xfrm>
             <a:prstGeom prst="line">
               <a:avLst/>
@@ -9339,8 +10037,8 @@
           </p:nvCxnSpPr>
           <p:spPr>
             <a:xfrm flipV="1">
-              <a:off x="4841702" y="4778900"/>
-              <a:ext cx="13206" cy="192826"/>
+              <a:off x="4613604" y="5309448"/>
+              <a:ext cx="119212" cy="78160"/>
             </a:xfrm>
             <a:prstGeom prst="line">
               <a:avLst/>
@@ -9366,6 +10064,3647 @@
             </a:fontRef>
           </p:style>
         </p:cxnSp>
+      </p:grpSp>
+      <p:grpSp>
+        <p:nvGrpSpPr>
+          <p:cNvPr id="86" name="Gruppo 85"/>
+          <p:cNvGrpSpPr/>
+          <p:nvPr/>
+        </p:nvGrpSpPr>
+        <p:grpSpPr>
+          <a:xfrm rot="10640553">
+            <a:off x="3812167" y="5286793"/>
+            <a:ext cx="127140" cy="177204"/>
+            <a:chOff x="4605676" y="5309448"/>
+            <a:chExt cx="127140" cy="177204"/>
+          </a:xfrm>
+        </p:grpSpPr>
+        <p:cxnSp>
+          <p:nvCxnSpPr>
+            <p:cNvPr id="87" name="Connettore diritto 86"/>
+            <p:cNvCxnSpPr/>
+            <p:nvPr/>
+          </p:nvCxnSpPr>
+          <p:spPr>
+            <a:xfrm>
+              <a:off x="4605676" y="5388579"/>
+              <a:ext cx="116831" cy="98073"/>
+            </a:xfrm>
+            <a:prstGeom prst="line">
+              <a:avLst/>
+            </a:prstGeom>
+            <a:ln w="76200">
+              <a:solidFill>
+                <a:schemeClr val="bg1"/>
+              </a:solidFill>
+            </a:ln>
+          </p:spPr>
+          <p:style>
+            <a:lnRef idx="1">
+              <a:schemeClr val="accent1"/>
+            </a:lnRef>
+            <a:fillRef idx="0">
+              <a:schemeClr val="accent1"/>
+            </a:fillRef>
+            <a:effectRef idx="0">
+              <a:schemeClr val="accent1"/>
+            </a:effectRef>
+            <a:fontRef idx="minor">
+              <a:schemeClr val="tx1"/>
+            </a:fontRef>
+          </p:style>
+        </p:cxnSp>
+        <p:cxnSp>
+          <p:nvCxnSpPr>
+            <p:cNvPr id="88" name="Connettore diritto 87"/>
+            <p:cNvCxnSpPr/>
+            <p:nvPr/>
+          </p:nvCxnSpPr>
+          <p:spPr>
+            <a:xfrm flipV="1">
+              <a:off x="4613604" y="5309448"/>
+              <a:ext cx="119212" cy="78160"/>
+            </a:xfrm>
+            <a:prstGeom prst="line">
+              <a:avLst/>
+            </a:prstGeom>
+            <a:ln w="76200">
+              <a:solidFill>
+                <a:schemeClr val="bg1"/>
+              </a:solidFill>
+            </a:ln>
+          </p:spPr>
+          <p:style>
+            <a:lnRef idx="1">
+              <a:schemeClr val="accent1"/>
+            </a:lnRef>
+            <a:fillRef idx="0">
+              <a:schemeClr val="accent1"/>
+            </a:fillRef>
+            <a:effectRef idx="0">
+              <a:schemeClr val="accent1"/>
+            </a:effectRef>
+            <a:fontRef idx="minor">
+              <a:schemeClr val="tx1"/>
+            </a:fontRef>
+          </p:style>
+        </p:cxnSp>
+      </p:grpSp>
+      <p:grpSp>
+        <p:nvGrpSpPr>
+          <p:cNvPr id="90" name="Gruppo 89"/>
+          <p:cNvGrpSpPr/>
+          <p:nvPr/>
+        </p:nvGrpSpPr>
+        <p:grpSpPr>
+          <a:xfrm rot="13716637">
+            <a:off x="3957119" y="4930605"/>
+            <a:ext cx="127140" cy="177204"/>
+            <a:chOff x="4605676" y="5309448"/>
+            <a:chExt cx="127140" cy="177204"/>
+          </a:xfrm>
+        </p:grpSpPr>
+        <p:cxnSp>
+          <p:nvCxnSpPr>
+            <p:cNvPr id="91" name="Connettore diritto 90"/>
+            <p:cNvCxnSpPr/>
+            <p:nvPr/>
+          </p:nvCxnSpPr>
+          <p:spPr>
+            <a:xfrm>
+              <a:off x="4605676" y="5388579"/>
+              <a:ext cx="116831" cy="98073"/>
+            </a:xfrm>
+            <a:prstGeom prst="line">
+              <a:avLst/>
+            </a:prstGeom>
+            <a:ln w="76200">
+              <a:solidFill>
+                <a:schemeClr val="bg1"/>
+              </a:solidFill>
+            </a:ln>
+          </p:spPr>
+          <p:style>
+            <a:lnRef idx="1">
+              <a:schemeClr val="accent1"/>
+            </a:lnRef>
+            <a:fillRef idx="0">
+              <a:schemeClr val="accent1"/>
+            </a:fillRef>
+            <a:effectRef idx="0">
+              <a:schemeClr val="accent1"/>
+            </a:effectRef>
+            <a:fontRef idx="minor">
+              <a:schemeClr val="tx1"/>
+            </a:fontRef>
+          </p:style>
+        </p:cxnSp>
+        <p:cxnSp>
+          <p:nvCxnSpPr>
+            <p:cNvPr id="92" name="Connettore diritto 91"/>
+            <p:cNvCxnSpPr/>
+            <p:nvPr/>
+          </p:nvCxnSpPr>
+          <p:spPr>
+            <a:xfrm flipV="1">
+              <a:off x="4613604" y="5309448"/>
+              <a:ext cx="119212" cy="78160"/>
+            </a:xfrm>
+            <a:prstGeom prst="line">
+              <a:avLst/>
+            </a:prstGeom>
+            <a:ln w="76200">
+              <a:solidFill>
+                <a:schemeClr val="bg1"/>
+              </a:solidFill>
+            </a:ln>
+          </p:spPr>
+          <p:style>
+            <a:lnRef idx="1">
+              <a:schemeClr val="accent1"/>
+            </a:lnRef>
+            <a:fillRef idx="0">
+              <a:schemeClr val="accent1"/>
+            </a:fillRef>
+            <a:effectRef idx="0">
+              <a:schemeClr val="accent1"/>
+            </a:effectRef>
+            <a:fontRef idx="minor">
+              <a:schemeClr val="tx1"/>
+            </a:fontRef>
+          </p:style>
+        </p:cxnSp>
+      </p:grpSp>
+      <p:grpSp>
+        <p:nvGrpSpPr>
+          <p:cNvPr id="95" name="Gruppo 94"/>
+          <p:cNvGrpSpPr/>
+          <p:nvPr/>
+        </p:nvGrpSpPr>
+        <p:grpSpPr>
+          <a:xfrm rot="17889765">
+            <a:off x="4499160" y="4902286"/>
+            <a:ext cx="127140" cy="177204"/>
+            <a:chOff x="4605676" y="5309448"/>
+            <a:chExt cx="127140" cy="177204"/>
+          </a:xfrm>
+        </p:grpSpPr>
+        <p:cxnSp>
+          <p:nvCxnSpPr>
+            <p:cNvPr id="99" name="Connettore diritto 98"/>
+            <p:cNvCxnSpPr/>
+            <p:nvPr/>
+          </p:nvCxnSpPr>
+          <p:spPr>
+            <a:xfrm>
+              <a:off x="4605676" y="5388579"/>
+              <a:ext cx="116831" cy="98073"/>
+            </a:xfrm>
+            <a:prstGeom prst="line">
+              <a:avLst/>
+            </a:prstGeom>
+            <a:ln w="76200">
+              <a:solidFill>
+                <a:schemeClr val="bg1"/>
+              </a:solidFill>
+            </a:ln>
+          </p:spPr>
+          <p:style>
+            <a:lnRef idx="1">
+              <a:schemeClr val="accent1"/>
+            </a:lnRef>
+            <a:fillRef idx="0">
+              <a:schemeClr val="accent1"/>
+            </a:fillRef>
+            <a:effectRef idx="0">
+              <a:schemeClr val="accent1"/>
+            </a:effectRef>
+            <a:fontRef idx="minor">
+              <a:schemeClr val="tx1"/>
+            </a:fontRef>
+          </p:style>
+        </p:cxnSp>
+        <p:cxnSp>
+          <p:nvCxnSpPr>
+            <p:cNvPr id="101" name="Connettore diritto 100"/>
+            <p:cNvCxnSpPr/>
+            <p:nvPr/>
+          </p:nvCxnSpPr>
+          <p:spPr>
+            <a:xfrm flipV="1">
+              <a:off x="4613604" y="5309448"/>
+              <a:ext cx="119212" cy="78160"/>
+            </a:xfrm>
+            <a:prstGeom prst="line">
+              <a:avLst/>
+            </a:prstGeom>
+            <a:ln w="76200">
+              <a:solidFill>
+                <a:schemeClr val="bg1"/>
+              </a:solidFill>
+            </a:ln>
+          </p:spPr>
+          <p:style>
+            <a:lnRef idx="1">
+              <a:schemeClr val="accent1"/>
+            </a:lnRef>
+            <a:fillRef idx="0">
+              <a:schemeClr val="accent1"/>
+            </a:fillRef>
+            <a:effectRef idx="0">
+              <a:schemeClr val="accent1"/>
+            </a:effectRef>
+            <a:fontRef idx="minor">
+              <a:schemeClr val="tx1"/>
+            </a:fontRef>
+          </p:style>
+        </p:cxnSp>
+      </p:grpSp>
+      <p:grpSp>
+        <p:nvGrpSpPr>
+          <p:cNvPr id="102" name="Gruppo 101"/>
+          <p:cNvGrpSpPr/>
+          <p:nvPr/>
+        </p:nvGrpSpPr>
+        <p:grpSpPr>
+          <a:xfrm rot="7414439">
+            <a:off x="3944419" y="5691452"/>
+            <a:ext cx="127140" cy="177204"/>
+            <a:chOff x="4605676" y="5309448"/>
+            <a:chExt cx="127140" cy="177204"/>
+          </a:xfrm>
+        </p:grpSpPr>
+        <p:cxnSp>
+          <p:nvCxnSpPr>
+            <p:cNvPr id="103" name="Connettore diritto 102"/>
+            <p:cNvCxnSpPr/>
+            <p:nvPr/>
+          </p:nvCxnSpPr>
+          <p:spPr>
+            <a:xfrm>
+              <a:off x="4605676" y="5388579"/>
+              <a:ext cx="116831" cy="98073"/>
+            </a:xfrm>
+            <a:prstGeom prst="line">
+              <a:avLst/>
+            </a:prstGeom>
+            <a:ln w="76200">
+              <a:solidFill>
+                <a:schemeClr val="bg1"/>
+              </a:solidFill>
+            </a:ln>
+          </p:spPr>
+          <p:style>
+            <a:lnRef idx="1">
+              <a:schemeClr val="accent1"/>
+            </a:lnRef>
+            <a:fillRef idx="0">
+              <a:schemeClr val="accent1"/>
+            </a:fillRef>
+            <a:effectRef idx="0">
+              <a:schemeClr val="accent1"/>
+            </a:effectRef>
+            <a:fontRef idx="minor">
+              <a:schemeClr val="tx1"/>
+            </a:fontRef>
+          </p:style>
+        </p:cxnSp>
+        <p:cxnSp>
+          <p:nvCxnSpPr>
+            <p:cNvPr id="106" name="Connettore diritto 105"/>
+            <p:cNvCxnSpPr/>
+            <p:nvPr/>
+          </p:nvCxnSpPr>
+          <p:spPr>
+            <a:xfrm flipV="1">
+              <a:off x="4613604" y="5309448"/>
+              <a:ext cx="119212" cy="78160"/>
+            </a:xfrm>
+            <a:prstGeom prst="line">
+              <a:avLst/>
+            </a:prstGeom>
+            <a:ln w="76200">
+              <a:solidFill>
+                <a:schemeClr val="bg1"/>
+              </a:solidFill>
+            </a:ln>
+          </p:spPr>
+          <p:style>
+            <a:lnRef idx="1">
+              <a:schemeClr val="accent1"/>
+            </a:lnRef>
+            <a:fillRef idx="0">
+              <a:schemeClr val="accent1"/>
+            </a:fillRef>
+            <a:effectRef idx="0">
+              <a:schemeClr val="accent1"/>
+            </a:effectRef>
+            <a:fontRef idx="minor">
+              <a:schemeClr val="tx1"/>
+            </a:fontRef>
+          </p:style>
+        </p:cxnSp>
+      </p:grpSp>
+      <p:grpSp>
+        <p:nvGrpSpPr>
+          <p:cNvPr id="109" name="Gruppo 108"/>
+          <p:cNvGrpSpPr/>
+          <p:nvPr/>
+        </p:nvGrpSpPr>
+        <p:grpSpPr>
+          <a:xfrm rot="2950353">
+            <a:off x="4488411" y="5696661"/>
+            <a:ext cx="127140" cy="177204"/>
+            <a:chOff x="4605676" y="5309448"/>
+            <a:chExt cx="127140" cy="177204"/>
+          </a:xfrm>
+        </p:grpSpPr>
+        <p:cxnSp>
+          <p:nvCxnSpPr>
+            <p:cNvPr id="110" name="Connettore diritto 109"/>
+            <p:cNvCxnSpPr/>
+            <p:nvPr/>
+          </p:nvCxnSpPr>
+          <p:spPr>
+            <a:xfrm>
+              <a:off x="4605676" y="5388579"/>
+              <a:ext cx="116831" cy="98073"/>
+            </a:xfrm>
+            <a:prstGeom prst="line">
+              <a:avLst/>
+            </a:prstGeom>
+            <a:ln w="76200">
+              <a:solidFill>
+                <a:schemeClr val="bg1"/>
+              </a:solidFill>
+            </a:ln>
+          </p:spPr>
+          <p:style>
+            <a:lnRef idx="1">
+              <a:schemeClr val="accent1"/>
+            </a:lnRef>
+            <a:fillRef idx="0">
+              <a:schemeClr val="accent1"/>
+            </a:fillRef>
+            <a:effectRef idx="0">
+              <a:schemeClr val="accent1"/>
+            </a:effectRef>
+            <a:fontRef idx="minor">
+              <a:schemeClr val="tx1"/>
+            </a:fontRef>
+          </p:style>
+        </p:cxnSp>
+        <p:cxnSp>
+          <p:nvCxnSpPr>
+            <p:cNvPr id="113" name="Connettore diritto 112"/>
+            <p:cNvCxnSpPr/>
+            <p:nvPr/>
+          </p:nvCxnSpPr>
+          <p:spPr>
+            <a:xfrm flipV="1">
+              <a:off x="4613604" y="5309448"/>
+              <a:ext cx="119212" cy="78160"/>
+            </a:xfrm>
+            <a:prstGeom prst="line">
+              <a:avLst/>
+            </a:prstGeom>
+            <a:ln w="76200">
+              <a:solidFill>
+                <a:schemeClr val="bg1"/>
+              </a:solidFill>
+            </a:ln>
+          </p:spPr>
+          <p:style>
+            <a:lnRef idx="1">
+              <a:schemeClr val="accent1"/>
+            </a:lnRef>
+            <a:fillRef idx="0">
+              <a:schemeClr val="accent1"/>
+            </a:fillRef>
+            <a:effectRef idx="0">
+              <a:schemeClr val="accent1"/>
+            </a:effectRef>
+            <a:fontRef idx="minor">
+              <a:schemeClr val="tx1"/>
+            </a:fontRef>
+          </p:style>
+        </p:cxnSp>
+      </p:grpSp>
+      <p:sp>
+        <p:nvSpPr>
+          <p:cNvPr id="114" name="Rettangolo 113"/>
+          <p:cNvSpPr/>
+          <p:nvPr/>
+        </p:nvSpPr>
+        <p:spPr>
+          <a:xfrm>
+            <a:off x="5535673" y="4487608"/>
+            <a:ext cx="2160000" cy="1800000"/>
+          </a:xfrm>
+          <a:prstGeom prst="rect">
+            <a:avLst/>
+          </a:prstGeom>
+          <a:solidFill>
+            <a:srgbClr val="01579B"/>
+          </a:solidFill>
+          <a:ln>
+            <a:noFill/>
+          </a:ln>
+        </p:spPr>
+        <p:style>
+          <a:lnRef idx="2">
+            <a:schemeClr val="accent1">
+              <a:shade val="50000"/>
+            </a:schemeClr>
+          </a:lnRef>
+          <a:fillRef idx="1">
+            <a:schemeClr val="accent1"/>
+          </a:fillRef>
+          <a:effectRef idx="0">
+            <a:schemeClr val="accent1"/>
+          </a:effectRef>
+          <a:fontRef idx="minor">
+            <a:schemeClr val="lt1"/>
+          </a:fontRef>
+        </p:style>
+        <p:txBody>
+          <a:bodyPr rtlCol="0" anchor="ctr"/>
+          <a:lstStyle/>
+          <a:p>
+            <a:pPr algn="ctr"/>
+            <a:endParaRPr lang="it-IT" dirty="0"/>
+          </a:p>
+        </p:txBody>
+      </p:sp>
+      <p:grpSp>
+        <p:nvGrpSpPr>
+          <p:cNvPr id="50" name="Gruppo 49"/>
+          <p:cNvGrpSpPr/>
+          <p:nvPr/>
+        </p:nvGrpSpPr>
+        <p:grpSpPr>
+          <a:xfrm>
+            <a:off x="5608668" y="4913082"/>
+            <a:ext cx="2021912" cy="905331"/>
+            <a:chOff x="5568843" y="4990957"/>
+            <a:chExt cx="2021912" cy="905331"/>
+          </a:xfrm>
+        </p:grpSpPr>
+        <p:grpSp>
+          <p:nvGrpSpPr>
+            <p:cNvPr id="187" name="Gruppo 186"/>
+            <p:cNvGrpSpPr/>
+            <p:nvPr/>
+          </p:nvGrpSpPr>
+          <p:grpSpPr>
+            <a:xfrm>
+              <a:off x="5599463" y="4990957"/>
+              <a:ext cx="1991292" cy="193757"/>
+              <a:chOff x="5612364" y="5744288"/>
+              <a:chExt cx="1991292" cy="193757"/>
+            </a:xfrm>
+          </p:grpSpPr>
+          <p:grpSp>
+            <p:nvGrpSpPr>
+              <p:cNvPr id="188" name="Gruppo 187"/>
+              <p:cNvGrpSpPr/>
+              <p:nvPr/>
+            </p:nvGrpSpPr>
+            <p:grpSpPr>
+              <a:xfrm>
+                <a:off x="5612364" y="5755578"/>
+                <a:ext cx="1736070" cy="182467"/>
+                <a:chOff x="5713772" y="6006837"/>
+                <a:chExt cx="1736070" cy="182467"/>
+              </a:xfrm>
+            </p:grpSpPr>
+            <p:sp>
+              <p:nvSpPr>
+                <p:cNvPr id="190" name="Figura a mano libera: forma 189"/>
+                <p:cNvSpPr/>
+                <p:nvPr/>
+              </p:nvSpPr>
+              <p:spPr>
+                <a:xfrm>
+                  <a:off x="5713772" y="6014631"/>
+                  <a:ext cx="742950" cy="174673"/>
+                </a:xfrm>
+                <a:custGeom>
+                  <a:avLst/>
+                  <a:gdLst>
+                    <a:gd name="connsiteX0" fmla="*/ 0 w 742950"/>
+                    <a:gd name="connsiteY0" fmla="*/ 174673 h 174673"/>
+                    <a:gd name="connsiteX1" fmla="*/ 76200 w 742950"/>
+                    <a:gd name="connsiteY1" fmla="*/ 161973 h 174673"/>
+                    <a:gd name="connsiteX2" fmla="*/ 146050 w 742950"/>
+                    <a:gd name="connsiteY2" fmla="*/ 111173 h 174673"/>
+                    <a:gd name="connsiteX3" fmla="*/ 228600 w 742950"/>
+                    <a:gd name="connsiteY3" fmla="*/ 34973 h 174673"/>
+                    <a:gd name="connsiteX4" fmla="*/ 279400 w 742950"/>
+                    <a:gd name="connsiteY4" fmla="*/ 3223 h 174673"/>
+                    <a:gd name="connsiteX5" fmla="*/ 349250 w 742950"/>
+                    <a:gd name="connsiteY5" fmla="*/ 3223 h 174673"/>
+                    <a:gd name="connsiteX6" fmla="*/ 387350 w 742950"/>
+                    <a:gd name="connsiteY6" fmla="*/ 22273 h 174673"/>
+                    <a:gd name="connsiteX7" fmla="*/ 361950 w 742950"/>
+                    <a:gd name="connsiteY7" fmla="*/ 60373 h 174673"/>
+                    <a:gd name="connsiteX8" fmla="*/ 393700 w 742950"/>
+                    <a:gd name="connsiteY8" fmla="*/ 130223 h 174673"/>
+                    <a:gd name="connsiteX9" fmla="*/ 438150 w 742950"/>
+                    <a:gd name="connsiteY9" fmla="*/ 161973 h 174673"/>
+                    <a:gd name="connsiteX10" fmla="*/ 495300 w 742950"/>
+                    <a:gd name="connsiteY10" fmla="*/ 168323 h 174673"/>
+                    <a:gd name="connsiteX11" fmla="*/ 571500 w 742950"/>
+                    <a:gd name="connsiteY11" fmla="*/ 149273 h 174673"/>
+                    <a:gd name="connsiteX12" fmla="*/ 641350 w 742950"/>
+                    <a:gd name="connsiteY12" fmla="*/ 104823 h 174673"/>
+                    <a:gd name="connsiteX13" fmla="*/ 692150 w 742950"/>
+                    <a:gd name="connsiteY13" fmla="*/ 54023 h 174673"/>
+                    <a:gd name="connsiteX14" fmla="*/ 742950 w 742950"/>
+                    <a:gd name="connsiteY14" fmla="*/ 15923 h 174673"/>
+                    <a:gd name="connsiteX0" fmla="*/ 0 w 742950"/>
+                    <a:gd name="connsiteY0" fmla="*/ 174673 h 174673"/>
+                    <a:gd name="connsiteX1" fmla="*/ 76200 w 742950"/>
+                    <a:gd name="connsiteY1" fmla="*/ 161973 h 174673"/>
+                    <a:gd name="connsiteX2" fmla="*/ 146050 w 742950"/>
+                    <a:gd name="connsiteY2" fmla="*/ 111173 h 174673"/>
+                    <a:gd name="connsiteX3" fmla="*/ 228600 w 742950"/>
+                    <a:gd name="connsiteY3" fmla="*/ 34973 h 174673"/>
+                    <a:gd name="connsiteX4" fmla="*/ 279400 w 742950"/>
+                    <a:gd name="connsiteY4" fmla="*/ 3223 h 174673"/>
+                    <a:gd name="connsiteX5" fmla="*/ 349250 w 742950"/>
+                    <a:gd name="connsiteY5" fmla="*/ 3223 h 174673"/>
+                    <a:gd name="connsiteX6" fmla="*/ 387350 w 742950"/>
+                    <a:gd name="connsiteY6" fmla="*/ 22273 h 174673"/>
+                    <a:gd name="connsiteX7" fmla="*/ 361950 w 742950"/>
+                    <a:gd name="connsiteY7" fmla="*/ 60373 h 174673"/>
+                    <a:gd name="connsiteX8" fmla="*/ 361950 w 742950"/>
+                    <a:gd name="connsiteY8" fmla="*/ 130223 h 174673"/>
+                    <a:gd name="connsiteX9" fmla="*/ 438150 w 742950"/>
+                    <a:gd name="connsiteY9" fmla="*/ 161973 h 174673"/>
+                    <a:gd name="connsiteX10" fmla="*/ 495300 w 742950"/>
+                    <a:gd name="connsiteY10" fmla="*/ 168323 h 174673"/>
+                    <a:gd name="connsiteX11" fmla="*/ 571500 w 742950"/>
+                    <a:gd name="connsiteY11" fmla="*/ 149273 h 174673"/>
+                    <a:gd name="connsiteX12" fmla="*/ 641350 w 742950"/>
+                    <a:gd name="connsiteY12" fmla="*/ 104823 h 174673"/>
+                    <a:gd name="connsiteX13" fmla="*/ 692150 w 742950"/>
+                    <a:gd name="connsiteY13" fmla="*/ 54023 h 174673"/>
+                    <a:gd name="connsiteX14" fmla="*/ 742950 w 742950"/>
+                    <a:gd name="connsiteY14" fmla="*/ 15923 h 174673"/>
+                  </a:gdLst>
+                  <a:ahLst/>
+                  <a:cxnLst>
+                    <a:cxn ang="0">
+                      <a:pos x="connsiteX0" y="connsiteY0"/>
+                    </a:cxn>
+                    <a:cxn ang="0">
+                      <a:pos x="connsiteX1" y="connsiteY1"/>
+                    </a:cxn>
+                    <a:cxn ang="0">
+                      <a:pos x="connsiteX2" y="connsiteY2"/>
+                    </a:cxn>
+                    <a:cxn ang="0">
+                      <a:pos x="connsiteX3" y="connsiteY3"/>
+                    </a:cxn>
+                    <a:cxn ang="0">
+                      <a:pos x="connsiteX4" y="connsiteY4"/>
+                    </a:cxn>
+                    <a:cxn ang="0">
+                      <a:pos x="connsiteX5" y="connsiteY5"/>
+                    </a:cxn>
+                    <a:cxn ang="0">
+                      <a:pos x="connsiteX6" y="connsiteY6"/>
+                    </a:cxn>
+                    <a:cxn ang="0">
+                      <a:pos x="connsiteX7" y="connsiteY7"/>
+                    </a:cxn>
+                    <a:cxn ang="0">
+                      <a:pos x="connsiteX8" y="connsiteY8"/>
+                    </a:cxn>
+                    <a:cxn ang="0">
+                      <a:pos x="connsiteX9" y="connsiteY9"/>
+                    </a:cxn>
+                    <a:cxn ang="0">
+                      <a:pos x="connsiteX10" y="connsiteY10"/>
+                    </a:cxn>
+                    <a:cxn ang="0">
+                      <a:pos x="connsiteX11" y="connsiteY11"/>
+                    </a:cxn>
+                    <a:cxn ang="0">
+                      <a:pos x="connsiteX12" y="connsiteY12"/>
+                    </a:cxn>
+                    <a:cxn ang="0">
+                      <a:pos x="connsiteX13" y="connsiteY13"/>
+                    </a:cxn>
+                    <a:cxn ang="0">
+                      <a:pos x="connsiteX14" y="connsiteY14"/>
+                    </a:cxn>
+                  </a:cxnLst>
+                  <a:rect l="l" t="t" r="r" b="b"/>
+                  <a:pathLst>
+                    <a:path w="742950" h="174673">
+                      <a:moveTo>
+                        <a:pt x="0" y="174673"/>
+                      </a:moveTo>
+                      <a:cubicBezTo>
+                        <a:pt x="25929" y="173614"/>
+                        <a:pt x="51858" y="172556"/>
+                        <a:pt x="76200" y="161973"/>
+                      </a:cubicBezTo>
+                      <a:cubicBezTo>
+                        <a:pt x="100542" y="151390"/>
+                        <a:pt x="120650" y="132340"/>
+                        <a:pt x="146050" y="111173"/>
+                      </a:cubicBezTo>
+                      <a:cubicBezTo>
+                        <a:pt x="171450" y="90006"/>
+                        <a:pt x="206375" y="52965"/>
+                        <a:pt x="228600" y="34973"/>
+                      </a:cubicBezTo>
+                      <a:cubicBezTo>
+                        <a:pt x="250825" y="16981"/>
+                        <a:pt x="259292" y="8515"/>
+                        <a:pt x="279400" y="3223"/>
+                      </a:cubicBezTo>
+                      <a:cubicBezTo>
+                        <a:pt x="299508" y="-2069"/>
+                        <a:pt x="331258" y="48"/>
+                        <a:pt x="349250" y="3223"/>
+                      </a:cubicBezTo>
+                      <a:cubicBezTo>
+                        <a:pt x="367242" y="6398"/>
+                        <a:pt x="385233" y="12748"/>
+                        <a:pt x="387350" y="22273"/>
+                      </a:cubicBezTo>
+                      <a:cubicBezTo>
+                        <a:pt x="389467" y="31798"/>
+                        <a:pt x="366183" y="42381"/>
+                        <a:pt x="361950" y="60373"/>
+                      </a:cubicBezTo>
+                      <a:cubicBezTo>
+                        <a:pt x="357717" y="78365"/>
+                        <a:pt x="349250" y="113290"/>
+                        <a:pt x="361950" y="130223"/>
+                      </a:cubicBezTo>
+                      <a:cubicBezTo>
+                        <a:pt x="374650" y="147156"/>
+                        <a:pt x="415925" y="155623"/>
+                        <a:pt x="438150" y="161973"/>
+                      </a:cubicBezTo>
+                      <a:cubicBezTo>
+                        <a:pt x="460375" y="168323"/>
+                        <a:pt x="473075" y="170440"/>
+                        <a:pt x="495300" y="168323"/>
+                      </a:cubicBezTo>
+                      <a:cubicBezTo>
+                        <a:pt x="517525" y="166206"/>
+                        <a:pt x="547158" y="159856"/>
+                        <a:pt x="571500" y="149273"/>
+                      </a:cubicBezTo>
+                      <a:cubicBezTo>
+                        <a:pt x="595842" y="138690"/>
+                        <a:pt x="621242" y="120698"/>
+                        <a:pt x="641350" y="104823"/>
+                      </a:cubicBezTo>
+                      <a:cubicBezTo>
+                        <a:pt x="661458" y="88948"/>
+                        <a:pt x="675217" y="68840"/>
+                        <a:pt x="692150" y="54023"/>
+                      </a:cubicBezTo>
+                      <a:cubicBezTo>
+                        <a:pt x="709083" y="39206"/>
+                        <a:pt x="726016" y="27564"/>
+                        <a:pt x="742950" y="15923"/>
+                      </a:cubicBezTo>
+                    </a:path>
+                  </a:pathLst>
+                </a:custGeom>
+                <a:noFill/>
+                <a:ln w="57150">
+                  <a:solidFill>
+                    <a:schemeClr val="bg1"/>
+                  </a:solidFill>
+                </a:ln>
+              </p:spPr>
+              <p:style>
+                <a:lnRef idx="2">
+                  <a:schemeClr val="accent1">
+                    <a:shade val="50000"/>
+                  </a:schemeClr>
+                </a:lnRef>
+                <a:fillRef idx="1">
+                  <a:schemeClr val="accent1"/>
+                </a:fillRef>
+                <a:effectRef idx="0">
+                  <a:schemeClr val="accent1"/>
+                </a:effectRef>
+                <a:fontRef idx="minor">
+                  <a:schemeClr val="lt1"/>
+                </a:fontRef>
+              </p:style>
+              <p:txBody>
+                <a:bodyPr rtlCol="0" anchor="ctr"/>
+                <a:lstStyle/>
+                <a:p>
+                  <a:pPr algn="ctr"/>
+                  <a:endParaRPr lang="it-IT"/>
+                </a:p>
+              </p:txBody>
+            </p:sp>
+            <p:sp>
+              <p:nvSpPr>
+                <p:cNvPr id="191" name="Figura a mano libera: forma 190"/>
+                <p:cNvSpPr/>
+                <p:nvPr/>
+              </p:nvSpPr>
+              <p:spPr>
+                <a:xfrm>
+                  <a:off x="6209357" y="6012350"/>
+                  <a:ext cx="742950" cy="174673"/>
+                </a:xfrm>
+                <a:custGeom>
+                  <a:avLst/>
+                  <a:gdLst>
+                    <a:gd name="connsiteX0" fmla="*/ 0 w 742950"/>
+                    <a:gd name="connsiteY0" fmla="*/ 174673 h 174673"/>
+                    <a:gd name="connsiteX1" fmla="*/ 76200 w 742950"/>
+                    <a:gd name="connsiteY1" fmla="*/ 161973 h 174673"/>
+                    <a:gd name="connsiteX2" fmla="*/ 146050 w 742950"/>
+                    <a:gd name="connsiteY2" fmla="*/ 111173 h 174673"/>
+                    <a:gd name="connsiteX3" fmla="*/ 228600 w 742950"/>
+                    <a:gd name="connsiteY3" fmla="*/ 34973 h 174673"/>
+                    <a:gd name="connsiteX4" fmla="*/ 279400 w 742950"/>
+                    <a:gd name="connsiteY4" fmla="*/ 3223 h 174673"/>
+                    <a:gd name="connsiteX5" fmla="*/ 349250 w 742950"/>
+                    <a:gd name="connsiteY5" fmla="*/ 3223 h 174673"/>
+                    <a:gd name="connsiteX6" fmla="*/ 387350 w 742950"/>
+                    <a:gd name="connsiteY6" fmla="*/ 22273 h 174673"/>
+                    <a:gd name="connsiteX7" fmla="*/ 361950 w 742950"/>
+                    <a:gd name="connsiteY7" fmla="*/ 60373 h 174673"/>
+                    <a:gd name="connsiteX8" fmla="*/ 393700 w 742950"/>
+                    <a:gd name="connsiteY8" fmla="*/ 130223 h 174673"/>
+                    <a:gd name="connsiteX9" fmla="*/ 438150 w 742950"/>
+                    <a:gd name="connsiteY9" fmla="*/ 161973 h 174673"/>
+                    <a:gd name="connsiteX10" fmla="*/ 495300 w 742950"/>
+                    <a:gd name="connsiteY10" fmla="*/ 168323 h 174673"/>
+                    <a:gd name="connsiteX11" fmla="*/ 571500 w 742950"/>
+                    <a:gd name="connsiteY11" fmla="*/ 149273 h 174673"/>
+                    <a:gd name="connsiteX12" fmla="*/ 641350 w 742950"/>
+                    <a:gd name="connsiteY12" fmla="*/ 104823 h 174673"/>
+                    <a:gd name="connsiteX13" fmla="*/ 692150 w 742950"/>
+                    <a:gd name="connsiteY13" fmla="*/ 54023 h 174673"/>
+                    <a:gd name="connsiteX14" fmla="*/ 742950 w 742950"/>
+                    <a:gd name="connsiteY14" fmla="*/ 15923 h 174673"/>
+                    <a:gd name="connsiteX0" fmla="*/ 0 w 742950"/>
+                    <a:gd name="connsiteY0" fmla="*/ 174673 h 174673"/>
+                    <a:gd name="connsiteX1" fmla="*/ 76200 w 742950"/>
+                    <a:gd name="connsiteY1" fmla="*/ 161973 h 174673"/>
+                    <a:gd name="connsiteX2" fmla="*/ 146050 w 742950"/>
+                    <a:gd name="connsiteY2" fmla="*/ 111173 h 174673"/>
+                    <a:gd name="connsiteX3" fmla="*/ 228600 w 742950"/>
+                    <a:gd name="connsiteY3" fmla="*/ 34973 h 174673"/>
+                    <a:gd name="connsiteX4" fmla="*/ 279400 w 742950"/>
+                    <a:gd name="connsiteY4" fmla="*/ 3223 h 174673"/>
+                    <a:gd name="connsiteX5" fmla="*/ 349250 w 742950"/>
+                    <a:gd name="connsiteY5" fmla="*/ 3223 h 174673"/>
+                    <a:gd name="connsiteX6" fmla="*/ 387350 w 742950"/>
+                    <a:gd name="connsiteY6" fmla="*/ 22273 h 174673"/>
+                    <a:gd name="connsiteX7" fmla="*/ 361950 w 742950"/>
+                    <a:gd name="connsiteY7" fmla="*/ 60373 h 174673"/>
+                    <a:gd name="connsiteX8" fmla="*/ 361950 w 742950"/>
+                    <a:gd name="connsiteY8" fmla="*/ 130223 h 174673"/>
+                    <a:gd name="connsiteX9" fmla="*/ 438150 w 742950"/>
+                    <a:gd name="connsiteY9" fmla="*/ 161973 h 174673"/>
+                    <a:gd name="connsiteX10" fmla="*/ 495300 w 742950"/>
+                    <a:gd name="connsiteY10" fmla="*/ 168323 h 174673"/>
+                    <a:gd name="connsiteX11" fmla="*/ 571500 w 742950"/>
+                    <a:gd name="connsiteY11" fmla="*/ 149273 h 174673"/>
+                    <a:gd name="connsiteX12" fmla="*/ 641350 w 742950"/>
+                    <a:gd name="connsiteY12" fmla="*/ 104823 h 174673"/>
+                    <a:gd name="connsiteX13" fmla="*/ 692150 w 742950"/>
+                    <a:gd name="connsiteY13" fmla="*/ 54023 h 174673"/>
+                    <a:gd name="connsiteX14" fmla="*/ 742950 w 742950"/>
+                    <a:gd name="connsiteY14" fmla="*/ 15923 h 174673"/>
+                  </a:gdLst>
+                  <a:ahLst/>
+                  <a:cxnLst>
+                    <a:cxn ang="0">
+                      <a:pos x="connsiteX0" y="connsiteY0"/>
+                    </a:cxn>
+                    <a:cxn ang="0">
+                      <a:pos x="connsiteX1" y="connsiteY1"/>
+                    </a:cxn>
+                    <a:cxn ang="0">
+                      <a:pos x="connsiteX2" y="connsiteY2"/>
+                    </a:cxn>
+                    <a:cxn ang="0">
+                      <a:pos x="connsiteX3" y="connsiteY3"/>
+                    </a:cxn>
+                    <a:cxn ang="0">
+                      <a:pos x="connsiteX4" y="connsiteY4"/>
+                    </a:cxn>
+                    <a:cxn ang="0">
+                      <a:pos x="connsiteX5" y="connsiteY5"/>
+                    </a:cxn>
+                    <a:cxn ang="0">
+                      <a:pos x="connsiteX6" y="connsiteY6"/>
+                    </a:cxn>
+                    <a:cxn ang="0">
+                      <a:pos x="connsiteX7" y="connsiteY7"/>
+                    </a:cxn>
+                    <a:cxn ang="0">
+                      <a:pos x="connsiteX8" y="connsiteY8"/>
+                    </a:cxn>
+                    <a:cxn ang="0">
+                      <a:pos x="connsiteX9" y="connsiteY9"/>
+                    </a:cxn>
+                    <a:cxn ang="0">
+                      <a:pos x="connsiteX10" y="connsiteY10"/>
+                    </a:cxn>
+                    <a:cxn ang="0">
+                      <a:pos x="connsiteX11" y="connsiteY11"/>
+                    </a:cxn>
+                    <a:cxn ang="0">
+                      <a:pos x="connsiteX12" y="connsiteY12"/>
+                    </a:cxn>
+                    <a:cxn ang="0">
+                      <a:pos x="connsiteX13" y="connsiteY13"/>
+                    </a:cxn>
+                    <a:cxn ang="0">
+                      <a:pos x="connsiteX14" y="connsiteY14"/>
+                    </a:cxn>
+                  </a:cxnLst>
+                  <a:rect l="l" t="t" r="r" b="b"/>
+                  <a:pathLst>
+                    <a:path w="742950" h="174673">
+                      <a:moveTo>
+                        <a:pt x="0" y="174673"/>
+                      </a:moveTo>
+                      <a:cubicBezTo>
+                        <a:pt x="25929" y="173614"/>
+                        <a:pt x="51858" y="172556"/>
+                        <a:pt x="76200" y="161973"/>
+                      </a:cubicBezTo>
+                      <a:cubicBezTo>
+                        <a:pt x="100542" y="151390"/>
+                        <a:pt x="120650" y="132340"/>
+                        <a:pt x="146050" y="111173"/>
+                      </a:cubicBezTo>
+                      <a:cubicBezTo>
+                        <a:pt x="171450" y="90006"/>
+                        <a:pt x="206375" y="52965"/>
+                        <a:pt x="228600" y="34973"/>
+                      </a:cubicBezTo>
+                      <a:cubicBezTo>
+                        <a:pt x="250825" y="16981"/>
+                        <a:pt x="259292" y="8515"/>
+                        <a:pt x="279400" y="3223"/>
+                      </a:cubicBezTo>
+                      <a:cubicBezTo>
+                        <a:pt x="299508" y="-2069"/>
+                        <a:pt x="331258" y="48"/>
+                        <a:pt x="349250" y="3223"/>
+                      </a:cubicBezTo>
+                      <a:cubicBezTo>
+                        <a:pt x="367242" y="6398"/>
+                        <a:pt x="385233" y="12748"/>
+                        <a:pt x="387350" y="22273"/>
+                      </a:cubicBezTo>
+                      <a:cubicBezTo>
+                        <a:pt x="389467" y="31798"/>
+                        <a:pt x="366183" y="42381"/>
+                        <a:pt x="361950" y="60373"/>
+                      </a:cubicBezTo>
+                      <a:cubicBezTo>
+                        <a:pt x="357717" y="78365"/>
+                        <a:pt x="349250" y="113290"/>
+                        <a:pt x="361950" y="130223"/>
+                      </a:cubicBezTo>
+                      <a:cubicBezTo>
+                        <a:pt x="374650" y="147156"/>
+                        <a:pt x="415925" y="155623"/>
+                        <a:pt x="438150" y="161973"/>
+                      </a:cubicBezTo>
+                      <a:cubicBezTo>
+                        <a:pt x="460375" y="168323"/>
+                        <a:pt x="473075" y="170440"/>
+                        <a:pt x="495300" y="168323"/>
+                      </a:cubicBezTo>
+                      <a:cubicBezTo>
+                        <a:pt x="517525" y="166206"/>
+                        <a:pt x="547158" y="159856"/>
+                        <a:pt x="571500" y="149273"/>
+                      </a:cubicBezTo>
+                      <a:cubicBezTo>
+                        <a:pt x="595842" y="138690"/>
+                        <a:pt x="621242" y="120698"/>
+                        <a:pt x="641350" y="104823"/>
+                      </a:cubicBezTo>
+                      <a:cubicBezTo>
+                        <a:pt x="661458" y="88948"/>
+                        <a:pt x="675217" y="68840"/>
+                        <a:pt x="692150" y="54023"/>
+                      </a:cubicBezTo>
+                      <a:cubicBezTo>
+                        <a:pt x="709083" y="39206"/>
+                        <a:pt x="726016" y="27564"/>
+                        <a:pt x="742950" y="15923"/>
+                      </a:cubicBezTo>
+                    </a:path>
+                  </a:pathLst>
+                </a:custGeom>
+                <a:noFill/>
+                <a:ln w="57150">
+                  <a:solidFill>
+                    <a:schemeClr val="bg1"/>
+                  </a:solidFill>
+                </a:ln>
+              </p:spPr>
+              <p:style>
+                <a:lnRef idx="2">
+                  <a:schemeClr val="accent1">
+                    <a:shade val="50000"/>
+                  </a:schemeClr>
+                </a:lnRef>
+                <a:fillRef idx="1">
+                  <a:schemeClr val="accent1"/>
+                </a:fillRef>
+                <a:effectRef idx="0">
+                  <a:schemeClr val="accent1"/>
+                </a:effectRef>
+                <a:fontRef idx="minor">
+                  <a:schemeClr val="lt1"/>
+                </a:fontRef>
+              </p:style>
+              <p:txBody>
+                <a:bodyPr rtlCol="0" anchor="ctr"/>
+                <a:lstStyle/>
+                <a:p>
+                  <a:pPr algn="ctr"/>
+                  <a:endParaRPr lang="it-IT"/>
+                </a:p>
+              </p:txBody>
+            </p:sp>
+            <p:sp>
+              <p:nvSpPr>
+                <p:cNvPr id="192" name="Figura a mano libera: forma 191"/>
+                <p:cNvSpPr/>
+                <p:nvPr/>
+              </p:nvSpPr>
+              <p:spPr>
+                <a:xfrm>
+                  <a:off x="6706892" y="6006837"/>
+                  <a:ext cx="742950" cy="174673"/>
+                </a:xfrm>
+                <a:custGeom>
+                  <a:avLst/>
+                  <a:gdLst>
+                    <a:gd name="connsiteX0" fmla="*/ 0 w 742950"/>
+                    <a:gd name="connsiteY0" fmla="*/ 174673 h 174673"/>
+                    <a:gd name="connsiteX1" fmla="*/ 76200 w 742950"/>
+                    <a:gd name="connsiteY1" fmla="*/ 161973 h 174673"/>
+                    <a:gd name="connsiteX2" fmla="*/ 146050 w 742950"/>
+                    <a:gd name="connsiteY2" fmla="*/ 111173 h 174673"/>
+                    <a:gd name="connsiteX3" fmla="*/ 228600 w 742950"/>
+                    <a:gd name="connsiteY3" fmla="*/ 34973 h 174673"/>
+                    <a:gd name="connsiteX4" fmla="*/ 279400 w 742950"/>
+                    <a:gd name="connsiteY4" fmla="*/ 3223 h 174673"/>
+                    <a:gd name="connsiteX5" fmla="*/ 349250 w 742950"/>
+                    <a:gd name="connsiteY5" fmla="*/ 3223 h 174673"/>
+                    <a:gd name="connsiteX6" fmla="*/ 387350 w 742950"/>
+                    <a:gd name="connsiteY6" fmla="*/ 22273 h 174673"/>
+                    <a:gd name="connsiteX7" fmla="*/ 361950 w 742950"/>
+                    <a:gd name="connsiteY7" fmla="*/ 60373 h 174673"/>
+                    <a:gd name="connsiteX8" fmla="*/ 393700 w 742950"/>
+                    <a:gd name="connsiteY8" fmla="*/ 130223 h 174673"/>
+                    <a:gd name="connsiteX9" fmla="*/ 438150 w 742950"/>
+                    <a:gd name="connsiteY9" fmla="*/ 161973 h 174673"/>
+                    <a:gd name="connsiteX10" fmla="*/ 495300 w 742950"/>
+                    <a:gd name="connsiteY10" fmla="*/ 168323 h 174673"/>
+                    <a:gd name="connsiteX11" fmla="*/ 571500 w 742950"/>
+                    <a:gd name="connsiteY11" fmla="*/ 149273 h 174673"/>
+                    <a:gd name="connsiteX12" fmla="*/ 641350 w 742950"/>
+                    <a:gd name="connsiteY12" fmla="*/ 104823 h 174673"/>
+                    <a:gd name="connsiteX13" fmla="*/ 692150 w 742950"/>
+                    <a:gd name="connsiteY13" fmla="*/ 54023 h 174673"/>
+                    <a:gd name="connsiteX14" fmla="*/ 742950 w 742950"/>
+                    <a:gd name="connsiteY14" fmla="*/ 15923 h 174673"/>
+                    <a:gd name="connsiteX0" fmla="*/ 0 w 742950"/>
+                    <a:gd name="connsiteY0" fmla="*/ 174673 h 174673"/>
+                    <a:gd name="connsiteX1" fmla="*/ 76200 w 742950"/>
+                    <a:gd name="connsiteY1" fmla="*/ 161973 h 174673"/>
+                    <a:gd name="connsiteX2" fmla="*/ 146050 w 742950"/>
+                    <a:gd name="connsiteY2" fmla="*/ 111173 h 174673"/>
+                    <a:gd name="connsiteX3" fmla="*/ 228600 w 742950"/>
+                    <a:gd name="connsiteY3" fmla="*/ 34973 h 174673"/>
+                    <a:gd name="connsiteX4" fmla="*/ 279400 w 742950"/>
+                    <a:gd name="connsiteY4" fmla="*/ 3223 h 174673"/>
+                    <a:gd name="connsiteX5" fmla="*/ 349250 w 742950"/>
+                    <a:gd name="connsiteY5" fmla="*/ 3223 h 174673"/>
+                    <a:gd name="connsiteX6" fmla="*/ 387350 w 742950"/>
+                    <a:gd name="connsiteY6" fmla="*/ 22273 h 174673"/>
+                    <a:gd name="connsiteX7" fmla="*/ 361950 w 742950"/>
+                    <a:gd name="connsiteY7" fmla="*/ 60373 h 174673"/>
+                    <a:gd name="connsiteX8" fmla="*/ 361950 w 742950"/>
+                    <a:gd name="connsiteY8" fmla="*/ 130223 h 174673"/>
+                    <a:gd name="connsiteX9" fmla="*/ 438150 w 742950"/>
+                    <a:gd name="connsiteY9" fmla="*/ 161973 h 174673"/>
+                    <a:gd name="connsiteX10" fmla="*/ 495300 w 742950"/>
+                    <a:gd name="connsiteY10" fmla="*/ 168323 h 174673"/>
+                    <a:gd name="connsiteX11" fmla="*/ 571500 w 742950"/>
+                    <a:gd name="connsiteY11" fmla="*/ 149273 h 174673"/>
+                    <a:gd name="connsiteX12" fmla="*/ 641350 w 742950"/>
+                    <a:gd name="connsiteY12" fmla="*/ 104823 h 174673"/>
+                    <a:gd name="connsiteX13" fmla="*/ 692150 w 742950"/>
+                    <a:gd name="connsiteY13" fmla="*/ 54023 h 174673"/>
+                    <a:gd name="connsiteX14" fmla="*/ 742950 w 742950"/>
+                    <a:gd name="connsiteY14" fmla="*/ 15923 h 174673"/>
+                  </a:gdLst>
+                  <a:ahLst/>
+                  <a:cxnLst>
+                    <a:cxn ang="0">
+                      <a:pos x="connsiteX0" y="connsiteY0"/>
+                    </a:cxn>
+                    <a:cxn ang="0">
+                      <a:pos x="connsiteX1" y="connsiteY1"/>
+                    </a:cxn>
+                    <a:cxn ang="0">
+                      <a:pos x="connsiteX2" y="connsiteY2"/>
+                    </a:cxn>
+                    <a:cxn ang="0">
+                      <a:pos x="connsiteX3" y="connsiteY3"/>
+                    </a:cxn>
+                    <a:cxn ang="0">
+                      <a:pos x="connsiteX4" y="connsiteY4"/>
+                    </a:cxn>
+                    <a:cxn ang="0">
+                      <a:pos x="connsiteX5" y="connsiteY5"/>
+                    </a:cxn>
+                    <a:cxn ang="0">
+                      <a:pos x="connsiteX6" y="connsiteY6"/>
+                    </a:cxn>
+                    <a:cxn ang="0">
+                      <a:pos x="connsiteX7" y="connsiteY7"/>
+                    </a:cxn>
+                    <a:cxn ang="0">
+                      <a:pos x="connsiteX8" y="connsiteY8"/>
+                    </a:cxn>
+                    <a:cxn ang="0">
+                      <a:pos x="connsiteX9" y="connsiteY9"/>
+                    </a:cxn>
+                    <a:cxn ang="0">
+                      <a:pos x="connsiteX10" y="connsiteY10"/>
+                    </a:cxn>
+                    <a:cxn ang="0">
+                      <a:pos x="connsiteX11" y="connsiteY11"/>
+                    </a:cxn>
+                    <a:cxn ang="0">
+                      <a:pos x="connsiteX12" y="connsiteY12"/>
+                    </a:cxn>
+                    <a:cxn ang="0">
+                      <a:pos x="connsiteX13" y="connsiteY13"/>
+                    </a:cxn>
+                    <a:cxn ang="0">
+                      <a:pos x="connsiteX14" y="connsiteY14"/>
+                    </a:cxn>
+                  </a:cxnLst>
+                  <a:rect l="l" t="t" r="r" b="b"/>
+                  <a:pathLst>
+                    <a:path w="742950" h="174673">
+                      <a:moveTo>
+                        <a:pt x="0" y="174673"/>
+                      </a:moveTo>
+                      <a:cubicBezTo>
+                        <a:pt x="25929" y="173614"/>
+                        <a:pt x="51858" y="172556"/>
+                        <a:pt x="76200" y="161973"/>
+                      </a:cubicBezTo>
+                      <a:cubicBezTo>
+                        <a:pt x="100542" y="151390"/>
+                        <a:pt x="120650" y="132340"/>
+                        <a:pt x="146050" y="111173"/>
+                      </a:cubicBezTo>
+                      <a:cubicBezTo>
+                        <a:pt x="171450" y="90006"/>
+                        <a:pt x="206375" y="52965"/>
+                        <a:pt x="228600" y="34973"/>
+                      </a:cubicBezTo>
+                      <a:cubicBezTo>
+                        <a:pt x="250825" y="16981"/>
+                        <a:pt x="259292" y="8515"/>
+                        <a:pt x="279400" y="3223"/>
+                      </a:cubicBezTo>
+                      <a:cubicBezTo>
+                        <a:pt x="299508" y="-2069"/>
+                        <a:pt x="331258" y="48"/>
+                        <a:pt x="349250" y="3223"/>
+                      </a:cubicBezTo>
+                      <a:cubicBezTo>
+                        <a:pt x="367242" y="6398"/>
+                        <a:pt x="385233" y="12748"/>
+                        <a:pt x="387350" y="22273"/>
+                      </a:cubicBezTo>
+                      <a:cubicBezTo>
+                        <a:pt x="389467" y="31798"/>
+                        <a:pt x="366183" y="42381"/>
+                        <a:pt x="361950" y="60373"/>
+                      </a:cubicBezTo>
+                      <a:cubicBezTo>
+                        <a:pt x="357717" y="78365"/>
+                        <a:pt x="349250" y="113290"/>
+                        <a:pt x="361950" y="130223"/>
+                      </a:cubicBezTo>
+                      <a:cubicBezTo>
+                        <a:pt x="374650" y="147156"/>
+                        <a:pt x="415925" y="155623"/>
+                        <a:pt x="438150" y="161973"/>
+                      </a:cubicBezTo>
+                      <a:cubicBezTo>
+                        <a:pt x="460375" y="168323"/>
+                        <a:pt x="473075" y="170440"/>
+                        <a:pt x="495300" y="168323"/>
+                      </a:cubicBezTo>
+                      <a:cubicBezTo>
+                        <a:pt x="517525" y="166206"/>
+                        <a:pt x="547158" y="159856"/>
+                        <a:pt x="571500" y="149273"/>
+                      </a:cubicBezTo>
+                      <a:cubicBezTo>
+                        <a:pt x="595842" y="138690"/>
+                        <a:pt x="621242" y="120698"/>
+                        <a:pt x="641350" y="104823"/>
+                      </a:cubicBezTo>
+                      <a:cubicBezTo>
+                        <a:pt x="661458" y="88948"/>
+                        <a:pt x="675217" y="68840"/>
+                        <a:pt x="692150" y="54023"/>
+                      </a:cubicBezTo>
+                      <a:cubicBezTo>
+                        <a:pt x="709083" y="39206"/>
+                        <a:pt x="726016" y="27564"/>
+                        <a:pt x="742950" y="15923"/>
+                      </a:cubicBezTo>
+                    </a:path>
+                  </a:pathLst>
+                </a:custGeom>
+                <a:noFill/>
+                <a:ln w="57150">
+                  <a:solidFill>
+                    <a:schemeClr val="bg1"/>
+                  </a:solidFill>
+                </a:ln>
+              </p:spPr>
+              <p:style>
+                <a:lnRef idx="2">
+                  <a:schemeClr val="accent1">
+                    <a:shade val="50000"/>
+                  </a:schemeClr>
+                </a:lnRef>
+                <a:fillRef idx="1">
+                  <a:schemeClr val="accent1"/>
+                </a:fillRef>
+                <a:effectRef idx="0">
+                  <a:schemeClr val="accent1"/>
+                </a:effectRef>
+                <a:fontRef idx="minor">
+                  <a:schemeClr val="lt1"/>
+                </a:fontRef>
+              </p:style>
+              <p:txBody>
+                <a:bodyPr rtlCol="0" anchor="ctr"/>
+                <a:lstStyle/>
+                <a:p>
+                  <a:pPr algn="ctr"/>
+                  <a:endParaRPr lang="it-IT"/>
+                </a:p>
+              </p:txBody>
+            </p:sp>
+          </p:grpSp>
+          <p:sp>
+            <p:nvSpPr>
+              <p:cNvPr id="189" name="Figura a mano libera: forma 188"/>
+              <p:cNvSpPr/>
+              <p:nvPr/>
+            </p:nvSpPr>
+            <p:spPr>
+              <a:xfrm>
+                <a:off x="7108356" y="5744288"/>
+                <a:ext cx="495300" cy="174673"/>
+              </a:xfrm>
+              <a:custGeom>
+                <a:avLst/>
+                <a:gdLst>
+                  <a:gd name="connsiteX0" fmla="*/ 0 w 742950"/>
+                  <a:gd name="connsiteY0" fmla="*/ 174673 h 174673"/>
+                  <a:gd name="connsiteX1" fmla="*/ 76200 w 742950"/>
+                  <a:gd name="connsiteY1" fmla="*/ 161973 h 174673"/>
+                  <a:gd name="connsiteX2" fmla="*/ 146050 w 742950"/>
+                  <a:gd name="connsiteY2" fmla="*/ 111173 h 174673"/>
+                  <a:gd name="connsiteX3" fmla="*/ 228600 w 742950"/>
+                  <a:gd name="connsiteY3" fmla="*/ 34973 h 174673"/>
+                  <a:gd name="connsiteX4" fmla="*/ 279400 w 742950"/>
+                  <a:gd name="connsiteY4" fmla="*/ 3223 h 174673"/>
+                  <a:gd name="connsiteX5" fmla="*/ 349250 w 742950"/>
+                  <a:gd name="connsiteY5" fmla="*/ 3223 h 174673"/>
+                  <a:gd name="connsiteX6" fmla="*/ 387350 w 742950"/>
+                  <a:gd name="connsiteY6" fmla="*/ 22273 h 174673"/>
+                  <a:gd name="connsiteX7" fmla="*/ 361950 w 742950"/>
+                  <a:gd name="connsiteY7" fmla="*/ 60373 h 174673"/>
+                  <a:gd name="connsiteX8" fmla="*/ 393700 w 742950"/>
+                  <a:gd name="connsiteY8" fmla="*/ 130223 h 174673"/>
+                  <a:gd name="connsiteX9" fmla="*/ 438150 w 742950"/>
+                  <a:gd name="connsiteY9" fmla="*/ 161973 h 174673"/>
+                  <a:gd name="connsiteX10" fmla="*/ 495300 w 742950"/>
+                  <a:gd name="connsiteY10" fmla="*/ 168323 h 174673"/>
+                  <a:gd name="connsiteX11" fmla="*/ 571500 w 742950"/>
+                  <a:gd name="connsiteY11" fmla="*/ 149273 h 174673"/>
+                  <a:gd name="connsiteX12" fmla="*/ 641350 w 742950"/>
+                  <a:gd name="connsiteY12" fmla="*/ 104823 h 174673"/>
+                  <a:gd name="connsiteX13" fmla="*/ 692150 w 742950"/>
+                  <a:gd name="connsiteY13" fmla="*/ 54023 h 174673"/>
+                  <a:gd name="connsiteX14" fmla="*/ 742950 w 742950"/>
+                  <a:gd name="connsiteY14" fmla="*/ 15923 h 174673"/>
+                  <a:gd name="connsiteX0" fmla="*/ 0 w 742950"/>
+                  <a:gd name="connsiteY0" fmla="*/ 174673 h 174673"/>
+                  <a:gd name="connsiteX1" fmla="*/ 76200 w 742950"/>
+                  <a:gd name="connsiteY1" fmla="*/ 161973 h 174673"/>
+                  <a:gd name="connsiteX2" fmla="*/ 146050 w 742950"/>
+                  <a:gd name="connsiteY2" fmla="*/ 111173 h 174673"/>
+                  <a:gd name="connsiteX3" fmla="*/ 228600 w 742950"/>
+                  <a:gd name="connsiteY3" fmla="*/ 34973 h 174673"/>
+                  <a:gd name="connsiteX4" fmla="*/ 279400 w 742950"/>
+                  <a:gd name="connsiteY4" fmla="*/ 3223 h 174673"/>
+                  <a:gd name="connsiteX5" fmla="*/ 349250 w 742950"/>
+                  <a:gd name="connsiteY5" fmla="*/ 3223 h 174673"/>
+                  <a:gd name="connsiteX6" fmla="*/ 387350 w 742950"/>
+                  <a:gd name="connsiteY6" fmla="*/ 22273 h 174673"/>
+                  <a:gd name="connsiteX7" fmla="*/ 361950 w 742950"/>
+                  <a:gd name="connsiteY7" fmla="*/ 60373 h 174673"/>
+                  <a:gd name="connsiteX8" fmla="*/ 361950 w 742950"/>
+                  <a:gd name="connsiteY8" fmla="*/ 130223 h 174673"/>
+                  <a:gd name="connsiteX9" fmla="*/ 438150 w 742950"/>
+                  <a:gd name="connsiteY9" fmla="*/ 161973 h 174673"/>
+                  <a:gd name="connsiteX10" fmla="*/ 495300 w 742950"/>
+                  <a:gd name="connsiteY10" fmla="*/ 168323 h 174673"/>
+                  <a:gd name="connsiteX11" fmla="*/ 571500 w 742950"/>
+                  <a:gd name="connsiteY11" fmla="*/ 149273 h 174673"/>
+                  <a:gd name="connsiteX12" fmla="*/ 641350 w 742950"/>
+                  <a:gd name="connsiteY12" fmla="*/ 104823 h 174673"/>
+                  <a:gd name="connsiteX13" fmla="*/ 692150 w 742950"/>
+                  <a:gd name="connsiteY13" fmla="*/ 54023 h 174673"/>
+                  <a:gd name="connsiteX14" fmla="*/ 742950 w 742950"/>
+                  <a:gd name="connsiteY14" fmla="*/ 15923 h 174673"/>
+                  <a:gd name="connsiteX0" fmla="*/ 0 w 692150"/>
+                  <a:gd name="connsiteY0" fmla="*/ 174673 h 174673"/>
+                  <a:gd name="connsiteX1" fmla="*/ 76200 w 692150"/>
+                  <a:gd name="connsiteY1" fmla="*/ 161973 h 174673"/>
+                  <a:gd name="connsiteX2" fmla="*/ 146050 w 692150"/>
+                  <a:gd name="connsiteY2" fmla="*/ 111173 h 174673"/>
+                  <a:gd name="connsiteX3" fmla="*/ 228600 w 692150"/>
+                  <a:gd name="connsiteY3" fmla="*/ 34973 h 174673"/>
+                  <a:gd name="connsiteX4" fmla="*/ 279400 w 692150"/>
+                  <a:gd name="connsiteY4" fmla="*/ 3223 h 174673"/>
+                  <a:gd name="connsiteX5" fmla="*/ 349250 w 692150"/>
+                  <a:gd name="connsiteY5" fmla="*/ 3223 h 174673"/>
+                  <a:gd name="connsiteX6" fmla="*/ 387350 w 692150"/>
+                  <a:gd name="connsiteY6" fmla="*/ 22273 h 174673"/>
+                  <a:gd name="connsiteX7" fmla="*/ 361950 w 692150"/>
+                  <a:gd name="connsiteY7" fmla="*/ 60373 h 174673"/>
+                  <a:gd name="connsiteX8" fmla="*/ 361950 w 692150"/>
+                  <a:gd name="connsiteY8" fmla="*/ 130223 h 174673"/>
+                  <a:gd name="connsiteX9" fmla="*/ 438150 w 692150"/>
+                  <a:gd name="connsiteY9" fmla="*/ 161973 h 174673"/>
+                  <a:gd name="connsiteX10" fmla="*/ 495300 w 692150"/>
+                  <a:gd name="connsiteY10" fmla="*/ 168323 h 174673"/>
+                  <a:gd name="connsiteX11" fmla="*/ 571500 w 692150"/>
+                  <a:gd name="connsiteY11" fmla="*/ 149273 h 174673"/>
+                  <a:gd name="connsiteX12" fmla="*/ 641350 w 692150"/>
+                  <a:gd name="connsiteY12" fmla="*/ 104823 h 174673"/>
+                  <a:gd name="connsiteX13" fmla="*/ 692150 w 692150"/>
+                  <a:gd name="connsiteY13" fmla="*/ 54023 h 174673"/>
+                  <a:gd name="connsiteX0" fmla="*/ 0 w 641350"/>
+                  <a:gd name="connsiteY0" fmla="*/ 174673 h 174673"/>
+                  <a:gd name="connsiteX1" fmla="*/ 76200 w 641350"/>
+                  <a:gd name="connsiteY1" fmla="*/ 161973 h 174673"/>
+                  <a:gd name="connsiteX2" fmla="*/ 146050 w 641350"/>
+                  <a:gd name="connsiteY2" fmla="*/ 111173 h 174673"/>
+                  <a:gd name="connsiteX3" fmla="*/ 228600 w 641350"/>
+                  <a:gd name="connsiteY3" fmla="*/ 34973 h 174673"/>
+                  <a:gd name="connsiteX4" fmla="*/ 279400 w 641350"/>
+                  <a:gd name="connsiteY4" fmla="*/ 3223 h 174673"/>
+                  <a:gd name="connsiteX5" fmla="*/ 349250 w 641350"/>
+                  <a:gd name="connsiteY5" fmla="*/ 3223 h 174673"/>
+                  <a:gd name="connsiteX6" fmla="*/ 387350 w 641350"/>
+                  <a:gd name="connsiteY6" fmla="*/ 22273 h 174673"/>
+                  <a:gd name="connsiteX7" fmla="*/ 361950 w 641350"/>
+                  <a:gd name="connsiteY7" fmla="*/ 60373 h 174673"/>
+                  <a:gd name="connsiteX8" fmla="*/ 361950 w 641350"/>
+                  <a:gd name="connsiteY8" fmla="*/ 130223 h 174673"/>
+                  <a:gd name="connsiteX9" fmla="*/ 438150 w 641350"/>
+                  <a:gd name="connsiteY9" fmla="*/ 161973 h 174673"/>
+                  <a:gd name="connsiteX10" fmla="*/ 495300 w 641350"/>
+                  <a:gd name="connsiteY10" fmla="*/ 168323 h 174673"/>
+                  <a:gd name="connsiteX11" fmla="*/ 571500 w 641350"/>
+                  <a:gd name="connsiteY11" fmla="*/ 149273 h 174673"/>
+                  <a:gd name="connsiteX12" fmla="*/ 641350 w 641350"/>
+                  <a:gd name="connsiteY12" fmla="*/ 104823 h 174673"/>
+                  <a:gd name="connsiteX0" fmla="*/ 0 w 571500"/>
+                  <a:gd name="connsiteY0" fmla="*/ 174673 h 174673"/>
+                  <a:gd name="connsiteX1" fmla="*/ 76200 w 571500"/>
+                  <a:gd name="connsiteY1" fmla="*/ 161973 h 174673"/>
+                  <a:gd name="connsiteX2" fmla="*/ 146050 w 571500"/>
+                  <a:gd name="connsiteY2" fmla="*/ 111173 h 174673"/>
+                  <a:gd name="connsiteX3" fmla="*/ 228600 w 571500"/>
+                  <a:gd name="connsiteY3" fmla="*/ 34973 h 174673"/>
+                  <a:gd name="connsiteX4" fmla="*/ 279400 w 571500"/>
+                  <a:gd name="connsiteY4" fmla="*/ 3223 h 174673"/>
+                  <a:gd name="connsiteX5" fmla="*/ 349250 w 571500"/>
+                  <a:gd name="connsiteY5" fmla="*/ 3223 h 174673"/>
+                  <a:gd name="connsiteX6" fmla="*/ 387350 w 571500"/>
+                  <a:gd name="connsiteY6" fmla="*/ 22273 h 174673"/>
+                  <a:gd name="connsiteX7" fmla="*/ 361950 w 571500"/>
+                  <a:gd name="connsiteY7" fmla="*/ 60373 h 174673"/>
+                  <a:gd name="connsiteX8" fmla="*/ 361950 w 571500"/>
+                  <a:gd name="connsiteY8" fmla="*/ 130223 h 174673"/>
+                  <a:gd name="connsiteX9" fmla="*/ 438150 w 571500"/>
+                  <a:gd name="connsiteY9" fmla="*/ 161973 h 174673"/>
+                  <a:gd name="connsiteX10" fmla="*/ 495300 w 571500"/>
+                  <a:gd name="connsiteY10" fmla="*/ 168323 h 174673"/>
+                  <a:gd name="connsiteX11" fmla="*/ 571500 w 571500"/>
+                  <a:gd name="connsiteY11" fmla="*/ 149273 h 174673"/>
+                  <a:gd name="connsiteX0" fmla="*/ 0 w 495300"/>
+                  <a:gd name="connsiteY0" fmla="*/ 174673 h 174673"/>
+                  <a:gd name="connsiteX1" fmla="*/ 76200 w 495300"/>
+                  <a:gd name="connsiteY1" fmla="*/ 161973 h 174673"/>
+                  <a:gd name="connsiteX2" fmla="*/ 146050 w 495300"/>
+                  <a:gd name="connsiteY2" fmla="*/ 111173 h 174673"/>
+                  <a:gd name="connsiteX3" fmla="*/ 228600 w 495300"/>
+                  <a:gd name="connsiteY3" fmla="*/ 34973 h 174673"/>
+                  <a:gd name="connsiteX4" fmla="*/ 279400 w 495300"/>
+                  <a:gd name="connsiteY4" fmla="*/ 3223 h 174673"/>
+                  <a:gd name="connsiteX5" fmla="*/ 349250 w 495300"/>
+                  <a:gd name="connsiteY5" fmla="*/ 3223 h 174673"/>
+                  <a:gd name="connsiteX6" fmla="*/ 387350 w 495300"/>
+                  <a:gd name="connsiteY6" fmla="*/ 22273 h 174673"/>
+                  <a:gd name="connsiteX7" fmla="*/ 361950 w 495300"/>
+                  <a:gd name="connsiteY7" fmla="*/ 60373 h 174673"/>
+                  <a:gd name="connsiteX8" fmla="*/ 361950 w 495300"/>
+                  <a:gd name="connsiteY8" fmla="*/ 130223 h 174673"/>
+                  <a:gd name="connsiteX9" fmla="*/ 438150 w 495300"/>
+                  <a:gd name="connsiteY9" fmla="*/ 161973 h 174673"/>
+                  <a:gd name="connsiteX10" fmla="*/ 495300 w 495300"/>
+                  <a:gd name="connsiteY10" fmla="*/ 168323 h 174673"/>
+                </a:gdLst>
+                <a:ahLst/>
+                <a:cxnLst>
+                  <a:cxn ang="0">
+                    <a:pos x="connsiteX0" y="connsiteY0"/>
+                  </a:cxn>
+                  <a:cxn ang="0">
+                    <a:pos x="connsiteX1" y="connsiteY1"/>
+                  </a:cxn>
+                  <a:cxn ang="0">
+                    <a:pos x="connsiteX2" y="connsiteY2"/>
+                  </a:cxn>
+                  <a:cxn ang="0">
+                    <a:pos x="connsiteX3" y="connsiteY3"/>
+                  </a:cxn>
+                  <a:cxn ang="0">
+                    <a:pos x="connsiteX4" y="connsiteY4"/>
+                  </a:cxn>
+                  <a:cxn ang="0">
+                    <a:pos x="connsiteX5" y="connsiteY5"/>
+                  </a:cxn>
+                  <a:cxn ang="0">
+                    <a:pos x="connsiteX6" y="connsiteY6"/>
+                  </a:cxn>
+                  <a:cxn ang="0">
+                    <a:pos x="connsiteX7" y="connsiteY7"/>
+                  </a:cxn>
+                  <a:cxn ang="0">
+                    <a:pos x="connsiteX8" y="connsiteY8"/>
+                  </a:cxn>
+                  <a:cxn ang="0">
+                    <a:pos x="connsiteX9" y="connsiteY9"/>
+                  </a:cxn>
+                  <a:cxn ang="0">
+                    <a:pos x="connsiteX10" y="connsiteY10"/>
+                  </a:cxn>
+                </a:cxnLst>
+                <a:rect l="l" t="t" r="r" b="b"/>
+                <a:pathLst>
+                  <a:path w="495300" h="174673">
+                    <a:moveTo>
+                      <a:pt x="0" y="174673"/>
+                    </a:moveTo>
+                    <a:cubicBezTo>
+                      <a:pt x="25929" y="173614"/>
+                      <a:pt x="51858" y="172556"/>
+                      <a:pt x="76200" y="161973"/>
+                    </a:cubicBezTo>
+                    <a:cubicBezTo>
+                      <a:pt x="100542" y="151390"/>
+                      <a:pt x="120650" y="132340"/>
+                      <a:pt x="146050" y="111173"/>
+                    </a:cubicBezTo>
+                    <a:cubicBezTo>
+                      <a:pt x="171450" y="90006"/>
+                      <a:pt x="206375" y="52965"/>
+                      <a:pt x="228600" y="34973"/>
+                    </a:cubicBezTo>
+                    <a:cubicBezTo>
+                      <a:pt x="250825" y="16981"/>
+                      <a:pt x="259292" y="8515"/>
+                      <a:pt x="279400" y="3223"/>
+                    </a:cubicBezTo>
+                    <a:cubicBezTo>
+                      <a:pt x="299508" y="-2069"/>
+                      <a:pt x="331258" y="48"/>
+                      <a:pt x="349250" y="3223"/>
+                    </a:cubicBezTo>
+                    <a:cubicBezTo>
+                      <a:pt x="367242" y="6398"/>
+                      <a:pt x="385233" y="12748"/>
+                      <a:pt x="387350" y="22273"/>
+                    </a:cubicBezTo>
+                    <a:cubicBezTo>
+                      <a:pt x="389467" y="31798"/>
+                      <a:pt x="366183" y="42381"/>
+                      <a:pt x="361950" y="60373"/>
+                    </a:cubicBezTo>
+                    <a:cubicBezTo>
+                      <a:pt x="357717" y="78365"/>
+                      <a:pt x="349250" y="113290"/>
+                      <a:pt x="361950" y="130223"/>
+                    </a:cubicBezTo>
+                    <a:cubicBezTo>
+                      <a:pt x="374650" y="147156"/>
+                      <a:pt x="415925" y="155623"/>
+                      <a:pt x="438150" y="161973"/>
+                    </a:cubicBezTo>
+                    <a:cubicBezTo>
+                      <a:pt x="460375" y="168323"/>
+                      <a:pt x="473075" y="170440"/>
+                      <a:pt x="495300" y="168323"/>
+                    </a:cubicBezTo>
+                  </a:path>
+                </a:pathLst>
+              </a:custGeom>
+              <a:noFill/>
+              <a:ln w="57150">
+                <a:solidFill>
+                  <a:schemeClr val="bg1"/>
+                </a:solidFill>
+              </a:ln>
+            </p:spPr>
+            <p:style>
+              <a:lnRef idx="2">
+                <a:schemeClr val="accent1">
+                  <a:shade val="50000"/>
+                </a:schemeClr>
+              </a:lnRef>
+              <a:fillRef idx="1">
+                <a:schemeClr val="accent1"/>
+              </a:fillRef>
+              <a:effectRef idx="0">
+                <a:schemeClr val="accent1"/>
+              </a:effectRef>
+              <a:fontRef idx="minor">
+                <a:schemeClr val="lt1"/>
+              </a:fontRef>
+            </p:style>
+            <p:txBody>
+              <a:bodyPr rtlCol="0" anchor="ctr"/>
+              <a:lstStyle/>
+              <a:p>
+                <a:pPr algn="ctr"/>
+                <a:endParaRPr lang="it-IT" dirty="0"/>
+              </a:p>
+            </p:txBody>
+          </p:sp>
+        </p:grpSp>
+        <p:grpSp>
+          <p:nvGrpSpPr>
+            <p:cNvPr id="49" name="Gruppo 48"/>
+            <p:cNvGrpSpPr/>
+            <p:nvPr/>
+          </p:nvGrpSpPr>
+          <p:grpSpPr>
+            <a:xfrm>
+              <a:off x="5568843" y="5346724"/>
+              <a:ext cx="1986529" cy="549564"/>
+              <a:chOff x="5568843" y="5346724"/>
+              <a:chExt cx="1986529" cy="549564"/>
+            </a:xfrm>
+          </p:grpSpPr>
+          <p:grpSp>
+            <p:nvGrpSpPr>
+              <p:cNvPr id="45" name="Gruppo 44"/>
+              <p:cNvGrpSpPr/>
+              <p:nvPr/>
+            </p:nvGrpSpPr>
+            <p:grpSpPr>
+              <a:xfrm>
+                <a:off x="5568843" y="5697768"/>
+                <a:ext cx="1986529" cy="198520"/>
+                <a:chOff x="5617127" y="5744288"/>
+                <a:chExt cx="1986529" cy="198520"/>
+              </a:xfrm>
+            </p:grpSpPr>
+            <p:grpSp>
+              <p:nvGrpSpPr>
+                <p:cNvPr id="43" name="Gruppo 42"/>
+                <p:cNvGrpSpPr/>
+                <p:nvPr/>
+              </p:nvGrpSpPr>
+              <p:grpSpPr>
+                <a:xfrm>
+                  <a:off x="5617127" y="5755578"/>
+                  <a:ext cx="1731307" cy="187230"/>
+                  <a:chOff x="5718535" y="6006837"/>
+                  <a:chExt cx="1731307" cy="187230"/>
+                </a:xfrm>
+              </p:grpSpPr>
+              <p:sp>
+                <p:nvSpPr>
+                  <p:cNvPr id="42" name="Figura a mano libera: forma 41"/>
+                  <p:cNvSpPr/>
+                  <p:nvPr/>
+                </p:nvSpPr>
+                <p:spPr>
+                  <a:xfrm>
+                    <a:off x="5718535" y="6019394"/>
+                    <a:ext cx="742950" cy="174673"/>
+                  </a:xfrm>
+                  <a:custGeom>
+                    <a:avLst/>
+                    <a:gdLst>
+                      <a:gd name="connsiteX0" fmla="*/ 0 w 742950"/>
+                      <a:gd name="connsiteY0" fmla="*/ 174673 h 174673"/>
+                      <a:gd name="connsiteX1" fmla="*/ 76200 w 742950"/>
+                      <a:gd name="connsiteY1" fmla="*/ 161973 h 174673"/>
+                      <a:gd name="connsiteX2" fmla="*/ 146050 w 742950"/>
+                      <a:gd name="connsiteY2" fmla="*/ 111173 h 174673"/>
+                      <a:gd name="connsiteX3" fmla="*/ 228600 w 742950"/>
+                      <a:gd name="connsiteY3" fmla="*/ 34973 h 174673"/>
+                      <a:gd name="connsiteX4" fmla="*/ 279400 w 742950"/>
+                      <a:gd name="connsiteY4" fmla="*/ 3223 h 174673"/>
+                      <a:gd name="connsiteX5" fmla="*/ 349250 w 742950"/>
+                      <a:gd name="connsiteY5" fmla="*/ 3223 h 174673"/>
+                      <a:gd name="connsiteX6" fmla="*/ 387350 w 742950"/>
+                      <a:gd name="connsiteY6" fmla="*/ 22273 h 174673"/>
+                      <a:gd name="connsiteX7" fmla="*/ 361950 w 742950"/>
+                      <a:gd name="connsiteY7" fmla="*/ 60373 h 174673"/>
+                      <a:gd name="connsiteX8" fmla="*/ 393700 w 742950"/>
+                      <a:gd name="connsiteY8" fmla="*/ 130223 h 174673"/>
+                      <a:gd name="connsiteX9" fmla="*/ 438150 w 742950"/>
+                      <a:gd name="connsiteY9" fmla="*/ 161973 h 174673"/>
+                      <a:gd name="connsiteX10" fmla="*/ 495300 w 742950"/>
+                      <a:gd name="connsiteY10" fmla="*/ 168323 h 174673"/>
+                      <a:gd name="connsiteX11" fmla="*/ 571500 w 742950"/>
+                      <a:gd name="connsiteY11" fmla="*/ 149273 h 174673"/>
+                      <a:gd name="connsiteX12" fmla="*/ 641350 w 742950"/>
+                      <a:gd name="connsiteY12" fmla="*/ 104823 h 174673"/>
+                      <a:gd name="connsiteX13" fmla="*/ 692150 w 742950"/>
+                      <a:gd name="connsiteY13" fmla="*/ 54023 h 174673"/>
+                      <a:gd name="connsiteX14" fmla="*/ 742950 w 742950"/>
+                      <a:gd name="connsiteY14" fmla="*/ 15923 h 174673"/>
+                      <a:gd name="connsiteX0" fmla="*/ 0 w 742950"/>
+                      <a:gd name="connsiteY0" fmla="*/ 174673 h 174673"/>
+                      <a:gd name="connsiteX1" fmla="*/ 76200 w 742950"/>
+                      <a:gd name="connsiteY1" fmla="*/ 161973 h 174673"/>
+                      <a:gd name="connsiteX2" fmla="*/ 146050 w 742950"/>
+                      <a:gd name="connsiteY2" fmla="*/ 111173 h 174673"/>
+                      <a:gd name="connsiteX3" fmla="*/ 228600 w 742950"/>
+                      <a:gd name="connsiteY3" fmla="*/ 34973 h 174673"/>
+                      <a:gd name="connsiteX4" fmla="*/ 279400 w 742950"/>
+                      <a:gd name="connsiteY4" fmla="*/ 3223 h 174673"/>
+                      <a:gd name="connsiteX5" fmla="*/ 349250 w 742950"/>
+                      <a:gd name="connsiteY5" fmla="*/ 3223 h 174673"/>
+                      <a:gd name="connsiteX6" fmla="*/ 387350 w 742950"/>
+                      <a:gd name="connsiteY6" fmla="*/ 22273 h 174673"/>
+                      <a:gd name="connsiteX7" fmla="*/ 361950 w 742950"/>
+                      <a:gd name="connsiteY7" fmla="*/ 60373 h 174673"/>
+                      <a:gd name="connsiteX8" fmla="*/ 361950 w 742950"/>
+                      <a:gd name="connsiteY8" fmla="*/ 130223 h 174673"/>
+                      <a:gd name="connsiteX9" fmla="*/ 438150 w 742950"/>
+                      <a:gd name="connsiteY9" fmla="*/ 161973 h 174673"/>
+                      <a:gd name="connsiteX10" fmla="*/ 495300 w 742950"/>
+                      <a:gd name="connsiteY10" fmla="*/ 168323 h 174673"/>
+                      <a:gd name="connsiteX11" fmla="*/ 571500 w 742950"/>
+                      <a:gd name="connsiteY11" fmla="*/ 149273 h 174673"/>
+                      <a:gd name="connsiteX12" fmla="*/ 641350 w 742950"/>
+                      <a:gd name="connsiteY12" fmla="*/ 104823 h 174673"/>
+                      <a:gd name="connsiteX13" fmla="*/ 692150 w 742950"/>
+                      <a:gd name="connsiteY13" fmla="*/ 54023 h 174673"/>
+                      <a:gd name="connsiteX14" fmla="*/ 742950 w 742950"/>
+                      <a:gd name="connsiteY14" fmla="*/ 15923 h 174673"/>
+                    </a:gdLst>
+                    <a:ahLst/>
+                    <a:cxnLst>
+                      <a:cxn ang="0">
+                        <a:pos x="connsiteX0" y="connsiteY0"/>
+                      </a:cxn>
+                      <a:cxn ang="0">
+                        <a:pos x="connsiteX1" y="connsiteY1"/>
+                      </a:cxn>
+                      <a:cxn ang="0">
+                        <a:pos x="connsiteX2" y="connsiteY2"/>
+                      </a:cxn>
+                      <a:cxn ang="0">
+                        <a:pos x="connsiteX3" y="connsiteY3"/>
+                      </a:cxn>
+                      <a:cxn ang="0">
+                        <a:pos x="connsiteX4" y="connsiteY4"/>
+                      </a:cxn>
+                      <a:cxn ang="0">
+                        <a:pos x="connsiteX5" y="connsiteY5"/>
+                      </a:cxn>
+                      <a:cxn ang="0">
+                        <a:pos x="connsiteX6" y="connsiteY6"/>
+                      </a:cxn>
+                      <a:cxn ang="0">
+                        <a:pos x="connsiteX7" y="connsiteY7"/>
+                      </a:cxn>
+                      <a:cxn ang="0">
+                        <a:pos x="connsiteX8" y="connsiteY8"/>
+                      </a:cxn>
+                      <a:cxn ang="0">
+                        <a:pos x="connsiteX9" y="connsiteY9"/>
+                      </a:cxn>
+                      <a:cxn ang="0">
+                        <a:pos x="connsiteX10" y="connsiteY10"/>
+                      </a:cxn>
+                      <a:cxn ang="0">
+                        <a:pos x="connsiteX11" y="connsiteY11"/>
+                      </a:cxn>
+                      <a:cxn ang="0">
+                        <a:pos x="connsiteX12" y="connsiteY12"/>
+                      </a:cxn>
+                      <a:cxn ang="0">
+                        <a:pos x="connsiteX13" y="connsiteY13"/>
+                      </a:cxn>
+                      <a:cxn ang="0">
+                        <a:pos x="connsiteX14" y="connsiteY14"/>
+                      </a:cxn>
+                    </a:cxnLst>
+                    <a:rect l="l" t="t" r="r" b="b"/>
+                    <a:pathLst>
+                      <a:path w="742950" h="174673">
+                        <a:moveTo>
+                          <a:pt x="0" y="174673"/>
+                        </a:moveTo>
+                        <a:cubicBezTo>
+                          <a:pt x="25929" y="173614"/>
+                          <a:pt x="51858" y="172556"/>
+                          <a:pt x="76200" y="161973"/>
+                        </a:cubicBezTo>
+                        <a:cubicBezTo>
+                          <a:pt x="100542" y="151390"/>
+                          <a:pt x="120650" y="132340"/>
+                          <a:pt x="146050" y="111173"/>
+                        </a:cubicBezTo>
+                        <a:cubicBezTo>
+                          <a:pt x="171450" y="90006"/>
+                          <a:pt x="206375" y="52965"/>
+                          <a:pt x="228600" y="34973"/>
+                        </a:cubicBezTo>
+                        <a:cubicBezTo>
+                          <a:pt x="250825" y="16981"/>
+                          <a:pt x="259292" y="8515"/>
+                          <a:pt x="279400" y="3223"/>
+                        </a:cubicBezTo>
+                        <a:cubicBezTo>
+                          <a:pt x="299508" y="-2069"/>
+                          <a:pt x="331258" y="48"/>
+                          <a:pt x="349250" y="3223"/>
+                        </a:cubicBezTo>
+                        <a:cubicBezTo>
+                          <a:pt x="367242" y="6398"/>
+                          <a:pt x="385233" y="12748"/>
+                          <a:pt x="387350" y="22273"/>
+                        </a:cubicBezTo>
+                        <a:cubicBezTo>
+                          <a:pt x="389467" y="31798"/>
+                          <a:pt x="366183" y="42381"/>
+                          <a:pt x="361950" y="60373"/>
+                        </a:cubicBezTo>
+                        <a:cubicBezTo>
+                          <a:pt x="357717" y="78365"/>
+                          <a:pt x="349250" y="113290"/>
+                          <a:pt x="361950" y="130223"/>
+                        </a:cubicBezTo>
+                        <a:cubicBezTo>
+                          <a:pt x="374650" y="147156"/>
+                          <a:pt x="415925" y="155623"/>
+                          <a:pt x="438150" y="161973"/>
+                        </a:cubicBezTo>
+                        <a:cubicBezTo>
+                          <a:pt x="460375" y="168323"/>
+                          <a:pt x="473075" y="170440"/>
+                          <a:pt x="495300" y="168323"/>
+                        </a:cubicBezTo>
+                        <a:cubicBezTo>
+                          <a:pt x="517525" y="166206"/>
+                          <a:pt x="547158" y="159856"/>
+                          <a:pt x="571500" y="149273"/>
+                        </a:cubicBezTo>
+                        <a:cubicBezTo>
+                          <a:pt x="595842" y="138690"/>
+                          <a:pt x="621242" y="120698"/>
+                          <a:pt x="641350" y="104823"/>
+                        </a:cubicBezTo>
+                        <a:cubicBezTo>
+                          <a:pt x="661458" y="88948"/>
+                          <a:pt x="675217" y="68840"/>
+                          <a:pt x="692150" y="54023"/>
+                        </a:cubicBezTo>
+                        <a:cubicBezTo>
+                          <a:pt x="709083" y="39206"/>
+                          <a:pt x="726016" y="27564"/>
+                          <a:pt x="742950" y="15923"/>
+                        </a:cubicBezTo>
+                      </a:path>
+                    </a:pathLst>
+                  </a:custGeom>
+                  <a:noFill/>
+                  <a:ln w="57150">
+                    <a:solidFill>
+                      <a:schemeClr val="bg1"/>
+                    </a:solidFill>
+                  </a:ln>
+                </p:spPr>
+                <p:style>
+                  <a:lnRef idx="2">
+                    <a:schemeClr val="accent1">
+                      <a:shade val="50000"/>
+                    </a:schemeClr>
+                  </a:lnRef>
+                  <a:fillRef idx="1">
+                    <a:schemeClr val="accent1"/>
+                  </a:fillRef>
+                  <a:effectRef idx="0">
+                    <a:schemeClr val="accent1"/>
+                  </a:effectRef>
+                  <a:fontRef idx="minor">
+                    <a:schemeClr val="lt1"/>
+                  </a:fontRef>
+                </p:style>
+                <p:txBody>
+                  <a:bodyPr rtlCol="0" anchor="ctr"/>
+                  <a:lstStyle/>
+                  <a:p>
+                    <a:pPr algn="ctr"/>
+                    <a:endParaRPr lang="it-IT"/>
+                  </a:p>
+                </p:txBody>
+              </p:sp>
+              <p:sp>
+                <p:nvSpPr>
+                  <p:cNvPr id="174" name="Figura a mano libera: forma 173"/>
+                  <p:cNvSpPr/>
+                  <p:nvPr/>
+                </p:nvSpPr>
+                <p:spPr>
+                  <a:xfrm>
+                    <a:off x="6209357" y="6012350"/>
+                    <a:ext cx="742950" cy="174673"/>
+                  </a:xfrm>
+                  <a:custGeom>
+                    <a:avLst/>
+                    <a:gdLst>
+                      <a:gd name="connsiteX0" fmla="*/ 0 w 742950"/>
+                      <a:gd name="connsiteY0" fmla="*/ 174673 h 174673"/>
+                      <a:gd name="connsiteX1" fmla="*/ 76200 w 742950"/>
+                      <a:gd name="connsiteY1" fmla="*/ 161973 h 174673"/>
+                      <a:gd name="connsiteX2" fmla="*/ 146050 w 742950"/>
+                      <a:gd name="connsiteY2" fmla="*/ 111173 h 174673"/>
+                      <a:gd name="connsiteX3" fmla="*/ 228600 w 742950"/>
+                      <a:gd name="connsiteY3" fmla="*/ 34973 h 174673"/>
+                      <a:gd name="connsiteX4" fmla="*/ 279400 w 742950"/>
+                      <a:gd name="connsiteY4" fmla="*/ 3223 h 174673"/>
+                      <a:gd name="connsiteX5" fmla="*/ 349250 w 742950"/>
+                      <a:gd name="connsiteY5" fmla="*/ 3223 h 174673"/>
+                      <a:gd name="connsiteX6" fmla="*/ 387350 w 742950"/>
+                      <a:gd name="connsiteY6" fmla="*/ 22273 h 174673"/>
+                      <a:gd name="connsiteX7" fmla="*/ 361950 w 742950"/>
+                      <a:gd name="connsiteY7" fmla="*/ 60373 h 174673"/>
+                      <a:gd name="connsiteX8" fmla="*/ 393700 w 742950"/>
+                      <a:gd name="connsiteY8" fmla="*/ 130223 h 174673"/>
+                      <a:gd name="connsiteX9" fmla="*/ 438150 w 742950"/>
+                      <a:gd name="connsiteY9" fmla="*/ 161973 h 174673"/>
+                      <a:gd name="connsiteX10" fmla="*/ 495300 w 742950"/>
+                      <a:gd name="connsiteY10" fmla="*/ 168323 h 174673"/>
+                      <a:gd name="connsiteX11" fmla="*/ 571500 w 742950"/>
+                      <a:gd name="connsiteY11" fmla="*/ 149273 h 174673"/>
+                      <a:gd name="connsiteX12" fmla="*/ 641350 w 742950"/>
+                      <a:gd name="connsiteY12" fmla="*/ 104823 h 174673"/>
+                      <a:gd name="connsiteX13" fmla="*/ 692150 w 742950"/>
+                      <a:gd name="connsiteY13" fmla="*/ 54023 h 174673"/>
+                      <a:gd name="connsiteX14" fmla="*/ 742950 w 742950"/>
+                      <a:gd name="connsiteY14" fmla="*/ 15923 h 174673"/>
+                      <a:gd name="connsiteX0" fmla="*/ 0 w 742950"/>
+                      <a:gd name="connsiteY0" fmla="*/ 174673 h 174673"/>
+                      <a:gd name="connsiteX1" fmla="*/ 76200 w 742950"/>
+                      <a:gd name="connsiteY1" fmla="*/ 161973 h 174673"/>
+                      <a:gd name="connsiteX2" fmla="*/ 146050 w 742950"/>
+                      <a:gd name="connsiteY2" fmla="*/ 111173 h 174673"/>
+                      <a:gd name="connsiteX3" fmla="*/ 228600 w 742950"/>
+                      <a:gd name="connsiteY3" fmla="*/ 34973 h 174673"/>
+                      <a:gd name="connsiteX4" fmla="*/ 279400 w 742950"/>
+                      <a:gd name="connsiteY4" fmla="*/ 3223 h 174673"/>
+                      <a:gd name="connsiteX5" fmla="*/ 349250 w 742950"/>
+                      <a:gd name="connsiteY5" fmla="*/ 3223 h 174673"/>
+                      <a:gd name="connsiteX6" fmla="*/ 387350 w 742950"/>
+                      <a:gd name="connsiteY6" fmla="*/ 22273 h 174673"/>
+                      <a:gd name="connsiteX7" fmla="*/ 361950 w 742950"/>
+                      <a:gd name="connsiteY7" fmla="*/ 60373 h 174673"/>
+                      <a:gd name="connsiteX8" fmla="*/ 361950 w 742950"/>
+                      <a:gd name="connsiteY8" fmla="*/ 130223 h 174673"/>
+                      <a:gd name="connsiteX9" fmla="*/ 438150 w 742950"/>
+                      <a:gd name="connsiteY9" fmla="*/ 161973 h 174673"/>
+                      <a:gd name="connsiteX10" fmla="*/ 495300 w 742950"/>
+                      <a:gd name="connsiteY10" fmla="*/ 168323 h 174673"/>
+                      <a:gd name="connsiteX11" fmla="*/ 571500 w 742950"/>
+                      <a:gd name="connsiteY11" fmla="*/ 149273 h 174673"/>
+                      <a:gd name="connsiteX12" fmla="*/ 641350 w 742950"/>
+                      <a:gd name="connsiteY12" fmla="*/ 104823 h 174673"/>
+                      <a:gd name="connsiteX13" fmla="*/ 692150 w 742950"/>
+                      <a:gd name="connsiteY13" fmla="*/ 54023 h 174673"/>
+                      <a:gd name="connsiteX14" fmla="*/ 742950 w 742950"/>
+                      <a:gd name="connsiteY14" fmla="*/ 15923 h 174673"/>
+                    </a:gdLst>
+                    <a:ahLst/>
+                    <a:cxnLst>
+                      <a:cxn ang="0">
+                        <a:pos x="connsiteX0" y="connsiteY0"/>
+                      </a:cxn>
+                      <a:cxn ang="0">
+                        <a:pos x="connsiteX1" y="connsiteY1"/>
+                      </a:cxn>
+                      <a:cxn ang="0">
+                        <a:pos x="connsiteX2" y="connsiteY2"/>
+                      </a:cxn>
+                      <a:cxn ang="0">
+                        <a:pos x="connsiteX3" y="connsiteY3"/>
+                      </a:cxn>
+                      <a:cxn ang="0">
+                        <a:pos x="connsiteX4" y="connsiteY4"/>
+                      </a:cxn>
+                      <a:cxn ang="0">
+                        <a:pos x="connsiteX5" y="connsiteY5"/>
+                      </a:cxn>
+                      <a:cxn ang="0">
+                        <a:pos x="connsiteX6" y="connsiteY6"/>
+                      </a:cxn>
+                      <a:cxn ang="0">
+                        <a:pos x="connsiteX7" y="connsiteY7"/>
+                      </a:cxn>
+                      <a:cxn ang="0">
+                        <a:pos x="connsiteX8" y="connsiteY8"/>
+                      </a:cxn>
+                      <a:cxn ang="0">
+                        <a:pos x="connsiteX9" y="connsiteY9"/>
+                      </a:cxn>
+                      <a:cxn ang="0">
+                        <a:pos x="connsiteX10" y="connsiteY10"/>
+                      </a:cxn>
+                      <a:cxn ang="0">
+                        <a:pos x="connsiteX11" y="connsiteY11"/>
+                      </a:cxn>
+                      <a:cxn ang="0">
+                        <a:pos x="connsiteX12" y="connsiteY12"/>
+                      </a:cxn>
+                      <a:cxn ang="0">
+                        <a:pos x="connsiteX13" y="connsiteY13"/>
+                      </a:cxn>
+                      <a:cxn ang="0">
+                        <a:pos x="connsiteX14" y="connsiteY14"/>
+                      </a:cxn>
+                    </a:cxnLst>
+                    <a:rect l="l" t="t" r="r" b="b"/>
+                    <a:pathLst>
+                      <a:path w="742950" h="174673">
+                        <a:moveTo>
+                          <a:pt x="0" y="174673"/>
+                        </a:moveTo>
+                        <a:cubicBezTo>
+                          <a:pt x="25929" y="173614"/>
+                          <a:pt x="51858" y="172556"/>
+                          <a:pt x="76200" y="161973"/>
+                        </a:cubicBezTo>
+                        <a:cubicBezTo>
+                          <a:pt x="100542" y="151390"/>
+                          <a:pt x="120650" y="132340"/>
+                          <a:pt x="146050" y="111173"/>
+                        </a:cubicBezTo>
+                        <a:cubicBezTo>
+                          <a:pt x="171450" y="90006"/>
+                          <a:pt x="206375" y="52965"/>
+                          <a:pt x="228600" y="34973"/>
+                        </a:cubicBezTo>
+                        <a:cubicBezTo>
+                          <a:pt x="250825" y="16981"/>
+                          <a:pt x="259292" y="8515"/>
+                          <a:pt x="279400" y="3223"/>
+                        </a:cubicBezTo>
+                        <a:cubicBezTo>
+                          <a:pt x="299508" y="-2069"/>
+                          <a:pt x="331258" y="48"/>
+                          <a:pt x="349250" y="3223"/>
+                        </a:cubicBezTo>
+                        <a:cubicBezTo>
+                          <a:pt x="367242" y="6398"/>
+                          <a:pt x="385233" y="12748"/>
+                          <a:pt x="387350" y="22273"/>
+                        </a:cubicBezTo>
+                        <a:cubicBezTo>
+                          <a:pt x="389467" y="31798"/>
+                          <a:pt x="366183" y="42381"/>
+                          <a:pt x="361950" y="60373"/>
+                        </a:cubicBezTo>
+                        <a:cubicBezTo>
+                          <a:pt x="357717" y="78365"/>
+                          <a:pt x="349250" y="113290"/>
+                          <a:pt x="361950" y="130223"/>
+                        </a:cubicBezTo>
+                        <a:cubicBezTo>
+                          <a:pt x="374650" y="147156"/>
+                          <a:pt x="415925" y="155623"/>
+                          <a:pt x="438150" y="161973"/>
+                        </a:cubicBezTo>
+                        <a:cubicBezTo>
+                          <a:pt x="460375" y="168323"/>
+                          <a:pt x="473075" y="170440"/>
+                          <a:pt x="495300" y="168323"/>
+                        </a:cubicBezTo>
+                        <a:cubicBezTo>
+                          <a:pt x="517525" y="166206"/>
+                          <a:pt x="547158" y="159856"/>
+                          <a:pt x="571500" y="149273"/>
+                        </a:cubicBezTo>
+                        <a:cubicBezTo>
+                          <a:pt x="595842" y="138690"/>
+                          <a:pt x="621242" y="120698"/>
+                          <a:pt x="641350" y="104823"/>
+                        </a:cubicBezTo>
+                        <a:cubicBezTo>
+                          <a:pt x="661458" y="88948"/>
+                          <a:pt x="675217" y="68840"/>
+                          <a:pt x="692150" y="54023"/>
+                        </a:cubicBezTo>
+                        <a:cubicBezTo>
+                          <a:pt x="709083" y="39206"/>
+                          <a:pt x="726016" y="27564"/>
+                          <a:pt x="742950" y="15923"/>
+                        </a:cubicBezTo>
+                      </a:path>
+                    </a:pathLst>
+                  </a:custGeom>
+                  <a:noFill/>
+                  <a:ln w="57150">
+                    <a:solidFill>
+                      <a:schemeClr val="bg1"/>
+                    </a:solidFill>
+                  </a:ln>
+                </p:spPr>
+                <p:style>
+                  <a:lnRef idx="2">
+                    <a:schemeClr val="accent1">
+                      <a:shade val="50000"/>
+                    </a:schemeClr>
+                  </a:lnRef>
+                  <a:fillRef idx="1">
+                    <a:schemeClr val="accent1"/>
+                  </a:fillRef>
+                  <a:effectRef idx="0">
+                    <a:schemeClr val="accent1"/>
+                  </a:effectRef>
+                  <a:fontRef idx="minor">
+                    <a:schemeClr val="lt1"/>
+                  </a:fontRef>
+                </p:style>
+                <p:txBody>
+                  <a:bodyPr rtlCol="0" anchor="ctr"/>
+                  <a:lstStyle/>
+                  <a:p>
+                    <a:pPr algn="ctr"/>
+                    <a:endParaRPr lang="it-IT"/>
+                  </a:p>
+                </p:txBody>
+              </p:sp>
+              <p:sp>
+                <p:nvSpPr>
+                  <p:cNvPr id="175" name="Figura a mano libera: forma 174"/>
+                  <p:cNvSpPr/>
+                  <p:nvPr/>
+                </p:nvSpPr>
+                <p:spPr>
+                  <a:xfrm>
+                    <a:off x="6706892" y="6006837"/>
+                    <a:ext cx="742950" cy="174673"/>
+                  </a:xfrm>
+                  <a:custGeom>
+                    <a:avLst/>
+                    <a:gdLst>
+                      <a:gd name="connsiteX0" fmla="*/ 0 w 742950"/>
+                      <a:gd name="connsiteY0" fmla="*/ 174673 h 174673"/>
+                      <a:gd name="connsiteX1" fmla="*/ 76200 w 742950"/>
+                      <a:gd name="connsiteY1" fmla="*/ 161973 h 174673"/>
+                      <a:gd name="connsiteX2" fmla="*/ 146050 w 742950"/>
+                      <a:gd name="connsiteY2" fmla="*/ 111173 h 174673"/>
+                      <a:gd name="connsiteX3" fmla="*/ 228600 w 742950"/>
+                      <a:gd name="connsiteY3" fmla="*/ 34973 h 174673"/>
+                      <a:gd name="connsiteX4" fmla="*/ 279400 w 742950"/>
+                      <a:gd name="connsiteY4" fmla="*/ 3223 h 174673"/>
+                      <a:gd name="connsiteX5" fmla="*/ 349250 w 742950"/>
+                      <a:gd name="connsiteY5" fmla="*/ 3223 h 174673"/>
+                      <a:gd name="connsiteX6" fmla="*/ 387350 w 742950"/>
+                      <a:gd name="connsiteY6" fmla="*/ 22273 h 174673"/>
+                      <a:gd name="connsiteX7" fmla="*/ 361950 w 742950"/>
+                      <a:gd name="connsiteY7" fmla="*/ 60373 h 174673"/>
+                      <a:gd name="connsiteX8" fmla="*/ 393700 w 742950"/>
+                      <a:gd name="connsiteY8" fmla="*/ 130223 h 174673"/>
+                      <a:gd name="connsiteX9" fmla="*/ 438150 w 742950"/>
+                      <a:gd name="connsiteY9" fmla="*/ 161973 h 174673"/>
+                      <a:gd name="connsiteX10" fmla="*/ 495300 w 742950"/>
+                      <a:gd name="connsiteY10" fmla="*/ 168323 h 174673"/>
+                      <a:gd name="connsiteX11" fmla="*/ 571500 w 742950"/>
+                      <a:gd name="connsiteY11" fmla="*/ 149273 h 174673"/>
+                      <a:gd name="connsiteX12" fmla="*/ 641350 w 742950"/>
+                      <a:gd name="connsiteY12" fmla="*/ 104823 h 174673"/>
+                      <a:gd name="connsiteX13" fmla="*/ 692150 w 742950"/>
+                      <a:gd name="connsiteY13" fmla="*/ 54023 h 174673"/>
+                      <a:gd name="connsiteX14" fmla="*/ 742950 w 742950"/>
+                      <a:gd name="connsiteY14" fmla="*/ 15923 h 174673"/>
+                      <a:gd name="connsiteX0" fmla="*/ 0 w 742950"/>
+                      <a:gd name="connsiteY0" fmla="*/ 174673 h 174673"/>
+                      <a:gd name="connsiteX1" fmla="*/ 76200 w 742950"/>
+                      <a:gd name="connsiteY1" fmla="*/ 161973 h 174673"/>
+                      <a:gd name="connsiteX2" fmla="*/ 146050 w 742950"/>
+                      <a:gd name="connsiteY2" fmla="*/ 111173 h 174673"/>
+                      <a:gd name="connsiteX3" fmla="*/ 228600 w 742950"/>
+                      <a:gd name="connsiteY3" fmla="*/ 34973 h 174673"/>
+                      <a:gd name="connsiteX4" fmla="*/ 279400 w 742950"/>
+                      <a:gd name="connsiteY4" fmla="*/ 3223 h 174673"/>
+                      <a:gd name="connsiteX5" fmla="*/ 349250 w 742950"/>
+                      <a:gd name="connsiteY5" fmla="*/ 3223 h 174673"/>
+                      <a:gd name="connsiteX6" fmla="*/ 387350 w 742950"/>
+                      <a:gd name="connsiteY6" fmla="*/ 22273 h 174673"/>
+                      <a:gd name="connsiteX7" fmla="*/ 361950 w 742950"/>
+                      <a:gd name="connsiteY7" fmla="*/ 60373 h 174673"/>
+                      <a:gd name="connsiteX8" fmla="*/ 361950 w 742950"/>
+                      <a:gd name="connsiteY8" fmla="*/ 130223 h 174673"/>
+                      <a:gd name="connsiteX9" fmla="*/ 438150 w 742950"/>
+                      <a:gd name="connsiteY9" fmla="*/ 161973 h 174673"/>
+                      <a:gd name="connsiteX10" fmla="*/ 495300 w 742950"/>
+                      <a:gd name="connsiteY10" fmla="*/ 168323 h 174673"/>
+                      <a:gd name="connsiteX11" fmla="*/ 571500 w 742950"/>
+                      <a:gd name="connsiteY11" fmla="*/ 149273 h 174673"/>
+                      <a:gd name="connsiteX12" fmla="*/ 641350 w 742950"/>
+                      <a:gd name="connsiteY12" fmla="*/ 104823 h 174673"/>
+                      <a:gd name="connsiteX13" fmla="*/ 692150 w 742950"/>
+                      <a:gd name="connsiteY13" fmla="*/ 54023 h 174673"/>
+                      <a:gd name="connsiteX14" fmla="*/ 742950 w 742950"/>
+                      <a:gd name="connsiteY14" fmla="*/ 15923 h 174673"/>
+                    </a:gdLst>
+                    <a:ahLst/>
+                    <a:cxnLst>
+                      <a:cxn ang="0">
+                        <a:pos x="connsiteX0" y="connsiteY0"/>
+                      </a:cxn>
+                      <a:cxn ang="0">
+                        <a:pos x="connsiteX1" y="connsiteY1"/>
+                      </a:cxn>
+                      <a:cxn ang="0">
+                        <a:pos x="connsiteX2" y="connsiteY2"/>
+                      </a:cxn>
+                      <a:cxn ang="0">
+                        <a:pos x="connsiteX3" y="connsiteY3"/>
+                      </a:cxn>
+                      <a:cxn ang="0">
+                        <a:pos x="connsiteX4" y="connsiteY4"/>
+                      </a:cxn>
+                      <a:cxn ang="0">
+                        <a:pos x="connsiteX5" y="connsiteY5"/>
+                      </a:cxn>
+                      <a:cxn ang="0">
+                        <a:pos x="connsiteX6" y="connsiteY6"/>
+                      </a:cxn>
+                      <a:cxn ang="0">
+                        <a:pos x="connsiteX7" y="connsiteY7"/>
+                      </a:cxn>
+                      <a:cxn ang="0">
+                        <a:pos x="connsiteX8" y="connsiteY8"/>
+                      </a:cxn>
+                      <a:cxn ang="0">
+                        <a:pos x="connsiteX9" y="connsiteY9"/>
+                      </a:cxn>
+                      <a:cxn ang="0">
+                        <a:pos x="connsiteX10" y="connsiteY10"/>
+                      </a:cxn>
+                      <a:cxn ang="0">
+                        <a:pos x="connsiteX11" y="connsiteY11"/>
+                      </a:cxn>
+                      <a:cxn ang="0">
+                        <a:pos x="connsiteX12" y="connsiteY12"/>
+                      </a:cxn>
+                      <a:cxn ang="0">
+                        <a:pos x="connsiteX13" y="connsiteY13"/>
+                      </a:cxn>
+                      <a:cxn ang="0">
+                        <a:pos x="connsiteX14" y="connsiteY14"/>
+                      </a:cxn>
+                    </a:cxnLst>
+                    <a:rect l="l" t="t" r="r" b="b"/>
+                    <a:pathLst>
+                      <a:path w="742950" h="174673">
+                        <a:moveTo>
+                          <a:pt x="0" y="174673"/>
+                        </a:moveTo>
+                        <a:cubicBezTo>
+                          <a:pt x="25929" y="173614"/>
+                          <a:pt x="51858" y="172556"/>
+                          <a:pt x="76200" y="161973"/>
+                        </a:cubicBezTo>
+                        <a:cubicBezTo>
+                          <a:pt x="100542" y="151390"/>
+                          <a:pt x="120650" y="132340"/>
+                          <a:pt x="146050" y="111173"/>
+                        </a:cubicBezTo>
+                        <a:cubicBezTo>
+                          <a:pt x="171450" y="90006"/>
+                          <a:pt x="206375" y="52965"/>
+                          <a:pt x="228600" y="34973"/>
+                        </a:cubicBezTo>
+                        <a:cubicBezTo>
+                          <a:pt x="250825" y="16981"/>
+                          <a:pt x="259292" y="8515"/>
+                          <a:pt x="279400" y="3223"/>
+                        </a:cubicBezTo>
+                        <a:cubicBezTo>
+                          <a:pt x="299508" y="-2069"/>
+                          <a:pt x="331258" y="48"/>
+                          <a:pt x="349250" y="3223"/>
+                        </a:cubicBezTo>
+                        <a:cubicBezTo>
+                          <a:pt x="367242" y="6398"/>
+                          <a:pt x="385233" y="12748"/>
+                          <a:pt x="387350" y="22273"/>
+                        </a:cubicBezTo>
+                        <a:cubicBezTo>
+                          <a:pt x="389467" y="31798"/>
+                          <a:pt x="366183" y="42381"/>
+                          <a:pt x="361950" y="60373"/>
+                        </a:cubicBezTo>
+                        <a:cubicBezTo>
+                          <a:pt x="357717" y="78365"/>
+                          <a:pt x="349250" y="113290"/>
+                          <a:pt x="361950" y="130223"/>
+                        </a:cubicBezTo>
+                        <a:cubicBezTo>
+                          <a:pt x="374650" y="147156"/>
+                          <a:pt x="415925" y="155623"/>
+                          <a:pt x="438150" y="161973"/>
+                        </a:cubicBezTo>
+                        <a:cubicBezTo>
+                          <a:pt x="460375" y="168323"/>
+                          <a:pt x="473075" y="170440"/>
+                          <a:pt x="495300" y="168323"/>
+                        </a:cubicBezTo>
+                        <a:cubicBezTo>
+                          <a:pt x="517525" y="166206"/>
+                          <a:pt x="547158" y="159856"/>
+                          <a:pt x="571500" y="149273"/>
+                        </a:cubicBezTo>
+                        <a:cubicBezTo>
+                          <a:pt x="595842" y="138690"/>
+                          <a:pt x="621242" y="120698"/>
+                          <a:pt x="641350" y="104823"/>
+                        </a:cubicBezTo>
+                        <a:cubicBezTo>
+                          <a:pt x="661458" y="88948"/>
+                          <a:pt x="675217" y="68840"/>
+                          <a:pt x="692150" y="54023"/>
+                        </a:cubicBezTo>
+                        <a:cubicBezTo>
+                          <a:pt x="709083" y="39206"/>
+                          <a:pt x="726016" y="27564"/>
+                          <a:pt x="742950" y="15923"/>
+                        </a:cubicBezTo>
+                      </a:path>
+                    </a:pathLst>
+                  </a:custGeom>
+                  <a:noFill/>
+                  <a:ln w="57150">
+                    <a:solidFill>
+                      <a:schemeClr val="bg1"/>
+                    </a:solidFill>
+                  </a:ln>
+                </p:spPr>
+                <p:style>
+                  <a:lnRef idx="2">
+                    <a:schemeClr val="accent1">
+                      <a:shade val="50000"/>
+                    </a:schemeClr>
+                  </a:lnRef>
+                  <a:fillRef idx="1">
+                    <a:schemeClr val="accent1"/>
+                  </a:fillRef>
+                  <a:effectRef idx="0">
+                    <a:schemeClr val="accent1"/>
+                  </a:effectRef>
+                  <a:fontRef idx="minor">
+                    <a:schemeClr val="lt1"/>
+                  </a:fontRef>
+                </p:style>
+                <p:txBody>
+                  <a:bodyPr rtlCol="0" anchor="ctr"/>
+                  <a:lstStyle/>
+                  <a:p>
+                    <a:pPr algn="ctr"/>
+                    <a:endParaRPr lang="it-IT"/>
+                  </a:p>
+                </p:txBody>
+              </p:sp>
+            </p:grpSp>
+            <p:sp>
+              <p:nvSpPr>
+                <p:cNvPr id="180" name="Figura a mano libera: forma 179"/>
+                <p:cNvSpPr/>
+                <p:nvPr/>
+              </p:nvSpPr>
+              <p:spPr>
+                <a:xfrm>
+                  <a:off x="7108356" y="5744288"/>
+                  <a:ext cx="495300" cy="174673"/>
+                </a:xfrm>
+                <a:custGeom>
+                  <a:avLst/>
+                  <a:gdLst>
+                    <a:gd name="connsiteX0" fmla="*/ 0 w 742950"/>
+                    <a:gd name="connsiteY0" fmla="*/ 174673 h 174673"/>
+                    <a:gd name="connsiteX1" fmla="*/ 76200 w 742950"/>
+                    <a:gd name="connsiteY1" fmla="*/ 161973 h 174673"/>
+                    <a:gd name="connsiteX2" fmla="*/ 146050 w 742950"/>
+                    <a:gd name="connsiteY2" fmla="*/ 111173 h 174673"/>
+                    <a:gd name="connsiteX3" fmla="*/ 228600 w 742950"/>
+                    <a:gd name="connsiteY3" fmla="*/ 34973 h 174673"/>
+                    <a:gd name="connsiteX4" fmla="*/ 279400 w 742950"/>
+                    <a:gd name="connsiteY4" fmla="*/ 3223 h 174673"/>
+                    <a:gd name="connsiteX5" fmla="*/ 349250 w 742950"/>
+                    <a:gd name="connsiteY5" fmla="*/ 3223 h 174673"/>
+                    <a:gd name="connsiteX6" fmla="*/ 387350 w 742950"/>
+                    <a:gd name="connsiteY6" fmla="*/ 22273 h 174673"/>
+                    <a:gd name="connsiteX7" fmla="*/ 361950 w 742950"/>
+                    <a:gd name="connsiteY7" fmla="*/ 60373 h 174673"/>
+                    <a:gd name="connsiteX8" fmla="*/ 393700 w 742950"/>
+                    <a:gd name="connsiteY8" fmla="*/ 130223 h 174673"/>
+                    <a:gd name="connsiteX9" fmla="*/ 438150 w 742950"/>
+                    <a:gd name="connsiteY9" fmla="*/ 161973 h 174673"/>
+                    <a:gd name="connsiteX10" fmla="*/ 495300 w 742950"/>
+                    <a:gd name="connsiteY10" fmla="*/ 168323 h 174673"/>
+                    <a:gd name="connsiteX11" fmla="*/ 571500 w 742950"/>
+                    <a:gd name="connsiteY11" fmla="*/ 149273 h 174673"/>
+                    <a:gd name="connsiteX12" fmla="*/ 641350 w 742950"/>
+                    <a:gd name="connsiteY12" fmla="*/ 104823 h 174673"/>
+                    <a:gd name="connsiteX13" fmla="*/ 692150 w 742950"/>
+                    <a:gd name="connsiteY13" fmla="*/ 54023 h 174673"/>
+                    <a:gd name="connsiteX14" fmla="*/ 742950 w 742950"/>
+                    <a:gd name="connsiteY14" fmla="*/ 15923 h 174673"/>
+                    <a:gd name="connsiteX0" fmla="*/ 0 w 742950"/>
+                    <a:gd name="connsiteY0" fmla="*/ 174673 h 174673"/>
+                    <a:gd name="connsiteX1" fmla="*/ 76200 w 742950"/>
+                    <a:gd name="connsiteY1" fmla="*/ 161973 h 174673"/>
+                    <a:gd name="connsiteX2" fmla="*/ 146050 w 742950"/>
+                    <a:gd name="connsiteY2" fmla="*/ 111173 h 174673"/>
+                    <a:gd name="connsiteX3" fmla="*/ 228600 w 742950"/>
+                    <a:gd name="connsiteY3" fmla="*/ 34973 h 174673"/>
+                    <a:gd name="connsiteX4" fmla="*/ 279400 w 742950"/>
+                    <a:gd name="connsiteY4" fmla="*/ 3223 h 174673"/>
+                    <a:gd name="connsiteX5" fmla="*/ 349250 w 742950"/>
+                    <a:gd name="connsiteY5" fmla="*/ 3223 h 174673"/>
+                    <a:gd name="connsiteX6" fmla="*/ 387350 w 742950"/>
+                    <a:gd name="connsiteY6" fmla="*/ 22273 h 174673"/>
+                    <a:gd name="connsiteX7" fmla="*/ 361950 w 742950"/>
+                    <a:gd name="connsiteY7" fmla="*/ 60373 h 174673"/>
+                    <a:gd name="connsiteX8" fmla="*/ 361950 w 742950"/>
+                    <a:gd name="connsiteY8" fmla="*/ 130223 h 174673"/>
+                    <a:gd name="connsiteX9" fmla="*/ 438150 w 742950"/>
+                    <a:gd name="connsiteY9" fmla="*/ 161973 h 174673"/>
+                    <a:gd name="connsiteX10" fmla="*/ 495300 w 742950"/>
+                    <a:gd name="connsiteY10" fmla="*/ 168323 h 174673"/>
+                    <a:gd name="connsiteX11" fmla="*/ 571500 w 742950"/>
+                    <a:gd name="connsiteY11" fmla="*/ 149273 h 174673"/>
+                    <a:gd name="connsiteX12" fmla="*/ 641350 w 742950"/>
+                    <a:gd name="connsiteY12" fmla="*/ 104823 h 174673"/>
+                    <a:gd name="connsiteX13" fmla="*/ 692150 w 742950"/>
+                    <a:gd name="connsiteY13" fmla="*/ 54023 h 174673"/>
+                    <a:gd name="connsiteX14" fmla="*/ 742950 w 742950"/>
+                    <a:gd name="connsiteY14" fmla="*/ 15923 h 174673"/>
+                    <a:gd name="connsiteX0" fmla="*/ 0 w 692150"/>
+                    <a:gd name="connsiteY0" fmla="*/ 174673 h 174673"/>
+                    <a:gd name="connsiteX1" fmla="*/ 76200 w 692150"/>
+                    <a:gd name="connsiteY1" fmla="*/ 161973 h 174673"/>
+                    <a:gd name="connsiteX2" fmla="*/ 146050 w 692150"/>
+                    <a:gd name="connsiteY2" fmla="*/ 111173 h 174673"/>
+                    <a:gd name="connsiteX3" fmla="*/ 228600 w 692150"/>
+                    <a:gd name="connsiteY3" fmla="*/ 34973 h 174673"/>
+                    <a:gd name="connsiteX4" fmla="*/ 279400 w 692150"/>
+                    <a:gd name="connsiteY4" fmla="*/ 3223 h 174673"/>
+                    <a:gd name="connsiteX5" fmla="*/ 349250 w 692150"/>
+                    <a:gd name="connsiteY5" fmla="*/ 3223 h 174673"/>
+                    <a:gd name="connsiteX6" fmla="*/ 387350 w 692150"/>
+                    <a:gd name="connsiteY6" fmla="*/ 22273 h 174673"/>
+                    <a:gd name="connsiteX7" fmla="*/ 361950 w 692150"/>
+                    <a:gd name="connsiteY7" fmla="*/ 60373 h 174673"/>
+                    <a:gd name="connsiteX8" fmla="*/ 361950 w 692150"/>
+                    <a:gd name="connsiteY8" fmla="*/ 130223 h 174673"/>
+                    <a:gd name="connsiteX9" fmla="*/ 438150 w 692150"/>
+                    <a:gd name="connsiteY9" fmla="*/ 161973 h 174673"/>
+                    <a:gd name="connsiteX10" fmla="*/ 495300 w 692150"/>
+                    <a:gd name="connsiteY10" fmla="*/ 168323 h 174673"/>
+                    <a:gd name="connsiteX11" fmla="*/ 571500 w 692150"/>
+                    <a:gd name="connsiteY11" fmla="*/ 149273 h 174673"/>
+                    <a:gd name="connsiteX12" fmla="*/ 641350 w 692150"/>
+                    <a:gd name="connsiteY12" fmla="*/ 104823 h 174673"/>
+                    <a:gd name="connsiteX13" fmla="*/ 692150 w 692150"/>
+                    <a:gd name="connsiteY13" fmla="*/ 54023 h 174673"/>
+                    <a:gd name="connsiteX0" fmla="*/ 0 w 641350"/>
+                    <a:gd name="connsiteY0" fmla="*/ 174673 h 174673"/>
+                    <a:gd name="connsiteX1" fmla="*/ 76200 w 641350"/>
+                    <a:gd name="connsiteY1" fmla="*/ 161973 h 174673"/>
+                    <a:gd name="connsiteX2" fmla="*/ 146050 w 641350"/>
+                    <a:gd name="connsiteY2" fmla="*/ 111173 h 174673"/>
+                    <a:gd name="connsiteX3" fmla="*/ 228600 w 641350"/>
+                    <a:gd name="connsiteY3" fmla="*/ 34973 h 174673"/>
+                    <a:gd name="connsiteX4" fmla="*/ 279400 w 641350"/>
+                    <a:gd name="connsiteY4" fmla="*/ 3223 h 174673"/>
+                    <a:gd name="connsiteX5" fmla="*/ 349250 w 641350"/>
+                    <a:gd name="connsiteY5" fmla="*/ 3223 h 174673"/>
+                    <a:gd name="connsiteX6" fmla="*/ 387350 w 641350"/>
+                    <a:gd name="connsiteY6" fmla="*/ 22273 h 174673"/>
+                    <a:gd name="connsiteX7" fmla="*/ 361950 w 641350"/>
+                    <a:gd name="connsiteY7" fmla="*/ 60373 h 174673"/>
+                    <a:gd name="connsiteX8" fmla="*/ 361950 w 641350"/>
+                    <a:gd name="connsiteY8" fmla="*/ 130223 h 174673"/>
+                    <a:gd name="connsiteX9" fmla="*/ 438150 w 641350"/>
+                    <a:gd name="connsiteY9" fmla="*/ 161973 h 174673"/>
+                    <a:gd name="connsiteX10" fmla="*/ 495300 w 641350"/>
+                    <a:gd name="connsiteY10" fmla="*/ 168323 h 174673"/>
+                    <a:gd name="connsiteX11" fmla="*/ 571500 w 641350"/>
+                    <a:gd name="connsiteY11" fmla="*/ 149273 h 174673"/>
+                    <a:gd name="connsiteX12" fmla="*/ 641350 w 641350"/>
+                    <a:gd name="connsiteY12" fmla="*/ 104823 h 174673"/>
+                    <a:gd name="connsiteX0" fmla="*/ 0 w 571500"/>
+                    <a:gd name="connsiteY0" fmla="*/ 174673 h 174673"/>
+                    <a:gd name="connsiteX1" fmla="*/ 76200 w 571500"/>
+                    <a:gd name="connsiteY1" fmla="*/ 161973 h 174673"/>
+                    <a:gd name="connsiteX2" fmla="*/ 146050 w 571500"/>
+                    <a:gd name="connsiteY2" fmla="*/ 111173 h 174673"/>
+                    <a:gd name="connsiteX3" fmla="*/ 228600 w 571500"/>
+                    <a:gd name="connsiteY3" fmla="*/ 34973 h 174673"/>
+                    <a:gd name="connsiteX4" fmla="*/ 279400 w 571500"/>
+                    <a:gd name="connsiteY4" fmla="*/ 3223 h 174673"/>
+                    <a:gd name="connsiteX5" fmla="*/ 349250 w 571500"/>
+                    <a:gd name="connsiteY5" fmla="*/ 3223 h 174673"/>
+                    <a:gd name="connsiteX6" fmla="*/ 387350 w 571500"/>
+                    <a:gd name="connsiteY6" fmla="*/ 22273 h 174673"/>
+                    <a:gd name="connsiteX7" fmla="*/ 361950 w 571500"/>
+                    <a:gd name="connsiteY7" fmla="*/ 60373 h 174673"/>
+                    <a:gd name="connsiteX8" fmla="*/ 361950 w 571500"/>
+                    <a:gd name="connsiteY8" fmla="*/ 130223 h 174673"/>
+                    <a:gd name="connsiteX9" fmla="*/ 438150 w 571500"/>
+                    <a:gd name="connsiteY9" fmla="*/ 161973 h 174673"/>
+                    <a:gd name="connsiteX10" fmla="*/ 495300 w 571500"/>
+                    <a:gd name="connsiteY10" fmla="*/ 168323 h 174673"/>
+                    <a:gd name="connsiteX11" fmla="*/ 571500 w 571500"/>
+                    <a:gd name="connsiteY11" fmla="*/ 149273 h 174673"/>
+                    <a:gd name="connsiteX0" fmla="*/ 0 w 495300"/>
+                    <a:gd name="connsiteY0" fmla="*/ 174673 h 174673"/>
+                    <a:gd name="connsiteX1" fmla="*/ 76200 w 495300"/>
+                    <a:gd name="connsiteY1" fmla="*/ 161973 h 174673"/>
+                    <a:gd name="connsiteX2" fmla="*/ 146050 w 495300"/>
+                    <a:gd name="connsiteY2" fmla="*/ 111173 h 174673"/>
+                    <a:gd name="connsiteX3" fmla="*/ 228600 w 495300"/>
+                    <a:gd name="connsiteY3" fmla="*/ 34973 h 174673"/>
+                    <a:gd name="connsiteX4" fmla="*/ 279400 w 495300"/>
+                    <a:gd name="connsiteY4" fmla="*/ 3223 h 174673"/>
+                    <a:gd name="connsiteX5" fmla="*/ 349250 w 495300"/>
+                    <a:gd name="connsiteY5" fmla="*/ 3223 h 174673"/>
+                    <a:gd name="connsiteX6" fmla="*/ 387350 w 495300"/>
+                    <a:gd name="connsiteY6" fmla="*/ 22273 h 174673"/>
+                    <a:gd name="connsiteX7" fmla="*/ 361950 w 495300"/>
+                    <a:gd name="connsiteY7" fmla="*/ 60373 h 174673"/>
+                    <a:gd name="connsiteX8" fmla="*/ 361950 w 495300"/>
+                    <a:gd name="connsiteY8" fmla="*/ 130223 h 174673"/>
+                    <a:gd name="connsiteX9" fmla="*/ 438150 w 495300"/>
+                    <a:gd name="connsiteY9" fmla="*/ 161973 h 174673"/>
+                    <a:gd name="connsiteX10" fmla="*/ 495300 w 495300"/>
+                    <a:gd name="connsiteY10" fmla="*/ 168323 h 174673"/>
+                  </a:gdLst>
+                  <a:ahLst/>
+                  <a:cxnLst>
+                    <a:cxn ang="0">
+                      <a:pos x="connsiteX0" y="connsiteY0"/>
+                    </a:cxn>
+                    <a:cxn ang="0">
+                      <a:pos x="connsiteX1" y="connsiteY1"/>
+                    </a:cxn>
+                    <a:cxn ang="0">
+                      <a:pos x="connsiteX2" y="connsiteY2"/>
+                    </a:cxn>
+                    <a:cxn ang="0">
+                      <a:pos x="connsiteX3" y="connsiteY3"/>
+                    </a:cxn>
+                    <a:cxn ang="0">
+                      <a:pos x="connsiteX4" y="connsiteY4"/>
+                    </a:cxn>
+                    <a:cxn ang="0">
+                      <a:pos x="connsiteX5" y="connsiteY5"/>
+                    </a:cxn>
+                    <a:cxn ang="0">
+                      <a:pos x="connsiteX6" y="connsiteY6"/>
+                    </a:cxn>
+                    <a:cxn ang="0">
+                      <a:pos x="connsiteX7" y="connsiteY7"/>
+                    </a:cxn>
+                    <a:cxn ang="0">
+                      <a:pos x="connsiteX8" y="connsiteY8"/>
+                    </a:cxn>
+                    <a:cxn ang="0">
+                      <a:pos x="connsiteX9" y="connsiteY9"/>
+                    </a:cxn>
+                    <a:cxn ang="0">
+                      <a:pos x="connsiteX10" y="connsiteY10"/>
+                    </a:cxn>
+                  </a:cxnLst>
+                  <a:rect l="l" t="t" r="r" b="b"/>
+                  <a:pathLst>
+                    <a:path w="495300" h="174673">
+                      <a:moveTo>
+                        <a:pt x="0" y="174673"/>
+                      </a:moveTo>
+                      <a:cubicBezTo>
+                        <a:pt x="25929" y="173614"/>
+                        <a:pt x="51858" y="172556"/>
+                        <a:pt x="76200" y="161973"/>
+                      </a:cubicBezTo>
+                      <a:cubicBezTo>
+                        <a:pt x="100542" y="151390"/>
+                        <a:pt x="120650" y="132340"/>
+                        <a:pt x="146050" y="111173"/>
+                      </a:cubicBezTo>
+                      <a:cubicBezTo>
+                        <a:pt x="171450" y="90006"/>
+                        <a:pt x="206375" y="52965"/>
+                        <a:pt x="228600" y="34973"/>
+                      </a:cubicBezTo>
+                      <a:cubicBezTo>
+                        <a:pt x="250825" y="16981"/>
+                        <a:pt x="259292" y="8515"/>
+                        <a:pt x="279400" y="3223"/>
+                      </a:cubicBezTo>
+                      <a:cubicBezTo>
+                        <a:pt x="299508" y="-2069"/>
+                        <a:pt x="331258" y="48"/>
+                        <a:pt x="349250" y="3223"/>
+                      </a:cubicBezTo>
+                      <a:cubicBezTo>
+                        <a:pt x="367242" y="6398"/>
+                        <a:pt x="385233" y="12748"/>
+                        <a:pt x="387350" y="22273"/>
+                      </a:cubicBezTo>
+                      <a:cubicBezTo>
+                        <a:pt x="389467" y="31798"/>
+                        <a:pt x="366183" y="42381"/>
+                        <a:pt x="361950" y="60373"/>
+                      </a:cubicBezTo>
+                      <a:cubicBezTo>
+                        <a:pt x="357717" y="78365"/>
+                        <a:pt x="349250" y="113290"/>
+                        <a:pt x="361950" y="130223"/>
+                      </a:cubicBezTo>
+                      <a:cubicBezTo>
+                        <a:pt x="374650" y="147156"/>
+                        <a:pt x="415925" y="155623"/>
+                        <a:pt x="438150" y="161973"/>
+                      </a:cubicBezTo>
+                      <a:cubicBezTo>
+                        <a:pt x="460375" y="168323"/>
+                        <a:pt x="473075" y="170440"/>
+                        <a:pt x="495300" y="168323"/>
+                      </a:cubicBezTo>
+                    </a:path>
+                  </a:pathLst>
+                </a:custGeom>
+                <a:noFill/>
+                <a:ln w="57150">
+                  <a:solidFill>
+                    <a:schemeClr val="bg1"/>
+                  </a:solidFill>
+                </a:ln>
+              </p:spPr>
+              <p:style>
+                <a:lnRef idx="2">
+                  <a:schemeClr val="accent1">
+                    <a:shade val="50000"/>
+                  </a:schemeClr>
+                </a:lnRef>
+                <a:fillRef idx="1">
+                  <a:schemeClr val="accent1"/>
+                </a:fillRef>
+                <a:effectRef idx="0">
+                  <a:schemeClr val="accent1"/>
+                </a:effectRef>
+                <a:fontRef idx="minor">
+                  <a:schemeClr val="lt1"/>
+                </a:fontRef>
+              </p:style>
+              <p:txBody>
+                <a:bodyPr rtlCol="0" anchor="ctr"/>
+                <a:lstStyle/>
+                <a:p>
+                  <a:pPr algn="ctr"/>
+                  <a:endParaRPr lang="it-IT" dirty="0"/>
+                </a:p>
+              </p:txBody>
+            </p:sp>
+          </p:grpSp>
+          <p:grpSp>
+            <p:nvGrpSpPr>
+              <p:cNvPr id="182" name="Gruppo 181"/>
+              <p:cNvGrpSpPr/>
+              <p:nvPr/>
+            </p:nvGrpSpPr>
+            <p:grpSpPr>
+              <a:xfrm>
+                <a:off x="5796507" y="5349278"/>
+                <a:ext cx="1243298" cy="181717"/>
+                <a:chOff x="5709009" y="6007587"/>
+                <a:chExt cx="1243298" cy="181717"/>
+              </a:xfrm>
+            </p:grpSpPr>
+            <p:sp>
+              <p:nvSpPr>
+                <p:cNvPr id="184" name="Figura a mano libera: forma 183"/>
+                <p:cNvSpPr/>
+                <p:nvPr/>
+              </p:nvSpPr>
+              <p:spPr>
+                <a:xfrm>
+                  <a:off x="5709009" y="6014631"/>
+                  <a:ext cx="742950" cy="174673"/>
+                </a:xfrm>
+                <a:custGeom>
+                  <a:avLst/>
+                  <a:gdLst>
+                    <a:gd name="connsiteX0" fmla="*/ 0 w 742950"/>
+                    <a:gd name="connsiteY0" fmla="*/ 174673 h 174673"/>
+                    <a:gd name="connsiteX1" fmla="*/ 76200 w 742950"/>
+                    <a:gd name="connsiteY1" fmla="*/ 161973 h 174673"/>
+                    <a:gd name="connsiteX2" fmla="*/ 146050 w 742950"/>
+                    <a:gd name="connsiteY2" fmla="*/ 111173 h 174673"/>
+                    <a:gd name="connsiteX3" fmla="*/ 228600 w 742950"/>
+                    <a:gd name="connsiteY3" fmla="*/ 34973 h 174673"/>
+                    <a:gd name="connsiteX4" fmla="*/ 279400 w 742950"/>
+                    <a:gd name="connsiteY4" fmla="*/ 3223 h 174673"/>
+                    <a:gd name="connsiteX5" fmla="*/ 349250 w 742950"/>
+                    <a:gd name="connsiteY5" fmla="*/ 3223 h 174673"/>
+                    <a:gd name="connsiteX6" fmla="*/ 387350 w 742950"/>
+                    <a:gd name="connsiteY6" fmla="*/ 22273 h 174673"/>
+                    <a:gd name="connsiteX7" fmla="*/ 361950 w 742950"/>
+                    <a:gd name="connsiteY7" fmla="*/ 60373 h 174673"/>
+                    <a:gd name="connsiteX8" fmla="*/ 393700 w 742950"/>
+                    <a:gd name="connsiteY8" fmla="*/ 130223 h 174673"/>
+                    <a:gd name="connsiteX9" fmla="*/ 438150 w 742950"/>
+                    <a:gd name="connsiteY9" fmla="*/ 161973 h 174673"/>
+                    <a:gd name="connsiteX10" fmla="*/ 495300 w 742950"/>
+                    <a:gd name="connsiteY10" fmla="*/ 168323 h 174673"/>
+                    <a:gd name="connsiteX11" fmla="*/ 571500 w 742950"/>
+                    <a:gd name="connsiteY11" fmla="*/ 149273 h 174673"/>
+                    <a:gd name="connsiteX12" fmla="*/ 641350 w 742950"/>
+                    <a:gd name="connsiteY12" fmla="*/ 104823 h 174673"/>
+                    <a:gd name="connsiteX13" fmla="*/ 692150 w 742950"/>
+                    <a:gd name="connsiteY13" fmla="*/ 54023 h 174673"/>
+                    <a:gd name="connsiteX14" fmla="*/ 742950 w 742950"/>
+                    <a:gd name="connsiteY14" fmla="*/ 15923 h 174673"/>
+                    <a:gd name="connsiteX0" fmla="*/ 0 w 742950"/>
+                    <a:gd name="connsiteY0" fmla="*/ 174673 h 174673"/>
+                    <a:gd name="connsiteX1" fmla="*/ 76200 w 742950"/>
+                    <a:gd name="connsiteY1" fmla="*/ 161973 h 174673"/>
+                    <a:gd name="connsiteX2" fmla="*/ 146050 w 742950"/>
+                    <a:gd name="connsiteY2" fmla="*/ 111173 h 174673"/>
+                    <a:gd name="connsiteX3" fmla="*/ 228600 w 742950"/>
+                    <a:gd name="connsiteY3" fmla="*/ 34973 h 174673"/>
+                    <a:gd name="connsiteX4" fmla="*/ 279400 w 742950"/>
+                    <a:gd name="connsiteY4" fmla="*/ 3223 h 174673"/>
+                    <a:gd name="connsiteX5" fmla="*/ 349250 w 742950"/>
+                    <a:gd name="connsiteY5" fmla="*/ 3223 h 174673"/>
+                    <a:gd name="connsiteX6" fmla="*/ 387350 w 742950"/>
+                    <a:gd name="connsiteY6" fmla="*/ 22273 h 174673"/>
+                    <a:gd name="connsiteX7" fmla="*/ 361950 w 742950"/>
+                    <a:gd name="connsiteY7" fmla="*/ 60373 h 174673"/>
+                    <a:gd name="connsiteX8" fmla="*/ 361950 w 742950"/>
+                    <a:gd name="connsiteY8" fmla="*/ 130223 h 174673"/>
+                    <a:gd name="connsiteX9" fmla="*/ 438150 w 742950"/>
+                    <a:gd name="connsiteY9" fmla="*/ 161973 h 174673"/>
+                    <a:gd name="connsiteX10" fmla="*/ 495300 w 742950"/>
+                    <a:gd name="connsiteY10" fmla="*/ 168323 h 174673"/>
+                    <a:gd name="connsiteX11" fmla="*/ 571500 w 742950"/>
+                    <a:gd name="connsiteY11" fmla="*/ 149273 h 174673"/>
+                    <a:gd name="connsiteX12" fmla="*/ 641350 w 742950"/>
+                    <a:gd name="connsiteY12" fmla="*/ 104823 h 174673"/>
+                    <a:gd name="connsiteX13" fmla="*/ 692150 w 742950"/>
+                    <a:gd name="connsiteY13" fmla="*/ 54023 h 174673"/>
+                    <a:gd name="connsiteX14" fmla="*/ 742950 w 742950"/>
+                    <a:gd name="connsiteY14" fmla="*/ 15923 h 174673"/>
+                  </a:gdLst>
+                  <a:ahLst/>
+                  <a:cxnLst>
+                    <a:cxn ang="0">
+                      <a:pos x="connsiteX0" y="connsiteY0"/>
+                    </a:cxn>
+                    <a:cxn ang="0">
+                      <a:pos x="connsiteX1" y="connsiteY1"/>
+                    </a:cxn>
+                    <a:cxn ang="0">
+                      <a:pos x="connsiteX2" y="connsiteY2"/>
+                    </a:cxn>
+                    <a:cxn ang="0">
+                      <a:pos x="connsiteX3" y="connsiteY3"/>
+                    </a:cxn>
+                    <a:cxn ang="0">
+                      <a:pos x="connsiteX4" y="connsiteY4"/>
+                    </a:cxn>
+                    <a:cxn ang="0">
+                      <a:pos x="connsiteX5" y="connsiteY5"/>
+                    </a:cxn>
+                    <a:cxn ang="0">
+                      <a:pos x="connsiteX6" y="connsiteY6"/>
+                    </a:cxn>
+                    <a:cxn ang="0">
+                      <a:pos x="connsiteX7" y="connsiteY7"/>
+                    </a:cxn>
+                    <a:cxn ang="0">
+                      <a:pos x="connsiteX8" y="connsiteY8"/>
+                    </a:cxn>
+                    <a:cxn ang="0">
+                      <a:pos x="connsiteX9" y="connsiteY9"/>
+                    </a:cxn>
+                    <a:cxn ang="0">
+                      <a:pos x="connsiteX10" y="connsiteY10"/>
+                    </a:cxn>
+                    <a:cxn ang="0">
+                      <a:pos x="connsiteX11" y="connsiteY11"/>
+                    </a:cxn>
+                    <a:cxn ang="0">
+                      <a:pos x="connsiteX12" y="connsiteY12"/>
+                    </a:cxn>
+                    <a:cxn ang="0">
+                      <a:pos x="connsiteX13" y="connsiteY13"/>
+                    </a:cxn>
+                    <a:cxn ang="0">
+                      <a:pos x="connsiteX14" y="connsiteY14"/>
+                    </a:cxn>
+                  </a:cxnLst>
+                  <a:rect l="l" t="t" r="r" b="b"/>
+                  <a:pathLst>
+                    <a:path w="742950" h="174673">
+                      <a:moveTo>
+                        <a:pt x="0" y="174673"/>
+                      </a:moveTo>
+                      <a:cubicBezTo>
+                        <a:pt x="25929" y="173614"/>
+                        <a:pt x="51858" y="172556"/>
+                        <a:pt x="76200" y="161973"/>
+                      </a:cubicBezTo>
+                      <a:cubicBezTo>
+                        <a:pt x="100542" y="151390"/>
+                        <a:pt x="120650" y="132340"/>
+                        <a:pt x="146050" y="111173"/>
+                      </a:cubicBezTo>
+                      <a:cubicBezTo>
+                        <a:pt x="171450" y="90006"/>
+                        <a:pt x="206375" y="52965"/>
+                        <a:pt x="228600" y="34973"/>
+                      </a:cubicBezTo>
+                      <a:cubicBezTo>
+                        <a:pt x="250825" y="16981"/>
+                        <a:pt x="259292" y="8515"/>
+                        <a:pt x="279400" y="3223"/>
+                      </a:cubicBezTo>
+                      <a:cubicBezTo>
+                        <a:pt x="299508" y="-2069"/>
+                        <a:pt x="331258" y="48"/>
+                        <a:pt x="349250" y="3223"/>
+                      </a:cubicBezTo>
+                      <a:cubicBezTo>
+                        <a:pt x="367242" y="6398"/>
+                        <a:pt x="385233" y="12748"/>
+                        <a:pt x="387350" y="22273"/>
+                      </a:cubicBezTo>
+                      <a:cubicBezTo>
+                        <a:pt x="389467" y="31798"/>
+                        <a:pt x="366183" y="42381"/>
+                        <a:pt x="361950" y="60373"/>
+                      </a:cubicBezTo>
+                      <a:cubicBezTo>
+                        <a:pt x="357717" y="78365"/>
+                        <a:pt x="349250" y="113290"/>
+                        <a:pt x="361950" y="130223"/>
+                      </a:cubicBezTo>
+                      <a:cubicBezTo>
+                        <a:pt x="374650" y="147156"/>
+                        <a:pt x="415925" y="155623"/>
+                        <a:pt x="438150" y="161973"/>
+                      </a:cubicBezTo>
+                      <a:cubicBezTo>
+                        <a:pt x="460375" y="168323"/>
+                        <a:pt x="473075" y="170440"/>
+                        <a:pt x="495300" y="168323"/>
+                      </a:cubicBezTo>
+                      <a:cubicBezTo>
+                        <a:pt x="517525" y="166206"/>
+                        <a:pt x="547158" y="159856"/>
+                        <a:pt x="571500" y="149273"/>
+                      </a:cubicBezTo>
+                      <a:cubicBezTo>
+                        <a:pt x="595842" y="138690"/>
+                        <a:pt x="621242" y="120698"/>
+                        <a:pt x="641350" y="104823"/>
+                      </a:cubicBezTo>
+                      <a:cubicBezTo>
+                        <a:pt x="661458" y="88948"/>
+                        <a:pt x="675217" y="68840"/>
+                        <a:pt x="692150" y="54023"/>
+                      </a:cubicBezTo>
+                      <a:cubicBezTo>
+                        <a:pt x="709083" y="39206"/>
+                        <a:pt x="726016" y="27564"/>
+                        <a:pt x="742950" y="15923"/>
+                      </a:cubicBezTo>
+                    </a:path>
+                  </a:pathLst>
+                </a:custGeom>
+                <a:noFill/>
+                <a:ln w="57150">
+                  <a:solidFill>
+                    <a:schemeClr val="bg1"/>
+                  </a:solidFill>
+                </a:ln>
+              </p:spPr>
+              <p:style>
+                <a:lnRef idx="2">
+                  <a:schemeClr val="accent1">
+                    <a:shade val="50000"/>
+                  </a:schemeClr>
+                </a:lnRef>
+                <a:fillRef idx="1">
+                  <a:schemeClr val="accent1"/>
+                </a:fillRef>
+                <a:effectRef idx="0">
+                  <a:schemeClr val="accent1"/>
+                </a:effectRef>
+                <a:fontRef idx="minor">
+                  <a:schemeClr val="lt1"/>
+                </a:fontRef>
+              </p:style>
+              <p:txBody>
+                <a:bodyPr rtlCol="0" anchor="ctr"/>
+                <a:lstStyle/>
+                <a:p>
+                  <a:pPr algn="ctr"/>
+                  <a:endParaRPr lang="it-IT"/>
+                </a:p>
+              </p:txBody>
+            </p:sp>
+            <p:sp>
+              <p:nvSpPr>
+                <p:cNvPr id="185" name="Figura a mano libera: forma 184"/>
+                <p:cNvSpPr/>
+                <p:nvPr/>
+              </p:nvSpPr>
+              <p:spPr>
+                <a:xfrm>
+                  <a:off x="6209357" y="6007587"/>
+                  <a:ext cx="742950" cy="174673"/>
+                </a:xfrm>
+                <a:custGeom>
+                  <a:avLst/>
+                  <a:gdLst>
+                    <a:gd name="connsiteX0" fmla="*/ 0 w 742950"/>
+                    <a:gd name="connsiteY0" fmla="*/ 174673 h 174673"/>
+                    <a:gd name="connsiteX1" fmla="*/ 76200 w 742950"/>
+                    <a:gd name="connsiteY1" fmla="*/ 161973 h 174673"/>
+                    <a:gd name="connsiteX2" fmla="*/ 146050 w 742950"/>
+                    <a:gd name="connsiteY2" fmla="*/ 111173 h 174673"/>
+                    <a:gd name="connsiteX3" fmla="*/ 228600 w 742950"/>
+                    <a:gd name="connsiteY3" fmla="*/ 34973 h 174673"/>
+                    <a:gd name="connsiteX4" fmla="*/ 279400 w 742950"/>
+                    <a:gd name="connsiteY4" fmla="*/ 3223 h 174673"/>
+                    <a:gd name="connsiteX5" fmla="*/ 349250 w 742950"/>
+                    <a:gd name="connsiteY5" fmla="*/ 3223 h 174673"/>
+                    <a:gd name="connsiteX6" fmla="*/ 387350 w 742950"/>
+                    <a:gd name="connsiteY6" fmla="*/ 22273 h 174673"/>
+                    <a:gd name="connsiteX7" fmla="*/ 361950 w 742950"/>
+                    <a:gd name="connsiteY7" fmla="*/ 60373 h 174673"/>
+                    <a:gd name="connsiteX8" fmla="*/ 393700 w 742950"/>
+                    <a:gd name="connsiteY8" fmla="*/ 130223 h 174673"/>
+                    <a:gd name="connsiteX9" fmla="*/ 438150 w 742950"/>
+                    <a:gd name="connsiteY9" fmla="*/ 161973 h 174673"/>
+                    <a:gd name="connsiteX10" fmla="*/ 495300 w 742950"/>
+                    <a:gd name="connsiteY10" fmla="*/ 168323 h 174673"/>
+                    <a:gd name="connsiteX11" fmla="*/ 571500 w 742950"/>
+                    <a:gd name="connsiteY11" fmla="*/ 149273 h 174673"/>
+                    <a:gd name="connsiteX12" fmla="*/ 641350 w 742950"/>
+                    <a:gd name="connsiteY12" fmla="*/ 104823 h 174673"/>
+                    <a:gd name="connsiteX13" fmla="*/ 692150 w 742950"/>
+                    <a:gd name="connsiteY13" fmla="*/ 54023 h 174673"/>
+                    <a:gd name="connsiteX14" fmla="*/ 742950 w 742950"/>
+                    <a:gd name="connsiteY14" fmla="*/ 15923 h 174673"/>
+                    <a:gd name="connsiteX0" fmla="*/ 0 w 742950"/>
+                    <a:gd name="connsiteY0" fmla="*/ 174673 h 174673"/>
+                    <a:gd name="connsiteX1" fmla="*/ 76200 w 742950"/>
+                    <a:gd name="connsiteY1" fmla="*/ 161973 h 174673"/>
+                    <a:gd name="connsiteX2" fmla="*/ 146050 w 742950"/>
+                    <a:gd name="connsiteY2" fmla="*/ 111173 h 174673"/>
+                    <a:gd name="connsiteX3" fmla="*/ 228600 w 742950"/>
+                    <a:gd name="connsiteY3" fmla="*/ 34973 h 174673"/>
+                    <a:gd name="connsiteX4" fmla="*/ 279400 w 742950"/>
+                    <a:gd name="connsiteY4" fmla="*/ 3223 h 174673"/>
+                    <a:gd name="connsiteX5" fmla="*/ 349250 w 742950"/>
+                    <a:gd name="connsiteY5" fmla="*/ 3223 h 174673"/>
+                    <a:gd name="connsiteX6" fmla="*/ 387350 w 742950"/>
+                    <a:gd name="connsiteY6" fmla="*/ 22273 h 174673"/>
+                    <a:gd name="connsiteX7" fmla="*/ 361950 w 742950"/>
+                    <a:gd name="connsiteY7" fmla="*/ 60373 h 174673"/>
+                    <a:gd name="connsiteX8" fmla="*/ 361950 w 742950"/>
+                    <a:gd name="connsiteY8" fmla="*/ 130223 h 174673"/>
+                    <a:gd name="connsiteX9" fmla="*/ 438150 w 742950"/>
+                    <a:gd name="connsiteY9" fmla="*/ 161973 h 174673"/>
+                    <a:gd name="connsiteX10" fmla="*/ 495300 w 742950"/>
+                    <a:gd name="connsiteY10" fmla="*/ 168323 h 174673"/>
+                    <a:gd name="connsiteX11" fmla="*/ 571500 w 742950"/>
+                    <a:gd name="connsiteY11" fmla="*/ 149273 h 174673"/>
+                    <a:gd name="connsiteX12" fmla="*/ 641350 w 742950"/>
+                    <a:gd name="connsiteY12" fmla="*/ 104823 h 174673"/>
+                    <a:gd name="connsiteX13" fmla="*/ 692150 w 742950"/>
+                    <a:gd name="connsiteY13" fmla="*/ 54023 h 174673"/>
+                    <a:gd name="connsiteX14" fmla="*/ 742950 w 742950"/>
+                    <a:gd name="connsiteY14" fmla="*/ 15923 h 174673"/>
+                  </a:gdLst>
+                  <a:ahLst/>
+                  <a:cxnLst>
+                    <a:cxn ang="0">
+                      <a:pos x="connsiteX0" y="connsiteY0"/>
+                    </a:cxn>
+                    <a:cxn ang="0">
+                      <a:pos x="connsiteX1" y="connsiteY1"/>
+                    </a:cxn>
+                    <a:cxn ang="0">
+                      <a:pos x="connsiteX2" y="connsiteY2"/>
+                    </a:cxn>
+                    <a:cxn ang="0">
+                      <a:pos x="connsiteX3" y="connsiteY3"/>
+                    </a:cxn>
+                    <a:cxn ang="0">
+                      <a:pos x="connsiteX4" y="connsiteY4"/>
+                    </a:cxn>
+                    <a:cxn ang="0">
+                      <a:pos x="connsiteX5" y="connsiteY5"/>
+                    </a:cxn>
+                    <a:cxn ang="0">
+                      <a:pos x="connsiteX6" y="connsiteY6"/>
+                    </a:cxn>
+                    <a:cxn ang="0">
+                      <a:pos x="connsiteX7" y="connsiteY7"/>
+                    </a:cxn>
+                    <a:cxn ang="0">
+                      <a:pos x="connsiteX8" y="connsiteY8"/>
+                    </a:cxn>
+                    <a:cxn ang="0">
+                      <a:pos x="connsiteX9" y="connsiteY9"/>
+                    </a:cxn>
+                    <a:cxn ang="0">
+                      <a:pos x="connsiteX10" y="connsiteY10"/>
+                    </a:cxn>
+                    <a:cxn ang="0">
+                      <a:pos x="connsiteX11" y="connsiteY11"/>
+                    </a:cxn>
+                    <a:cxn ang="0">
+                      <a:pos x="connsiteX12" y="connsiteY12"/>
+                    </a:cxn>
+                    <a:cxn ang="0">
+                      <a:pos x="connsiteX13" y="connsiteY13"/>
+                    </a:cxn>
+                    <a:cxn ang="0">
+                      <a:pos x="connsiteX14" y="connsiteY14"/>
+                    </a:cxn>
+                  </a:cxnLst>
+                  <a:rect l="l" t="t" r="r" b="b"/>
+                  <a:pathLst>
+                    <a:path w="742950" h="174673">
+                      <a:moveTo>
+                        <a:pt x="0" y="174673"/>
+                      </a:moveTo>
+                      <a:cubicBezTo>
+                        <a:pt x="25929" y="173614"/>
+                        <a:pt x="51858" y="172556"/>
+                        <a:pt x="76200" y="161973"/>
+                      </a:cubicBezTo>
+                      <a:cubicBezTo>
+                        <a:pt x="100542" y="151390"/>
+                        <a:pt x="120650" y="132340"/>
+                        <a:pt x="146050" y="111173"/>
+                      </a:cubicBezTo>
+                      <a:cubicBezTo>
+                        <a:pt x="171450" y="90006"/>
+                        <a:pt x="206375" y="52965"/>
+                        <a:pt x="228600" y="34973"/>
+                      </a:cubicBezTo>
+                      <a:cubicBezTo>
+                        <a:pt x="250825" y="16981"/>
+                        <a:pt x="259292" y="8515"/>
+                        <a:pt x="279400" y="3223"/>
+                      </a:cubicBezTo>
+                      <a:cubicBezTo>
+                        <a:pt x="299508" y="-2069"/>
+                        <a:pt x="331258" y="48"/>
+                        <a:pt x="349250" y="3223"/>
+                      </a:cubicBezTo>
+                      <a:cubicBezTo>
+                        <a:pt x="367242" y="6398"/>
+                        <a:pt x="385233" y="12748"/>
+                        <a:pt x="387350" y="22273"/>
+                      </a:cubicBezTo>
+                      <a:cubicBezTo>
+                        <a:pt x="389467" y="31798"/>
+                        <a:pt x="366183" y="42381"/>
+                        <a:pt x="361950" y="60373"/>
+                      </a:cubicBezTo>
+                      <a:cubicBezTo>
+                        <a:pt x="357717" y="78365"/>
+                        <a:pt x="349250" y="113290"/>
+                        <a:pt x="361950" y="130223"/>
+                      </a:cubicBezTo>
+                      <a:cubicBezTo>
+                        <a:pt x="374650" y="147156"/>
+                        <a:pt x="415925" y="155623"/>
+                        <a:pt x="438150" y="161973"/>
+                      </a:cubicBezTo>
+                      <a:cubicBezTo>
+                        <a:pt x="460375" y="168323"/>
+                        <a:pt x="473075" y="170440"/>
+                        <a:pt x="495300" y="168323"/>
+                      </a:cubicBezTo>
+                      <a:cubicBezTo>
+                        <a:pt x="517525" y="166206"/>
+                        <a:pt x="547158" y="159856"/>
+                        <a:pt x="571500" y="149273"/>
+                      </a:cubicBezTo>
+                      <a:cubicBezTo>
+                        <a:pt x="595842" y="138690"/>
+                        <a:pt x="621242" y="120698"/>
+                        <a:pt x="641350" y="104823"/>
+                      </a:cubicBezTo>
+                      <a:cubicBezTo>
+                        <a:pt x="661458" y="88948"/>
+                        <a:pt x="675217" y="68840"/>
+                        <a:pt x="692150" y="54023"/>
+                      </a:cubicBezTo>
+                      <a:cubicBezTo>
+                        <a:pt x="709083" y="39206"/>
+                        <a:pt x="726016" y="27564"/>
+                        <a:pt x="742950" y="15923"/>
+                      </a:cubicBezTo>
+                    </a:path>
+                  </a:pathLst>
+                </a:custGeom>
+                <a:noFill/>
+                <a:ln w="57150">
+                  <a:solidFill>
+                    <a:schemeClr val="bg1"/>
+                  </a:solidFill>
+                </a:ln>
+              </p:spPr>
+              <p:style>
+                <a:lnRef idx="2">
+                  <a:schemeClr val="accent1">
+                    <a:shade val="50000"/>
+                  </a:schemeClr>
+                </a:lnRef>
+                <a:fillRef idx="1">
+                  <a:schemeClr val="accent1"/>
+                </a:fillRef>
+                <a:effectRef idx="0">
+                  <a:schemeClr val="accent1"/>
+                </a:effectRef>
+                <a:fontRef idx="minor">
+                  <a:schemeClr val="lt1"/>
+                </a:fontRef>
+              </p:style>
+              <p:txBody>
+                <a:bodyPr rtlCol="0" anchor="ctr"/>
+                <a:lstStyle/>
+                <a:p>
+                  <a:pPr algn="ctr"/>
+                  <a:endParaRPr lang="it-IT" dirty="0"/>
+                </a:p>
+              </p:txBody>
+            </p:sp>
+          </p:grpSp>
+          <p:sp>
+            <p:nvSpPr>
+              <p:cNvPr id="199" name="Figura a mano libera: forma 198"/>
+              <p:cNvSpPr/>
+              <p:nvPr/>
+            </p:nvSpPr>
+            <p:spPr>
+              <a:xfrm>
+                <a:off x="6790810" y="5346724"/>
+                <a:ext cx="495300" cy="174673"/>
+              </a:xfrm>
+              <a:custGeom>
+                <a:avLst/>
+                <a:gdLst>
+                  <a:gd name="connsiteX0" fmla="*/ 0 w 742950"/>
+                  <a:gd name="connsiteY0" fmla="*/ 174673 h 174673"/>
+                  <a:gd name="connsiteX1" fmla="*/ 76200 w 742950"/>
+                  <a:gd name="connsiteY1" fmla="*/ 161973 h 174673"/>
+                  <a:gd name="connsiteX2" fmla="*/ 146050 w 742950"/>
+                  <a:gd name="connsiteY2" fmla="*/ 111173 h 174673"/>
+                  <a:gd name="connsiteX3" fmla="*/ 228600 w 742950"/>
+                  <a:gd name="connsiteY3" fmla="*/ 34973 h 174673"/>
+                  <a:gd name="connsiteX4" fmla="*/ 279400 w 742950"/>
+                  <a:gd name="connsiteY4" fmla="*/ 3223 h 174673"/>
+                  <a:gd name="connsiteX5" fmla="*/ 349250 w 742950"/>
+                  <a:gd name="connsiteY5" fmla="*/ 3223 h 174673"/>
+                  <a:gd name="connsiteX6" fmla="*/ 387350 w 742950"/>
+                  <a:gd name="connsiteY6" fmla="*/ 22273 h 174673"/>
+                  <a:gd name="connsiteX7" fmla="*/ 361950 w 742950"/>
+                  <a:gd name="connsiteY7" fmla="*/ 60373 h 174673"/>
+                  <a:gd name="connsiteX8" fmla="*/ 393700 w 742950"/>
+                  <a:gd name="connsiteY8" fmla="*/ 130223 h 174673"/>
+                  <a:gd name="connsiteX9" fmla="*/ 438150 w 742950"/>
+                  <a:gd name="connsiteY9" fmla="*/ 161973 h 174673"/>
+                  <a:gd name="connsiteX10" fmla="*/ 495300 w 742950"/>
+                  <a:gd name="connsiteY10" fmla="*/ 168323 h 174673"/>
+                  <a:gd name="connsiteX11" fmla="*/ 571500 w 742950"/>
+                  <a:gd name="connsiteY11" fmla="*/ 149273 h 174673"/>
+                  <a:gd name="connsiteX12" fmla="*/ 641350 w 742950"/>
+                  <a:gd name="connsiteY12" fmla="*/ 104823 h 174673"/>
+                  <a:gd name="connsiteX13" fmla="*/ 692150 w 742950"/>
+                  <a:gd name="connsiteY13" fmla="*/ 54023 h 174673"/>
+                  <a:gd name="connsiteX14" fmla="*/ 742950 w 742950"/>
+                  <a:gd name="connsiteY14" fmla="*/ 15923 h 174673"/>
+                  <a:gd name="connsiteX0" fmla="*/ 0 w 742950"/>
+                  <a:gd name="connsiteY0" fmla="*/ 174673 h 174673"/>
+                  <a:gd name="connsiteX1" fmla="*/ 76200 w 742950"/>
+                  <a:gd name="connsiteY1" fmla="*/ 161973 h 174673"/>
+                  <a:gd name="connsiteX2" fmla="*/ 146050 w 742950"/>
+                  <a:gd name="connsiteY2" fmla="*/ 111173 h 174673"/>
+                  <a:gd name="connsiteX3" fmla="*/ 228600 w 742950"/>
+                  <a:gd name="connsiteY3" fmla="*/ 34973 h 174673"/>
+                  <a:gd name="connsiteX4" fmla="*/ 279400 w 742950"/>
+                  <a:gd name="connsiteY4" fmla="*/ 3223 h 174673"/>
+                  <a:gd name="connsiteX5" fmla="*/ 349250 w 742950"/>
+                  <a:gd name="connsiteY5" fmla="*/ 3223 h 174673"/>
+                  <a:gd name="connsiteX6" fmla="*/ 387350 w 742950"/>
+                  <a:gd name="connsiteY6" fmla="*/ 22273 h 174673"/>
+                  <a:gd name="connsiteX7" fmla="*/ 361950 w 742950"/>
+                  <a:gd name="connsiteY7" fmla="*/ 60373 h 174673"/>
+                  <a:gd name="connsiteX8" fmla="*/ 361950 w 742950"/>
+                  <a:gd name="connsiteY8" fmla="*/ 130223 h 174673"/>
+                  <a:gd name="connsiteX9" fmla="*/ 438150 w 742950"/>
+                  <a:gd name="connsiteY9" fmla="*/ 161973 h 174673"/>
+                  <a:gd name="connsiteX10" fmla="*/ 495300 w 742950"/>
+                  <a:gd name="connsiteY10" fmla="*/ 168323 h 174673"/>
+                  <a:gd name="connsiteX11" fmla="*/ 571500 w 742950"/>
+                  <a:gd name="connsiteY11" fmla="*/ 149273 h 174673"/>
+                  <a:gd name="connsiteX12" fmla="*/ 641350 w 742950"/>
+                  <a:gd name="connsiteY12" fmla="*/ 104823 h 174673"/>
+                  <a:gd name="connsiteX13" fmla="*/ 692150 w 742950"/>
+                  <a:gd name="connsiteY13" fmla="*/ 54023 h 174673"/>
+                  <a:gd name="connsiteX14" fmla="*/ 742950 w 742950"/>
+                  <a:gd name="connsiteY14" fmla="*/ 15923 h 174673"/>
+                  <a:gd name="connsiteX0" fmla="*/ 0 w 692150"/>
+                  <a:gd name="connsiteY0" fmla="*/ 174673 h 174673"/>
+                  <a:gd name="connsiteX1" fmla="*/ 76200 w 692150"/>
+                  <a:gd name="connsiteY1" fmla="*/ 161973 h 174673"/>
+                  <a:gd name="connsiteX2" fmla="*/ 146050 w 692150"/>
+                  <a:gd name="connsiteY2" fmla="*/ 111173 h 174673"/>
+                  <a:gd name="connsiteX3" fmla="*/ 228600 w 692150"/>
+                  <a:gd name="connsiteY3" fmla="*/ 34973 h 174673"/>
+                  <a:gd name="connsiteX4" fmla="*/ 279400 w 692150"/>
+                  <a:gd name="connsiteY4" fmla="*/ 3223 h 174673"/>
+                  <a:gd name="connsiteX5" fmla="*/ 349250 w 692150"/>
+                  <a:gd name="connsiteY5" fmla="*/ 3223 h 174673"/>
+                  <a:gd name="connsiteX6" fmla="*/ 387350 w 692150"/>
+                  <a:gd name="connsiteY6" fmla="*/ 22273 h 174673"/>
+                  <a:gd name="connsiteX7" fmla="*/ 361950 w 692150"/>
+                  <a:gd name="connsiteY7" fmla="*/ 60373 h 174673"/>
+                  <a:gd name="connsiteX8" fmla="*/ 361950 w 692150"/>
+                  <a:gd name="connsiteY8" fmla="*/ 130223 h 174673"/>
+                  <a:gd name="connsiteX9" fmla="*/ 438150 w 692150"/>
+                  <a:gd name="connsiteY9" fmla="*/ 161973 h 174673"/>
+                  <a:gd name="connsiteX10" fmla="*/ 495300 w 692150"/>
+                  <a:gd name="connsiteY10" fmla="*/ 168323 h 174673"/>
+                  <a:gd name="connsiteX11" fmla="*/ 571500 w 692150"/>
+                  <a:gd name="connsiteY11" fmla="*/ 149273 h 174673"/>
+                  <a:gd name="connsiteX12" fmla="*/ 641350 w 692150"/>
+                  <a:gd name="connsiteY12" fmla="*/ 104823 h 174673"/>
+                  <a:gd name="connsiteX13" fmla="*/ 692150 w 692150"/>
+                  <a:gd name="connsiteY13" fmla="*/ 54023 h 174673"/>
+                  <a:gd name="connsiteX0" fmla="*/ 0 w 641350"/>
+                  <a:gd name="connsiteY0" fmla="*/ 174673 h 174673"/>
+                  <a:gd name="connsiteX1" fmla="*/ 76200 w 641350"/>
+                  <a:gd name="connsiteY1" fmla="*/ 161973 h 174673"/>
+                  <a:gd name="connsiteX2" fmla="*/ 146050 w 641350"/>
+                  <a:gd name="connsiteY2" fmla="*/ 111173 h 174673"/>
+                  <a:gd name="connsiteX3" fmla="*/ 228600 w 641350"/>
+                  <a:gd name="connsiteY3" fmla="*/ 34973 h 174673"/>
+                  <a:gd name="connsiteX4" fmla="*/ 279400 w 641350"/>
+                  <a:gd name="connsiteY4" fmla="*/ 3223 h 174673"/>
+                  <a:gd name="connsiteX5" fmla="*/ 349250 w 641350"/>
+                  <a:gd name="connsiteY5" fmla="*/ 3223 h 174673"/>
+                  <a:gd name="connsiteX6" fmla="*/ 387350 w 641350"/>
+                  <a:gd name="connsiteY6" fmla="*/ 22273 h 174673"/>
+                  <a:gd name="connsiteX7" fmla="*/ 361950 w 641350"/>
+                  <a:gd name="connsiteY7" fmla="*/ 60373 h 174673"/>
+                  <a:gd name="connsiteX8" fmla="*/ 361950 w 641350"/>
+                  <a:gd name="connsiteY8" fmla="*/ 130223 h 174673"/>
+                  <a:gd name="connsiteX9" fmla="*/ 438150 w 641350"/>
+                  <a:gd name="connsiteY9" fmla="*/ 161973 h 174673"/>
+                  <a:gd name="connsiteX10" fmla="*/ 495300 w 641350"/>
+                  <a:gd name="connsiteY10" fmla="*/ 168323 h 174673"/>
+                  <a:gd name="connsiteX11" fmla="*/ 571500 w 641350"/>
+                  <a:gd name="connsiteY11" fmla="*/ 149273 h 174673"/>
+                  <a:gd name="connsiteX12" fmla="*/ 641350 w 641350"/>
+                  <a:gd name="connsiteY12" fmla="*/ 104823 h 174673"/>
+                  <a:gd name="connsiteX0" fmla="*/ 0 w 571500"/>
+                  <a:gd name="connsiteY0" fmla="*/ 174673 h 174673"/>
+                  <a:gd name="connsiteX1" fmla="*/ 76200 w 571500"/>
+                  <a:gd name="connsiteY1" fmla="*/ 161973 h 174673"/>
+                  <a:gd name="connsiteX2" fmla="*/ 146050 w 571500"/>
+                  <a:gd name="connsiteY2" fmla="*/ 111173 h 174673"/>
+                  <a:gd name="connsiteX3" fmla="*/ 228600 w 571500"/>
+                  <a:gd name="connsiteY3" fmla="*/ 34973 h 174673"/>
+                  <a:gd name="connsiteX4" fmla="*/ 279400 w 571500"/>
+                  <a:gd name="connsiteY4" fmla="*/ 3223 h 174673"/>
+                  <a:gd name="connsiteX5" fmla="*/ 349250 w 571500"/>
+                  <a:gd name="connsiteY5" fmla="*/ 3223 h 174673"/>
+                  <a:gd name="connsiteX6" fmla="*/ 387350 w 571500"/>
+                  <a:gd name="connsiteY6" fmla="*/ 22273 h 174673"/>
+                  <a:gd name="connsiteX7" fmla="*/ 361950 w 571500"/>
+                  <a:gd name="connsiteY7" fmla="*/ 60373 h 174673"/>
+                  <a:gd name="connsiteX8" fmla="*/ 361950 w 571500"/>
+                  <a:gd name="connsiteY8" fmla="*/ 130223 h 174673"/>
+                  <a:gd name="connsiteX9" fmla="*/ 438150 w 571500"/>
+                  <a:gd name="connsiteY9" fmla="*/ 161973 h 174673"/>
+                  <a:gd name="connsiteX10" fmla="*/ 495300 w 571500"/>
+                  <a:gd name="connsiteY10" fmla="*/ 168323 h 174673"/>
+                  <a:gd name="connsiteX11" fmla="*/ 571500 w 571500"/>
+                  <a:gd name="connsiteY11" fmla="*/ 149273 h 174673"/>
+                  <a:gd name="connsiteX0" fmla="*/ 0 w 495300"/>
+                  <a:gd name="connsiteY0" fmla="*/ 174673 h 174673"/>
+                  <a:gd name="connsiteX1" fmla="*/ 76200 w 495300"/>
+                  <a:gd name="connsiteY1" fmla="*/ 161973 h 174673"/>
+                  <a:gd name="connsiteX2" fmla="*/ 146050 w 495300"/>
+                  <a:gd name="connsiteY2" fmla="*/ 111173 h 174673"/>
+                  <a:gd name="connsiteX3" fmla="*/ 228600 w 495300"/>
+                  <a:gd name="connsiteY3" fmla="*/ 34973 h 174673"/>
+                  <a:gd name="connsiteX4" fmla="*/ 279400 w 495300"/>
+                  <a:gd name="connsiteY4" fmla="*/ 3223 h 174673"/>
+                  <a:gd name="connsiteX5" fmla="*/ 349250 w 495300"/>
+                  <a:gd name="connsiteY5" fmla="*/ 3223 h 174673"/>
+                  <a:gd name="connsiteX6" fmla="*/ 387350 w 495300"/>
+                  <a:gd name="connsiteY6" fmla="*/ 22273 h 174673"/>
+                  <a:gd name="connsiteX7" fmla="*/ 361950 w 495300"/>
+                  <a:gd name="connsiteY7" fmla="*/ 60373 h 174673"/>
+                  <a:gd name="connsiteX8" fmla="*/ 361950 w 495300"/>
+                  <a:gd name="connsiteY8" fmla="*/ 130223 h 174673"/>
+                  <a:gd name="connsiteX9" fmla="*/ 438150 w 495300"/>
+                  <a:gd name="connsiteY9" fmla="*/ 161973 h 174673"/>
+                  <a:gd name="connsiteX10" fmla="*/ 495300 w 495300"/>
+                  <a:gd name="connsiteY10" fmla="*/ 168323 h 174673"/>
+                </a:gdLst>
+                <a:ahLst/>
+                <a:cxnLst>
+                  <a:cxn ang="0">
+                    <a:pos x="connsiteX0" y="connsiteY0"/>
+                  </a:cxn>
+                  <a:cxn ang="0">
+                    <a:pos x="connsiteX1" y="connsiteY1"/>
+                  </a:cxn>
+                  <a:cxn ang="0">
+                    <a:pos x="connsiteX2" y="connsiteY2"/>
+                  </a:cxn>
+                  <a:cxn ang="0">
+                    <a:pos x="connsiteX3" y="connsiteY3"/>
+                  </a:cxn>
+                  <a:cxn ang="0">
+                    <a:pos x="connsiteX4" y="connsiteY4"/>
+                  </a:cxn>
+                  <a:cxn ang="0">
+                    <a:pos x="connsiteX5" y="connsiteY5"/>
+                  </a:cxn>
+                  <a:cxn ang="0">
+                    <a:pos x="connsiteX6" y="connsiteY6"/>
+                  </a:cxn>
+                  <a:cxn ang="0">
+                    <a:pos x="connsiteX7" y="connsiteY7"/>
+                  </a:cxn>
+                  <a:cxn ang="0">
+                    <a:pos x="connsiteX8" y="connsiteY8"/>
+                  </a:cxn>
+                  <a:cxn ang="0">
+                    <a:pos x="connsiteX9" y="connsiteY9"/>
+                  </a:cxn>
+                  <a:cxn ang="0">
+                    <a:pos x="connsiteX10" y="connsiteY10"/>
+                  </a:cxn>
+                </a:cxnLst>
+                <a:rect l="l" t="t" r="r" b="b"/>
+                <a:pathLst>
+                  <a:path w="495300" h="174673">
+                    <a:moveTo>
+                      <a:pt x="0" y="174673"/>
+                    </a:moveTo>
+                    <a:cubicBezTo>
+                      <a:pt x="25929" y="173614"/>
+                      <a:pt x="51858" y="172556"/>
+                      <a:pt x="76200" y="161973"/>
+                    </a:cubicBezTo>
+                    <a:cubicBezTo>
+                      <a:pt x="100542" y="151390"/>
+                      <a:pt x="120650" y="132340"/>
+                      <a:pt x="146050" y="111173"/>
+                    </a:cubicBezTo>
+                    <a:cubicBezTo>
+                      <a:pt x="171450" y="90006"/>
+                      <a:pt x="206375" y="52965"/>
+                      <a:pt x="228600" y="34973"/>
+                    </a:cubicBezTo>
+                    <a:cubicBezTo>
+                      <a:pt x="250825" y="16981"/>
+                      <a:pt x="259292" y="8515"/>
+                      <a:pt x="279400" y="3223"/>
+                    </a:cubicBezTo>
+                    <a:cubicBezTo>
+                      <a:pt x="299508" y="-2069"/>
+                      <a:pt x="331258" y="48"/>
+                      <a:pt x="349250" y="3223"/>
+                    </a:cubicBezTo>
+                    <a:cubicBezTo>
+                      <a:pt x="367242" y="6398"/>
+                      <a:pt x="385233" y="12748"/>
+                      <a:pt x="387350" y="22273"/>
+                    </a:cubicBezTo>
+                    <a:cubicBezTo>
+                      <a:pt x="389467" y="31798"/>
+                      <a:pt x="366183" y="42381"/>
+                      <a:pt x="361950" y="60373"/>
+                    </a:cubicBezTo>
+                    <a:cubicBezTo>
+                      <a:pt x="357717" y="78365"/>
+                      <a:pt x="349250" y="113290"/>
+                      <a:pt x="361950" y="130223"/>
+                    </a:cubicBezTo>
+                    <a:cubicBezTo>
+                      <a:pt x="374650" y="147156"/>
+                      <a:pt x="415925" y="155623"/>
+                      <a:pt x="438150" y="161973"/>
+                    </a:cubicBezTo>
+                    <a:cubicBezTo>
+                      <a:pt x="460375" y="168323"/>
+                      <a:pt x="473075" y="170440"/>
+                      <a:pt x="495300" y="168323"/>
+                    </a:cubicBezTo>
+                  </a:path>
+                </a:pathLst>
+              </a:custGeom>
+              <a:noFill/>
+              <a:ln w="57150">
+                <a:solidFill>
+                  <a:schemeClr val="bg1"/>
+                </a:solidFill>
+              </a:ln>
+            </p:spPr>
+            <p:style>
+              <a:lnRef idx="2">
+                <a:schemeClr val="accent1">
+                  <a:shade val="50000"/>
+                </a:schemeClr>
+              </a:lnRef>
+              <a:fillRef idx="1">
+                <a:schemeClr val="accent1"/>
+              </a:fillRef>
+              <a:effectRef idx="0">
+                <a:schemeClr val="accent1"/>
+              </a:effectRef>
+              <a:fontRef idx="minor">
+                <a:schemeClr val="lt1"/>
+              </a:fontRef>
+            </p:style>
+            <p:txBody>
+              <a:bodyPr rtlCol="0" anchor="ctr"/>
+              <a:lstStyle/>
+              <a:p>
+                <a:pPr algn="ctr"/>
+                <a:endParaRPr lang="it-IT" dirty="0"/>
+              </a:p>
+            </p:txBody>
+          </p:sp>
+        </p:grpSp>
+      </p:grpSp>
+      <p:sp>
+        <p:nvSpPr>
+          <p:cNvPr id="200" name="Rettangolo 199"/>
+          <p:cNvSpPr/>
+          <p:nvPr/>
+        </p:nvSpPr>
+        <p:spPr>
+          <a:xfrm>
+            <a:off x="7862920" y="4484054"/>
+            <a:ext cx="2160000" cy="1800000"/>
+          </a:xfrm>
+          <a:prstGeom prst="rect">
+            <a:avLst/>
+          </a:prstGeom>
+          <a:solidFill>
+            <a:srgbClr val="01579B"/>
+          </a:solidFill>
+          <a:ln>
+            <a:noFill/>
+          </a:ln>
+        </p:spPr>
+        <p:style>
+          <a:lnRef idx="2">
+            <a:schemeClr val="accent1">
+              <a:shade val="50000"/>
+            </a:schemeClr>
+          </a:lnRef>
+          <a:fillRef idx="1">
+            <a:schemeClr val="accent1"/>
+          </a:fillRef>
+          <a:effectRef idx="0">
+            <a:schemeClr val="accent1"/>
+          </a:effectRef>
+          <a:fontRef idx="minor">
+            <a:schemeClr val="lt1"/>
+          </a:fontRef>
+        </p:style>
+        <p:txBody>
+          <a:bodyPr rtlCol="0" anchor="ctr"/>
+          <a:lstStyle/>
+          <a:p>
+            <a:pPr algn="ctr"/>
+            <a:endParaRPr lang="it-IT" dirty="0"/>
+          </a:p>
+        </p:txBody>
+      </p:sp>
+      <p:sp>
+        <p:nvSpPr>
+          <p:cNvPr id="201" name="Arco 200"/>
+          <p:cNvSpPr/>
+          <p:nvPr/>
+        </p:nvSpPr>
+        <p:spPr>
+          <a:xfrm rot="10800000">
+            <a:off x="8060892" y="3560020"/>
+            <a:ext cx="1818053" cy="1404000"/>
+          </a:xfrm>
+          <a:prstGeom prst="arc">
+            <a:avLst>
+              <a:gd name="adj1" fmla="val 12777896"/>
+              <a:gd name="adj2" fmla="val 19689602"/>
+            </a:avLst>
+          </a:prstGeom>
+          <a:ln w="76200">
+            <a:solidFill>
+              <a:schemeClr val="bg1"/>
+            </a:solidFill>
+          </a:ln>
+        </p:spPr>
+        <p:style>
+          <a:lnRef idx="1">
+            <a:schemeClr val="accent1"/>
+          </a:lnRef>
+          <a:fillRef idx="0">
+            <a:schemeClr val="accent1"/>
+          </a:fillRef>
+          <a:effectRef idx="0">
+            <a:schemeClr val="accent1"/>
+          </a:effectRef>
+          <a:fontRef idx="minor">
+            <a:schemeClr val="tx1"/>
+          </a:fontRef>
+        </p:style>
+        <p:txBody>
+          <a:bodyPr rtlCol="0" anchor="ctr"/>
+          <a:lstStyle/>
+          <a:p>
+            <a:pPr algn="ctr"/>
+            <a:endParaRPr lang="it-IT"/>
+          </a:p>
+        </p:txBody>
+      </p:sp>
+      <p:grpSp>
+        <p:nvGrpSpPr>
+          <p:cNvPr id="1029" name="Gruppo 1028"/>
+          <p:cNvGrpSpPr/>
+          <p:nvPr/>
+        </p:nvGrpSpPr>
+        <p:grpSpPr>
+          <a:xfrm>
+            <a:off x="8255282" y="5197841"/>
+            <a:ext cx="1430893" cy="855059"/>
+            <a:chOff x="8140982" y="5032741"/>
+            <a:chExt cx="1430893" cy="855059"/>
+          </a:xfrm>
+        </p:grpSpPr>
+        <p:grpSp>
+          <p:nvGrpSpPr>
+            <p:cNvPr id="83" name="Gruppo 82"/>
+            <p:cNvGrpSpPr/>
+            <p:nvPr/>
+          </p:nvGrpSpPr>
+          <p:grpSpPr>
+            <a:xfrm>
+              <a:off x="8140982" y="5032741"/>
+              <a:ext cx="936938" cy="836676"/>
+              <a:chOff x="8304501" y="5045237"/>
+              <a:chExt cx="936938" cy="836676"/>
+            </a:xfrm>
+          </p:grpSpPr>
+          <p:cxnSp>
+            <p:nvCxnSpPr>
+              <p:cNvPr id="54" name="Connettore diritto 53"/>
+              <p:cNvCxnSpPr/>
+              <p:nvPr/>
+            </p:nvCxnSpPr>
+            <p:spPr>
+              <a:xfrm flipH="1">
+                <a:off x="8304501" y="5045237"/>
+                <a:ext cx="472267" cy="836676"/>
+              </a:xfrm>
+              <a:prstGeom prst="line">
+                <a:avLst/>
+              </a:prstGeom>
+              <a:ln w="57150">
+                <a:solidFill>
+                  <a:schemeClr val="bg1"/>
+                </a:solidFill>
+                <a:headEnd type="oval" w="med" len="med"/>
+                <a:tailEnd type="triangle" w="med" len="med"/>
+              </a:ln>
+            </p:spPr>
+            <p:style>
+              <a:lnRef idx="1">
+                <a:schemeClr val="accent1"/>
+              </a:lnRef>
+              <a:fillRef idx="0">
+                <a:schemeClr val="accent1"/>
+              </a:fillRef>
+              <a:effectRef idx="0">
+                <a:schemeClr val="accent1"/>
+              </a:effectRef>
+              <a:fontRef idx="minor">
+                <a:schemeClr val="tx1"/>
+              </a:fontRef>
+            </p:style>
+          </p:cxnSp>
+          <p:cxnSp>
+            <p:nvCxnSpPr>
+              <p:cNvPr id="202" name="Connettore diritto 201"/>
+              <p:cNvCxnSpPr/>
+              <p:nvPr/>
+            </p:nvCxnSpPr>
+            <p:spPr>
+              <a:xfrm>
+                <a:off x="8771788" y="5049318"/>
+                <a:ext cx="469651" cy="832595"/>
+              </a:xfrm>
+              <a:prstGeom prst="line">
+                <a:avLst/>
+              </a:prstGeom>
+              <a:ln w="57150">
+                <a:solidFill>
+                  <a:schemeClr val="bg1"/>
+                </a:solidFill>
+                <a:prstDash val="sysDot"/>
+                <a:headEnd type="oval" w="med" len="med"/>
+                <a:tailEnd type="triangle" w="med" len="med"/>
+              </a:ln>
+            </p:spPr>
+            <p:style>
+              <a:lnRef idx="1">
+                <a:schemeClr val="accent1"/>
+              </a:lnRef>
+              <a:fillRef idx="0">
+                <a:schemeClr val="accent1"/>
+              </a:fillRef>
+              <a:effectRef idx="0">
+                <a:schemeClr val="accent1"/>
+              </a:effectRef>
+              <a:fontRef idx="minor">
+                <a:schemeClr val="tx1"/>
+              </a:fontRef>
+            </p:style>
+          </p:cxnSp>
+        </p:grpSp>
+        <p:grpSp>
+          <p:nvGrpSpPr>
+            <p:cNvPr id="215" name="Gruppo 214"/>
+            <p:cNvGrpSpPr/>
+            <p:nvPr/>
+          </p:nvGrpSpPr>
+          <p:grpSpPr>
+            <a:xfrm>
+              <a:off x="8634937" y="5051124"/>
+              <a:ext cx="936938" cy="836676"/>
+              <a:chOff x="8304501" y="5045237"/>
+              <a:chExt cx="936938" cy="836676"/>
+            </a:xfrm>
+          </p:grpSpPr>
+          <p:cxnSp>
+            <p:nvCxnSpPr>
+              <p:cNvPr id="216" name="Connettore diritto 215"/>
+              <p:cNvCxnSpPr/>
+              <p:nvPr/>
+            </p:nvCxnSpPr>
+            <p:spPr>
+              <a:xfrm flipH="1">
+                <a:off x="8304501" y="5045237"/>
+                <a:ext cx="472267" cy="836676"/>
+              </a:xfrm>
+              <a:prstGeom prst="line">
+                <a:avLst/>
+              </a:prstGeom>
+              <a:ln w="57150">
+                <a:solidFill>
+                  <a:schemeClr val="bg1"/>
+                </a:solidFill>
+                <a:headEnd type="oval" w="med" len="med"/>
+                <a:tailEnd type="triangle" w="med" len="med"/>
+              </a:ln>
+            </p:spPr>
+            <p:style>
+              <a:lnRef idx="1">
+                <a:schemeClr val="accent1"/>
+              </a:lnRef>
+              <a:fillRef idx="0">
+                <a:schemeClr val="accent1"/>
+              </a:fillRef>
+              <a:effectRef idx="0">
+                <a:schemeClr val="accent1"/>
+              </a:effectRef>
+              <a:fontRef idx="minor">
+                <a:schemeClr val="tx1"/>
+              </a:fontRef>
+            </p:style>
+          </p:cxnSp>
+          <p:cxnSp>
+            <p:nvCxnSpPr>
+              <p:cNvPr id="217" name="Connettore diritto 216"/>
+              <p:cNvCxnSpPr/>
+              <p:nvPr/>
+            </p:nvCxnSpPr>
+            <p:spPr>
+              <a:xfrm>
+                <a:off x="8771788" y="5049318"/>
+                <a:ext cx="469651" cy="832595"/>
+              </a:xfrm>
+              <a:prstGeom prst="line">
+                <a:avLst/>
+              </a:prstGeom>
+              <a:ln w="57150">
+                <a:solidFill>
+                  <a:schemeClr val="bg1"/>
+                </a:solidFill>
+                <a:prstDash val="sysDot"/>
+                <a:headEnd type="oval" w="med" len="med"/>
+                <a:tailEnd type="triangle" w="med" len="med"/>
+              </a:ln>
+            </p:spPr>
+            <p:style>
+              <a:lnRef idx="1">
+                <a:schemeClr val="accent1"/>
+              </a:lnRef>
+              <a:fillRef idx="0">
+                <a:schemeClr val="accent1"/>
+              </a:fillRef>
+              <a:effectRef idx="0">
+                <a:schemeClr val="accent1"/>
+              </a:effectRef>
+              <a:fontRef idx="minor">
+                <a:schemeClr val="tx1"/>
+              </a:fontRef>
+            </p:style>
+          </p:cxnSp>
+        </p:grpSp>
       </p:grpSp>
     </p:spTree>
     <p:extLst>

--- a/MadMeteo/res/icons.pptx
+++ b/MadMeteo/res/icons.pptx
@@ -244,7 +244,7 @@
           <a:p>
             <a:fld id="{551FD8FC-7C72-4BD7-8D55-3B6D9C41F69A}" type="datetimeFigureOut">
               <a:rPr lang="it-IT" smtClean="0"/>
-              <a:t>23/01/2018</a:t>
+              <a:t>24/01/2018</a:t>
             </a:fld>
             <a:endParaRPr lang="it-IT"/>
           </a:p>
@@ -412,7 +412,7 @@
           <a:p>
             <a:fld id="{551FD8FC-7C72-4BD7-8D55-3B6D9C41F69A}" type="datetimeFigureOut">
               <a:rPr lang="it-IT" smtClean="0"/>
-              <a:t>23/01/2018</a:t>
+              <a:t>24/01/2018</a:t>
             </a:fld>
             <a:endParaRPr lang="it-IT"/>
           </a:p>
@@ -590,7 +590,7 @@
           <a:p>
             <a:fld id="{551FD8FC-7C72-4BD7-8D55-3B6D9C41F69A}" type="datetimeFigureOut">
               <a:rPr lang="it-IT" smtClean="0"/>
-              <a:t>23/01/2018</a:t>
+              <a:t>24/01/2018</a:t>
             </a:fld>
             <a:endParaRPr lang="it-IT"/>
           </a:p>
@@ -758,7 +758,7 @@
           <a:p>
             <a:fld id="{551FD8FC-7C72-4BD7-8D55-3B6D9C41F69A}" type="datetimeFigureOut">
               <a:rPr lang="it-IT" smtClean="0"/>
-              <a:t>23/01/2018</a:t>
+              <a:t>24/01/2018</a:t>
             </a:fld>
             <a:endParaRPr lang="it-IT"/>
           </a:p>
@@ -1003,7 +1003,7 @@
           <a:p>
             <a:fld id="{551FD8FC-7C72-4BD7-8D55-3B6D9C41F69A}" type="datetimeFigureOut">
               <a:rPr lang="it-IT" smtClean="0"/>
-              <a:t>23/01/2018</a:t>
+              <a:t>24/01/2018</a:t>
             </a:fld>
             <a:endParaRPr lang="it-IT"/>
           </a:p>
@@ -1232,7 +1232,7 @@
           <a:p>
             <a:fld id="{551FD8FC-7C72-4BD7-8D55-3B6D9C41F69A}" type="datetimeFigureOut">
               <a:rPr lang="it-IT" smtClean="0"/>
-              <a:t>23/01/2018</a:t>
+              <a:t>24/01/2018</a:t>
             </a:fld>
             <a:endParaRPr lang="it-IT"/>
           </a:p>
@@ -1596,7 +1596,7 @@
           <a:p>
             <a:fld id="{551FD8FC-7C72-4BD7-8D55-3B6D9C41F69A}" type="datetimeFigureOut">
               <a:rPr lang="it-IT" smtClean="0"/>
-              <a:t>23/01/2018</a:t>
+              <a:t>24/01/2018</a:t>
             </a:fld>
             <a:endParaRPr lang="it-IT"/>
           </a:p>
@@ -1713,7 +1713,7 @@
           <a:p>
             <a:fld id="{551FD8FC-7C72-4BD7-8D55-3B6D9C41F69A}" type="datetimeFigureOut">
               <a:rPr lang="it-IT" smtClean="0"/>
-              <a:t>23/01/2018</a:t>
+              <a:t>24/01/2018</a:t>
             </a:fld>
             <a:endParaRPr lang="it-IT"/>
           </a:p>
@@ -1808,7 +1808,7 @@
           <a:p>
             <a:fld id="{551FD8FC-7C72-4BD7-8D55-3B6D9C41F69A}" type="datetimeFigureOut">
               <a:rPr lang="it-IT" smtClean="0"/>
-              <a:t>23/01/2018</a:t>
+              <a:t>24/01/2018</a:t>
             </a:fld>
             <a:endParaRPr lang="it-IT"/>
           </a:p>
@@ -2083,7 +2083,7 @@
           <a:p>
             <a:fld id="{551FD8FC-7C72-4BD7-8D55-3B6D9C41F69A}" type="datetimeFigureOut">
               <a:rPr lang="it-IT" smtClean="0"/>
-              <a:t>23/01/2018</a:t>
+              <a:t>24/01/2018</a:t>
             </a:fld>
             <a:endParaRPr lang="it-IT"/>
           </a:p>
@@ -2335,7 +2335,7 @@
           <a:p>
             <a:fld id="{551FD8FC-7C72-4BD7-8D55-3B6D9C41F69A}" type="datetimeFigureOut">
               <a:rPr lang="it-IT" smtClean="0"/>
-              <a:t>23/01/2018</a:t>
+              <a:t>24/01/2018</a:t>
             </a:fld>
             <a:endParaRPr lang="it-IT"/>
           </a:p>
@@ -2546,7 +2546,7 @@
           <a:p>
             <a:fld id="{551FD8FC-7C72-4BD7-8D55-3B6D9C41F69A}" type="datetimeFigureOut">
               <a:rPr lang="it-IT" smtClean="0"/>
-              <a:t>23/01/2018</a:t>
+              <a:t>24/01/2018</a:t>
             </a:fld>
             <a:endParaRPr lang="it-IT"/>
           </a:p>
